--- a/templates/ppt_template/split_presentations_236.pptx
+++ b/templates/ppt_template/split_presentations_236.pptx
@@ -800,7 +800,7 @@
           <a:graphicData uri="http://schemas.openxmlformats.org/presentationml/2006/ole">
             <mc:AlternateContent xmlns:mc="http://schemas.openxmlformats.org/markup-compatibility/2006">
               <mc:Choice xmlns:v="urn:schemas-microsoft-com:vml" Requires="v">
-                <p:oleObj spid="_x0000_s261127" name="think-cell 幻灯片" r:id="rId4" imgW="349" imgH="350" progId="TCLayout.ActiveDocument.1">
+                <p:oleObj spid="_x0000_s261136" name="think-cell 幻灯片" r:id="rId4" imgW="349" imgH="350" progId="TCLayout.ActiveDocument.1">
                   <p:embed/>
                 </p:oleObj>
               </mc:Choice>
@@ -950,7 +950,7 @@
           <a:graphicData uri="http://schemas.openxmlformats.org/presentationml/2006/ole">
             <mc:AlternateContent xmlns:mc="http://schemas.openxmlformats.org/markup-compatibility/2006">
               <mc:Choice xmlns:v="urn:schemas-microsoft-com:vml" Requires="v">
-                <p:oleObj spid="_x0000_s259079" name="think-cell 幻灯片" r:id="rId10" imgW="270" imgH="270" progId="TCLayout.ActiveDocument.1">
+                <p:oleObj spid="_x0000_s259088" name="think-cell 幻灯片" r:id="rId10" imgW="270" imgH="270" progId="TCLayout.ActiveDocument.1">
                   <p:embed/>
                 </p:oleObj>
               </mc:Choice>
@@ -3300,7 +3300,7 @@
           <a:graphicData uri="http://schemas.openxmlformats.org/presentationml/2006/ole">
             <mc:AlternateContent xmlns:mc="http://schemas.openxmlformats.org/markup-compatibility/2006">
               <mc:Choice xmlns:v="urn:schemas-microsoft-com:vml" Requires="v">
-                <p:oleObj spid="_x0000_s243719" name="think-cell 幻灯片" r:id="rId11" imgW="349" imgH="350" progId="TCLayout.ActiveDocument.1">
+                <p:oleObj spid="_x0000_s243728" name="think-cell 幻灯片" r:id="rId11" imgW="349" imgH="350" progId="TCLayout.ActiveDocument.1">
                   <p:embed/>
                 </p:oleObj>
               </mc:Choice>
@@ -3411,8 +3411,8 @@
           <a:lstStyle/>
           <a:p>
             <a:r>
-              <a:rPr lang="en-US"/>
-              <a:t>Timeline with slide transitions, horizontal III</a:t>
+              <a:rPr lang="en-US" dirty="0"/>
+              <a:t>{title}</a:t>
             </a:r>
           </a:p>
         </p:txBody>
@@ -3631,20 +3631,25 @@
               <a:defRPr/>
             </a:pPr>
             <a:r>
-              <a:rPr kumimoji="0" lang="en-US" sz="1400" b="1" i="0" u="none" strike="noStrike" kern="1200" cap="none" spc="0" normalizeH="0" baseline="0" noProof="0">
-                <a:ln>
-                  <a:noFill/>
-                </a:ln>
+              <a:rPr lang="en-US" sz="1400" b="1" dirty="0">
                 <a:solidFill>
                   <a:schemeClr val="accent1"/>
                 </a:solidFill>
-                <a:effectLst/>
-                <a:uLnTx/>
-                <a:uFillTx/>
-                <a:ea typeface="+mn-ea"/>
               </a:rPr>
-              <a:t>2021</a:t>
+              <a:t>{year_1}</a:t>
             </a:r>
+            <a:endParaRPr kumimoji="0" lang="en-US" sz="1400" b="1" i="0" u="none" strike="noStrike" kern="1200" cap="none" spc="0" normalizeH="0" baseline="0" noProof="0" dirty="0">
+              <a:ln>
+                <a:noFill/>
+              </a:ln>
+              <a:solidFill>
+                <a:schemeClr val="accent1"/>
+              </a:solidFill>
+              <a:effectLst/>
+              <a:uLnTx/>
+              <a:uFillTx/>
+              <a:ea typeface="+mn-ea"/>
+            </a:endParaRPr>
           </a:p>
           <a:p>
             <a:pPr marL="0" marR="0" lvl="0" indent="0" algn="l" defTabSz="914400" eaLnBrk="1" fontAlgn="auto" latinLnBrk="0" hangingPunct="1">
@@ -3667,7 +3672,7 @@
               <a:defRPr/>
             </a:pPr>
             <a:r>
-              <a:rPr kumimoji="0" lang="en-US" sz="2000" b="0" i="0" u="none" strike="noStrike" kern="1200" cap="none" spc="0" normalizeH="0" baseline="0" noProof="0">
+              <a:rPr kumimoji="0" lang="en-US" sz="2000" b="0" i="0" u="none" strike="noStrike" kern="1200" cap="none" spc="0" normalizeH="0" baseline="0" noProof="0" dirty="0">
                 <a:ln>
                   <a:noFill/>
                 </a:ln>
@@ -3679,7 +3684,7 @@
                 <a:uFillTx/>
                 <a:ea typeface="+mn-ea"/>
               </a:rPr>
-              <a:t>Sample text</a:t>
+              <a:t>{year_1_bullet}</a:t>
             </a:r>
           </a:p>
         </p:txBody>
@@ -3882,24 +3887,8 @@
               </a:spcBef>
             </a:pPr>
             <a:r>
-              <a:rPr lang="en-US" sz="1400"/>
-              <a:t>Ut </a:t>
-            </a:r>
-            <a:r>
-              <a:rPr lang="en-US" sz="1400" err="1"/>
-              <a:t>enim</a:t>
-            </a:r>
-            <a:r>
-              <a:rPr lang="en-US" sz="1400"/>
-              <a:t> ad minim </a:t>
-            </a:r>
-            <a:r>
-              <a:rPr lang="en-US" sz="1400" err="1"/>
-              <a:t>veniam</a:t>
-            </a:r>
-            <a:r>
-              <a:rPr lang="en-US" sz="1400"/>
-              <a:t> </a:t>
+              <a:rPr lang="en-US" sz="1400" dirty="0"/>
+              <a:t>{year_1_bullet_content_1}</a:t>
             </a:r>
           </a:p>
           <a:p>
@@ -3909,22 +3898,9 @@
               </a:spcBef>
             </a:pPr>
             <a:r>
-              <a:rPr lang="en-US" sz="1400"/>
-              <a:t>Quis </a:t>
+              <a:rPr lang="en-US" altLang="zh-CN" sz="1400" dirty="0"/>
+              <a:t>{year_1_bullet_content_2}</a:t>
             </a:r>
-            <a:r>
-              <a:rPr lang="en-US" sz="1400" err="1"/>
-              <a:t>nostrud</a:t>
-            </a:r>
-            <a:r>
-              <a:rPr lang="en-US" sz="1400"/>
-              <a:t> exercitation </a:t>
-            </a:r>
-            <a:r>
-              <a:rPr lang="en-US" sz="1400" err="1"/>
-              <a:t>ullamco</a:t>
-            </a:r>
-            <a:endParaRPr lang="en-US" sz="1400"/>
           </a:p>
         </p:txBody>
       </p:sp>
@@ -4189,20 +4165,25 @@
               <a:defRPr/>
             </a:pPr>
             <a:r>
-              <a:rPr kumimoji="0" lang="en-US" sz="1400" b="1" i="0" u="none" strike="noStrike" kern="1200" cap="none" spc="0" normalizeH="0" baseline="0" noProof="0">
-                <a:ln>
-                  <a:noFill/>
-                </a:ln>
+              <a:rPr lang="en-US" sz="1400" b="1" dirty="0">
                 <a:solidFill>
                   <a:schemeClr val="accent1"/>
                 </a:solidFill>
-                <a:effectLst/>
-                <a:uLnTx/>
-                <a:uFillTx/>
-                <a:ea typeface="+mn-ea"/>
               </a:rPr>
-              <a:t>2022</a:t>
+              <a:t>{year_2}</a:t>
             </a:r>
+            <a:endParaRPr kumimoji="0" lang="en-US" sz="1400" b="1" i="0" u="none" strike="noStrike" kern="1200" cap="none" spc="0" normalizeH="0" baseline="0" noProof="0" dirty="0">
+              <a:ln>
+                <a:noFill/>
+              </a:ln>
+              <a:solidFill>
+                <a:schemeClr val="accent1"/>
+              </a:solidFill>
+              <a:effectLst/>
+              <a:uLnTx/>
+              <a:uFillTx/>
+              <a:ea typeface="+mn-ea"/>
+            </a:endParaRPr>
           </a:p>
           <a:p>
             <a:pPr marL="0" marR="0" lvl="0" indent="0" algn="l" defTabSz="914400" eaLnBrk="1" fontAlgn="auto" latinLnBrk="0" hangingPunct="1">
@@ -4225,20 +4206,25 @@
               <a:defRPr/>
             </a:pPr>
             <a:r>
-              <a:rPr kumimoji="0" lang="en-US" sz="2000" b="0" i="0" u="none" strike="noStrike" kern="1200" cap="none" spc="0" normalizeH="0" baseline="0" noProof="0">
-                <a:ln>
-                  <a:noFill/>
-                </a:ln>
+              <a:rPr lang="en-US" sz="2000" dirty="0">
                 <a:solidFill>
                   <a:srgbClr val="444444"/>
                 </a:solidFill>
-                <a:effectLst/>
-                <a:uLnTx/>
-                <a:uFillTx/>
-                <a:ea typeface="+mn-ea"/>
               </a:rPr>
-              <a:t>Sample text</a:t>
+              <a:t>{year_2_bullet}</a:t>
             </a:r>
+            <a:endParaRPr kumimoji="0" lang="en-US" sz="2000" b="0" i="0" u="none" strike="noStrike" kern="1200" cap="none" spc="0" normalizeH="0" baseline="0" noProof="0" dirty="0">
+              <a:ln>
+                <a:noFill/>
+              </a:ln>
+              <a:solidFill>
+                <a:srgbClr val="444444"/>
+              </a:solidFill>
+              <a:effectLst/>
+              <a:uLnTx/>
+              <a:uFillTx/>
+              <a:ea typeface="+mn-ea"/>
+            </a:endParaRPr>
           </a:p>
         </p:txBody>
       </p:sp>
@@ -4440,24 +4426,8 @@
               </a:spcBef>
             </a:pPr>
             <a:r>
-              <a:rPr lang="en-US" sz="1400"/>
-              <a:t>Ut </a:t>
-            </a:r>
-            <a:r>
-              <a:rPr lang="en-US" sz="1400" err="1"/>
-              <a:t>enim</a:t>
-            </a:r>
-            <a:r>
-              <a:rPr lang="en-US" sz="1400"/>
-              <a:t> ad minim </a:t>
-            </a:r>
-            <a:r>
-              <a:rPr lang="en-US" sz="1400" err="1"/>
-              <a:t>veniam</a:t>
-            </a:r>
-            <a:r>
-              <a:rPr lang="en-US" sz="1400"/>
-              <a:t> </a:t>
+              <a:rPr lang="en-US" sz="1400" dirty="0"/>
+              <a:t>{year_2_bullet_content_1}</a:t>
             </a:r>
           </a:p>
           <a:p>
@@ -4467,22 +4437,9 @@
               </a:spcBef>
             </a:pPr>
             <a:r>
-              <a:rPr lang="en-US" sz="1400"/>
-              <a:t>Quis </a:t>
+              <a:rPr lang="en-US" altLang="zh-CN" sz="1400" dirty="0"/>
+              <a:t>{year_2_bullet_content_2}</a:t>
             </a:r>
-            <a:r>
-              <a:rPr lang="en-US" sz="1400" err="1"/>
-              <a:t>nostrud</a:t>
-            </a:r>
-            <a:r>
-              <a:rPr lang="en-US" sz="1400"/>
-              <a:t> exercitation </a:t>
-            </a:r>
-            <a:r>
-              <a:rPr lang="en-US" sz="1400" err="1"/>
-              <a:t>ullamco</a:t>
-            </a:r>
-            <a:endParaRPr lang="en-US" sz="1400"/>
           </a:p>
         </p:txBody>
       </p:sp>
@@ -4758,20 +4715,25 @@
               <a:defRPr/>
             </a:pPr>
             <a:r>
-              <a:rPr kumimoji="0" lang="en-US" sz="1400" b="1" i="0" u="none" strike="noStrike" kern="1200" cap="none" spc="0" normalizeH="0" baseline="0" noProof="0">
-                <a:ln>
-                  <a:noFill/>
-                </a:ln>
+              <a:rPr lang="en-US" sz="1400" b="1" dirty="0">
                 <a:solidFill>
                   <a:schemeClr val="accent1"/>
                 </a:solidFill>
-                <a:effectLst/>
-                <a:uLnTx/>
-                <a:uFillTx/>
-                <a:ea typeface="+mn-ea"/>
               </a:rPr>
-              <a:t>2023</a:t>
+              <a:t>{year_3}</a:t>
             </a:r>
+            <a:endParaRPr kumimoji="0" lang="en-US" sz="1400" b="1" i="0" u="none" strike="noStrike" kern="1200" cap="none" spc="0" normalizeH="0" baseline="0" noProof="0" dirty="0">
+              <a:ln>
+                <a:noFill/>
+              </a:ln>
+              <a:solidFill>
+                <a:schemeClr val="accent1"/>
+              </a:solidFill>
+              <a:effectLst/>
+              <a:uLnTx/>
+              <a:uFillTx/>
+              <a:ea typeface="+mn-ea"/>
+            </a:endParaRPr>
           </a:p>
           <a:p>
             <a:pPr marL="0" marR="0" lvl="0" indent="0" algn="l" defTabSz="914400" eaLnBrk="1" fontAlgn="auto" latinLnBrk="0" hangingPunct="1">
@@ -4794,7 +4756,7 @@
               <a:defRPr/>
             </a:pPr>
             <a:r>
-              <a:rPr kumimoji="0" lang="en-US" sz="2000" b="0" i="0" u="none" strike="noStrike" kern="1200" cap="none" spc="0" normalizeH="0" baseline="0" noProof="0">
+              <a:rPr kumimoji="0" lang="en-US" sz="2000" b="0" i="0" u="none" strike="noStrike" kern="1200" cap="none" spc="0" normalizeH="0" baseline="0" noProof="0" dirty="0">
                 <a:ln>
                   <a:noFill/>
                 </a:ln>
@@ -4806,7 +4768,7 @@
                 <a:uFillTx/>
                 <a:ea typeface="+mn-ea"/>
               </a:rPr>
-              <a:t>Sample text</a:t>
+              <a:t>{year_3_bullet}</a:t>
             </a:r>
           </a:p>
         </p:txBody>
@@ -5013,24 +4975,8 @@
               </a:spcBef>
             </a:pPr>
             <a:r>
-              <a:rPr lang="en-US" sz="1400"/>
-              <a:t>Ut </a:t>
-            </a:r>
-            <a:r>
-              <a:rPr lang="en-US" sz="1400" err="1"/>
-              <a:t>enim</a:t>
-            </a:r>
-            <a:r>
-              <a:rPr lang="en-US" sz="1400"/>
-              <a:t> ad minim </a:t>
-            </a:r>
-            <a:r>
-              <a:rPr lang="en-US" sz="1400" err="1"/>
-              <a:t>veniam</a:t>
-            </a:r>
-            <a:r>
-              <a:rPr lang="en-US" sz="1400"/>
-              <a:t> </a:t>
+              <a:rPr lang="en-US" sz="1400" dirty="0"/>
+              <a:t>{year_3_bullet_content_1}</a:t>
             </a:r>
           </a:p>
           <a:p>
@@ -5040,22 +4986,9 @@
               </a:spcBef>
             </a:pPr>
             <a:r>
-              <a:rPr lang="en-US" sz="1400"/>
-              <a:t>Quis </a:t>
+              <a:rPr lang="en-US" sz="1400" dirty="0"/>
+              <a:t>{year_3_bullet_content_2}</a:t>
             </a:r>
-            <a:r>
-              <a:rPr lang="en-US" sz="1400" err="1"/>
-              <a:t>nostrud</a:t>
-            </a:r>
-            <a:r>
-              <a:rPr lang="en-US" sz="1400"/>
-              <a:t> exercitation </a:t>
-            </a:r>
-            <a:r>
-              <a:rPr lang="en-US" sz="1400" err="1"/>
-              <a:t>ullamco</a:t>
-            </a:r>
-            <a:endParaRPr lang="en-US" sz="1400"/>
           </a:p>
         </p:txBody>
       </p:sp>
@@ -5320,20 +5253,25 @@
               <a:defRPr/>
             </a:pPr>
             <a:r>
-              <a:rPr kumimoji="0" lang="en-US" sz="1400" b="1" i="0" u="none" strike="noStrike" kern="1200" cap="none" spc="0" normalizeH="0" baseline="0" noProof="0">
-                <a:ln>
-                  <a:noFill/>
-                </a:ln>
+              <a:rPr lang="en-US" sz="1400" b="1" dirty="0">
                 <a:solidFill>
                   <a:schemeClr val="accent1"/>
                 </a:solidFill>
-                <a:effectLst/>
-                <a:uLnTx/>
-                <a:uFillTx/>
-                <a:ea typeface="+mn-ea"/>
               </a:rPr>
-              <a:t>2024</a:t>
+              <a:t>{year_4}</a:t>
             </a:r>
+            <a:endParaRPr kumimoji="0" lang="en-US" sz="1400" b="1" i="0" u="none" strike="noStrike" kern="1200" cap="none" spc="0" normalizeH="0" baseline="0" noProof="0" dirty="0">
+              <a:ln>
+                <a:noFill/>
+              </a:ln>
+              <a:solidFill>
+                <a:schemeClr val="accent1"/>
+              </a:solidFill>
+              <a:effectLst/>
+              <a:uLnTx/>
+              <a:uFillTx/>
+              <a:ea typeface="+mn-ea"/>
+            </a:endParaRPr>
           </a:p>
           <a:p>
             <a:pPr marL="0" marR="0" lvl="0" indent="0" algn="l" defTabSz="914400" eaLnBrk="1" fontAlgn="auto" latinLnBrk="0" hangingPunct="1">
@@ -5356,7 +5294,7 @@
               <a:defRPr/>
             </a:pPr>
             <a:r>
-              <a:rPr kumimoji="0" lang="en-US" sz="2000" b="0" i="0" u="none" strike="noStrike" kern="1200" cap="none" spc="0" normalizeH="0" baseline="0" noProof="0">
+              <a:rPr kumimoji="0" lang="en-US" sz="2000" b="0" i="0" u="none" strike="noStrike" kern="1200" cap="none" spc="0" normalizeH="0" baseline="0" noProof="0" dirty="0">
                 <a:ln>
                   <a:noFill/>
                 </a:ln>
@@ -5368,7 +5306,7 @@
                 <a:uFillTx/>
                 <a:ea typeface="+mn-ea"/>
               </a:rPr>
-              <a:t>Sample text</a:t>
+              <a:t>{year_4_bullet}</a:t>
             </a:r>
           </a:p>
         </p:txBody>
@@ -5575,24 +5513,8 @@
               </a:spcBef>
             </a:pPr>
             <a:r>
-              <a:rPr lang="en-US" sz="1400"/>
-              <a:t>Ut </a:t>
-            </a:r>
-            <a:r>
-              <a:rPr lang="en-US" sz="1400" err="1"/>
-              <a:t>enim</a:t>
-            </a:r>
-            <a:r>
-              <a:rPr lang="en-US" sz="1400"/>
-              <a:t> ad minim </a:t>
-            </a:r>
-            <a:r>
-              <a:rPr lang="en-US" sz="1400" err="1"/>
-              <a:t>veniam</a:t>
-            </a:r>
-            <a:r>
-              <a:rPr lang="en-US" sz="1400"/>
-              <a:t> </a:t>
+              <a:rPr lang="en-US" sz="1400" dirty="0"/>
+              <a:t>{year_4_bullet_content_1}</a:t>
             </a:r>
           </a:p>
           <a:p>
@@ -5602,22 +5524,9 @@
               </a:spcBef>
             </a:pPr>
             <a:r>
-              <a:rPr lang="en-US" sz="1400"/>
-              <a:t>Quis </a:t>
+              <a:rPr lang="en-US" sz="1400" dirty="0"/>
+              <a:t>{year_4_bullet_content_2}</a:t>
             </a:r>
-            <a:r>
-              <a:rPr lang="en-US" sz="1400" err="1"/>
-              <a:t>nostrud</a:t>
-            </a:r>
-            <a:r>
-              <a:rPr lang="en-US" sz="1400"/>
-              <a:t> exercitation </a:t>
-            </a:r>
-            <a:r>
-              <a:rPr lang="en-US" sz="1400" err="1"/>
-              <a:t>ullamco</a:t>
-            </a:r>
-            <a:endParaRPr lang="en-US" sz="1400"/>
           </a:p>
         </p:txBody>
       </p:sp>

--- a/templates/ppt_template/split_presentations_236.pptx
+++ b/templates/ppt_template/split_presentations_236.pptx
@@ -1,22 +1,22 @@
 
 <file path=ppt/presentation.xml><?xml version="1.0" encoding="utf-8"?>
-<p:presentation xmlns:p15="http://schemas.microsoft.com/office/powerpoint/2012/main" xmlns:a="http://schemas.openxmlformats.org/drawingml/2006/main" xmlns:r="http://schemas.openxmlformats.org/officeDocument/2006/relationships" xmlns:p="http://schemas.openxmlformats.org/presentationml/2006/main" showSpecialPlsOnTitleSld="0" removePersonalInfoOnSave="1" saveSubsetFonts="1" autoCompressPictures="0">
+<p:presentation xmlns:a="http://schemas.openxmlformats.org/drawingml/2006/main" xmlns:r="http://schemas.openxmlformats.org/officeDocument/2006/relationships" xmlns:p="http://schemas.openxmlformats.org/presentationml/2006/main" showSpecialPlsOnTitleSld="0" removePersonalInfoOnSave="1" saveSubsetFonts="1" autoCompressPictures="0">
   <p:sldMasterIdLst>
     <p:sldMasterId id="2147483692" r:id="rId3"/>
   </p:sldMasterIdLst>
   <p:notesMasterIdLst>
-    <p:notesMasterId r:id="rId254"/>
+    <p:notesMasterId r:id="rId5"/>
   </p:notesMasterIdLst>
   <p:handoutMasterIdLst>
-    <p:handoutMasterId r:id="rId255"/>
+    <p:handoutMasterId r:id="rId6"/>
   </p:handoutMasterIdLst>
   <p:sldIdLst>
-    <p:sldId id="361" r:id="rId239"/>
+    <p:sldId id="361" r:id="rId4"/>
   </p:sldIdLst>
   <p:sldSz cx="12192000" cy="6858000"/>
   <p:notesSz cx="6858000" cy="9144000"/>
   <p:custDataLst>
-    <p:tags r:id="rId256"/>
+    <p:tags r:id="rId7"/>
   </p:custDataLst>
   <p:defaultTextStyle>
     <a:defPPr>
@@ -232,7 +232,7 @@
           <a:p>
             <a:fld id="{887C93E6-3CAE-4165-B3AF-CD7E12F79975}" type="datetimeFigureOut">
               <a:rPr lang="en-US" smtClean="0"/>
-              <a:t>2017</a:t>
+              <a:t>9/15/2025</a:t>
             </a:fld>
             <a:endParaRPr lang="en-US"/>
           </a:p>
@@ -677,7 +677,7 @@
 </p:notesMaster>
 </file>
 
-<file path=ppt/notesSlides/notesSlide236.xml><?xml version="1.0" encoding="utf-8"?>
+<file path=ppt/notesSlides/notesSlide1.xml><?xml version="1.0" encoding="utf-8"?>
 <p:notes xmlns:a="http://schemas.openxmlformats.org/drawingml/2006/main" xmlns:r="http://schemas.openxmlformats.org/officeDocument/2006/relationships" xmlns:p="http://schemas.openxmlformats.org/presentationml/2006/main">
   <p:cSld>
     <p:spTree>
@@ -757,7 +757,7 @@
 </p:notes>
 </file>
 
-<file path=ppt/slideLayouts/slideLayout5.xml><?xml version="1.0" encoding="utf-8"?>
+<file path=ppt/slideLayouts/slideLayout1.xml><?xml version="1.0" encoding="utf-8"?>
 <p:sldLayout xmlns:a="http://schemas.openxmlformats.org/drawingml/2006/main" xmlns:r="http://schemas.openxmlformats.org/officeDocument/2006/relationships" xmlns:p="http://schemas.openxmlformats.org/presentationml/2006/main" showMasterPhAnim="0" userDrawn="1">
   <p:cSld name="仅标题">
     <p:spTree>
@@ -800,7 +800,7 @@
           <a:graphicData uri="http://schemas.openxmlformats.org/presentationml/2006/ole">
             <mc:AlternateContent xmlns:mc="http://schemas.openxmlformats.org/markup-compatibility/2006">
               <mc:Choice xmlns:v="urn:schemas-microsoft-com:vml" Requires="v">
-                <p:oleObj spid="_x0000_s261136" name="think-cell 幻灯片" r:id="rId4" imgW="349" imgH="350" progId="TCLayout.ActiveDocument.1">
+                <p:oleObj spid="_x0000_s261137" name="think-cell 幻灯片" r:id="rId4" imgW="349" imgH="350" progId="TCLayout.ActiveDocument.1">
                   <p:embed/>
                 </p:oleObj>
               </mc:Choice>
@@ -906,7 +906,7 @@
 </file>
 
 <file path=ppt/slideMasters/slideMaster1.xml><?xml version="1.0" encoding="utf-8"?>
-<p:sldMaster xmlns:mc="http://schemas.openxmlformats.org/markup-compatibility/2006" xmlns:v="urn:schemas-microsoft-com:vml" xmlns:a16="http://schemas.microsoft.com/office/drawing/2014/main" xmlns:p14="http://schemas.microsoft.com/office/powerpoint/2010/main" xmlns:p15="http://schemas.microsoft.com/office/powerpoint/2012/main" xmlns:a="http://schemas.openxmlformats.org/drawingml/2006/main" xmlns:r="http://schemas.openxmlformats.org/officeDocument/2006/relationships" xmlns:p="http://schemas.openxmlformats.org/presentationml/2006/main" preserve="1">
+<p:sldMaster xmlns:a="http://schemas.openxmlformats.org/drawingml/2006/main" xmlns:r="http://schemas.openxmlformats.org/officeDocument/2006/relationships" xmlns:p="http://schemas.openxmlformats.org/presentationml/2006/main" preserve="1">
   <p:cSld>
     <p:bg>
       <p:bgPr>
@@ -938,7 +938,7 @@
           </p:cNvGraphicFramePr>
           <p:nvPr userDrawn="1">
             <p:custDataLst>
-              <p:tags r:id="rId9"/>
+              <p:tags r:id="rId4"/>
             </p:custDataLst>
           </p:nvPr>
         </p:nvGraphicFramePr>
@@ -950,12 +950,12 @@
           <a:graphicData uri="http://schemas.openxmlformats.org/presentationml/2006/ole">
             <mc:AlternateContent xmlns:mc="http://schemas.openxmlformats.org/markup-compatibility/2006">
               <mc:Choice xmlns:v="urn:schemas-microsoft-com:vml" Requires="v">
-                <p:oleObj spid="_x0000_s259088" name="think-cell 幻灯片" r:id="rId10" imgW="270" imgH="270" progId="TCLayout.ActiveDocument.1">
+                <p:oleObj spid="_x0000_s259089" name="think-cell 幻灯片" r:id="rId5" imgW="270" imgH="270" progId="TCLayout.ActiveDocument.1">
                   <p:embed/>
                 </p:oleObj>
               </mc:Choice>
               <mc:Fallback>
-                <p:oleObj name="think-cell 幻灯片" r:id="rId10" imgW="270" imgH="270" progId="TCLayout.ActiveDocument.1">
+                <p:oleObj name="think-cell 幻灯片" r:id="rId5" imgW="270" imgH="270" progId="TCLayout.ActiveDocument.1">
                   <p:embed/>
                   <p:pic>
                     <p:nvPicPr>
@@ -964,7 +964,7 @@
                       <p:nvPr/>
                     </p:nvPicPr>
                     <p:blipFill>
-                      <a:blip r:embed="rId11"/>
+                      <a:blip r:embed="rId6"/>
                       <a:stretch>
                         <a:fillRect/>
                       </a:stretch>
@@ -2850,7 +2850,7 @@
   </p:cSld>
   <p:clrMap bg1="lt1" tx1="dk1" bg2="lt2" tx2="dk2" accent1="accent1" accent2="accent2" accent3="accent3" accent4="accent4" accent5="accent5" accent6="accent6" hlink="hlink" folHlink="folHlink"/>
   <p:sldLayoutIdLst>
-    <p:sldLayoutId id="2147483697" r:id="rId5"/>
+    <p:sldLayoutId id="2147483697" r:id="rId1"/>
   </p:sldLayoutIdLst>
   <mc:AlternateContent xmlns:mc="http://schemas.openxmlformats.org/markup-compatibility/2006" xmlns:p14="http://schemas.microsoft.com/office/powerpoint/2010/main">
     <mc:Choice Requires="p14">
@@ -2858,7 +2858,7 @@
         <p:fade/>
       </p:transition>
     </mc:Choice>
-    <mc:Fallback>
+    <mc:Fallback xmlns:p15="http://schemas.microsoft.com/office/powerpoint/2012/main" xmlns:a16="http://schemas.microsoft.com/office/drawing/2014/main" xmlns:v="urn:schemas-microsoft-com:vml" xmlns="">
       <p:transition>
         <p:fade/>
       </p:transition>
@@ -3252,7 +3252,7 @@
 </p:sldMaster>
 </file>
 
-<file path=ppt/slides/slide236.xml><?xml version="1.0" encoding="utf-8"?>
+<file path=ppt/slides/slide1.xml><?xml version="1.0" encoding="utf-8"?>
 <p:sld xmlns:a="http://schemas.openxmlformats.org/drawingml/2006/main" xmlns:r="http://schemas.openxmlformats.org/officeDocument/2006/relationships" xmlns:p="http://schemas.openxmlformats.org/presentationml/2006/main" showMasterPhAnim="0">
   <p:cSld>
     <p:spTree>
@@ -3300,7 +3300,7 @@
           <a:graphicData uri="http://schemas.openxmlformats.org/presentationml/2006/ole">
             <mc:AlternateContent xmlns:mc="http://schemas.openxmlformats.org/markup-compatibility/2006">
               <mc:Choice xmlns:v="urn:schemas-microsoft-com:vml" Requires="v">
-                <p:oleObj spid="_x0000_s243728" name="think-cell 幻灯片" r:id="rId11" imgW="349" imgH="350" progId="TCLayout.ActiveDocument.1">
+                <p:oleObj spid="_x0000_s243729" name="think-cell 幻灯片" r:id="rId11" imgW="349" imgH="350" progId="TCLayout.ActiveDocument.1">
                   <p:embed/>
                 </p:oleObj>
               </mc:Choice>
@@ -3411,7 +3411,11 @@
           <a:lstStyle/>
           <a:p>
             <a:r>
-              <a:rPr lang="en-US" dirty="0"/>
+              <a:rPr lang="en-US" dirty="0">
+                <a:latin typeface="理想品牌字体 2022" panose="02000500000000000000" pitchFamily="50" charset="-122"/>
+                <a:ea typeface="理想品牌字体 2022" panose="02000500000000000000" pitchFamily="50" charset="-122"/>
+                <a:cs typeface="理想品牌字体 2022" panose="02000500000000000000" pitchFamily="50" charset="-122"/>
+              </a:rPr>
               <a:t>{title}</a:t>
             </a:r>
           </a:p>
@@ -3635,6 +3639,9 @@
                 <a:solidFill>
                   <a:schemeClr val="accent1"/>
                 </a:solidFill>
+                <a:latin typeface="理想品牌字体 2022" panose="02000500000000000000" pitchFamily="50" charset="-122"/>
+                <a:ea typeface="理想品牌字体 2022" panose="02000500000000000000" pitchFamily="50" charset="-122"/>
+                <a:cs typeface="理想品牌字体 2022" panose="02000500000000000000" pitchFamily="50" charset="-122"/>
               </a:rPr>
               <a:t>{year_1}</a:t>
             </a:r>
@@ -3648,7 +3655,9 @@
               <a:effectLst/>
               <a:uLnTx/>
               <a:uFillTx/>
-              <a:ea typeface="+mn-ea"/>
+              <a:latin typeface="理想品牌字体 2022" panose="02000500000000000000" pitchFamily="50" charset="-122"/>
+              <a:ea typeface="理想品牌字体 2022" panose="02000500000000000000" pitchFamily="50" charset="-122"/>
+              <a:cs typeface="理想品牌字体 2022" panose="02000500000000000000" pitchFamily="50" charset="-122"/>
             </a:endParaRPr>
           </a:p>
           <a:p>
@@ -3682,7 +3691,9 @@
                 <a:effectLst/>
                 <a:uLnTx/>
                 <a:uFillTx/>
-                <a:ea typeface="+mn-ea"/>
+                <a:latin typeface="理想品牌字体 2022" panose="02000500000000000000" pitchFamily="50" charset="-122"/>
+                <a:ea typeface="理想品牌字体 2022" panose="02000500000000000000" pitchFamily="50" charset="-122"/>
+                <a:cs typeface="理想品牌字体 2022" panose="02000500000000000000" pitchFamily="50" charset="-122"/>
               </a:rPr>
               <a:t>{year_1_bullet}</a:t>
             </a:r>
@@ -3887,7 +3898,11 @@
               </a:spcBef>
             </a:pPr>
             <a:r>
-              <a:rPr lang="en-US" sz="1400" dirty="0"/>
+              <a:rPr lang="en-US" sz="1400" dirty="0">
+                <a:latin typeface="理想品牌字体 2022" panose="02000500000000000000" pitchFamily="50" charset="-122"/>
+                <a:ea typeface="理想品牌字体 2022" panose="02000500000000000000" pitchFamily="50" charset="-122"/>
+                <a:cs typeface="理想品牌字体 2022" panose="02000500000000000000" pitchFamily="50" charset="-122"/>
+              </a:rPr>
               <a:t>{year_1_bullet_content_1}</a:t>
             </a:r>
           </a:p>
@@ -3898,7 +3913,11 @@
               </a:spcBef>
             </a:pPr>
             <a:r>
-              <a:rPr lang="en-US" altLang="zh-CN" sz="1400" dirty="0"/>
+              <a:rPr lang="en-US" altLang="zh-CN" sz="1400" dirty="0">
+                <a:latin typeface="理想品牌字体 2022" panose="02000500000000000000" pitchFamily="50" charset="-122"/>
+                <a:ea typeface="理想品牌字体 2022" panose="02000500000000000000" pitchFamily="50" charset="-122"/>
+                <a:cs typeface="理想品牌字体 2022" panose="02000500000000000000" pitchFamily="50" charset="-122"/>
+              </a:rPr>
               <a:t>{year_1_bullet_content_2}</a:t>
             </a:r>
           </a:p>
@@ -4169,6 +4188,9 @@
                 <a:solidFill>
                   <a:schemeClr val="accent1"/>
                 </a:solidFill>
+                <a:latin typeface="理想品牌字体 2022" panose="02000500000000000000" pitchFamily="50" charset="-122"/>
+                <a:ea typeface="理想品牌字体 2022" panose="02000500000000000000" pitchFamily="50" charset="-122"/>
+                <a:cs typeface="理想品牌字体 2022" panose="02000500000000000000" pitchFamily="50" charset="-122"/>
               </a:rPr>
               <a:t>{year_2}</a:t>
             </a:r>
@@ -4182,7 +4204,9 @@
               <a:effectLst/>
               <a:uLnTx/>
               <a:uFillTx/>
-              <a:ea typeface="+mn-ea"/>
+              <a:latin typeface="理想品牌字体 2022" panose="02000500000000000000" pitchFamily="50" charset="-122"/>
+              <a:ea typeface="理想品牌字体 2022" panose="02000500000000000000" pitchFamily="50" charset="-122"/>
+              <a:cs typeface="理想品牌字体 2022" panose="02000500000000000000" pitchFamily="50" charset="-122"/>
             </a:endParaRPr>
           </a:p>
           <a:p>
@@ -4210,6 +4234,9 @@
                 <a:solidFill>
                   <a:srgbClr val="444444"/>
                 </a:solidFill>
+                <a:latin typeface="理想品牌字体 2022" panose="02000500000000000000" pitchFamily="50" charset="-122"/>
+                <a:ea typeface="理想品牌字体 2022" panose="02000500000000000000" pitchFamily="50" charset="-122"/>
+                <a:cs typeface="理想品牌字体 2022" panose="02000500000000000000" pitchFamily="50" charset="-122"/>
               </a:rPr>
               <a:t>{year_2_bullet}</a:t>
             </a:r>
@@ -4223,7 +4250,9 @@
               <a:effectLst/>
               <a:uLnTx/>
               <a:uFillTx/>
-              <a:ea typeface="+mn-ea"/>
+              <a:latin typeface="理想品牌字体 2022" panose="02000500000000000000" pitchFamily="50" charset="-122"/>
+              <a:ea typeface="理想品牌字体 2022" panose="02000500000000000000" pitchFamily="50" charset="-122"/>
+              <a:cs typeface="理想品牌字体 2022" panose="02000500000000000000" pitchFamily="50" charset="-122"/>
             </a:endParaRPr>
           </a:p>
         </p:txBody>
@@ -4426,7 +4455,11 @@
               </a:spcBef>
             </a:pPr>
             <a:r>
-              <a:rPr lang="en-US" sz="1400" dirty="0"/>
+              <a:rPr lang="en-US" sz="1400" dirty="0">
+                <a:latin typeface="理想品牌字体 2022" panose="02000500000000000000" pitchFamily="50" charset="-122"/>
+                <a:ea typeface="理想品牌字体 2022" panose="02000500000000000000" pitchFamily="50" charset="-122"/>
+                <a:cs typeface="理想品牌字体 2022" panose="02000500000000000000" pitchFamily="50" charset="-122"/>
+              </a:rPr>
               <a:t>{year_2_bullet_content_1}</a:t>
             </a:r>
           </a:p>
@@ -4437,7 +4470,11 @@
               </a:spcBef>
             </a:pPr>
             <a:r>
-              <a:rPr lang="en-US" altLang="zh-CN" sz="1400" dirty="0"/>
+              <a:rPr lang="en-US" altLang="zh-CN" sz="1400" dirty="0">
+                <a:latin typeface="理想品牌字体 2022" panose="02000500000000000000" pitchFamily="50" charset="-122"/>
+                <a:ea typeface="理想品牌字体 2022" panose="02000500000000000000" pitchFamily="50" charset="-122"/>
+                <a:cs typeface="理想品牌字体 2022" panose="02000500000000000000" pitchFamily="50" charset="-122"/>
+              </a:rPr>
               <a:t>{year_2_bullet_content_2}</a:t>
             </a:r>
           </a:p>
@@ -4719,6 +4756,9 @@
                 <a:solidFill>
                   <a:schemeClr val="accent1"/>
                 </a:solidFill>
+                <a:latin typeface="理想品牌字体 2022" panose="02000500000000000000" pitchFamily="50" charset="-122"/>
+                <a:ea typeface="理想品牌字体 2022" panose="02000500000000000000" pitchFamily="50" charset="-122"/>
+                <a:cs typeface="理想品牌字体 2022" panose="02000500000000000000" pitchFamily="50" charset="-122"/>
               </a:rPr>
               <a:t>{year_3}</a:t>
             </a:r>
@@ -4732,7 +4772,9 @@
               <a:effectLst/>
               <a:uLnTx/>
               <a:uFillTx/>
-              <a:ea typeface="+mn-ea"/>
+              <a:latin typeface="理想品牌字体 2022" panose="02000500000000000000" pitchFamily="50" charset="-122"/>
+              <a:ea typeface="理想品牌字体 2022" panose="02000500000000000000" pitchFamily="50" charset="-122"/>
+              <a:cs typeface="理想品牌字体 2022" panose="02000500000000000000" pitchFamily="50" charset="-122"/>
             </a:endParaRPr>
           </a:p>
           <a:p>
@@ -4766,7 +4808,9 @@
                 <a:effectLst/>
                 <a:uLnTx/>
                 <a:uFillTx/>
-                <a:ea typeface="+mn-ea"/>
+                <a:latin typeface="理想品牌字体 2022" panose="02000500000000000000" pitchFamily="50" charset="-122"/>
+                <a:ea typeface="理想品牌字体 2022" panose="02000500000000000000" pitchFamily="50" charset="-122"/>
+                <a:cs typeface="理想品牌字体 2022" panose="02000500000000000000" pitchFamily="50" charset="-122"/>
               </a:rPr>
               <a:t>{year_3_bullet}</a:t>
             </a:r>
@@ -4975,7 +5019,11 @@
               </a:spcBef>
             </a:pPr>
             <a:r>
-              <a:rPr lang="en-US" sz="1400" dirty="0"/>
+              <a:rPr lang="en-US" sz="1400" dirty="0">
+                <a:latin typeface="理想品牌字体 2022" panose="02000500000000000000" pitchFamily="50" charset="-122"/>
+                <a:ea typeface="理想品牌字体 2022" panose="02000500000000000000" pitchFamily="50" charset="-122"/>
+                <a:cs typeface="理想品牌字体 2022" panose="02000500000000000000" pitchFamily="50" charset="-122"/>
+              </a:rPr>
               <a:t>{year_3_bullet_content_1}</a:t>
             </a:r>
           </a:p>
@@ -4986,7 +5034,11 @@
               </a:spcBef>
             </a:pPr>
             <a:r>
-              <a:rPr lang="en-US" sz="1400" dirty="0"/>
+              <a:rPr lang="en-US" sz="1400" dirty="0">
+                <a:latin typeface="理想品牌字体 2022" panose="02000500000000000000" pitchFamily="50" charset="-122"/>
+                <a:ea typeface="理想品牌字体 2022" panose="02000500000000000000" pitchFamily="50" charset="-122"/>
+                <a:cs typeface="理想品牌字体 2022" panose="02000500000000000000" pitchFamily="50" charset="-122"/>
+              </a:rPr>
               <a:t>{year_3_bullet_content_2}</a:t>
             </a:r>
           </a:p>
@@ -5257,6 +5309,9 @@
                 <a:solidFill>
                   <a:schemeClr val="accent1"/>
                 </a:solidFill>
+                <a:latin typeface="理想品牌字体 2022" panose="02000500000000000000" pitchFamily="50" charset="-122"/>
+                <a:ea typeface="理想品牌字体 2022" panose="02000500000000000000" pitchFamily="50" charset="-122"/>
+                <a:cs typeface="理想品牌字体 2022" panose="02000500000000000000" pitchFamily="50" charset="-122"/>
               </a:rPr>
               <a:t>{year_4}</a:t>
             </a:r>
@@ -5270,7 +5325,9 @@
               <a:effectLst/>
               <a:uLnTx/>
               <a:uFillTx/>
-              <a:ea typeface="+mn-ea"/>
+              <a:latin typeface="理想品牌字体 2022" panose="02000500000000000000" pitchFamily="50" charset="-122"/>
+              <a:ea typeface="理想品牌字体 2022" panose="02000500000000000000" pitchFamily="50" charset="-122"/>
+              <a:cs typeface="理想品牌字体 2022" panose="02000500000000000000" pitchFamily="50" charset="-122"/>
             </a:endParaRPr>
           </a:p>
           <a:p>
@@ -5304,7 +5361,9 @@
                 <a:effectLst/>
                 <a:uLnTx/>
                 <a:uFillTx/>
-                <a:ea typeface="+mn-ea"/>
+                <a:latin typeface="理想品牌字体 2022" panose="02000500000000000000" pitchFamily="50" charset="-122"/>
+                <a:ea typeface="理想品牌字体 2022" panose="02000500000000000000" pitchFamily="50" charset="-122"/>
+                <a:cs typeface="理想品牌字体 2022" panose="02000500000000000000" pitchFamily="50" charset="-122"/>
               </a:rPr>
               <a:t>{year_4_bullet}</a:t>
             </a:r>
@@ -5513,7 +5572,11 @@
               </a:spcBef>
             </a:pPr>
             <a:r>
-              <a:rPr lang="en-US" sz="1400" dirty="0"/>
+              <a:rPr lang="en-US" sz="1400" dirty="0">
+                <a:latin typeface="理想品牌字体 2022" panose="02000500000000000000" pitchFamily="50" charset="-122"/>
+                <a:ea typeface="理想品牌字体 2022" panose="02000500000000000000" pitchFamily="50" charset="-122"/>
+                <a:cs typeface="理想品牌字体 2022" panose="02000500000000000000" pitchFamily="50" charset="-122"/>
+              </a:rPr>
               <a:t>{year_4_bullet_content_1}</a:t>
             </a:r>
           </a:p>
@@ -5524,7 +5587,11 @@
               </a:spcBef>
             </a:pPr>
             <a:r>
-              <a:rPr lang="en-US" sz="1400" dirty="0"/>
+              <a:rPr lang="en-US" sz="1400" dirty="0">
+                <a:latin typeface="理想品牌字体 2022" panose="02000500000000000000" pitchFamily="50" charset="-122"/>
+                <a:ea typeface="理想品牌字体 2022" panose="02000500000000000000" pitchFamily="50" charset="-122"/>
+                <a:cs typeface="理想品牌字体 2022" panose="02000500000000000000" pitchFamily="50" charset="-122"/>
+              </a:rPr>
               <a:t>{year_4_bullet_content_2}</a:t>
             </a:r>
           </a:p>
@@ -5989,19 +6056,35 @@
 </p:tagLst>
 </file>
 
+<file path=ppt/tags/tag10.xml><?xml version="1.0" encoding="utf-8"?>
+<p:tagLst xmlns:a="http://schemas.openxmlformats.org/drawingml/2006/main" xmlns:r="http://schemas.openxmlformats.org/officeDocument/2006/relationships" xmlns:p="http://schemas.openxmlformats.org/presentationml/2006/main">
+  <p:tag name="EMPOWERCHARTSPROPERTIES_A_0" val="AAAAAAH//////////wEAAAAAAAAAAAAAACoqIFRoaXMgaXMgYSBMaXRlREIgZmlsZSAqKgcDAP////8FAAAAAQAAAAAAAAAAAAAAAAAAAAAAAAAAAAAAAAAAAAAAAAAAAAAAAAABEQAAAFByb3BlcnR5RG9jdW1lbnRzAgAAAAAAAAAAAAAAAAAAAAAAAAAAAAAAAAAAAAAAAAAAAAAAAAAAAAAAAAAAAAAAAAAAAAAAAAAAAAAAAAAAAAAAAAAAAAAAAAAAAAAAAAAAAAAAAAAAAAAAAAAAAAAAAAAAAAAAAAAAAAAAAAAAAAAAAAAAAAAAAAAAAAAAAAAAAAAAAAAAAAAAAAAAAAAAAAAAAAAAAAAAAAAAAAAAAAAAAAAAAAAAAAAAAAAAAAAAAAAAAAAAAAAAAAAAAAAAAAAAAAAAAAAAAAAAAAAAAAAAAAAAAAAAAAAAAAAAAAAAAAAAAAAAAAAAAAAAAAAAAAAAAAAAAAAAAAAAAAAAAAAAAAAAAAAAAAAAAAAAAAAAAAAAAAAAAAAAAAAAAAAAAAAAAAAAAAAAAAAAAAAAAAAAAAAAAAAAAAAAAAAAAAAAAAAAAAAAAAAAAAAAAAAAAAAAAAAAAAAAAAAAAAAAAAAAAAAAAAAAAAAAAAAAAAAAAAAAAAAAAAAAAAAAAAAAAAAAAAAAAAAAAAAAAAAAAAAAAAAAAAAAAAAAAAAAAAAAAAAAAAAAAAAAAAAAAAAAAAAAAAAAAAAAAAAAAAAAAAAAAAAAAAAAAAAAAAAAAAAAAAAAAAAAAAAAAAAAAAAAAAAAAAAAAAAAAAAAAAAAAAAAAAAAAAAAAAAAAAAAAAAAAAAAAAAAAAAAAAAAAAAAAAAAAAAAAAAAAAAAAAAAAAAAAAAAAAAAAAAAAAAAAAAAAAAAAAAAAAAAAAAAAAAAAAAAAAAAAAAAAAAAAAAAAAAAAAAAAAAAAAAAAAAAAAAAAAAAAAAAAAAAAAAAAAAAAAAAAAAAAAAAAAAAAAAAAAAAAAAAAAAAAAAAAAAAAAAAAAAAAAAAAAAAAAAAAAAAAAAAAAAAAAAAAAAAAAAAAAAAAAAAAAAAAAAAAAAAAAAAAAAAAAAAAAAAAAAAAAAAAAAAAAAAAAAAAAAAAAAAAAAAAAAAAAAAAAAAAAAAAAAAAAAAAAAAAAAAAAAAAAAAAAAAAAAAAAAAAAAAAAAAAAAAAAAAAAAAAAAAAAAAAAAAAAAAAAAAAAAAAAAAAAAAAAAAAAAAAAAAAAAAAAAAAAAAAAAAAAAAAAAAAAAAAAAAAAAAAAAAAAAAAAAAAAAAAAAAAAAAAAAAAAAAAAAAAAAAAAAAAAAAAAAAAAAAAAAAAAAAAAAAAAAAAAAAAAAAAAAAAAAAAAAAAAAAAAAAAAAAAAAAAAAAAAAAAAAAAAAAAAAAAAAAAAAAAAAAAAAAAAAAAAAAAAAAAAAAAAAAAAAAAAAAAAAAAAAAAAAAAAAAAAAAAAAAAAAAAAAAAAAAAAAAAAAAAAAAAAAAAAAAAAAAAAAAAAAAAAAAAAAAAAAAAAAAAAAAAAAAAAAAAAAAAAAAAAAAAAAAAAAAAAAAAAAAAAAAAAAAAAAAAAAAAAAAAAAAAAAAAAAAAAAAAAAAAAAAAAAAAAAAAAAAAAAAAAAAAAAAAAAAAAAAAAAAAAAAAAAAAAAAAAAAAAAAAAAAAAAAAAAAAAAAAAAAAAAAAAAAAAAAAAAAAAAAAAAAAAAAAAAAAAAAAAAAAAAAAAAAAAAAAAAAAAAAAAAAAAAAAAAAAAAAAAAAAAAAAAAAAAAAAAAAAAAAAAAAAAAAAAAAAAAAAAAAAAAAAAAAAAAAAAAAAAAAAAAAAAAAAAAAAAAAAAAAAAAAAAAAAAAAAAAAAAAAAAAAAAAAAAAAAAAAAAAAAAAAAAAAAAAAAAAAAAAAAAAAAAAAAAAAAAAAAAAAAAAAAAAAAAAAAAAAAAAAAAAAAAAAAAAAAAAAAAAAAAAAAAAAAAAAAAAAAAAAAAAAAAAAAAAAAAAAAAAAAAAAAAAAAAAAAAAAAAAAAAAAAAAAAAAAAAAAAAAAAAAAAAAAAAAAAAAAAAAAAAAAAAAAAAAAAAAAAAAAAAAAAAAAAAAAAAAAAAAAAAAAAAAAAAAAAAAAAAAAAAAAAAAAAAAAAAAAAAAAAAAAAAAAAAAAAAAAAAAAAAAAAAAAAAAAAAAAAAAAAAAAAAAAAAAAAAAAAAAAAAAAAAAAAAAAAAAAAAAAAAAAAAAAAAAAAAAAAAAAAAAAAAAAAAAAAAAAAAAAAAAAAAAAAAAAAAAAAAAAAAAAAAAAAAAAAAAAAAAAAAAAAAAAAAAAAAAAAAAAAAAAAAAAAAAAAAAAAAAAAAAAAAAAAAAAAAAAAAAAAAAAAAAAAAAAAAAAAAAAAAAAAAAAAAAAAAAAAAAAAAAAAAAAAAAAAAAAAAAAAAAAAAAAAAAAAAAAAAAAAAAAAAAAAAAAAAAAAAAAAAAAAAAAAAAAAAAAAAAAAAAAAAAAAAAAAAAAAAAAAAAAAAAAAAAAAAAAAAAAAAAAAAAAAAAAAAAAAAAAAAAAAAAAAAAAAAAAAAAAAAAAAAAAAAAAAAAAAAAAAAAAAAAAAAAAAAAAAAAAAAAAAAAAAAAAAAAAAAAAAAAAAAAAAAAAAAAAAAAAAAAAAAAAAAAAAAAAAAAAAAAAAAAAAAAAAAAAAAAAAAAAAAAAAAAAAAAAAAAAAAAAAAAAAAAAAAAAAAAAAAAAAAAAAAAAAAAAAAAAAAAAAAAAAAAAAAAAAAAAAAAAAAAAAAAAAAAAAAAAAAAAAAAAAAAAAAAAAAAAAAAAAAAAAAAAAAAAAAAAAAAAAAAAAAAAAAAAAAAAAAAAAAAAAAAAAAAAAAAAAAAAAAAAAAAAAAAAAAAAAAAAAAAAAAAAAAAAAAAAAAAAAAAAAAAAAAAAAAAAAAAAAAAAAAAAAAAAAAAAAAAAAAAAAAAAAAAAAAAAAAAAAAAAAAAAAAAAAAAAAAAAAAAAAAAAAAAAAAAAAAAAAAAAAAAAAAAAAAAAAAAAAAAAAAAAAAAAAAAAAAAAAAAAAAAAAAAAAAAAAAAAAAAAAAAAAAAAAAAAAAAAAAAAAAAAAAAAAAAAAAAAAAAAAAAAAAAAAAAAAAAAAAAAAAAAAAAAAAAAAAAAAAAAAAAAAAAAAAAAAAAAAAAAAAAAAAAAAAAAAAAAAAAAAAAAAAAAAAAAAAAAAAAAAAAAAAAAAAAAAAAAAAAAAAAAAAAAAAAAAAAAAAAAAAAAAAAAAAAAAAAAAAAAAAAAAAAAAAAAAAAAAAAAAAAAAAAAAAAAAAAAAAAAAAAAAAAAAAAAAAAAAAAAAAAAAAAAAAAAAAAAAAAAAAAAAAAAAAAAAAAAAAAAAAAAAAAAAAAAAAAAAAAAAAAAAAAAAAAAAAAAAAAAAAAAAAAAAAAAAAAAAAAAAAAAAAAAAAAAAAAAAAAAAAAAAAAAAAAAAAAAAAAAAAAAAAAAAAAAAAAAAAAAAAAAAAAAAAAAAAAAAAAAAAAAAAAAAAAAAAAAAAAAAAAAAAAAAAAAAAAAAAAAAAAAAAAAAAAAAAAAAAAAAAAAAAAAAAAAAAAAAAAAAAAAAAAAAAAAAAAAAAAAAAAAAAAAAAAAAAAAAAAAAAAAAAAAAAAAAAAAAAAAAAAAAAAAAAAAAAAAAAAAAAAAAAAAAAAAAAAAAAAAAAAAAAAAAAAAAAAAAAAAAAAAAAAAAAAAAAAAAAAAAAAAAAAAAAAAAAAAAAAAAAAAAAAAAAAAAAAAAAAAAAAAAAAAAAAAAAAAAAAAAAAAAAAAAAAAAAAAAAAAAAAAAAAAAAAAAAAAAAAAAAAAAAAAAAAAAAAAAAAAAAAAAAAAAAAAAAAAAAAAAAAAAAAAAAAAAAAAAAAAAAAAAAAAAAAAAAAAAAAAAAAAAAAAAAAAAAAAAAAAAAAAAAAAAAAAAAAAAAAAAAAAAAAAAAAAAAAAAAAAAAAAAAAAAAAAAAAAAAAAAAAAAAAAAAAAAAAAAAAAAAAAAAAAAAAAAAAAAAAAAAAAAAAAAAAAAAAAAAAAAAAAAAAAAAAAAAAAAAAAAAAAAAAAAAAAAAAAAAAAAAAAAAAAAAAAAAAAAAAAAAAAAAAAAAAAAAAAAAAAAAAAAAAAAAAAAAAAAAAAAAAAAAAAAAAAAAAAAAAAAAAAAAAAAAAAAAAAAAAAAAAAAAAAAAAAAAAAAAAAAAAAAAAAAAAAAAAAAAAAAAAAAAAAAAAAAAAAAAAAAAAAAAAAAAAAAAAAAAAAAAAAAAAAAAAAAAAAAAAAAAAAAAAAAAAAAAAAAAAAAAAAAAAAAAAAAAAAAAAAAAAAAAAAAAAAAAAAAAAAAAAAAAAAAAAAAAAAAAAAAAAAAAAAAAAAAAAAAAAAAAAAAAAAAAAAAAAAAAAAAAAAAAAAAAAAAAAAAAAAAAAAAAAAAAAAAAAAAAAAAAAAAAAAAAAAAAAAAAAAAAAAAAAAAAAAAAAAAAAAAAAAAAAAAAAAAAAAAAAAAAAAAAAAAAAAAAAAAAAAAAAAAAAAAAAAAAAAAAAAAAAAAAAAAAAAAAAAAAAAAAAAAAAAAAAAAAAAAAAAAAAAAAAAAAAAAAAAAAAAAAAAAAAAAAAAAAAAAAAAAAAAAAAAAAAAAAAAAAAAAAAAAAAAAAAAAAAAAAAAAAAAAAAAAAAAAAAAAAAAAAAAAAAAAAAAAAAAAAAAAAAAAAAAAAAAAAAAAAAAAAAAAAAAAAAAAAAAAAAAAAAAAAAAAAAAAAAAAAAAAAAAAAAAAAAAAAAAAAAAAAAAAAAAAAAAAAAAAAAAAAAAAAAAAAAAAAAAAAAAAAAAAAAAAAAAAAAAAAAAAAAAAAAAAAAAAAAAAAAAAAAAAAAAAAAAAAAAAAAAAAAAAAAAAAAAAAAAAAAAAAAAAAAAAAAAAAAAAAAAAAAAAAAAAAAAAAAAAAAAAAAAAAAAAAAAAAAAAAAAAAAAAAAAAAAAAAAAAAAAAAAAAAAAAAAAAAAAAAAAAAAAAAAAAAAAAAAAAAAAAAAAAAAAAAAAAAAAAAAAAAAAAAAAAAAAAAAAAAAAAAAAAAAAAAAAAAAAAAAAAAAAAAAAAAAAAAAAAAAAAAAAAAAAAAAAAAAAAAAAAAAAAAAAAAAAAAAAAAAAAAAAAAAAAAAAAAAAAAAAAAAAAAAAAAAAAAAAAAAAAAAAAAAAAAAAAAAAAAAAAAAAAAAAAAAAAAAAAAAAAAAAAAAAAAAAAAAAAAAAAAAAAAAAAAAAAAAAAAAAAAAAAAAAAAAAAAAAAAAAAAAAAAAAAAAAAAAAAAAAAAAAAAAAAAAAAAAAAAAAAAAAAAAAAAAAAAAAAAAAAAAAAAAAAAAAAAAAAAAAAAAAAAAAAAAAAAAAAAAAAAAAAAAAAAAAAAAAAAAAAAAAAAAAAAAAAAAAAAAAAAAAAAAAAAAAAAAAAAAAAAAAAAAAAAAAAAAAAAAAAAAAAAAAAAAAAAAAAAAAAAAAAAAAAAAAAAAAAAAAAAAAAAAAAAAAAAAAAAAAAAAAAAAAAAAAAAAAAAAAAAAAAAAAAAAAAAAAAAAAAAAAAAAAAAAAAAAAAAAAAAAAAAAAAAAAAAAAAAAAAAAAAAAAAAAAAAAAAAAAAAAAAAAAAAAAAAAAAAAAAAAAAAAAAAAAAAAAAAAAAAAAAAAAAAAAAAAAAAAAAAAAAAAAAAAAAAAAAAAAAAAAAAAAAAAAAAAAAAAAAAAAAAAAAAAAAAAAAAAAAAAAAAAAAAAAAAAAAAAAAAAAAAAAAAAAAAAAAAAAAAAAAAAAAAAAAAAAAAAAAAAAAAAAAAAAAAAAAAAAAAAAAAAAAAAAAAAAAAAAAAAAAAAAAAAAAAAAAAAAAAAAAAAAAAAAAAAAAAAAAAAAAAAAAAAAAAAAAAAAAAAAAAAAAAAAAAAAAAAAAAAAAAAAAAAAAAAAAAAAAAAAAAAAAAAAAAAAAAAAAAAAAAAAAAAAAAAAAAAAAAAAAAAAAAAAAAAAAAAAAAAAAAAAAAAAAAAAAAAAAAAAAAAAAAAAAAAAAAAAAAAAAAAAAAAAAAAAAAAAAAAAAAAAAAAAAAAAAAAAAAAAAAAAAAAAAAAAAAAAAAAAAAAAAAAAAAAAAAAAAAAAAAAAAAAAAAAAAAAAAAAAAAAAAAAAAAAAAAAAAAAAAAAAAAAAAAAAAAAAAAAAAAAAAAAAAAAAAAAAAAAAAAAAAAAAAAAAAAAAAAAAAAAAAAAAAAAAAAAAAAAAAAAAAAAAAAAAAAAAAAAAAAAAAAAAAAAAAAAAAAAAAAAAAAAAAAAAAAAAAAAAAAAAAAAAAAAAAAAAAAAAAAAAAAAAAAAAAAAAAAAAAAAAAAAAAAAAAAAAAAAAAAAAAAAAAAAAAAAAAAAAAAAAAAAAAAAAAAAAAAAAAAAAAAAAAAAAAAAAAAAAAAAAAAAAAAAAAAAAAAAAAAAAAAAAAAAAAAAAAAAAAAAAAAAAAAAAAAAAAAAAAAAAAAAAAAAAAAAAAAAAAAAAAAAAAAAAAAAAAAAAAAAAAAAAAAAAAAAAAAAAAAAAAAAAAAAAAAAAAAAAAAAAAAAAAAAAAAAAAAAAAAAAAAAAAAAAAAAAAAAAAAAAAAAAAAAAAAAAAAAAAAAAAAAAAAAAAAAAAAAAAAAAAAAAAAAAAAAAAAAAAAAAAAAAAAAAAAAAAAAAAAAAAAAAAAAAAAAAAAAAAAAAAAAAAAAAAAAAAAAAAAAAAAAAAAAAAAAAAAAAAAAAAAAAAAAAAAAAAAAAAAAAAAAAAAAAAAAAAAAAAAAAAAAAAAAAAAAAAAAAAAAAAAAAAAAAAAAAAAAAAAAAAAAAAAAAAAAAAAAAAAAAAAAAAAAAAAAAAAAAAAAAAAAAAAAAAAAAAAAAAAAAAAAAAAAAAAAAAAAAAAAAAAAAAAAAAAAAAAAAAAAAAAAAAAAAAAAAAAAAAAAAAAAAAAAAAAAAAAAAAAAAAAAAAAAAAAAAAAAAAAAAAAAAAAAAAAAAAAAAAAAAAAAAAAAAAAAAAAAAAAAAAAAAAAAAAAAAAAAAAAAAAAAAAAAAAAAAAAAAAAAAAAAAAAAAAAAAAAAAAAAAAAAAAAAAAAAAAAAAAAAAAAAAAAAAAAAAAAAAAAAAAAAAAAAAAAAAAAAAAAAAAAAAAAAAAAAAAAAAAAAAAAAAAAAAAAAAAAAAAAAAAAAAAAAAAAAAAAAAAAAAAAAAAAAAAAAAAAAAAAAAAAAAAAAAAAAAAAAAAAAAAAAAAAAAAAAAAAAAAAAAAAAAAAAAAAAAAAAAAAAAAAAAAAAAAAAAAAAAAAAAAAAAAAAAAAAAAAAAAAAAAAAAAAAAAAAAAAAAAAAAAAAAAAAAAAAAAAAAAAAAAAAAAAAAAAAAAAAAAAAAAAAAAAAAAAAAAAAAAAAAAAAAAAAAAAAAAAAAAAAAAAAAAAAAAAAAAAAAAAAAAAAAAAAAAAAAAAAAAAAAAAAAAAAAAAAAAAAAAAAAAAAAAAAAAAAAAAAAAAAAAAAAAAAAAAAAAAAAAAAAAAAAAAAAAAAAAAAAAAAAAAAAAAAAAAAAAAAAAAAAAAAAAAAAAAAAAAAAAAAAAAAAAAAAAAAAAAAAAAAAAAAAAAAAAAAAAAAAAAAAAAAAAAAAAAAAAAAAAAAAAAAAAAAAAAAAAAAAAAAAAAAAAAAAAAAAAAAAAAAAAAAAAAAAAAAAAAAAAAAAAAAAAAAAAAAAAAAAAAAAAAAAAAAAAAAAAAAAAAAAAAAAAAAAAAAAAAAAAAAAAAAAAAAAAAAAAAAAAAAAAAAAAAAAAAAAAAAAAAAAAAAAAAAAAAAAAAAAAAAAAAAAAAAAAAAAAAAAAAAAAAAAAAAAAAAAAAAAAAAAAAAAAAAAAAAAAAAAAAAAAAAAAAAAAAAAAAAAAAAAAAAAAAAAAAAAAAAAAAAAAAAAAAAAAAAAAAAAAAAAAAAAAAAAAAAAAAAAAAAAAAAAAAAAAAAAAAAAAAAAAAAAAAAAAAAAAAAAAAAAAAAAAAAAAAAAAAAAAAAAAAAAAAAAAAAAAAAAAAAAAAAAAAAAAAAAAAAAAAAAAAAAAAAAAAAAAAAAAAAAAAAAAAAAAAAAAAAAAAAAAAAAAAAAAAAAAAAAAAAAAAAAAAAAAAAAAAAAAAAAAAAAAAAAAAAAAAAAAAAAAAAAAAAAAAAAAAAAAAAAAAAAAAAAAAAAAAAAAAAAAAAAAAAAAAAAAAAAAAAAAAAAAAAAAAAAAAAAAAAAAAAAAAAAAAAAAAAAAAAAAAAAAAAAAAAAAAAAAAAAAAAAAAAAAAAAAAAAAAAAAAAAAAAAAAAAAAAAAAAAAAAAAAAAAAAAAAAAAAAAAAAAAAAAAAAAAAAAAAAAAAAAAAAAAAAAAAAAAAAAAAAAAAAAAAAAAAAAAAAAAAAAAAAAAAAAAAAAAAAAAAAAAAAAAAAAAAAAAAAAAAAAAAAAAAAAAAAAAAAAAAAAAAAAAAAAAAAAAAAAAAAAAAAAAAAAAAAAAAAAAAAAAAAAAAAAAAAAAAAAAAAAAAAAAAAAAAAAAAAAAAAAAAAAAAAAAAAAAAAAAAAAAAAAAAAAAAAAAAAAAAAAAAAAAAAAAAAAAAAAAAAAAAAAAAAAAAAAAAAAAAAAAAAAAAAAAAAAAAAAAAAAAAAAAAAAAAAAAAAAAAAAAAAAAAAAAAAAAAAAAAAAAAAAAAAAAAAAAAAAAAAAAAAAAAAAAAAAAAAAAAAAAAAAAAAAAAAAAAAAAAAAAAAAAAAAAAAAAAAAAAAAAAAAAAAAAAAAAAAAAAAAAAAAAAAAAAAAAAAAAAAAAAAAAAAAAAAAAAAAAAAAAAAAAAAAAAAAAAAAAAAAAAAAAAAAAAAAAAAAAAAAAAAAAAAAAAAAAAAAAAAAAAAAAAAAAAAAAAAAAAAAAAAAAAAAAAAAAAAAAAAAAAAAAAAAAAAAAAAAAAAAAAAAAAAAAAAAAAAAAAAAAAAAAAAAAAAAAAAAAAAAAAAAAAAAAAAAAAAAAAAAAAAAAAAAAAAAAAAAAAAAAAAAAAAAAAAAAAAAAAAAAAAAAAAAAAAAAAAAAAAAAAAAAAAAAAAAAAAAAAAAAAAAAAAAAAAAAAAAAAAAAAAAAAAAAAAAAAAAAAAAAAAAAAAAAAAAAAAAAAAAAAAAAAAAAAAAAAAAAAAAAAAAAAAAAAAAAAAAAAAAAAAAAAAAAAAAAAAAAAAAAAAAAAAAAAAAAAAAAAAAAAAAAAAAAAAAAAAAAAAAAAAAAAAAAAAAAAAAAAAAAAAAAAAAAAAAAAAAAAAAAAAAAAAAAAAAAAAAAAAAAAAAAAAAAAAAAAAAAAAAAAAAAAAAAAAAAAAAAAAAAAAAAAAAAAAAAAAAAAAAAAAAAAAAAAAAAAAAAAAAAAAAAAAAAAAAAAAAAAAAAAAAAAAAAAAAAAAAAAAAAAAAAAAAAAAAAAAAAAAAAAAAAAAAAAAAAAAAAAAAAAAAAAAAAAAAAAAAAAAAAAAAAAAAAAAAAAAAAAAAAAAAAAAAAAAAAAAAAAAAAAAAAAAAAAAAAAAAAAAAAAAAAAAAAAAAAAAAAAAAAAAAAAAAAAAAAAAAAAAAAAAAAAAAAAAAAAAAAAAAAAAAAAAAAAAAAAAAAAAAAAAAAAAAAAAAAAAAAAAAAAAAAAAAAAAAAAAAAAAAAAAAAAAAAAAAAAAAAAAAAAAAAAAAAAAAAAAAAAAAAAAAAAAAAAAAAAAAAAAAAAAAAAAAAAAAAAAAAAAAAAAAAAAAAAAAAAAAAAAAAAAAAAAAAAAAAAAAAAAAAAAAAAAAAAAAAAAAAAAAAAAAAAAAAAAAAAAAAAAAAAAAAAAAAAAAAAAAAAAAAAAAAAAAAAAAAAAAAAAAAAAAAAAAAAAAAAAAAAAAAAAAAAAAAAAAAAAAAAAAAAAAAAAAAAAAAAAAAAAAAAAAAAAAAAAAAAAAAAAAAAAAAAAAAAAAAAAAAAAAAAAAAAAAAAAAAAAAAAAAAAAAAAAAAAAAAAAAAAAAAAAAAAAAAAAAAAAAAAAAAAAAAAAAAAAAAAAAAAAAAAAAAAAAAAAAAAAAAAAAAAAAAAAAAAAAAAAAAAAAAAAAAAAAAAAAAAAAAAAAAAAAAAAAAAAAAAAAAAAAAAAAAAAAAAAAAAAAAAAAAAAAAAAAAAAAAAAAAAAAAAAAAAAAAAAAAAAAAAAAAAAAAAAAAAAAAAAAAAAAAAAAAAAAAAAAAAAAAAAAAAAAAAAAAAAAAAAAAAAAAAAAAAAAAAAAAAAAAAAAAAAAAAAAAAAAAAAAAAAAAAAAAAAAAAAAAAAAAAAAAAAAAAAAAAAAAAAAAAAAAAAAAAAAAAAAAAAAAAAAAAAAAAAAAAAAAAAAAAAAAAAAAAAAAAAAAAAAAAAAAAAAAAAAAAAAAAAAAAAAAAAAAAAAAAAAAAAAAAAAAAAAAAAAAAAAAAAAAAAAAAAAAAAAAAAAAAAAAAAAAAAAAAAAAAAAAAAAAAAAAAAAAAAAAAAAAAAAAAAAAAAAAAAAAAAAAAAAAAAAAAAAAAAAAAAAAAAAAAAAAAAAAAAAAAAAAAAAAAAAAAAAAAAAAAAAAAAAAAAAAAAAAAAAAAAAAAAAAAAAAAAAAAAAAAAAAAAAAAAAAAAAAAAAAAAAAAAAAAAAAAAAAAAAAAAAAAAAAAAAAAAAAAAAAAAAAAAAAAAAAAAAAAAAAAAAAAAAAAAAAAAAAAAAAAAAAAAAAAAAAAAAAAAAAAAAAAAAAAAAAAAAAAAAAAAAAAAAAAAAAAAAAAAAAAAAAAAAAAAAAAAAAAAAAAAAAAAAAAAAAAAAAAAAAAAAAAAAAAAAAAAAAAAAAAAAAAAAAAAAAAAAAAAAAAAAAAAAAAAAAAAAAAACAAAAAv//////////AQAAAAAAAAAAAAAAEQAAAFByb3BlcnR5RG9jdW1lbnRzAQAAAAAAAAAFAAAACQAAAF9pZD0kLl9pZAEDAAAAAAADAAAAAQADAAAAIwAAAENvbWJpSW5kZXg9JC5OYW1lICsgJ18nICsgJC5WZXJzaW9uAQQAAAAAAAQAAAABAAQAAAAAAAAAAP///////wAAAAAAAP////8AAAAAAP///////wAAAAAAAP////8AAAAAAP///////wAAAAAAAP////8AAAAAAP///////wAAAAAAAP////8AAAAAAP///////wAAAAAAAP////8AAAAAAP///////wAAAAAAAP////8AAAAAAP///////wAAAAAAAP////8AAAAAAP///////wAAAAAAAP////8AAAAAAP///////wAAAAAAAP////8AAAAAAP///////wAAAAAAAP////8AAAAAAP///////wAAAAAAAP////8AAAAAAP///////wAAAAAAAP////8AAAAAAP///////wAAAAAAAP////8AAAAAAP///////wAAAAAAAP////8AAAAAAAAAAAAAAAAAAAAAAAAAAAAAAAAAAAAAAAAAAAAAAAAAAAAAAAAAAAAAAAAAAAAAAAAAAAAAAAAAAAAAAAAAAAAAAAAAAAAAAAAAAAAAAAAAAAAAAAAAAAAAAAAAAAAAAAAAAAAAAAAAAAAAAAAAAAAAAAAAAAAAAAAAAAAAAAAAAAAAAAAAAAAAAAAAAAAAAAAAAAAAAAAAAAAAAAAAAAAAAAAAAAAAAAAAAAAAAAAAAAAAAAAAAAAAAAAAAAAAAAAAAAAAAAAAAAAAAAAAAAAAAAAAAAAAAAAAAAAAAAAAAAAAAAAAAAAAAAAAAAAAAAAAAAAAAAAAAAAAAAAAAAAAAAAAAAAAAAAAAAAAAAAAAAAAAAAAAAAAAAAAAAAAAAAAAAAAAAAAAAAAAAAAAAAAAAAAAAAAAAAAAAAAAAAAAAAAAAAAAAAAAAAAAAAAAAAAAAAAAAAAAAAAAAAAAAAAAAAAAAAAAAAAAAAAAAAAAAAAAAAAAAAAAAAAAAAAAAAAAAAAAAAAAAAAAAAAAAAAAAAAAAAAAAAAAAAAAAAAAAAAAAAAAAAAAAAAAAAAAAAAAAAAAAAAAAAAAAAAAAAAAAAAAAAAAAAAAAAAAAAAAAAAAAAAAAAAAAAAAAAAAAAAAAAAAAAAAAAAAAAAAAAAAAAAAAAAAAAAAAAAAAAAAAAAAAAAAAAAAAAAAAAAAAAAAAAAAAAAAAAAAAAAAAAAAAAAAAAAAAAAAAAAAAAAAAAAAAAAAAAAAAAAAAAAAAAAAAAAAAAAAAAAAAAAAAAAAAAAAAAAAAAAAAAAAAAAAAAAAAAAAAAAAAAAAAAAAAAAAAAAAAAAAAAAAAAAAAAAAAAAAAAAAAAAAAAAAAAAAAAAAAAAAAAAAAAAAAAAAAAAAAAAAAAAAAAAAAAAAAAAAAAAAAAAAAAAAAAAAAAAAAAAAAAAAAAAAAAAAAAAAAAAAAAAAAAAAAAAAAAAAAAAAAAAAAAAAAAAAAAAAAAAAAAAAAAAAAAAAAAAAAAAAAAAAAAAAAAAAAAAAAAAAAAAAAAAAAAAAAAAAAAAAAAAAAAAAAAAAAAAAAAAAAAAAAAAAAAAAAAAAAAAAAAAAAAAAAAAAAAAAAAAAAAAAAAAAAAAAAAAAAAAAAAAAAAAAAAAAAAAAAAAAAAAAAAAAAAAAAAAAAAAAAAAAAAAAAAAAAAAAAAAAAAAAAAAAAAAAAAAAAAAAAAAAAAAAAAAAAAAAAAAAAAAAAAAAAAAAAAAAAAAAAAAAAAAAAAAAAAAAAAAAAAAAAAAAAAAAAAAAAAAAAAAAAAAAAAAAAAAAAAAAAAAAAAAAAAAAAAAAAAAAAAAAAAAAAAAAAAAAAAAAAAAAAAAAAAAAAAAAAAAAAAAAAAAAAAAAAAAAAAAAAAAAAAAAAAAAAAAAAAAAAAAAAAAAAAAAAAAAAAAAAAAAAAAAAAAAAAAAAAAAAAAAAAAAAAAAAAAAAAAAAAAAAAAAAAAAAAAAAAAAAAAAAAAAAAAAAAAAAAAAAAAAAAAAAAAAAAAAAAAAAAAAAAAAAAAAAAAAAAAAAAAAAAAAAAAAAAAAAAAAAAAAAAAAAAAAAAAAAAAAAAAAAAAAAAAAAAAAAAAAAAAAAAAAAAAAAAAAAAAAAAAAAAAAAAAAAAAAAAAAAAAAAAAAAAAAAAAAAAAAAAAAAAAAAAAAAAAAAAAAAAAAAAAAAAAAAAAAAAAAAAAAAAAAAAAAAAAAAAAAAAAAAAAAAAAAAAAAAAAAAAAAAAAAAAAAAAAAAAAAAAAAAAAAAAAAAAAAAAAAAAAAAAAAAAAAAAAAAAAAAAAAAAAAAAAAAAAAAAAAAAAAAAAAAAAAAAAAAAAAAAAAAAAAAAAAAAAAAAAAAAAAAAAAAAAAAAAAAAAAAAAAAAAAAAAAAAAAAAAAAAAAAAAAAAAAAAAAAAAAAAAAAAAAAAAAAAAAAAAAAAAAAAAAAAAAAAAAAAAAAAAAAAAAAAAAAAAAAAAAAAAAAAAAAAAAAAAAAAAAAAAAAAAAAAAAAAAAAAAAAAAAAAAAAAAAAAAAAAAAAAAAAAAAAAAAAAAAAAAAAAAAAAAAAAAAAAAAAAAAAAAAAAAAAAAAAAAAAAAAAAAAAAAAAAAAAAAAAAAAAAAAAAAAAAAAAAAAAAAAAAAAAAAAAAAAAAAAAAAAAAAAAAAAAAAAAAAAAAAAAAAAAAAAAAAAAAAAAAAAAAAAAAAAAAAAAAAAAAAAAAAAAAAAAAAAAAAAAAAAAAAAAAAAAAAAAAAAAAAAAAAAAAAAAAAAAAAAAAAAAAAAAAAAAAAAAAAAAAAAAAAAAAAAAAAAAAAAAAAAAAAAAAAAAAAAAAAAAAAAAAAAAAAAAAAAAAAAAAAAAAAAAAAAAAAAAAAAAAAAAAAAAAAAAAAAAAAAAAAAAAAAAAAAAAAAAAAAAAAAAAAAAAAAAAAAAAAAAAAAAAAAAAAAAAAAAAAAAAAAAAAAAAAAAAAAAAAAAAAAAAAAAAAAAAAAAAAAAAAAAAAAAAAAAAAAAAAAAAAAAAAAAAAAAAAAAAAAAAAAAAAAAAAAAAAAAAAAAAAAAAAAAAAAAAAAAAAAAAAAAAAAAAAAAAAAAAAAAAAAAAAAAAAAAAAAAAAAAAAAAAAAAAAAAAAAAAAAAAAAAAAAAAAAAAAAAAAAAAAAAAAAAAAAAAAAAAAAAAAAAAAAAAAAAAAAAAAAAAAAAAAAAAAAAAAAAAAAAAAAAAAAAAAAAAAAAAAAAAAAAAAAAAAAAAAAAAAAAAAAAAAAAAAAAAAAAAAAAAAAAAAAAAAAAAAAAAAAAAAAAAAAAAAAAAAAAAAAAAAAAAAAAAAAAAAAAAAAAAAAAAAAAAAAAAAAAAAAAAAAAAAAAAAAAAAAAAAAAAAAAAAAAAAAAAAAAAAAAAAAAAAAAAAAAAAAAAAAAAAAAAAAAAAAAAAAAAAAAAAAAAAAAAAAAAAAAAAAAAAAAAAAAAAAAAAAAAAAAAAAAAAAAAAAAAAAAAAAAAAAAAAAAAAAAAAAAAAAAAAAAAAAAAAAAAAAAAAAAAAAAAAAAAAAAAAAAAAAAAAAAAAAAAAAAAAAAAAAAAAAAAAAAAAAAAAAAAAAAAAAAAAAAAAAAAAAAAAAAAAAAAAAAAAAAAAAAAAAAAAAAAAAAAAAAAAAAAAAAAAAAAAAAAAAAAAAAAAAAAAAAAAAAAAAAAAAAAAAAAAAAAAAAAAAAAAAAAAAAAAAAAAAAAAAAAAAAAAAAAAAAAAAAAAAAAAAAAAAAAAAAAAAAAAAAAAAAAAAAAAAAAAAAAAAAAAAAAAAAAAAAAAAAAAAAAAAAAAAAAAAAAAAAAAAAAAAAAAAAAAAAAAAAAAAAAAAAAAAAAAAAAAAAAAAAAAAAAAAAAAAAAAAAAAAAAAAAAAAAAAAAAAAAAAAAAAAAAAAAAAAAAAAAAAAAAAAAAAAAAAAAAAAAAAAAAAAAAAAAAAAAAAAAAAAAAAAAAAAAAAAAAAAAAAAAAAAAAAAAAAAAAAAAAAAAAAAAAAAAAAAAAAAAAAAAAAAAAAAAAAAAAAAAAAAAAAAAAAAAAAAAAAAAAAAAAAAAAAAAAAAAAAAAAAAAAAAAAAAAAAAAAAAAAAAAAAAAAAAAAAAAAAAAAAAAAAAAAAAAAAAAAAAAAAAAAAAAAAAAAAAAAAAAAAAAAAAAAAAAAAAAAAAAAAAAAAAAAAAAAAAAAAAAAAAAAAAAAAAAAAAAAAAAAAAAAAAAAAAAAAAAAAAAAAAAAAAAAAAAAAAAAAAAAAAAAAAAAAAAAAAAAAAAAAAAAAAAAAAAAAAAAAAAAAAAAAAAAAAAAAAAAAAAAAAAAAAAAAAAAAAAAAAAAAAAAAAAAAAAAAAAAAAAAAAAAAAAAAAAAAAAAAAAAAAAAAAAAAAAAAAAAAAAAAAAAAAAAAAAAAAAAAAAAAAAAAAAAAAAAAAAAAAAAAAAAAAAAAAAAAAAAAAAAAAAAAAAAAAAAAAAAAAAAAAAAAAAAAAAAAAAAAAAAAAAAAAAAAAAAAAAAAAAAAAAAAAAAAAAAAAAAAAAAAAAAAAAAAAAAAAAAAAAAAAAAAAAAAAAAAAAAAAAAAAAAAAAAAAAAAAAAAAAAAAAAAAAAAAAAAAAAAAAAAAAAAAAAAAAAAAAAAAAAAAAAAAAAAAAAAAAAAAAAAAAAAAAAAAAAAAAAAAAAAAAAAAAAAAAAAAAAAAAAAAAAAAAAAAAAAAAAAAAAAAAAAAAAAAAAAAAAAAAAAAAAAAAAAAAAAAAAAAAAAAAAAAAAAAAAAAAAAAAAAAAAAAAAAAAAAAAAAAAAAAAAAAAAAAAAAAAAAAAAAAAAAAAAAAAAAAAAAAAAAAAAAAAAAAAAAAAAAAAAAAAAAAAAAAAAAAAAAAAAAAAAAAAAAAAAAAAAAAAAAAAAAAAAAAAAAAAAAAAAAAAAAAAAAAAAAAAAAAAAAAAAAAAAAAAAAAAAAAAAAAAAAAAAAAAAAAAAAAAAAAAAAAAAAAAAAAAAAAAAAAAAAAAAAAAAAAAAAAAAAAAAAAAAAAAAAAAAAAAAAAAAAAAAAAAAAAAAAAAAAAAAAAAAAAAAAAAAAAAAAAAAAAAAAAAAAAAAAAAAAAAAAAAAAAAAAAAAAAAAAAAAAAAAAAAAAAAAAAAAAAAAAAAAAAAAAAAAAAAAAAAAAAAAAAAAAAAAAAAAAAAAAAAAAAAAAAAAAAAAAAAAAAAAAAAAAAAAAAAAAAAAAAAAAAAAAAAAAAAAAAAAAAAAAAAAAAAAAAAAAAAAAAAAAAAAAAAAAAAAAAAAAAAAAAAAAAAAAAAAAAAAAAAAAAwIBAQEBAQEBAQEBAQEBAQEAAAAAAAAAAwAAAAMAAAAA/////wMAaAwAAAAAAAAAAAAAIAD///////////////8AAAD///////////////8DAAAAAgD///////8DAAAAAgD///////8DAAAAAgD///////////////////////////////////////////////////////////////////////////////////////////////////////////////////////////////////////////////////////////////////////////////////////////////////////////////////////////////////////////////////////////////////////////////////////////////////////////////////////////////////////////////////////////////////////////////////////////////////////////////////////////////////////////////////////////////////////////////8BACAA////////////////AAAO////////AwAAAAIA////////////////////////////////////////////////////////////////////////////////////////////////////////////////////////////////////////////////////////////////////////////////////////////////////////////////////////////////////////////////////////////////////////////////////////////////////////////////////////////////////////////////////////////////////////////////////////////////////////////////////////////////////////////////////////////////////////////////////////////////////////////////////////AgADAP///////wQAAAACABAAC0lvLB70eAFDnl3mF5xAGk0FAAAAAAADAAAAAAADAAAAAQADAAAAAAD///////8DAAAAAAD///////8AAAAAAAAAAAAAAAAAAAAAAAAAAAAAAAAAAAAAAAAAAAAAAAAAAAAAAAAAAAAAAAAAAAAAAAAAAAAAAAAAAAAAAAAAAAAAAAAAAAAAAAAAAAAAAAAAAAAAAAAAAAAAAAAAAAAAAAAAAAAAAAAAAAAAAAAAAAAAAAAAAAAAAAAAAAAAAAAAAAAAAAAAAAAAAAAAAAAAAAAAAAAAAAAAAAAAAAAAAAAAAAAAAAAAAAAAAAAAAAAAAAAAAAAAAAAAAAAAAAAAAAAAAAAAAAAAAAAAAAAAAAAAAAAAAAAAAAAAAAAAAAAAAAAAAAAAAAAAAAAAAAAAAAAAAAAAAAAAAAAAAAAAAAAAAAAAAAAAAAAAAAAAAAAAAAAAAAAAAAAAAAAAAAAAAAAAAAAAAAAAAAAAAAAAAAAAAAAAAAAAAAAAAAAAAAAAAAAAAAAAAAAAAAAAAAAAAAAAAAAAAAAAAAAAAAAAAAAAAAAAAAAAAAAAAAAAAAAAAAAAAAAAAAAAAAAAAAAAAAAAAAAAAAAAAAAAAAAAAAAAAAAAAAAAAAAAAAAAAAAAAAAAAAAAAAAAAAAAAAAAAAAAAAAAAAAAAAAAAAAAAAAAAAAAAAAAAAAAAAAAAAAAAAAAAAAAAAAAAAAAAAAAAAAAAAAAAAAAAAAAAAAAAAAAAAAAAAAAAAAAAAAAAAAAAAAAAAAAAAAAAAAAAAAAAAAAAAAAAAAAAAAAAAAAAAAAAAAAAAAAAAAAAAAAAAAAAAAAAAAAAAAAAAAAAAAAAAAAAAAAAAAAAAAAAAAAAAAAAAAAAAAAAAAAAAAAAAAAAAAAAAAAAAAAAAAAAAAAAAAAAAAAAAAAAAAAAAAAAAAAAAAAAAAAAAAAAAAAAAAAAAAAAAAAAAAAAAAAAAAAAAAAAAAAAAAAAAAAAAAAAAAAAAAAAAAAAAAAAAAAAAAAAAAAAAAAAAAAAAAAAAAAAAAAAAAAAAAAAAAAAAAAAAAAAAAAAAAAAAAAAAAAAAAAAAAAAAAAAAAAAAAAAAAAAAAAAAAAAAAAAAAAAAAAAAAAAAAAAAAAAAAAAAAAAAAAAAAAAAAAAAAAAAAAAAAAAAAAAAAAAAAAAAAAAAAAAAAAAAAAAAAAAAAAAAAAAAAAAAAAAAAAAAAAAAAAAAAAAAAAAAAAAAAAAAAAAAAAAAAAAAAAAAAAAAAAAAAAAAAAAAAAAAAAAAAAAAAAAAAAAAAAAAAAAAAAAAAAAAAAAAAAAAAAAAAAAAAAAAAAAAAAAAAAAAAAAAAAAAAAAAAAAAAAAAAAAAAAAAAAAAAAAAAAAAAAAAAAAAAAAAAAAAAAAAAAAAAAAAAAAAAAAAAAAAAAAAAAAAAAAAAAAAAAAAAAAAAAAAAAAAAAAAAAAAAAAAAAAAAAAAAAAAAAAAAAAAAAAAAAAAAAAAAAAAAAAAAAAAAAAAAAAAAAAAAAAAAAAAAAAAAAAAAAAAAAAAAAAAAAAAAAAAAAAAAAAAAAAAAAAAAAAAAAAAAAAAAAAAAAAAAAAAAAAAAAAAAAAAAAAAAAAAAAAAAAAAAAAAAAAAAAAAAAAAAAAAAAAAAAAAAAAAAAAAAAAAAAAAAAAAAAAAAAAAAAAAAAAAAAAAAAAAAAAAAAAAAAAAAAAAAAAAAAAAAAAAAAAAAAAAAAAAAAAAAAAAAAAAAAAAAAAAAAAAAAAAAAAAAAAAAAAAAAAAAAAAAAAAAAAAAAAAAAAAAAAAAAAAAAAAAAAAAAAAAAAAAAAAAAAAAAAAAAAAAAAAAAAAAAAAAAAAAAAAAAAAAAAAAAAAAAAAAAAAAAAAAAAAAAAAAAAAAAAAAAAAAAAAAAAAAAAAAAAAAAAAAAAAAAAAAAAAAAAAAAAAAAAAAAAAAAAAAAAAAAAAAAAAAAAAAAAAAAAAAAAAAAAAAAAAAAAAAAAAAAAAAAAAAAAAAAAAAAAAAAAAAAAAAAAAAAAAAAAAAAAAAAAAAAAAAAAAAAAAAAAAAAAAAAAAAAAAAAAAAAAAAAAAAAAAAAAAAAAAAAAAAAAAAAAAAAAAAAAAAAAAAAAAAAAAAAAAAAAAAAAAAAAAAAAAAAAAAAAAAAAAAAAAAAAAAAAAAAAAAAAAAAAAAAAAAAAAAAAAAAAAAAAAAAAAAAAAAAAAAAAAAAAAAAAAAAAAAAAAAAAAAAAAAAAAAAAAAAAAAAAAAAAAAAAAAAAAAAAAAAAAAAAAAAAAAAAAAAAAAAAAAAAAAAAAAAAAAAAAAAAAAAAAAAAAAAAAAAAAAAAAAAAAAAAAAAAAAAAAAAAAAAAAAAAAAAAAAAAAAAAAAAAAAAAAAAAAAAAAAAAAAAAAAAAAAAAAAAAAAAAAAAAAAAAAAAAAAAAAAAAAAAAAAAAAAAAAAAAAAAAAAAAAAAAAAAAAAAAAAAAAAAAAAAAAAAAAAAAAAAAAAAAAAAAAAAAAAAAAAAAAAAAAAAAAAAAAAAAAAAAAAAAAAAAAAAAAAAAAAAAAAAAAAAAAAAAAAAAAAAAAAAAAAAAAAAAAAAAAAAAAAAAAAAAAAAAAAAAAAAAAAAAAAAAAAAAAAAAAAAAAAAAAAAAAAAAAAAAAAAAAAAAAAAAAAAAAAAAAAAAAAAAAAAAAAAAAAAAAAAAAAAAAAAAAAAAAAAAAAAAAAAAAAAAAAAAAAAAAAAAAAAAAAAAAAAAAAAAAAAAAAAAAAAAAAAAAAAAAAAAAAAAAAAAAAAAAAAAAAAAAAAAAAAAAAAAAAAAAAAAAAAAAAAAAAAAAAAAAAAAAAAAAAAAAAAAAAAAAAAAAAAAAAAAAAAAAAAAAAAAAAAAAAAAAAAAAAAAAAAAAAAAAAAAAAAAAAAAAAAAAAAAAAAAAAAAAAAAAAAAAAAAAAAAAAAAAAAAAAAAAAAAAAAAAAAAAAAAAAAAAAAAAAAAAAAAAAAAAAAAAAAAAAAAAAAAAAAAAAAAAAAAAAAAAAAAAAAAAAAAAAAAAAAAAAAAAAAAAAAAAAAAAAAAAAAAAAAAAAAAAAAAAAAAAAAAAAAAAAAAAAAAAAAAAAAAAAAAAAAAAAAAAAAAAAAAAAAAAAAAAAAAAAAAAAAAAAAAAAAAAAAAAAAAAAAAAAAAAAAAAAAAAAAAAAAAAAAAAAAAAAAAAAAAAAAAAAAAAAAAAAAAAAAAAAAAAAAAAAAAAAAAAAAAAAAAAAAAAAAAAAAAAAAAAAAAAAAAAAAAAAAAAAAAAAAAAAAAAAAAAAAAAAAAAAAAAAAAAAAAAAAAAAAAAAAAAAAAAAAAAAAAAAAAAAAAAAAAAAAAAAAAAAAAAAAAAAAAAAAAAAAAAAAAAAAAAAAAAAAAAAAAAAAAAAAAAAAAAAAAAAAAAAAAAAAAAAAAAAAAAAAAAAAAAAAAAAAAAAAAAAAAAAAAAAAAAAAAAAAAAAAAAAAAAAAAAAAAAAAAAAAAAAAAAAAAAAAAAAAAAAAAAAAAAAAAAAAAAAAAAAAAAAAAAAAAAAAAAAAAAAAAAAAAAAAAAAAAAAAAAAAAAAAAAAAAAAAAAAAAAAAAAAAAAAAAAAAAAAAAAAAAAAAAAAAAAAAAAAAAAAAAAAAAAAAAAAAAAAAAAAAAAAAAAAAAAAAAAAAAAAAAAAAAAAAAAAAAAAAAAAAAAAAAAAAAAAAAAAAAAAAAAAAAAAAAAAAAAAAAAAAAAAAAAAAAAAAAAAAAAAAAAAAAAAAAAAAAAAAAAAAAAAAAAAAAAAAAAAAAAAAAAAAAAAAAAAAAAAAAAAAAAAAAAAAAAAAAAAAAAAAAAAAAAAAAAAAAAAAAAAAAAAAAAAAAAAAAAAAAAAAAAAAAAAAAAAAAAAAAAAAAAAAAAAAAAAAAAAAAAAAAAAAAAAAAAAAAAAAAAAAAAAAAAAAAAAAAAAAAAAAAAAAAAAAAAAAAAAAAAAAAAAAAAAAAAAAAAAAAAAAAAAAAAAAAAAAAAAAAAAAAAAAAAAAAAAAAAAAAAAAAAAAAAAAAAAAAAAAAAAAAAAAAAAAAAAAAAAAAAAAAAAAAAAAAAAAAAAAAAAAAAAAAAAAAAAAAAAAAAAAAAAAAAAAAAAAAAAAAAAAAAAAAAAAAAAAAAAAAAAAAAAAAAAAAAAAAAAAAAAAAAAAAAAAAAAAAAAAAAAAAAAAAAAAAAAAAAAAAAAAAAAAAAAAAAAAAAAAAAAAAAAAAAAAAAAAAAAAAAAAAAAAAAAAAAAAAAAAAAAAAAAAAAAAAAAAAAAAAAQAAAADAAAAAP////8DAHgMAAAAAAAAAAAAACAB////////////////AAAA////////////////BAAAAAIA////////BAAAAAIA////////////////////////////////////////////////////////////////////////////////////////////////////////////////////////////////////////////////////////////////////////////////////////////////////////////////////////////////////////////////////////////////////////////////////////////////////////////////////////////////////////////////////////////////////////////////////////////////////////////////////////////////////////////////////////////////////////////////////////////////AQAgAf///////////////wAADv///////wQAAAACAP///////////////////////////////////////////////////////////////////////////////////////////////////////////////////////////////////////////////////////////////////////////////////////////////////////////////////////////////////////////////////////////////////////////////////////////////////////////////////////////////////////////////////////////////////////////////////////////////////////////////////////////////////////////////////////////////////////////////////////////////////////////////////////wIAAgEDAAAAAgD///////8MAAZQZXJzb25hbElkXzAFAAAAAAAEAAAAAAAEAAAAAQAEAAAAAAD///////8AAAAAAAAAAAAAAAAAAAAAAAAAAAAAAAAAAAAAAAAAAAAAAAAAAAAAAAAAAAAAAAAAAAAAAAAAAAAAAAAAAAAAAAAAAAAAAAAAAAAAAAAAAAAAAAAAAAAAAAAAAAAAAAAAAAAAAAAAAAAAAAAAAAAAAAAAAAAAAAAAAAAAAAAAAAAAAAAAAAAAAAAAAAAAAAAAAAAAAAAAAAAAAAAAAAAAAAAAAAAAAAAAAAAAAAAAAAAAAAAAAAAAAAAAAAAAAAAAAAAAAAAAAAAAAAAAAAAAAAAAAAAAAAAAAAAAAAAAAAAAAAAAAAAAAAAAAAAAAAAAAAAAAAAAAAAAAAAAAAAAAAAAAAAAAAAAAAAAAAAAAAAAAAAAAAAAAAAAAAAAAAAAAAAAAAAAAAAAAAAAAAAAAAAAAAAAAAAAAAAAAAAAAAAAAAAAAAAAAAAAAAAAAAAAAAAAAAAAAAAAAAAAAAAAAAAAAAAAAAAAAAAAAAAAAAAAAAAAAAAAAAAAAAAAAAAAAAAAAAAAAAAAAAAAAAAAAAAAAAAAAAAAAAAAAAAAAAAAAAAAAAAAAAAAAAAAAAAAAAAAAAAAAAAAAAAAAAAAAAAAAAAAAAAAAAAAAAAAAAAAAAAAAAAAAAAAAAAAAAAAAAAAAAAAAAAAAAAAAAAAAAAAAAAAAAAAAAAAAAAAAAAAAAAAAAAAAAAAAAAAAAAAAAAAAAAAAAAAAAAAAAAAAAAAAAAAAAAAAAAAAAAAAAAAAAAAAAAAAAAAAAAAAAAAAAAAAAAAAAAAAAAAAAAAAAAAAAAAAAAAAAAAAAAAAAAAAAAAAAAAAAAAAAAAAAAAAAAAAAAAAAAAAAAAAAAAAAAAAAAAAAAAAAAAAAAAAAAAAAAAAAAAAAAAAAAAAAAAAAAAAAAAAAAAAAAAAAAAAAAAAAAAAAAAAAAAAAAAAAAAAAAAAAAAAAAAAAAAAAAAAAAAAAAAAAAAAAAAAAAAAAAAAAAAAAAAAAAAAAAAAAAAAAAAAAAAAAAAAAAAAAAAAAAAAAAAAAAAAAAAAAAAAAAAAAAAAAAAAAAAAAAAAAAAAAAAAAAAAAAAAAAAAAAAAAAAAAAAAAAAAAAAAAAAAAAAAAAAAAAAAAAAAAAAAAAAAAAAAAAAAAAAAAAAAAAAAAAAAAAAAAAAAAAAAAAAAAAAAAAAAAAAAAAAAAAAAAAAAAAAAAAAAAAAAAAAAAAAAAAAAAAAAAAAAAAAAAAAAAAAAAAAAAAAAAAAAAAAAAAAAAAAAAAAAAAAAAAAAAAAAAAAAAAAAAAAAAAAAAAAAAAAAAAAAAAAAAAAAAAAAAAAAAAAAAAAAAAAAAAAAAAAAAAAAAAAAAAAAAAAAAAAAAAAAAAAAAAAAAAAAAAAAAAAAAAAAAAAAAAAAAAAAAAAAAAAAAAAAAAAAAAAAAAAAAAAAAAAAAAAAAAAAAAAAAAAAAAAAAAAAAAAAAAAAAAAAAAAAAAAAAAAAAAAAAAAAAAAAAAAAAAAAAAAAAAAAAAAAAAAAAAAAAAAAAAAAAAAAAAAAAAAAAAAAAAAAAAAAAAAAAAAAAAAAAAAAAAAAAAAAAAAAAAAAAAAAAAAAAAAAAAAAAAAAAAAAAAAAAAAAAAAAAAAAAAAAAAAAAAAAAAAAAAAAAAAAAAAAAAAAAAAAAAAAAAAAAAAAAAAAAAAAAAAAAAAAAAAAAAAAAAAAAAAAAAAAAAAAAAAAAAAAAAAAAAAAAAAAAAAAAAAAAAAAAAAAAAAAAAAAAAAAAAAAAAAAAAAAAAAAAAAAAAAAAAAAAAAAAAAAAAAAAAAAAAAAAAAAAAAAAAAAAAAAAAAAAAAAAAAAAAAAAAAAAAAAAAAAAAAAAAAAAAAAAAAAAAAAAAAAAAAAAAAAAAAAAAAAAAAAAAAAAAAAAAAAAAAAAAAAAAAAAAAAAAAAAAAAAAAAAAAAAAAAAAAAAAAAAAAAAAAAAAAAAAAAAAAAAAAAAAAAAAAAAAAAAAAAAAAAAAAAAAAAAAAAAAAAAAAAAAAAAAAAAAAAAAAAAAAAAAAAAAAAAAAAAAAAAAAAAAAAAAAAAAAAAAAAAAAAAAAAAAAAAAAAAAAAAAAAAAAAAAAAAAAAAAAAAAAAAAAAAAAAAAAAAAAAAAAAAAAAAAAAAAAAAAAAAAAAAAAAAAAAAAAAAAAAAAAAAAAAAAAAAAAAAAAAAAAAAAAAAAAAAAAAAAAAAAAAAAAAAAAAAAAAAAAAAAAAAAAAAAAAAAAAAAAAAAAAAAAAAAAAAAAAAAAAAAAAAAAAAAAAAAAAAAAAAAAAAAAAAAAAAAAAAAAAAAAAAAAAAAAAAAAAAAAAAAAAAAAAAAAAAAAAAAAAAAAAAAAAAAAAAAAAAAAAAAAAAAAAAAAAAAAAAAAAAAAAAAAAAAAAAAAAAAAAAAAAAAAAAAAAAAAAAAAAAAAAAAAAAAAAAAAAAAAAAAAAAAAAAAAAAAAAAAAAAAAAAAAAAAAAAAAAAAAAAAAAAAAAAAAAAAAAAAAAAAAAAAAAAAAAAAAAAAAAAAAAAAAAAAAAAAAAAAAAAAAAAAAAAAAAAAAAAAAAAAAAAAAAAAAAAAAAAAAAAAAAAAAAAAAAAAAAAAAAAAAAAAAAAAAAAAAAAAAAAAAAAAAAAAAAAAAAAAAAAAAAAAAAAAAAAAAAAAAAAAAAAAAAAAAAAAAAAAAAAAAAAAAAAAAAAAAAAAAAAAAAAAAAAAAAAAAAAAAAAAAAAAAAAAAAAAAAAAAAAAAAAAAAAAAAAAAAAAAAAAAAAAAAAAAAAAAAAAAAAAAAAAAAAAAAAAAAAAAAAAAAAAAAAAAAAAAAAAAAAAAAAAAAAAAAAAAAAAAAAAAAAAAAAAAAAAAAAAAAAAAAAAAAAAAAAAAAAAAAAAAAAAAAAAAAAAAAAAAAAAAAAAAAAAAAAAAAAAAAAAAAAAAAAAAAAAAAAAAAAAAAAAAAAAAAAAAAAAAAAAAAAAAAAAAAAAAAAAAAAAAAAAAAAAAAAAAAAAAAAAAAAAAAAAAAAAAAAAAAAAAAAAAAAAAAAAAAAAAAAAAAAAAAAAAAAAAAAAAAAAAAAAAAAAAAAAAAAAAAAAAAAAAAAAAAAAAAAAAAAAAAAAAAAAAAAAAAAAAAAAAAAAAAAAAAAAAAAAAAAAAAAAAAAAAAAAAAAAAAAAAAAAAAAAAAAAAAAAAAAAAAAAAAAAAAAAAAAAAAAAAAAAAAAAAAAAAAAAAAAAAAAAAAAAAAAAAAAAAAAAAAAAAAAAAAAAAAAAAAAAAAAAAAAAAAAAAAAAAAAAAAAAAAAAAAAAAAAAAAAAAAAAAAAAAAAAAAAAAAAAAAAAAAAAAAAAAAAAAAAAAAAAAAAAAAAAAAAAAAAAAAAAAAAAAAAAAAAAAAAAAAAAAAAAAAAAAAAAAAAAAAAAAAAAAAAAAAAAAAAAAAAAAAAAAAAAAAAAAAAAAAAAAAAAAAAAAAAAAAAAAAAAAAAAAAAAAAAAAAAAAAAAAAAAAAAAAAAAAAAAAAAAAAAAAAAAAAAAAAAAAAAAAAAAAAAAAAAAAAAAAAAAAAAAAAAAAAAAAAAAAAAAAAAAAAAAAAAAAAAAAAAAAAAAAAAAAAAAAAAAAAAAAAAAAAAAAAAAAAAAAAAAAAAAAAAAAAAAAAAAAAAAAAAAAAAAAAAAAAAAAAAAAAAAAAAAAAAAAAAAAAAAAAAAAAAAAAAAAAAAAAAAAAAAAAAAAAAAAAAAAAAAAAAAAAAAAAAAAAAAAAAAAAAAAAAAAAAAAAAAAAAAAAAAAAAAAAAAAAAAAAAAAAAAAAAAAAAAAAAAAAAAAAAAAAAAAAAAAAAAAAAAAAAAAAAAAAAAAAAAAAAAAAAAAAAAAAAAAAAAAAAAAAAAAAAAAAAAAAAAAAAAAAAAAAAAAAAAAAAAAAAAAAAAAAAAAAAAAAAAAAAAAAAAAAAAAAAAAAAAAAAAAAAAAAAAAAAAAAAAAAAAAAAAAAAAAAAAAAAAAAAAAAAAAAAAAAAAAAAAAAAAAAAAAAAAAAAAAAAAAAAAAAAAAAAAAAAAAAAAAAAAAAAAAAAAAAAAAAAAAAAAAAAAAAAAAAAAAAAAAAAAAAAAAAAAAAAAAAAAAAAAAAAAAAAAAAAAAAAAAAAAAAAAAAAAAAAAAAAAAAAAAAAAAAAAAAAAAAAAAAAAAAAAAAAAAAAAAAAAAAAAAAAAAAAAAAAAAAAAAAAAAAAAAAAAAAAAAAAAAAAAAAAAAAAAAAAAFAAAABAAAAAD/////AQBvDwAAAAAAAAAAAAD/////cABwAAAABV9pZAAQAAAABElvLB70eAFDnl3mF5xAGk0DRGF0YQAWAAAAAlBlcnNvbmFsSWQAAQAAAAAAAk5hbWUACwAAAFBlcnNvbmFsSWQAEFZlcnNpb24AAAAAAAlMYXN0V3JpdGUAUe5y7IsBAAAAAAAAAAAAAAAAAAAAAAAAAAAAAAAAAAAAAAAAAAAAAAAAAAAAAAAAAAAAAAAAAAAAAAAAAAAAAAAAAAAAAAAAAAAAAAAAAAAAAAAAAAAAAAAAAAAAAAAAAAAAAAAAAAAAAAAAAAAAAAAAAAAAAAAAAAAAAAAAAAAAAAAAAAAAAAAAAAAAAAAAAAAAAAAAAAAAAAAAAAAAAAAAAAAAAAAAAAAAAAAAAAAAAAAAAAAAAAAAAAAAAAAAAAAAAAAAAAAAAAAAAAAAAAAAAAAAAAAAAAAAAAAAAAAAAAAAAAAAAAAAAAAAAAAAAAAAAAAAAAAAAAAAAAAAAAAAAAAAAAAAAAAAAAAAAAAAAAAAAAAAAAAAAAAAAAAAAAAAAAAAAAAAAAAAAAAAAAAAAAAAAAAAAAAAAAAAAAAAAAAAAAAAAAAAAAAAAAAAAAAAAAAAAAAAAAAAAAAAAAAAAAAAAAAAAAAAAAAAAAAAAAAAAAAAAAAAAAAAAAAAAAAAAAAAAAAAAAAAAAAAAAAAAAAAAAAAAAAAAAAAAAAAAAAAAAAAAAAAAAAAAAAAAAAAAAAAAAAAAAAAAAAAAAAAAAAAAAAAAAAAAAAAAAAAAAAAAAAAAAAAAAAAAAAAAAAAAAAAAAAAAAAAAAAAAAAAAAAAAAAAAAAAAAAAAAAAAAAAAAAAAAAAAAAAAAAAAAAAAAAAAAAAAAAAAAAAAAAAAAAAAAAAAAAAAAAAAAAAAAAAAAAAAAAAAAAAAAAAAAAAAAAAAAAAAAAAAAAAAAAAAAAAAAAAAAAAAAAAAAAAAAAAAAAAAAAAAAAAAAAAAAAAAAAAAAAAAAAAAAAAAAAAAAAAAAAAAAAAAAAAAAAAAAAAAAAAAAAAAAAAAAAAAAAAAAAAAAAAAAAAAAAAAAAAAAAAAAAAAAAAAAAAAAAAAAAAAAAAAAAAAAAAAAAAAAAAAAAAAAAAAAAAAAAAAAAAAAAAAAAAAAAAAAAAAAAAAAAAAAAAAAAAAAAAAAAAAAAAAAAAAAAAAAAAAAAAAAAAAAAAAAAAAAAAAAAAAAAAAAAAAAAAAAAAAAAAAAAAAAAAAAAAAAAAAAAAAAAAAAAAAAAAAAAAAAAAAAAAAAAAAAAAAAAAAAAAAAAAAAAAAAAAAAAAAAAAAAAAAAAAAAAAAAAAAAAAAAAAAAAAAAAAAAAAAAAAAAAAAAAAAAAAAAAAAAAAAAAAAAAAAAAAAAAAAAAAAAAAAAAAAAAAAAAAAAAAAAAAAAAAAAAAAAAAAAAAAAAAAAAAAAAAAAAAAAAAAAAAAAAAAAAAAAAAAAAAAAAAAAAAAAAAAAAAAAAAAAAAAAAAAAAAAAAAAAAAAAAAAAAAAAAAAAAAAAAAAAAAAAAAAAAAAAAAAAAAAAAAAAAAAAAAAAAAAAAAAAAAAAAAAAAAAAAAAAAAAAAAAAAAAAAAAAAAAAAAAAAAAAAAAAAAAAAAAAAAAAAAAAAAAAAAAAAAAAAAAAAAAAAAAAAAAAAAAAAAAAAAAAAAAAAAAAAAAAAAAAAAAAAAAAAAAAAAAAAAAAAAAAAAAAAAAAAAAAAAAAAAAAAAAAAAAAAAAAAAAAAAAAAAAAAAAAAAAAAAAAAAAAAAAAAAAAAAAAAAAAAAAAAAAAAAAAAAAAAAAAAAAAAAAAAAAAAAAAAAAAAAAAAAAAAAAAAAAAAAAAAAAAAAAAAAAAAAAAAAAAAAAAAAAAAAAAAAAAAAAAAAAAAAAAAAAAAAAAAAAAAAAAAAAAAAAAAAAAAAAAAAAAAAAAAAAAAAAAAAAAAAAAAAAAAAAAAAAAAAAAAAAAAAAAAAAAAAAAAAAAAAAAAAAAAAAAAAAAAAAAAAAAAAAAAAAAAAAAAAAAAAAAAAAAAAAAAAAAAAAAAAAAAAAAAAAAAAAAAAAAAAAAAAAAAAAAAAAAAAAAAAAAAAAAAAAAAAAAAAAAAAAAAAAAAAAAAAAAAAAAAAAAAAAAAAAAAAAAAAAAAAAAAAAAAAAAAAAAAAAAAAAAAAAAAAAAAAAAAAAAAAAAAAAAAAAAAAAAAAAAAAAAAAAAAAAAAAAAAAAAAAAAAAAAAAAAAAAAAAAAAAAAAAAAAAAAAAAAAAAAAAAAAAAAAAAAAAAAAAAAAAAAAAAAAAAAAAAAAAAAAAAAAAAAAAAAAAAAAAAAAAAAAAAAAAAAAAAAAAAAAAAAAAAAAAAAAAAAAAAAAAAAAAAAAAAAAAAAAAAAAAAAAAAAAAAAAAAAAAAAAAAAAAAAAAAAAAAAAAAAAAAAAAAAAAAAAAAAAAAAAAAAAAAAAAAAAAAAAAAAAAAAAAAAAAAAAAAAAAAAAAAAAAAAAAAAAAAAAAAAAAAAAAAAAAAAAAAAAAAAAAAAAAAAAAAAAAAAAAAAAAAAAAAAAAAAAAAAAAAAAAAAAAAAAAAAAAAAAAAAAAAAAAAAAAAAAAAAAAAAAAAAAAAAAAAAAAAAAAAAAAAAAAAAAAAAAAAAAAAAAAAAAAAAAAAAAAAAAAAAAAAAAAAAAAAAAAAAAAAAAAAAAAAAAAAAAAAAAAAAAAAAAAAAAAAAAAAAAAAAAAAAAAAAAAAAAAAAAAAAAAAAAAAAAAAAAAAAAAAAAAAAAAAAAAAAAAAAAAAAAAAAAAAAAAAAAAAAAAAAAAAAAAAAAAAAAAAAAAAAAAAAAAAAAAAAAAAAAAAAAAAAAAAAAAAAAAAAAAAAAAAAAAAAAAAAAAAAAAAAAAAAAAAAAAAAAAAAAAAAAAAAAAAAAAAAAAAAAAAAAAAAAAAAAAAAAAAAAAAAAAAAAAAAAAAAAAAAAAAAAAAAAAAAAAAAAAAAAAAAAAAAAAAAAAAAAAAAAAAAAAAAAAAAAAAAAAAAAAAAAAAAAAAAAAAAAAAAAAAAAAAAAAAAAAAAAAAAAAAAAAAAAAAAAAAAAAAAAAAAAAAAAAAAAAAAAAAAAAAAAAAAAAAAAAAAAAAAAAAAAAAAAAAAAAAAAAAAAAAAAAAAAAAAAAAAAAAAAAAAAAAAAAAAAAAAAAAAAAAAAAAAAAAAAAAAAAAAAAAAAAAAAAAAAAAAAAAAAAAAAAAAAAAAAAAAAAAAAAAAAAAAAAAAAAAAAAAAAAAAAAAAAAAAAAAAAAAAAAAAAAAAAAAAAAAAAAAAAAAAAAAAAAAAAAAAAAAAAAAAAAAAAAAAAAAAAAAAAAAAAAAAAAAAAAAAAAAAAAAAAAAAAAAAAAAAAAAAAAAAAAAAAAAAAAAAAAAAAAAAAAAAAAAAAAAAAAAAAAAAAAAAAAAAAAAAAAAAAAAAAAAAAAAAAAAAAAAAAAAAAAAAAAAAAAAAAAAAAAAAAAAAAAAAAAAAAAAAAAAAAAAAAAAAAAAAAAAAAAAAAAAAAAAAAAAAAAAAAAAAAAAAAAAAAAAAAAAAAAAAAAAAAAAAAAAAAAAAAAAAAAAAAAAAAAAAAAAAAAAAAAAAAAAAAAAAAAAAAAAAAAAAAAAAAAAAAAAAAAAAAAAAAAAAAAAAAAAAAAAAAAAAAAAAAAAAAAAAAAAAAAAAAAAAAAAAAAAAAAAAAAAAAAAAAAAAAAAAAAAAAAAAAAAAAAAAAAAAAAAAAAAAAAAAAAAAAAAAAAAAAAAAAAAAAAAAAAAAAAAAAAAAAAAAAAAAAAAAAAAAAAAAAAAAAAAAAAAAAAAAAAAAAAAAAAAAAAAAAAAAAAAAAAAAAAAAAAAAAAAAAAAAAAAAAAAAAAAAAAAAAAAAAAAAAAAAAAAAAAAAAAAAAAAAAAAAAAAAAAAAAAAAAAAAAAAAAAAAAAAAAAAAAAAAAAAAAAAAAAAAAAAAAAAAAAAAAAAAAAAAAAAAAAAAAAAAAAAAAAAAAAAAAAAAAAAAAAAAAAAAAAAAAAAAAAAAAAAAAAAAAAAAAAAAAAAAAAAAAAAAAAAAAAAAAAAAAAAAAAAAAAAAAAAAAAAAAAAAAAAAAAAAAAAAAAAAAAAAAAAAAAAAAAAAAAAAAAAAAAAAAAAAAAAAAAAAAAAAAAAAAAAAAAAAAAAAAAAAAAAAAAAAAAAAAAAAAAAAAAAAAAAAAAAAAAAAAAAAAAAAAAAAAAAAAAAAAAAAAAAAAAAAAAAAAAAAAAAAAAAAAAAAAAAAAAAAAAAAAAAAAAAAAAAAAAAAAAAAAAAAAAAAAAAAAAAAAAAAAAAAAAAAAAAAAAAAAAAAAAAAAAAAAAAAAAAAAAAAAAAAAAAAAAAAAAAAAAAAAAAAAAAAAAAAAAAAAAAAAAAAAAAAAAAAAAAAAAAAAAAAAAAAAAAAAAAAAAAAAAAAAAAAAAAAAAAAAAAAAAAAAAAAAAAAAAAAAAAAAAAAAAAAAAAAAAAAAAAAAAAAAAAAAAAAAAAAAAAAAAAAAAAAAAAAAAAAAAAAAAAAAAAAAAAAAAAAAAAAAAAAAAAAAAAAAAAAAAAAAAAAAAAAAAAAAAAAAAAAAAAAAAAAAAAAAAAAAAAAAAAAAAAAAAAAAAAAAAAAAAAAAAAAAAAAAAAAAAAAAAAAAAAAAAAAAAAAAAAAAAAAAAAAAAAAAAAAAAAAAAAAAAAAAAAAAAAAAAAAAAAAAAAAAAAAAAAAAAAAAAAAAAAAAAAAAAAAAAAAAAAAAAAAAAAAAAAAAAAAAAAAAAAAAAAAAAAAAAAAAAAAAAAAAAAAAAAAAAAAAAAAAAAAAAAAAAAAAAAAAAAAAAAAAAAAAAAAAAAAAAAAAAAAAAAAAAAAAAAAAAAAAAAAAAAAAAAAAAAAAAAAAAAAAAAAAAAAAAAAAAAAAAAAAAAAAAAAAAAAAAAAAAAAAAAAAAAAAAAAAAAAAAAAAAAAAAAAAAAAAAAAAAAAAAAAAAAAAAAAAAAAAAAAAAAAAAAAAAAAAAAAAAAAAAAAAAAAAAAAAAAAAAAAAAAAAAAAAAAAAAAAAAAAAAAAAAAAAAAAAAAAAAAAAAAAAAAAAAAAAAAAAAAAAAAAAAAAAAAAAAAAAAAAAAAAAAAAAAAAAAAAAAAAAAAAAAAAAAAAAAAAAAAAAAAAAAAAAAAAAAAAAAAAAAAAAAAAAAAAAAAAAAAAAAAAAAAAAAAAAAAAAAAAAAAAAAAAAAAAAAAAAAAAAAAAAAAAAAAAAAAAAAAAAAAAAAAAAAAAAAAAAAAAAAAAAAAAAAAAAAAAAAAAAAAAAAAAAAAAAAAAAAAAAAAAAAAAAAAAAAAAAAAAAAAAAAAAAAAAAAAAAAAAAAAAAAAAAAAAAAAAAAAAAAAAAAAAAAAAAAAAAAAAAAAAAAAAAA"/>
+  <p:tag name="EMPOWERCHARTSPROPERTIES_SLOT" val="A"/>
+  <p:tag name="EMPOWERCHARTSPROPERTIES_LASTWRITEDATE" val="638360758370251267"/>
+  <p:tag name="EMPOWERCHARTSPROPERTIES_A_LENGTH" val="24576"/>
+  <p:tag name="RUNTIME_ID" val="a5a10b8d-1e12-4f07-b18e-0042a0261ea0"/>
+</p:tagLst>
+</file>
+
 <file path=ppt/tags/tag2.xml><?xml version="1.0" encoding="utf-8"?>
 <p:tagLst xmlns:a="http://schemas.openxmlformats.org/drawingml/2006/main" xmlns:r="http://schemas.openxmlformats.org/officeDocument/2006/relationships" xmlns:p="http://schemas.openxmlformats.org/presentationml/2006/main">
   <p:tag name="THINKCELLSHAPEDONOTDELETE" val="thinkcellActiveDocDoNotDelete"/>
 </p:tagLst>
 </file>
 
-<file path=ppt/tags/tag2057.xml><?xml version="1.0" encoding="utf-8"?>
+<file path=ppt/tags/tag3.xml><?xml version="1.0" encoding="utf-8"?>
 <p:tagLst xmlns:a="http://schemas.openxmlformats.org/drawingml/2006/main" xmlns:r="http://schemas.openxmlformats.org/officeDocument/2006/relationships" xmlns:p="http://schemas.openxmlformats.org/presentationml/2006/main">
   <p:tag name="THINKCELLSHAPEDONOTDELETE" val="thinkcellActiveDocDoNotDelete"/>
 </p:tagLst>
 </file>
 
-<file path=ppt/tags/tag2058.xml><?xml version="1.0" encoding="utf-8"?>
+<file path=ppt/tags/tag4.xml><?xml version="1.0" encoding="utf-8"?>
+<p:tagLst xmlns:a="http://schemas.openxmlformats.org/drawingml/2006/main" xmlns:r="http://schemas.openxmlformats.org/officeDocument/2006/relationships" xmlns:p="http://schemas.openxmlformats.org/presentationml/2006/main">
+  <p:tag name="THINKCELLSHAPEDONOTDELETE" val="thinkcellActiveDocDoNotDelete"/>
+</p:tagLst>
+</file>
+
+<file path=ppt/tags/tag5.xml><?xml version="1.0" encoding="utf-8"?>
 <p:tagLst xmlns:a="http://schemas.openxmlformats.org/drawingml/2006/main" xmlns:r="http://schemas.openxmlformats.org/officeDocument/2006/relationships" xmlns:p="http://schemas.openxmlformats.org/presentationml/2006/main">
   <p:tag name="EMPOWERCHARTSPROPERTIES_A_0" val="AAAAAAH//////////wEAAAAAAAAAAAAAACoqIFRoaXMgaXMgYSBMaXRlREIgZmlsZSAqKgcDAP////8FAAAAAQAAAAAAAAAAAAAAAAAAAAAAAAAAAAAAAAAAAAAAAAAAAAAAAAABEQAAAFByb3BlcnR5RG9jdW1lbnRzAgAAAAAAAAAAAAAAAAAAAAAAAAAAAAAAAAAAAAAAAAAAAAAAAAAAAAAAAAAAAAAAAAAAAAAAAAAAAAAAAAAAAAAAAAAAAAAAAAAAAAAAAAAAAAAAAAAAAAAAAAAAAAAAAAAAAAAAAAAAAAAAAAAAAAAAAAAAAAAAAAAAAAAAAAAAAAAAAAAAAAAAAAAAAAAAAAAAAAAAAAAAAAAAAAAAAAAAAAAAAAAAAAAAAAAAAAAAAAAAAAAAAAAAAAAAAAAAAAAAAAAAAAAAAAAAAAAAAAAAAAAAAAAAAAAAAAAAAAAAAAAAAAAAAAAAAAAAAAAAAAAAAAAAAAAAAAAAAAAAAAAAAAAAAAAAAAAAAAAAAAAAAAAAAAAAAAAAAAAAAAAAAAAAAAAAAAAAAAAAAAAAAAAAAAAAAAAAAAAAAAAAAAAAAAAAAAAAAAAAAAAAAAAAAAAAAAAAAAAAAAAAAAAAAAAAAAAAAAAAAAAAAAAAAAAAAAAAAAAAAAAAAAAAAAAAAAAAAAAAAAAAAAAAAAAAAAAAAAAAAAAAAAAAAAAAAAAAAAAAAAAAAAAAAAAAAAAAAAAAAAAAAAAAAAAAAAAAAAAAAAAAAAAAAAAAAAAAAAAAAAAAAAAAAAAAAAAAAAAAAAAAAAAAAAAAAAAAAAAAAAAAAAAAAAAAAAAAAAAAAAAAAAAAAAAAAAAAAAAAAAAAAAAAAAAAAAAAAAAAAAAAAAAAAAAAAAAAAAAAAAAAAAAAAAAAAAAAAAAAAAAAAAAAAAAAAAAAAAAAAAAAAAAAAAAAAAAAAAAAAAAAAAAAAAAAAAAAAAAAAAAAAAAAAAAAAAAAAAAAAAAAAAAAAAAAAAAAAAAAAAAAAAAAAAAAAAAAAAAAAAAAAAAAAAAAAAAAAAAAAAAAAAAAAAAAAAAAAAAAAAAAAAAAAAAAAAAAAAAAAAAAAAAAAAAAAAAAAAAAAAAAAAAAAAAAAAAAAAAAAAAAAAAAAAAAAAAAAAAAAAAAAAAAAAAAAAAAAAAAAAAAAAAAAAAAAAAAAAAAAAAAAAAAAAAAAAAAAAAAAAAAAAAAAAAAAAAAAAAAAAAAAAAAAAAAAAAAAAAAAAAAAAAAAAAAAAAAAAAAAAAAAAAAAAAAAAAAAAAAAAAAAAAAAAAAAAAAAAAAAAAAAAAAAAAAAAAAAAAAAAAAAAAAAAAAAAAAAAAAAAAAAAAAAAAAAAAAAAAAAAAAAAAAAAAAAAAAAAAAAAAAAAAAAAAAAAAAAAAAAAAAAAAAAAAAAAAAAAAAAAAAAAAAAAAAAAAAAAAAAAAAAAAAAAAAAAAAAAAAAAAAAAAAAAAAAAAAAAAAAAAAAAAAAAAAAAAAAAAAAAAAAAAAAAAAAAAAAAAAAAAAAAAAAAAAAAAAAAAAAAAAAAAAAAAAAAAAAAAAAAAAAAAAAAAAAAAAAAAAAAAAAAAAAAAAAAAAAAAAAAAAAAAAAAAAAAAAAAAAAAAAAAAAAAAAAAAAAAAAAAAAAAAAAAAAAAAAAAAAAAAAAAAAAAAAAAAAAAAAAAAAAAAAAAAAAAAAAAAAAAAAAAAAAAAAAAAAAAAAAAAAAAAAAAAAAAAAAAAAAAAAAAAAAAAAAAAAAAAAAAAAAAAAAAAAAAAAAAAAAAAAAAAAAAAAAAAAAAAAAAAAAAAAAAAAAAAAAAAAAAAAAAAAAAAAAAAAAAAAAAAAAAAAAAAAAAAAAAAAAAAAAAAAAAAAAAAAAAAAAAAAAAAAAAAAAAAAAAAAAAAAAAAAAAAAAAAAAAAAAAAAAAAAAAAAAAAAAAAAAAAAAAAAAAAAAAAAAAAAAAAAAAAAAAAAAAAAAAAAAAAAAAAAAAAAAAAAAAAAAAAAAAAAAAAAAAAAAAAAAAAAAAAAAAAAAAAAAAAAAAAAAAAAAAAAAAAAAAAAAAAAAAAAAAAAAAAAAAAAAAAAAAAAAAAAAAAAAAAAAAAAAAAAAAAAAAAAAAAAAAAAAAAAAAAAAAAAAAAAAAAAAAAAAAAAAAAAAAAAAAAAAAAAAAAAAAAAAAAAAAAAAAAAAAAAAAAAAAAAAAAAAAAAAAAAAAAAAAAAAAAAAAAAAAAAAAAAAAAAAAAAAAAAAAAAAAAAAAAAAAAAAAAAAAAAAAAAAAAAAAAAAAAAAAAAAAAAAAAAAAAAAAAAAAAAAAAAAAAAAAAAAAAAAAAAAAAAAAAAAAAAAAAAAAAAAAAAAAAAAAAAAAAAAAAAAAAAAAAAAAAAAAAAAAAAAAAAAAAAAAAAAAAAAAAAAAAAAAAAAAAAAAAAAAAAAAAAAAAAAAAAAAAAAAAAAAAAAAAAAAAAAAAAAAAAAAAAAAAAAAAAAAAAAAAAAAAAAAAAAAAAAAAAAAAAAAAAAAAAAAAAAAAAAAAAAAAAAAAAAAAAAAAAAAAAAAAAAAAAAAAAAAAAAAAAAAAAAAAAAAAAAAAAAAAAAAAAAAAAAAAAAAAAAAAAAAAAAAAAAAAAAAAAAAAAAAAAAAAAAAAAAAAAAAAAAAAAAAAAAAAAAAAAAAAAAAAAAAAAAAAAAAAAAAAAAAAAAAAAAAAAAAAAAAAAAAAAAAAAAAAAAAAAAAAAAAAAAAAAAAAAAAAAAAAAAAAAAAAAAAAAAAAAAAAAAAAAAAAAAAAAAAAAAAAAAAAAAAAAAAAAAAAAAAAAAAAAAAAAAAAAAAAAAAAAAAAAAAAAAAAAAAAAAAAAAAAAAAAAAAAAAAAAAAAAAAAAAAAAAAAAAAAAAAAAAAAAAAAAAAAAAAAAAAAAAAAAAAAAAAAAAAAAAAAAAAAAAAAAAAAAAAAAAAAAAAAAAAAAAAAAAAAAAAAAAAAAAAAAAAAAAAAAAAAAAAAAAAAAAAAAAAAAAAAAAAAAAAAAAAAAAAAAAAAAAAAAAAAAAAAAAAAAAAAAAAAAAAAAAAAAAAAAAAAAAAAAAAAAAAAAAAAAAAAAAAAAAAAAAAAAAAAAAAAAAAAAAAAAAAAAAAAAAAAAAAAAAAAAAAAAAAAAAAAAAAAAAAAAAAAAAAAAAAAAAAAAAAAAAAAAAAAAAAAAAAAAAAAAAAAAAAAAAAAAAAAAAAAAAAAAAAAAAAAAAAAAAAAAAAAAAAAAAAAAAAAAAAAAAAAAAAAAAAAAAAAAAAAAAAAAAAAAAAAAAAAAAAAAAAAAAAAAAAAAAAAAAAAAAAAAAAAAAAAAAAAAAAAAAAAAAAAAAAAAAAAAAAAAAAAAAAAAAAAAAAAAAAAAAAAAAAAAAAAAAAAAAAAAAAAAAAAAAAAAAAAAAAAAAAAAAAAAAAAAAAAAAAAAAAAAAAAAAAAAAAAAAAAAAAAAAAAAAAAAAAAAAAAAAAAAAAAAAAAAAAAAAAAAAAAAAAAAAAAAAAAAAAAAAAAAAAAAAAAAAAAAAAAAAAAAAAAAAAAAAAAAAAAAAAAAAAAAAAAAAAAAAAAAAAAAAAAAAAAAAAAAAAAAAAAAAAAAAAAAAAAAAAAAAAAAAAAAAAAAAAAAAAAAAAAAAAAAAAAAAAAAAAAAAAAAAAAAAAAAAAAAAAAAAAAAAAAAAAAAAAAAAAAAAAAAAAAAAAAAAAAAAAAAAAAAAAAAAAAAAAAAAAAAAAAAAAAAAAAAAAAAAAAAAAAAAAAAAAAAAAAAAAAAAAAAAAAAAAAAAAAAAAAAAAAAAAAAAAAAAAAAAAAAAAAAAAAAAAAAAAAAAAAAAAAAAAAAAAAAAAAAAAAAAAAAAAAAAAAAAAAAAAAAAAAAAAAAAAAAAAAAAAAAAAAAAAAAAAAAAAAAAAAAAAAAAAAAAAAAAAAAAAAAAAAAAAAAAAAAAAAAAAAAAAAAAAAAAAAAAAAAAAAAAAAAAAAAAAAAAAAAAAAAAAAAAAAAAAAAAAAAAAAAAAAAAAAAAAAAAAAAAAAAAAAAAAAAAAAAAAAAAAAAAAAAAAAAAAAAAAAAAAAAAAAAAAAAAAAAAAAAAAAAAAAAAAAAAAAAAAAAAAAAAAAAAAAAAAAAAAAAAAAAAAAAAAAAAAAAAAAAAAAAAAAAAAAAAAAAAAAAAAAAAAAAAAAAAAAAAAAAAAAAAAAAAAAAAAAAAAAAAAAAAAAAAAAAAAAAAAAAAAAAAAAAAAAAAAAAAAAAAAAAAAAAAAAAAAAAAAAAAAAAAAAAAAAAAAAAAAAAAAAAAAAAAAAAAAAAAAAAAAAAAAAAAAAAAAAAAAAAAAAAAAAAAAAAAAAAAAAAAAAAAAAAAAAAAAAAAAAAAAAAAAAAAAAAAAAAAAAAAAAAAAAAAAAAAAAAAAAAAAAAAAAAAAAAAAAAAAAAAAAAAAAAAAAAAAAAAAAAAAAAAAAAAAAAAAAAAAAAAAAAAAAAAAAAAAAAAAAAAAAAAAAAAAAAAAAAAAAAAAAAAAAAAAAAAAAAAAAAAAAAAAAAAAAAAAAAAAAAAAAAAAAAAAAAAAAAAAAAAAAAAAAAAAAAAAAAAAAAAAAAAAAAAAAAAAAAAAAAAAAAAAAAAAAAAAAAAAAAAAAAAAAAAAAAAAAAAAAAAAAAAAAAAAAAAAAAAAAAAAAAAAAAAAAAAAAAAAAAAAAAAAAAAAAAAAAAAAAAAAAAAAAAAAAAAAAAAAAAAAAAAAAAAAAAAAAAAAAAAAAAAAAAAAAAAAAAAAAAAAAAAAAAAAAAAAAAAAAAAAAAAAAAAAAAAAAAAAAAAAAAAAAAAAAAAAAAAAAAAAAAAAAAAAAAAAAAAAAAAAAAAAAAAAAAAAAAAAAAAAAAAAAAAAAAAAAAAAAAAAAAAAAAAAAAAAAAAAAAAAAAAAAAAAAAAAAAAAAAAAAAAAAAAAAAAAAAAAAAAAAAAAAAAAAAAAAAAAAAAAAAAAAAAAAAAAAAAAAAAAAAAAAAAAAAAAAAAAAAAAAAAAAAAAAAAAAAAAAAAAAAAAAAAAAAAAAAAAAAAAAAAAAAAAAAAAAAAAAAAAAAAAAAAAAAAAAAAAAAAAAAAAAAAAAAAAAAAAAAAAAAAAAAAAAAAAAAAAAAAAAAAAAAAAAAAAAAAAAAAAAAAAAAAAAAAAAAAAAAAAAAAAAAAAAAAAAAAAAAAAAAAAAAAAAAAAAAAAAAAAAAAAAAAAAAAAAAAAAAAAAAAAAAAAAAAAAAAAAAAAAAAAAAAAAAAAAAAAAAAAAAAAAAAAAAAAAAAAAAAAAAAAAAAAAAAAAAAAAAAAAAAAAAAAAAAAAAAAAAAAAAAAAAAAAAAAAAAAAAAAAAAAAAAAAAAAAAAAAAAAAAAAAAAAAAAAAAAAAAAAAAAAAAAAAAAAAAAAAAAAAAAAAAAAAAAAAAAAAAAAAAAAAAAAAAAAAAAAAAAAAAAAAAAAAAAAAAAAAAAAAAAAAAAAAAAAAAAAAAAAAAAAAAAAAAAAAAAAAAAAAAAAAAAAAAAAAAAAAAAAAAAAAAAAAAAAAAAAAAAAAAAAAAAAAAAAAAAAAAAAAAAAAAAAAAAAAAAAAAAAAAAAAAAAAAAAAAAAAAAAAAAAAAAAAAAAAAAAAAAAAAAAAAAAAAAAAAAAAAAAAAAAAAAAAAAAAAAAAAAAAAAAAAAAAAAAAAAAAAAAAAAAAAAAAAAAAAAAAAAAAAAAAAAAAAAAAAAAAAAAAAAAAAAAAAAAAAAAAAAAAAAAAAAAAAAAAAAAAAAAAAAAAAAAAAAAAAAAAAAAAAAAAAAAAAAAAAAAAAAAAAAAAAAAAAAAAAAAAAAAAAAAAAAAAAAAAAAAAAAAAAAAAAAAAAAAAAAAAAAAAAAAAAAAAAAAAAAAAAAAAAAAAAAAAAAAAAAAAAAAAAAAAAAAAAAAAAAAAAAAAAAAAAAAAAAAAAAAAAAAAAAAAAAAAAAAAAAAAAAAAAAAAAAAAAAAAAAAAAAAAAAAAAAAAAAAAAAAAAAAAAAAAAAAAAAAAAAAAAAAAAAAAAAAAAAAAAAAAAAAAAAAAAAAAAAAAAAAAAAAAAAAAAAAAAAAAAAAAAAAAAAAAAAAAAAAAAAAAAAAAAAAAAAAAAAAAAAAAAAAAAAAAAAAAAAAAAAAAAAAAAAAAAAAAAAAAAAAAAAAAAAAAAAAAAAAAAAAAAAAAAAAAAAAAAAAAAAAAAAAAAAAAAAAAAAAAAAAAAAAAAAAAAAAAAAAAAAAAAAAAAAAAAAAAAAAAAAAAAAAAAAAAAAAAAAAAAAAAAAAAAAAAAAAAAAAAAAAAAAAAAAAAAAAAAAAAAAAAAAAAAAAAAAAAAAAAAAAAAAAAAAAAAAAAAAAAAAAAAAAAAAAAAAAAAAAAAAAAAAAAAAAAAAAAAAAAAAAAAAAAAAAAAAAAAAAAAAAAAAAAAAAAAAAAAAAAAAAAAAAAAAAAAAAAAAAAAAAAAAAAAAAAAAAAAAAAAAAAAAAAAAAAAAAAAAAAAAAAAAAAAAAAAAAAAAAAAAAAAAAAAAAAAAAAAAAAAAAAAAAAAAAAAAAAAAAAAAAAAAAAAAAAAAAAAAAAAAAAAAAAAAAAAAAAAAAAAAAAAAAAAAAAAAAAAAAAAAAAAAAAAAAAAAAAAAAAAAAAAAAAAAAAAAAAAAAAAAAAAAAAAAAAAAAAAAAAAAAAAAAAAAAAAAAAAAAAAAAAAAAAAAAAAAAAAAAAAAAAAAAAAAAAAAAAAAAAAAAAAAAAAAAAAAAAAAAAAAAAAAAAAAAAAAAAAAAAAAAAAAAAAAAAAAAAAAAAAAAAAAAAAAAAAAAAAAAAAAAAAAAAAAAAAAAAAAAAAAAAAAAAAAAAAAAAAAAAAAAAAAAAAAAAAAAAAAAAAAAAAAAAAAAAAAAAAAAAAAAAAAAAAAAAAAAAAAAAAAAAAAAAAAAAAAAAAAAAAAAAAAAAAAAAAAAAAAAAAAAAAAAAAAAAAAAAAAAAAAAAAAAAAAAAAAAAAAAAAAAAAAAAAAAAAAAAAAAAAAAAAAAAAAAAAAAAAAAAAAAAAAAAAAAAAAAAAAAAAAAAAAAAAAAAAAAAAAAAAAAAAAAAAAAAAAAAAAAAAAAAAAAAAAAAAAAAAAAAAAAAAAAAAAAAAAAAAAAAAAAAAAAAAAAAAAAAAAAAAAAAAAAAAAAAAAAAAAAAAAAAAAAAAAAAAAAAAAAAAAAAAAAAAAAAAAAAAAAAAAAAAAAAAAAAAAAAAAAAAAAAAAAAAAAAAAAAAAAAAAAAAAAAAAAAAAAAAAAAAAAAAAAAAAAAAAAAAAAAAAAAAAAAAAAAAAAAAAAAAAAAAAAAAAAAAAAAAAAAAAAAAAAAAAAAAAAAAAAAAAAAAAAAAAAAAAAAAAAAAAAAAAAAAAAAAAAAAAAAAAAAAAAAAAAAAAAAAAAAAAAAAAAAAAAAAAAAAAAAAAAAAAAAAAAAAAAAAAAAAAAAAAAAAAAAAAAAAAAAAAAAAAAAAAAAAAAAAAAAAAAAAAAAAAAAAAAAAAAAAAAAAAAAAAAAAAAAAAAAAAAAAAAAAAAAAAAAAAAAAAAAAAAAAAAAAAAAAAAAAAAAAAAAAAAAAAAAAAAAAAAAAAAAAAAAAAAAAAAAAAAAAAAAAAAAAAAAAAAAAAAAAAAAAAAAAAAAAAAAAAAAAAAAAAAAAAAAAAAAAAAAAAAAAAAAAAAAAAAAAAAAAAAAAAAAAAAAAAAAAAAAAAAAAAAAAAAAAAAAAAAAAAAAAAAAAAAAAAAAAAAAAAAAAAAAAAAAAAAAAAAAAAAAAAAAAAAAAAAAAAAAAAAAAAAAAAAAAAAAAAAAAAAAAAAAAAAAAAAAAAAAAAAAAAAAAAAAAAAAAAAAAAAAAAAAAAAAAAAAAAAAAAAAAAAAAAAAAAAAAAAAAAAAAAAAAAAAAAAAAAAAAAAAAAAAAAAAAAAAAAAAAAAAAAAAAAAAAAAAAAAAAAAAAAAAAAAAAAAAAAAAAAAAAAAAAAAAAAAAAAAAAAAAAAAAAAAAAAAAAAAAAAAAAAAAAAAAAAAAAAAAAAAAAAAAAAAAAAAAAAAAAAAAAAAAAAAAAAAAAAAAAAAAAAAAAAAAAAAAAAAAAAAAAAAAAAAAAAAAAAAAAAAAAAAAAAAAAAAAAAAAAAAAAAAAAAAAAAAAAAAAAAAAAAAAAAAAAAAAAAAAAAAAAAAAAAAAAAAAAAAAAAAAAAAAAAAAAAAAAAAAAAAAAAAAAAAAAAAAAAAAAAAAAAAAAAAAAAAAAAAAAAAAAAAAAAAAAAAAAAAAAAAAAAAAAAAAAAAAAAAAAAAAAAAAAAAAAAAAAAAAAAAAAAAAAAAAAAAAAAAAAAAAAAAAAAAAAAAAAAAAAAAAAAAAAAAAAAAAAAAAAAAAAAAAAAAAAAAAAAAAAAAAAAAAAAAAAAAAAAAAAAAAAAAAAAAAAAAAAAAAAAAAAAAAAAAAAAAAAAAAAAAAAAAAAAAAAAAAAAAAAAAAAAAAAAAAAAAAAAAAAAAAAAAAAAAAAAAAAAAAAAAAAAAAAAAAAAAAAAAAAAAAAAAAAAAAAAAAAAAAAAAAAAAAAAAAAAAAAAAAAAAAAAAAAAAAAAAAAAAAAAAAAAAAAAAAAAAAAAAAAAAAAAAAAAAAAAAAAAAAAAAAAAAAAAAAAAAAAAAAAAAAAAAAAAAAAAAAAAAAAAAAAAAAAAAAAAAAAAAAAAAAAAAAAAAAAAAAAAAAAAAAAAAAAAAAAAAAAAAAAAAAAAAAAAAAAAAAAAAAAAAAAAAAAAAAAAAAAAAAAAAAAAAAAAAAAAAAAAAAAAAAAAAAAAAAAAAAAAAAAAAAAAAAAAAAAAAAAAAAAAAAAAAAAAAAAAAAAAAAAAAAAAAAAAAAAAAAAAAAAAAAAAAAAAAAAAAAAAAAAAAAAAAAAAAAAAAAAAAAAAAAAAAAAAAAAAAAAAAAAAAAAAAAAAAAAAAAAAAAAAAAAAAAAAAAAAAAAAAAAAAAAAAAAAAAAAAAAAAAAAAAAAAAAAAAAAAAAAAAAAAAAAAAAAAAAAAAAAAAAAAAAAAAAAAAAAAAAAAAAAAAAAAAAAAAAAAAAAAAAAAAAAAAAAAAAAAAAAAAAAAAAAAAAAAAAAAAAAAAAAAAAAAAAAAAAAAAAAAAAAAAAAAAAAAAAAAAAAAAAAAAAAAAAAAAAAAAAAAAAAAAAAAAAAAAAAAAAAAAAAAAAAAAAAAAAAAAAAAAAAAAAAAAAAAAAAAAAAAAAAAAAAAAAAAAAAAAAAAAAAAAAAAAAAAAAAAAAAAAAAAAAAAAAAAAAAAAAAAAAAAAAAAAAAAAAAAAAAAAAAAAAAAAAAAAAAAAAAAAAAAAAAAAAAAAAAAAAAAAAAAAAAAAAAAAAAAAAAAAAAAAAAAAAAAAAAAAAAAAAAAAAAAAAAAAAAAAAAAAAAAAAAAAAAAAAAAAAAAAAAAAAAAAAAAAAAAAAAAAAAAAAAAAAAAAAAAAAAAAAAAAAAAAAAAAAAAAAAAAAAAAAAAAAAAAAAAAAAAAAAAAAAAAAAAAAAAAAAAAAAAAAAAAAAAAAAAAAAAAAAAAAAAAAAAAAAAAAAAAAAAAAAAAAAAAAAAAAAAAAAAAAAAAAAAAAAAAAAAAAAAAAAAAAAAAAAAAAAAAAAAAAAAAAAAAAAAAAAAAAAAAAAAAAAAAAAAAAAAAAAAAAAAAAAAAAAAAAAAAAAAAAAAAAAAAAAAAAAAAAAAAAAAAAAAAAAAAAAAAAAAAAAAAAAAAAAAAAAAAAAAAAAAAAAAAAAAAAAAAAAAAAAAAAAAAAAAAAAAAAAAAAAAAAAAAAAAAAAAAAAAAAAAAAAAAAAAAAAAAAAAAAAAAAAAAAAAAAAAAAAAAAAAAAAAAAAAAAAAAAAAAAAAAAAAAAAAAAAAAAAAAAAAAAAAAAAAAAAAAAAAAAAAAAAAAAAAAAAAAAAAAAAAAAAAAAAAAAAAAAAAAAAAAAAAAAAAAAAAAAAAAAAAAAAAAAAAAAAAAAAAAAAAAAAAAAAAAAAAAAAAAAAAAAAAAAAAAAAAAAAAAAAAAAAAAAAAAAAAAAAAAAAAAAAAAAAAAAAAAAAAAAAAAAAAAAAAAAAAAAAAAAAAAAAAAAAAAAAAAAAAAAAAAAAAAAAAAAAAAAAAAAAAAAAAAAAAAAAAAAAAAAAAAAAAAAAAAAAAAAAAAAAAAAAAAAAAAAAAAAAAAAAAAAAAAAAAAAAAAAAAAAAAAAAAAAAAAAAAAAAAAAAAAAAAAAAAAAAAAAAAAAAAAAAAAAAAAAAAAAAAAAAAAAAAAAAAAAAAAAAAAAAAAAAAAAAAAAAAAAAAAAAAAAAAAAAAAAAAAAAAAAAAAAAAAAAAAAAAAAAAAAAAAAAAAAAAAAAAAAAAAAAAAAAAAAAAAAAAAAAAAAAAAAAAAAAAAAAAAAAAAAAAAAAAAAAAAAAAAAAAAAAAAAAAAAAAAAAAAAAAAAAAAAAAAAAAAAAAAAAAAAAAAAAAAAAAAAAAAAAAAAAAAAAAAAAAAAAAAAAAAAAAAAAAAAAAAAAAAAAAAAAAAAAAAAAAAAAAAAAAAAAAAAAAAAAAAAAAAAAAAAAAAAAAAAAAAAAAAAAAAAAAAAAAAAAAAAAAAAAAAAAAAAAAAAAAAAAAAAAAAAAAAAAAAAAAAAAAAAAAAAAAAAAAAAAAAAAAAAAAAAAAAAAAAAAAAAAAAAAAAAAAAAAAAAAAAAAAAAAAAAAAAAAAAAAAAAAAAAAAAAAAAAAAAAAAAAAAAAAAAAAAAAAAAAAAAAAAAAAAAAAAAAAAAAAAAAAAAAAAAAAAAAAAAAAAAAAAAAAAAAAAAAAAAAAAAAAAAAAAAAAAAAAAAAAAAAAAAAAAAAAAAAAAAAAAAAAAAAAAACAAAAAv//////////AQAAAAAAAAAAAAAAEQAAAFByb3BlcnR5RG9jdW1lbnRzAQAAAAAAAAAFAAAACQAAAF9pZD0kLl9pZAEDAAAAAAADAAAAAQADAAAAIwAAAENvbWJpSW5kZXg9JC5OYW1lICsgJ18nICsgJC5WZXJzaW9uAQQAAAAAAAQAAAABAAQAAAAAAAAAAP///////wAAAAAAAP////8AAAAAAP///////wAAAAAAAP////8AAAAAAP///////wAAAAAAAP////8AAAAAAP///////wAAAAAAAP////8AAAAAAP///////wAAAAAAAP////8AAAAAAP///////wAAAAAAAP////8AAAAAAP///////wAAAAAAAP////8AAAAAAP///////wAAAAAAAP////8AAAAAAP///////wAAAAAAAP////8AAAAAAP///////wAAAAAAAP////8AAAAAAP///////wAAAAAAAP////8AAAAAAP///////wAAAAAAAP////8AAAAAAP///////wAAAAAAAP////8AAAAAAP///////wAAAAAAAP////8AAAAAAAAAAAAAAAAAAAAAAAAAAAAAAAAAAAAAAAAAAAAAAAAAAAAAAAAAAAAAAAAAAAAAAAAAAAAAAAAAAAAAAAAAAAAAAAAAAAAAAAAAAAAAAAAAAAAAAAAAAAAAAAAAAAAAAAAAAAAAAAAAAAAAAAAAAAAAAAAAAAAAAAAAAAAAAAAAAAAAAAAAAAAAAAAAAAAAAAAAAAAAAAAAAAAAAAAAAAAAAAAAAAAAAAAAAAAAAAAAAAAAAAAAAAAAAAAAAAAAAAAAAAAAAAAAAAAAAAAAAAAAAAAAAAAAAAAAAAAAAAAAAAAAAAAAAAAAAAAAAAAAAAAAAAAAAAAAAAAAAAAAAAAAAAAAAAAAAAAAAAAAAAAAAAAAAAAAAAAAAAAAAAAAAAAAAAAAAAAAAAAAAAAAAAAAAAAAAAAAAAAAAAAAAAAAAAAAAAAAAAAAAAAAAAAAAAAAAAAAAAAAAAAAAAAAAAAAAAAAAAAAAAAAAAAAAAAAAAAAAAAAAAAAAAAAAAAAAAAAAAAAAAAAAAAAAAAAAAAAAAAAAAAAAAAAAAAAAAAAAAAAAAAAAAAAAAAAAAAAAAAAAAAAAAAAAAAAAAAAAAAAAAAAAAAAAAAAAAAAAAAAAAAAAAAAAAAAAAAAAAAAAAAAAAAAAAAAAAAAAAAAAAAAAAAAAAAAAAAAAAAAAAAAAAAAAAAAAAAAAAAAAAAAAAAAAAAAAAAAAAAAAAAAAAAAAAAAAAAAAAAAAAAAAAAAAAAAAAAAAAAAAAAAAAAAAAAAAAAAAAAAAAAAAAAAAAAAAAAAAAAAAAAAAAAAAAAAAAAAAAAAAAAAAAAAAAAAAAAAAAAAAAAAAAAAAAAAAAAAAAAAAAAAAAAAAAAAAAAAAAAAAAAAAAAAAAAAAAAAAAAAAAAAAAAAAAAAAAAAAAAAAAAAAAAAAAAAAAAAAAAAAAAAAAAAAAAAAAAAAAAAAAAAAAAAAAAAAAAAAAAAAAAAAAAAAAAAAAAAAAAAAAAAAAAAAAAAAAAAAAAAAAAAAAAAAAAAAAAAAAAAAAAAAAAAAAAAAAAAAAAAAAAAAAAAAAAAAAAAAAAAAAAAAAAAAAAAAAAAAAAAAAAAAAAAAAAAAAAAAAAAAAAAAAAAAAAAAAAAAAAAAAAAAAAAAAAAAAAAAAAAAAAAAAAAAAAAAAAAAAAAAAAAAAAAAAAAAAAAAAAAAAAAAAAAAAAAAAAAAAAAAAAAAAAAAAAAAAAAAAAAAAAAAAAAAAAAAAAAAAAAAAAAAAAAAAAAAAAAAAAAAAAAAAAAAAAAAAAAAAAAAAAAAAAAAAAAAAAAAAAAAAAAAAAAAAAAAAAAAAAAAAAAAAAAAAAAAAAAAAAAAAAAAAAAAAAAAAAAAAAAAAAAAAAAAAAAAAAAAAAAAAAAAAAAAAAAAAAAAAAAAAAAAAAAAAAAAAAAAAAAAAAAAAAAAAAAAAAAAAAAAAAAAAAAAAAAAAAAAAAAAAAAAAAAAAAAAAAAAAAAAAAAAAAAAAAAAAAAAAAAAAAAAAAAAAAAAAAAAAAAAAAAAAAAAAAAAAAAAAAAAAAAAAAAAAAAAAAAAAAAAAAAAAAAAAAAAAAAAAAAAAAAAAAAAAAAAAAAAAAAAAAAAAAAAAAAAAAAAAAAAAAAAAAAAAAAAAAAAAAAAAAAAAAAAAAAAAAAAAAAAAAAAAAAAAAAAAAAAAAAAAAAAAAAAAAAAAAAAAAAAAAAAAAAAAAAAAAAAAAAAAAAAAAAAAAAAAAAAAAAAAAAAAAAAAAAAAAAAAAAAAAAAAAAAAAAAAAAAAAAAAAAAAAAAAAAAAAAAAAAAAAAAAAAAAAAAAAAAAAAAAAAAAAAAAAAAAAAAAAAAAAAAAAAAAAAAAAAAAAAAAAAAAAAAAAAAAAAAAAAAAAAAAAAAAAAAAAAAAAAAAAAAAAAAAAAAAAAAAAAAAAAAAAAAAAAAAAAAAAAAAAAAAAAAAAAAAAAAAAAAAAAAAAAAAAAAAAAAAAAAAAAAAAAAAAAAAAAAAAAAAAAAAAAAAAAAAAAAAAAAAAAAAAAAAAAAAAAAAAAAAAAAAAAAAAAAAAAAAAAAAAAAAAAAAAAAAAAAAAAAAAAAAAAAAAAAAAAAAAAAAAAAAAAAAAAAAAAAAAAAAAAAAAAAAAAAAAAAAAAAAAAAAAAAAAAAAAAAAAAAAAAAAAAAAAAAAAAAAAAAAAAAAAAAAAAAAAAAAAAAAAAAAAAAAAAAAAAAAAAAAAAAAAAAAAAAAAAAAAAAAAAAAAAAAAAAAAAAAAAAAAAAAAAAAAAAAAAAAAAAAAAAAAAAAAAAAAAAAAAAAAAAAAAAAAAAAAAAAAAAAAAAAAAAAAAAAAAAAAAAAAAAAAAAAAAAAAAAAAAAAAAAAAAAAAAAAAAAAAAAAAAAAAAAAAAAAAAAAAAAAAAAAAAAAAAAAAAAAAAAAAAAAAAAAAAAAAAAAAAAAAAAAAAAAAAAAAAAAAAAAAAAAAAAAAAAAAAAAAAAAAAAAAAAAAAAAAAAAAAAAAAAAAAAAAAAAAAAAAAAAAAAAAAAAAAAAAAAAAAAAAAAAAAAAAAAAAAAAAAAAAAAAAAAAAAAAAAAAAAAAAAAAAAAAAAAAAAAAAAAAAAAAAAAAAAAAAAAAAAAAAAAAAAAAAAAAAAAAAAAAAAAAAAAAAAAAAAAAAAAAAAAAAAAAAAAAAAAAAAAAAAAAAAAAAAAAAAAAAAAAAAAAAAAAAAAAAAAAAAAAAAAAAAAAAAAAAAAAAAAAAAAAAAAAAAAAAAAAAAAAAAAAAAAAAAAAAAAAAAAAAAAAAAAAAAAAAAAAAAAAAAAAAAAAAAAAAAAAAAAAAAAAAAAAAAAAAAAAAAAAAAAAAAAAAAAAAAAAAAAAAAAAAAAAAAAAAAAAAAAAAAAAAAAAAAAAAAAAAAAAAAAAAAAAAAAAAAAAAAAAAAAAAAAAAAAAAAAAAAAAAAAAAAAAAAAAAAAAAAAAAAAAAAAAAAAAAAAAAAAAAAAAAAAAAAAAAAAAAAAAAAAAAAAAAAAAAAAAAAAAAAAAAAAAAAAAAAAAAAAAAAAAAAAAAAAAAAAAAAAAAAAAAAAAAAAAAAAAAAAAAAAAAAAAAAAAAAAAAAAAAAAAAAAAAAAAAAAAAAAAAAAAAAAAAAAAAAAAAAAAAAAAAAAAAAAAAAAAAAAAAAAAAAAAAAAAAAAAAAAAAAAAAAAAAAAAAAAAAAAAAAAAAAAAAAAAAAAAAAAAAAAAAAAAAAAAAAAAAAAAAAAAAAAAAAAAAAAAAAAAAAAAAAAAAAAAAAAAAAAAAAAAAAAAAAAAAAAAAAAAAAAAAAAAAAAAAAAAAAAAAAAAAAAAAAAAAAAAAAAAAAAAAAAAAAAAAAAAAAAAAAAAAAAAAAAAAAAAAAAAAAAAAAAAAAAAAAAAAAAAAAAAAAAAAAAAAAAAAAAAAAAAAAAAAAAAAAAAAAAAAAAAAAAAAAAAAAAAAAAAAAAAAAAAAAAAAAAAAAAAAAAAAAAAAAAAAAAAAAAAAAAAAAAAAAAAAAAAAAAAAAAAAAAAAAAAAAAAAAAAAAAAAAAAAAAAAAAAAAAAAAAAAAAAAAAAAAAAAAAAAAAAAAAAAAAAAAAAAAAAAAAAAAAAAAAAAAAAAAAAAAAAAAAAAAAAAAAAAAAAAAAAAAAAAAAAAAAAAAAAAAAAAAAAAAAAAAAAAAAAAAAAAAAAAAAAAAAAAAAAAAAAAAAAAAAAAAAAAAAAAAAAAAAAAAAAAAAAAAAAAAAAAAAAAAAAAAAAAAAAAAAAAAAAAAAAAAAAAAAAAAAAAAAAAAAAAAAAAAAAAAAAAAAAAAAAAAAAAAAAAAAAAAAAAAAAAAAAAAAAAAAAAAAAAAAAAAAAAAAAAAAAAAAAAAAAAAAAAAAAAAAAAAAAAAAAAAAAAAAAAAAAAAAAAAAAAAAAAAAAAAAAAAAAAAAAAAAAAAAAAAAAAAAAAAAAAAAAAAAAAAAAAAAAAAAAAAAAAAAAAAAAAAAAAAAAAAAAAAAAAAAAAAAAAAAAAAAAAAAAAAAAAAAAAAAAAAAAAAAAAAAAAAAAAAAAAAAAAAAAAAAAAAAAAAAAAAAAAAAAAAAAAAAAAAAAAAAAAAAAAAAAAAAAAAAAAAAAAAAAAAAAAAAAAAAAAAAAAAAAAAAAAAAAAAAAAAAAAAAAAAAAAAAAAAAAAAAAAAAAAAAAAAAAAAAAAAAAAAAAAAAAAAAAAAAAAAAAAAAAAAAAAAAAAAAAAAAAAAAAAAAAAAAAAAAAAAAAAAAAAAAAAAAAAAAAAAAAAAAAAAAAAAAAAAAAAAAAAAAAAAAAAAAAAAAAAAAAAAAAAAAAAAAAAAAAAAAAAAAAAAAAAAAAAAAAAAAAAAAAAAAAAAAAAAAAAAAAAAAAAAAAAAAAAAAAAAAAAAAAAAAAAAAAAAAAAAAAAAAAAAAAAAAAAAAAAAAAAAAAAAAAAAAAAAAAAAAAAAAAAAAAAAAAAAAAAAAAAAAAAAAAAAAAAAAAAAAAAAAAAAAAAAAAAAAAAAAAAAAAAAAAAAAAAAAAAAAAAAAAAAAAAAAAAAAAAAAAAAAAAAAAAAAAAAAAAAAAAAAAAAAAAAAAAAAAAAAAAAAAAAAAAAAAAAAAAAAAAAAAAAAAAAAAAAAAAAAAAAAAAAAAAAAAAAAAAAAAAAAAAAAAAAAAAAAAAAAAAAAAAAAAAAAAAAAAAAAAAAAAAAAAAAAAAAAAAAAAAAAAAAAAAAAAAAAAAAAAAAAAAAAAAAAAAAAAAAAAAAAAAAAAAAAAAAAAAAAAAAAAAAAAAAAAAAAAAAAAAAAAAAAAAAAAAAAAAAAAAAAQEBAQEBAQEBAQEBAQEBAQEAAAAAAAAAAwAAAAMAAAAA/////wMAgAwAAAAAAAAAAAAAIAD///////////////8AAAD///////////////8DAAAAAgD///////////////////////////////////////////////////////////////////////////////////////////////////////////////////////////////////////////////////////////////////////////////////////////////////////////////////////////////////////////////////////////////////////////////////////////////////////////////////////////////////////////////////////////////////////////////////////////////////////////////////////////////////////////////////////////////////////////////////////////////////////////////8BACAA////////////////AAAO////////AwAAAAIA////////////////////////////////////////////////////////////////////////////////////////////////////////////////////////////////////////////////////////////////////////////////////////////////////////////////////////////////////////////////////////////////////////////////////////////////////////////////////////////////////////////////////////////////////////////////////////////////////////////////////////////////////////////////////////////////////////////////////////////////////////////////////////AgABAP///////wQAAAACABAAC/ekfK0RLLJCo51SyCHs7/sFAAAAAAADAAAAAAADAAAAAQAAAAAAAAAAAAAAAAAAAAAAAAAAAAAAAAAAAAAAAAAAAAAAAAAAAAAAAAAAAAAAAAAAAAAAAAAAAAAAAAAAAAAAAAAAAAAAAAAAAAAAAAAAAAAAAAAAAAAAAAAAAAAAAAAAAAAAAAAAAAAAAAAAAAAAAAAAAAAAAAAAAAAAAAAAAAAAAAAAAAAAAAAAAAAAAAAAAAAAAAAAAAAAAAAAAAAAAAAAAAAAAAAAAAAAAAAAAAAAAAAAAAAAAAAAAAAAAAAAAAAAAAAAAAAAAAAAAAAAAAAAAAAAAAAAAAAAAAAAAAAAAAAAAAAAAAAAAAAAAAAAAAAAAAAAAAAAAAAAAAAAAAAAAAAAAAAAAAAAAAAAAAAAAAAAAAAAAAAAAAAAAAAAAAAAAAAAAAAAAAAAAAAAAAAAAAAAAAAAAAAAAAAAAAAAAAAAAAAAAAAAAAAAAAAAAAAAAAAAAAAAAAAAAAAAAAAAAAAAAAAAAAAAAAAAAAAAAAAAAAAAAAAAAAAAAAAAAAAAAAAAAAAAAAAAAAAAAAAAAAAAAAAAAAAAAAAAAAAAAAAAAAAAAAAAAAAAAAAAAAAAAAAAAAAAAAAAAAAAAAAAAAAAAAAAAAAAAAAAAAAAAAAAAAAAAAAAAAAAAAAAAAAAAAAAAAAAAAAAAAAAAAAAAAAAAAAAAAAAAAAAAAAAAAAAAAAAAAAAAAAAAAAAAAAAAAAAAAAAAAAAAAAAAAAAAAAAAAAAAAAAAAAAAAAAAAAAAAAAAAAAAAAAAAAAAAAAAAAAAAAAAAAAAAAAAAAAAAAAAAAAAAAAAAAAAAAAAAAAAAAAAAAAAAAAAAAAAAAAAAAAAAAAAAAAAAAAAAAAAAAAAAAAAAAAAAAAAAAAAAAAAAAAAAAAAAAAAAAAAAAAAAAAAAAAAAAAAAAAAAAAAAAAAAAAAAAAAAAAAAAAAAAAAAAAAAAAAAAAAAAAAAAAAAAAAAAAAAAAAAAAAAAAAAAAAAAAAAAAAAAAAAAAAAAAAAAAAAAAAAAAAAAAAAAAAAAAAAAAAAAAAAAAAAAAAAAAAAAAAAAAAAAAAAAAAAAAAAAAAAAAAAAAAAAAAAAAAAAAAAAAAAAAAAAAAAAAAAAAAAAAAAAAAAAAAAAAAAAAAAAAAAAAAAAAAAAAAAAAAAAAAAAAAAAAAAAAAAAAAAAAAAAAAAAAAAAAAAAAAAAAAAAAAAAAAAAAAAAAAAAAAAAAAAAAAAAAAAAAAAAAAAAAAAAAAAAAAAAAAAAAAAAAAAAAAAAAAAAAAAAAAAAAAAAAAAAAAAAAAAAAAAAAAAAAAAAAAAAAAAAAAAAAAAAAAAAAAAAAAAAAAAAAAAAAAAAAAAAAAAAAAAAAAAAAAAAAAAAAAAAAAAAAAAAAAAAAAAAAAAAAAAAAAAAAAAAAAAAAAAAAAAAAAAAAAAAAAAAAAAAAAAAAAAAAAAAAAAAAAAAAAAAAAAAAAAAAAAAAAAAAAAAAAAAAAAAAAAAAAAAAAAAAAAAAAAAAAAAAAAAAAAAAAAAAAAAAAAAAAAAAAAAAAAAAAAAAAAAAAAAAAAAAAAAAAAAAAAAAAAAAAAAAAAAAAAAAAAAAAAAAAAAAAAAAAAAAAAAAAAAAAAAAAAAAAAAAAAAAAAAAAAAAAAAAAAAAAAAAAAAAAAAAAAAAAAAAAAAAAAAAAAAAAAAAAAAAAAAAAAAAAAAAAAAAAAAAAAAAAAAAAAAAAAAAAAAAAAAAAAAAAAAAAAAAAAAAAAAAAAAAAAAAAAAAAAAAAAAAAAAAAAAAAAAAAAAAAAAAAAAAAAAAAAAAAAAAAAAAAAAAAAAAAAAAAAAAAAAAAAAAAAAAAAAAAAAAAAAAAAAAAAAAAAAAAAAAAAAAAAAAAAAAAAAAAAAAAAAAAAAAAAAAAAAAAAAAAAAAAAAAAAAAAAAAAAAAAAAAAAAAAAAAAAAAAAAAAAAAAAAAAAAAAAAAAAAAAAAAAAAAAAAAAAAAAAAAAAAAAAAAAAAAAAAAAAAAAAAAAAAAAAAAAAAAAAAAAAAAAAAAAAAAAAAAAAAAAAAAAAAAAAAAAAAAAAAAAAAAAAAAAAAAAAAAAAAAAAAAAAAAAAAAAAAAAAAAAAAAAAAAAAAAAAAAAAAAAAAAAAAAAAAAAAAAAAAAAAAAAAAAAAAAAAAAAAAAAAAAAAAAAAAAAAAAAAAAAAAAAAAAAAAAAAAAAAAAAAAAAAAAAAAAAAAAAAAAAAAAAAAAAAAAAAAAAAAAAAAAAAAAAAAAAAAAAAAAAAAAAAAAAAAAAAAAAAAAAAAAAAAAAAAAAAAAAAAAAAAAAAAAAAAAAAAAAAAAAAAAAAAAAAAAAAAAAAAAAAAAAAAAAAAAAAAAAAAAAAAAAAAAAAAAAAAAAAAAAAAAAAAAAAAAAAAAAAAAAAAAAAAAAAAAAAAAAAAAAAAAAAAAAAAAAAAAAAAAAAAAAAAAAAAAAAAAAAAAAAAAAAAAAAAAAAAAAAAAAAAAAAAAAAAAAAAAAAAAAAAAAAAAAAAAAAAAAAAAAAAAAAAAAAAAAAAAAAAAAAAAAAAAAAAAAAAAAAAAAAAAAAAAAAAAAAAAAAAAAAAAAAAAAAAAAAAAAAAAAAAAAAAAAAAAAAAAAAAAAAAAAAAAAAAAAAAAAAAAAAAAAAAAAAAAAAAAAAAAAAAAAAAAAAAAAAAAAAAAAAAAAAAAAAAAAAAAAAAAAAAAAAAAAAAAAAAAAAAAAAAAAAAAAAAAAAAAAAAAAAAAAAAAAAAAAAAAAAAAAAAAAAAAAAAAAAAAAAAAAAAAAAAAAAAAAAAAAAAAAAAAAAAAAAAAAAAAAAAAAAAAAAAAAAAAAAAAAAAAAAAAAAAAAAAAAAAAAAAAAAAAAAAAAAAAAAAAAAAAAAAAAAAAAAAAAAAAAAAAAAAAAAAAAAAAAAAAAAAAAAAAAAAAAAAAAAAAAAAAAAAAAAAAAAAAAAAAAAAAAAAAAAAAAAAAAAAAAAAAAAAAAAAAAAAAAAAAAAAAAAAAAAAAAAAAAAAAAAAAAAAAAAAAAAAAAAAAAAAAAAAAAAAAAAAAAAAAAAAAAAAAAAAAAAAAAAAAAAAAAAAAAAAAAAAAAAAAAAAAAAAAAAAAAAAAAAAAAAAAAAAAAAAAAAAAAAAAAAAAAAAAAAAAAAAAAAAAAAAAAAAAAAAAAAAAAAAAAAAAAAAAAAAAAAAAAAAAAAAAAAAAAAAAAAAAAAAAAAAAAAAAAAAAAAAAAAAAAAAAAAAAAAAAAAAAAAAAAAAAAAAAAAAAAAAAAAAAAAAAAAAAAAAAAAAAAAAAAAAAAAAAAAAAAAAAAAAAAAAAAAAAAAAAAAAAAAAAAAAAAAAAAAAAAAAAAAAAAAAAAAAAAAAAAAAAAAAAAAAAAAAAAAAAAAAAAAAAAAAAAAAAAAAAAAAAAAAAAAAAAAAAAAAAAAAAAAAAAAAAAAAAAAAAAAAAAAAAAAAAAAAAAAAAAAAAAAAAAAAAAAAAAAAAAAAAAAAAAAAAAAAAAAAAAAAAAAAAAAAAAAAAAAAAAAAAAAAAAAAAAAAAAAAAAAAAAAAAAAAAAAAAAAAAAAAAAAAAAAAAAAAAAAAAAAAAAAAAAAAAAAAAAAAAAAAAAAAAAAAAAAAAAAAAAAAAAAAAAAAAAAAAAAAAAAAAAAAAAAAAAAAAAAAAAAAAAAAAAAAAAAAAAAAAAAAAAAAAAAAAAAAAAAAAAAAAAAAAAAAAAAAAAAAAAAAAAAAAAAAAAAAAAAAAAAAAAAAAAAAAAAAAAAAAAAAAAAAAAAAAAAAAAAAAAAAAAAAAAAAAAAAAAAAAAAAAAAAAAAAAAAAAAAAAAAAAAAAAAAAAAAAAAAAAAAAAAAAAAAAAAAAAAAAAAAAAAAAAAAAAAAAAAAAAAAAAAAAAAAAAAAAAAAAAAAAAAAAAAAAAAAAAAAAAAAAAAAAAAAAAAAAAAAAAAAAAAAAAAAAAAAAAAAAAAAAAAAAAAAAAAAAAAAAAAAAAAAAAAAAAAAAAAAAAAAAAAAAAAAAAAAAAAAAAAAAAAAAAAAAAAAAAAAAAAAAAAAAAAAAAAAAAAAAAAAAAAAAAAAAAAAAAAAAAAAAAAAAAAAAAAAAAAAAAAAAAAAAAAAAAAAAAAAAAAAAAAAAAAAAAAAAAAAAAAAAAAAAAAAAAAAAAAAAAAAAAAAAAAAAAAAAAAAAAAAAAAAAAAAAAAAAAAAAAAAAAAAAAAAAAAAAAAAAAAAAAAAAAAAAAAAAAAAAAAAAAAAQAAAADAAAAAP////8DAIQMAAAAAAAAAAAAACAB////////////////AAAA////////////////BAAAAAIA////////////////////////////////////////////////////////////////////////////////////////////////////////////////////////////////////////////////////////////////////////////////////////////////////////////////////////////////////////////////////////////////////////////////////////////////////////////////////////////////////////////////////////////////////////////////////////////////////////////////////////////////////////////////////////////////////////////////////////////////////////////////AQAgAf///////////////wAADv///////wQAAAACAP///////////////////////////////////////////////////////////////////////////////////////////////////////////////////////////////////////////////////////////////////////////////////////////////////////////////////////////////////////////////////////////////////////////////////////////////////////////////////////////////////////////////////////////////////////////////////////////////////////////////////////////////////////////////////////////////////////////////////////////////////////////////////////wIAAQEDAAAAAgD///////8MAAZQZXJzb25hbElkXzAFAAAAAAAEAAAAAAAEAAAAAQAAAAAAAAAAAAAAAAAAAAAAAAAAAAAAAAAAAAAAAAAAAAAAAAAAAAAAAAAAAAAAAAAAAAAAAAAAAAAAAAAAAAAAAAAAAAAAAAAAAAAAAAAAAAAAAAAAAAAAAAAAAAAAAAAAAAAAAAAAAAAAAAAAAAAAAAAAAAAAAAAAAAAAAAAAAAAAAAAAAAAAAAAAAAAAAAAAAAAAAAAAAAAAAAAAAAAAAAAAAAAAAAAAAAAAAAAAAAAAAAAAAAAAAAAAAAAAAAAAAAAAAAAAAAAAAAAAAAAAAAAAAAAAAAAAAAAAAAAAAAAAAAAAAAAAAAAAAAAAAAAAAAAAAAAAAAAAAAAAAAAAAAAAAAAAAAAAAAAAAAAAAAAAAAAAAAAAAAAAAAAAAAAAAAAAAAAAAAAAAAAAAAAAAAAAAAAAAAAAAAAAAAAAAAAAAAAAAAAAAAAAAAAAAAAAAAAAAAAAAAAAAAAAAAAAAAAAAAAAAAAAAAAAAAAAAAAAAAAAAAAAAAAAAAAAAAAAAAAAAAAAAAAAAAAAAAAAAAAAAAAAAAAAAAAAAAAAAAAAAAAAAAAAAAAAAAAAAAAAAAAAAAAAAAAAAAAAAAAAAAAAAAAAAAAAAAAAAAAAAAAAAAAAAAAAAAAAAAAAAAAAAAAAAAAAAAAAAAAAAAAAAAAAAAAAAAAAAAAAAAAAAAAAAAAAAAAAAAAAAAAAAAAAAAAAAAAAAAAAAAAAAAAAAAAAAAAAAAAAAAAAAAAAAAAAAAAAAAAAAAAAAAAAAAAAAAAAAAAAAAAAAAAAAAAAAAAAAAAAAAAAAAAAAAAAAAAAAAAAAAAAAAAAAAAAAAAAAAAAAAAAAAAAAAAAAAAAAAAAAAAAAAAAAAAAAAAAAAAAAAAAAAAAAAAAAAAAAAAAAAAAAAAAAAAAAAAAAAAAAAAAAAAAAAAAAAAAAAAAAAAAAAAAAAAAAAAAAAAAAAAAAAAAAAAAAAAAAAAAAAAAAAAAAAAAAAAAAAAAAAAAAAAAAAAAAAAAAAAAAAAAAAAAAAAAAAAAAAAAAAAAAAAAAAAAAAAAAAAAAAAAAAAAAAAAAAAAAAAAAAAAAAAAAAAAAAAAAAAAAAAAAAAAAAAAAAAAAAAAAAAAAAAAAAAAAAAAAAAAAAAAAAAAAAAAAAAAAAAAAAAAAAAAAAAAAAAAAAAAAAAAAAAAAAAAAAAAAAAAAAAAAAAAAAAAAAAAAAAAAAAAAAAAAAAAAAAAAAAAAAAAAAAAAAAAAAAAAAAAAAAAAAAAAAAAAAAAAAAAAAAAAAAAAAAAAAAAAAAAAAAAAAAAAAAAAAAAAAAAAAAAAAAAAAAAAAAAAAAAAAAAAAAAAAAAAAAAAAAAAAAAAAAAAAAAAAAAAAAAAAAAAAAAAAAAAAAAAAAAAAAAAAAAAAAAAAAAAAAAAAAAAAAAAAAAAAAAAAAAAAAAAAAAAAAAAAAAAAAAAAAAAAAAAAAAAAAAAAAAAAAAAAAAAAAAAAAAAAAAAAAAAAAAAAAAAAAAAAAAAAAAAAAAAAAAAAAAAAAAAAAAAAAAAAAAAAAAAAAAAAAAAAAAAAAAAAAAAAAAAAAAAAAAAAAAAAAAAAAAAAAAAAAAAAAAAAAAAAAAAAAAAAAAAAAAAAAAAAAAAAAAAAAAAAAAAAAAAAAAAAAAAAAAAAAAAAAAAAAAAAAAAAAAAAAAAAAAAAAAAAAAAAAAAAAAAAAAAAAAAAAAAAAAAAAAAAAAAAAAAAAAAAAAAAAAAAAAAAAAAAAAAAAAAAAAAAAAAAAAAAAAAAAAAAAAAAAAAAAAAAAAAAAAAAAAAAAAAAAAAAAAAAAAAAAAAAAAAAAAAAAAAAAAAAAAAAAAAAAAAAAAAAAAAAAAAAAAAAAAAAAAAAAAAAAAAAAAAAAAAAAAAAAAAAAAAAAAAAAAAAAAAAAAAAAAAAAAAAAAAAAAAAAAAAAAAAAAAAAAAAAAAAAAAAAAAAAAAAAAAAAAAAAAAAAAAAAAAAAAAAAAAAAAAAAAAAAAAAAAAAAAAAAAAAAAAAAAAAAAAAAAAAAAAAAAAAAAAAAAAAAAAAAAAAAAAAAAAAAAAAAAAAAAAAAAAAAAAAAAAAAAAAAAAAAAAAAAAAAAAAAAAAAAAAAAAAAAAAAAAAAAAAAAAAAAAAAAAAAAAAAAAAAAAAAAAAAAAAAAAAAAAAAAAAAAAAAAAAAAAAAAAAAAAAAAAAAAAAAAAAAAAAAAAAAAAAAAAAAAAAAAAAAAAAAAAAAAAAAAAAAAAAAAAAAAAAAAAAAAAAAAAAAAAAAAAAAAAAAAAAAAAAAAAAAAAAAAAAAAAAAAAAAAAAAAAAAAAAAAAAAAAAAAAAAAAAAAAAAAAAAAAAAAAAAAAAAAAAAAAAAAAAAAAAAAAAAAAAAAAAAAAAAAAAAAAAAAAAAAAAAAAAAAAAAAAAAAAAAAAAAAAAAAAAAAAAAAAAAAAAAAAAAAAAAAAAAAAAAAAAAAAAAAAAAAAAAAAAAAAAAAAAAAAAAAAAAAAAAAAAAAAAAAAAAAAAAAAAAAAAAAAAAAAAAAAAAAAAAAAAAAAAAAAAAAAAAAAAAAAAAAAAAAAAAAAAAAAAAAAAAAAAAAAAAAAAAAAAAAAAAAAAAAAAAAAAAAAAAAAAAAAAAAAAAAAAAAAAAAAAAAAAAAAAAAAAAAAAAAAAAAAAAAAAAAAAAAAAAAAAAAAAAAAAAAAAAAAAAAAAAAAAAAAAAAAAAAAAAAAAAAAAAAAAAAAAAAAAAAAAAAAAAAAAAAAAAAAAAAAAAAAAAAAAAAAAAAAAAAAAAAAAAAAAAAAAAAAAAAAAAAAAAAAAAAAAAAAAAAAAAAAAAAAAAAAAAAAAAAAAAAAAAAAAAAAAAAAAAAAAAAAAAAAAAAAAAAAAAAAAAAAAAAAAAAAAAAAAAAAAAAAAAAAAAAAAAAAAAAAAAAAAAAAAAAAAAAAAAAAAAAAAAAAAAAAAAAAAAAAAAAAAAAAAAAAAAAAAAAAAAAAAAAAAAAAAAAAAAAAAAAAAAAAAAAAAAAAAAAAAAAAAAAAAAAAAAAAAAAAAAAAAAAAAAAAAAAAAAAAAAAAAAAAAAAAAAAAAAAAAAAAAAAAAAAAAAAAAAAAAAAAAAAAAAAAAAAAAAAAAAAAAAAAAAAAAAAAAAAAAAAAAAAAAAAAAAAAAAAAAAAAAAAAAAAAAAAAAAAAAAAAAAAAAAAAAAAAAAAAAAAAAAAAAAAAAAAAAAAAAAAAAAAAAAAAAAAAAAAAAAAAAAAAAAAAAAAAAAAAAAAAAAAAAAAAAAAAAAAAAAAAAAAAAAAAAAAAAAAAAAAAAAAAAAAAAAAAAAAAAAAAAAAAAAAAAAAAAAAAAAAAAAAAAAAAAAAAAAAAAAAAAAAAAAAAAAAAAAAAAAAAAAAAAAAAAAAAAAAAAAAAAAAAAAAAAAAAAAAAAAAAAAAAAAAAAAAAAAAAAAAAAAAAAAAAAAAAAAAAAAAAAAAAAAAAAAAAAAAAAAAAAAAAAAAAAAAAAAAAAAAAAAAAAAAAAAAAAAAAAAAAAAAAAAAAAAAAAAAAAAAAAAAAAAAAAAAAAAAAAAAAAAAAAAAAAAAAAAAAAAAAAAAAAAAAAAAAAAAAAAAAAAAAAAAAAAAAAAAAAAAAAAAAAAAAAAAAAAAAAAAAAAAAAAAAAAAAAAAAAAAAAAAAAAAAAAAAAAAAAAAAAAAAAAAAAAAAAAAAAAAAAAAAAAAAAAAAAAAAAAAAAAAAAAAAAAAAAAAAAAAAAAAAAAAAAAAAAAAAAAAAAAAAAAAAAAAAAAAAAAAAAAAAAAAAAAAAAAAAAAAAAAAAAAAAAAAAAAAAAAAAAAAAAAAAAAAAAAAAAAAAAAAAAAAAAAAAAAAAAAAAAAAAAAAAAAAAAAAAAAAAAAAAAAAAAAAAAAAAAAAAAAAAAAAAAAAAAAAAAAAAAAAAAAAAAAAAAAAAAAAAAAAAAAAAAAAAAAAAAAAAAAAAAAAAAAAAAAAAAAAAAAAAAAAAAAAAAAAAAAAAAAAAAAAAAAAAAAAAAAAAAAAAAAAAAAAAAAAAAAAAAAAAAAAAAAAAAAAAAAAAAAAAAAAAAAAAAAAAAAAAAAAAAAAAAAAAAAAAAAAAAAAAAAAAAAAAAAAAAAAAAAAAAAAAAAAAAAAAAAAAAAAAAAAAAAAAAAAAAAAAAAAAAAAAAAAAAAAAAAAAAAAAAAAAAAAAAAAAAAAAAAAAAAAAAAAAAAAAAAAAAAAAAAAAAAAAAAAAAAAAAAAAAAAAAAFAAAABAAAAAD/////AQBvDwAAAAAAAAAAAAD/////cABwAAAABV9pZAAQAAAABPekfK0RLLJCo51SyCHs7/sDRGF0YQAWAAAAAlBlcnNvbmFsSWQAAQAAAAAAAk5hbWUACwAAAFBlcnNvbmFsSWQAEFZlcnNpb24AAAAAAAlMYXN0V3JpdGUAkf1y7IsBAAAAAAAAAAAAAAAAAAAAAAAAAAAAAAAAAAAAAAAAAAAAAAAAAAAAAAAAAAAAAAAAAAAAAAAAAAAAAAAAAAAAAAAAAAAAAAAAAAAAAAAAAAAAAAAAAAAAAAAAAAAAAAAAAAAAAAAAAAAAAAAAAAAAAAAAAAAAAAAAAAAAAAAAAAAAAAAAAAAAAAAAAAAAAAAAAAAAAAAAAAAAAAAAAAAAAAAAAAAAAAAAAAAAAAAAAAAAAAAAAAAAAAAAAAAAAAAAAAAAAAAAAAAAAAAAAAAAAAAAAAAAAAAAAAAAAAAAAAAAAAAAAAAAAAAAAAAAAAAAAAAAAAAAAAAAAAAAAAAAAAAAAAAAAAAAAAAAAAAAAAAAAAAAAAAAAAAAAAAAAAAAAAAAAAAAAAAAAAAAAAAAAAAAAAAAAAAAAAAAAAAAAAAAAAAAAAAAAAAAAAAAAAAAAAAAAAAAAAAAAAAAAAAAAAAAAAAAAAAAAAAAAAAAAAAAAAAAAAAAAAAAAAAAAAAAAAAAAAAAAAAAAAAAAAAAAAAAAAAAAAAAAAAAAAAAAAAAAAAAAAAAAAAAAAAAAAAAAAAAAAAAAAAAAAAAAAAAAAAAAAAAAAAAAAAAAAAAAAAAAAAAAAAAAAAAAAAAAAAAAAAAAAAAAAAAAAAAAAAAAAAAAAAAAAAAAAAAAAAAAAAAAAAAAAAAAAAAAAAAAAAAAAAAAAAAAAAAAAAAAAAAAAAAAAAAAAAAAAAAAAAAAAAAAAAAAAAAAAAAAAAAAAAAAAAAAAAAAAAAAAAAAAAAAAAAAAAAAAAAAAAAAAAAAAAAAAAAAAAAAAAAAAAAAAAAAAAAAAAAAAAAAAAAAAAAAAAAAAAAAAAAAAAAAAAAAAAAAAAAAAAAAAAAAAAAAAAAAAAAAAAAAAAAAAAAAAAAAAAAAAAAAAAAAAAAAAAAAAAAAAAAAAAAAAAAAAAAAAAAAAAAAAAAAAAAAAAAAAAAAAAAAAAAAAAAAAAAAAAAAAAAAAAAAAAAAAAAAAAAAAAAAAAAAAAAAAAAAAAAAAAAAAAAAAAAAAAAAAAAAAAAAAAAAAAAAAAAAAAAAAAAAAAAAAAAAAAAAAAAAAAAAAAAAAAAAAAAAAAAAAAAAAAAAAAAAAAAAAAAAAAAAAAAAAAAAAAAAAAAAAAAAAAAAAAAAAAAAAAAAAAAAAAAAAAAAAAAAAAAAAAAAAAAAAAAAAAAAAAAAAAAAAAAAAAAAAAAAAAAAAAAAAAAAAAAAAAAAAAAAAAAAAAAAAAAAAAAAAAAAAAAAAAAAAAAAAAAAAAAAAAAAAAAAAAAAAAAAAAAAAAAAAAAAAAAAAAAAAAAAAAAAAAAAAAAAAAAAAAAAAAAAAAAAAAAAAAAAAAAAAAAAAAAAAAAAAAAAAAAAAAAAAAAAAAAAAAAAAAAAAAAAAAAAAAAAAAAAAAAAAAAAAAAAAAAAAAAAAAAAAAAAAAAAAAAAAAAAAAAAAAAAAAAAAAAAAAAAAAAAAAAAAAAAAAAAAAAAAAAAAAAAAAAAAAAAAAAAAAAAAAAAAAAAAAAAAAAAAAAAAAAAAAAAAAAAAAAAAAAAAAAAAAAAAAAAAAAAAAAAAAAAAAAAAAAAAAAAAAAAAAAAAAAAAAAAAAAAAAAAAAAAAAAAAAAAAAAAAAAAAAAAAAAAAAAAAAAAAAAAAAAAAAAAAAAAAAAAAAAAAAAAAAAAAAAAAAAAAAAAAAAAAAAAAAAAAAAAAAAAAAAAAAAAAAAAAAAAAAAAAAAAAAAAAAAAAAAAAAAAAAAAAAAAAAAAAAAAAAAAAAAAAAAAAAAAAAAAAAAAAAAAAAAAAAAAAAAAAAAAAAAAAAAAAAAAAAAAAAAAAAAAAAAAAAAAAAAAAAAAAAAAAAAAAAAAAAAAAAAAAAAAAAAAAAAAAAAAAAAAAAAAAAAAAAAAAAAAAAAAAAAAAAAAAAAAAAAAAAAAAAAAAAAAAAAAAAAAAAAAAAAAAAAAAAAAAAAAAAAAAAAAAAAAAAAAAAAAAAAAAAAAAAAAAAAAAAAAAAAAAAAAAAAAAAAAAAAAAAAAAAAAAAAAAAAAAAAAAAAAAAAAAAAAAAAAAAAAAAAAAAAAAAAAAAAAAAAAAAAAAAAAAAAAAAAAAAAAAAAAAAAAAAAAAAAAAAAAAAAAAAAAAAAAAAAAAAAAAAAAAAAAAAAAAAAAAAAAAAAAAAAAAAAAAAAAAAAAAAAAAAAAAAAAAAAAAAAAAAAAAAAAAAAAAAAAAAAAAAAAAAAAAAAAAAAAAAAAAAAAAAAAAAAAAAAAAAAAAAAAAAAAAAAAAAAAAAAAAAAAAAAAAAAAAAAAAAAAAAAAAAAAAAAAAAAAAAAAAAAAAAAAAAAAAAAAAAAAAAAAAAAAAAAAAAAAAAAAAAAAAAAAAAAAAAAAAAAAAAAAAAAAAAAAAAAAAAAAAAAAAAAAAAAAAAAAAAAAAAAAAAAAAAAAAAAAAAAAAAAAAAAAAAAAAAAAAAAAAAAAAAAAAAAAAAAAAAAAAAAAAAAAAAAAAAAAAAAAAAAAAAAAAAAAAAAAAAAAAAAAAAAAAAAAAAAAAAAAAAAAAAAAAAAAAAAAAAAAAAAAAAAAAAAAAAAAAAAAAAAAAAAAAAAAAAAAAAAAAAAAAAAAAAAAAAAAAAAAAAAAAAAAAAAAAAAAAAAAAAAAAAAAAAAAAAAAAAAAAAAAAAAAAAAAAAAAAAAAAAAAAAAAAAAAAAAAAAAAAAAAAAAAAAAAAAAAAAAAAAAAAAAAAAAAAAAAAAAAAAAAAAAAAAAAAAAAAAAAAAAAAAAAAAAAAAAAAAAAAAAAAAAAAAAAAAAAAAAAAAAAAAAAAAAAAAAAAAAAAAAAAAAAAAAAAAAAAAAAAAAAAAAAAAAAAAAAAAAAAAAAAAAAAAAAAAAAAAAAAAAAAAAAAAAAAAAAAAAAAAAAAAAAAAAAAAAAAAAAAAAAAAAAAAAAAAAAAAAAAAAAAAAAAAAAAAAAAAAAAAAAAAAAAAAAAAAAAAAAAAAAAAAAAAAAAAAAAAAAAAAAAAAAAAAAAAAAAAAAAAAAAAAAAAAAAAAAAAAAAAAAAAAAAAAAAAAAAAAAAAAAAAAAAAAAAAAAAAAAAAAAAAAAAAAAAAAAAAAAAAAAAAAAAAAAAAAAAAAAAAAAAAAAAAAAAAAAAAAAAAAAAAAAAAAAAAAAAAAAAAAAAAAAAAAAAAAAAAAAAAAAAAAAAAAAAAAAAAAAAAAAAAAAAAAAAAAAAAAAAAAAAAAAAAAAAAAAAAAAAAAAAAAAAAAAAAAAAAAAAAAAAAAAAAAAAAAAAAAAAAAAAAAAAAAAAAAAAAAAAAAAAAAAAAAAAAAAAAAAAAAAAAAAAAAAAAAAAAAAAAAAAAAAAAAAAAAAAAAAAAAAAAAAAAAAAAAAAAAAAAAAAAAAAAAAAAAAAAAAAAAAAAAAAAAAAAAAAAAAAAAAAAAAAAAAAAAAAAAAAAAAAAAAAAAAAAAAAAAAAAAAAAAAAAAAAAAAAAAAAAAAAAAAAAAAAAAAAAAAAAAAAAAAAAAAAAAAAAAAAAAAAAAAAAAAAAAAAAAAAAAAAAAAAAAAAAAAAAAAAAAAAAAAAAAAAAAAAAAAAAAAAAAAAAAAAAAAAAAAAAAAAAAAAAAAAAAAAAAAAAAAAAAAAAAAAAAAAAAAAAAAAAAAAAAAAAAAAAAAAAAAAAAAAAAAAAAAAAAAAAAAAAAAAAAAAAAAAAAAAAAAAAAAAAAAAAAAAAAAAAAAAAAAAAAAAAAAAAAAAAAAAAAAAAAAAAAAAAAAAAAAAAAAAAAAAAAAAAAAAAAAAAAAAAAAAAAAAAAAAAAAAAAAAAAAAAAAAAAAAAAAAAAAAAAAAAAAAAAAAAAAAAAAAAAAAAAAAAAAAAAAAAAAAAAAAAAAAAAAAAAAAAAAAAAAAAAAAAAAAAAAAAAAAAAAAAAAAAAAAAAAAAAAAAAAAAAAAAAAAAAAAAAAAAAAAAAAAAAAAAAAAAAAAAAAAAAAAAAAAAAAAAAAAAAAAAAAAAAAAAAAAAAAAAAAAAAAAAAAAAAAAAAAAAAAAAAAAAAAAAAAAAAAAAAAAAAAAAAAAAAAAAAAAAAAAAAAAAAAAAAAAAAAAAAAAAAAAAAAAAAAAAAAAAAAAAAAAAAAAAAAAAAAAAAAAAAAAAAAAAAAAAAAAAAAAAAAAAAAAAAAAAAAAAAAAAAAAAAAAAAAAAAAAAAAAAAAAAAAAAAAAAAAAAAAAAAAAAAAAAAAAAAAAAAAAAAAAAAAAAAAAAAAAAAAAAAAAAAAAAAAAAAAAAAAAAAAAAAAAAAAAAAAAAAAAAAAAAAAAAAAAAAAAAAAAAAAAAAAAAAAAAAAAAAAAAAAAAAAAAAAAAAAAAAAAAAAAAAAAAAAAAAAAAAAAAAAAAAAAAAAAAAAAAAAAAAAAAAAAAAAAAAAAAAAAAAAAAAAAAAAAAAAAAAAAAAAAAAAAAAAAAAAAAAAAAAAAAAAAAAAAAAAAAAAAAAAAAAAAAAAAAAAAAAAAAAAAAAAAAAAAAAAAAAAAAAAAAAAAAAAAAAAAAAAAAAAAAAAAAAAAAAAAAAAAAAAAAAAAAAAAAAAAAAAAAAAAAAAAAAAAAAAAAAAAAAAAAAAAAAAAAAAAAAAAAAAAAAAAAAAAAAAAAAAAAAAAAAAAAAAAAAAAAAAAAAAAAAAAAAAAAAAAAAAAAAAAAAAAAAAAAAAAAAAAAAAAAAAAAAAAAAAAAAAAAAAAAAAAAAAAAAAAAAAAAAAAAAAAAAAAAAAAAAAAAAAAAAAAAAAAAAAAAAAAAAAAAAAAAAAAAAAAAAAAAAAAAAAAAAAAAAAAAAAAAAAAAAAAAAAAAAAAAAAAAAAAAAAAAAAAAAAAAAAAAAAAAAAAAAAAAAAAAAAAAAAAAAAAAAAAAAAAAAAAAAAAAAAAAAAAAAAAAAAAAAAAAAAAAAAAAAAAAAAAAAAAAAAAAAAAAAAAAAAAAAAAAAAAAAAAAAAAAAAAAAAAAAAAAAAAAAAAAAAAAAAAAAAAAAAAAAAAAAAAAAAAAAAAAAAAAAAAAAAAAAAAAAAAAAAAAAAAAAAAAAAAAAAAAAAAAAAAAAAAAAAAAAAAAAAAAAAAAAAAAAAAAAAAAAAAAAAAAAAAAAAAAAAAAAAAAAAAAAAAAAAAAAAAAAAAAAAAAAAAAAAAAAAAAAAAAAAAAAAAAAAAAAAAAAAAAAAAAAAAAAAAAAAAAAAAAAAAAAAAAAAAAAAAAAAAAAAAAAAAAA"/>
   <p:tag name="EMPOWERCHARTSPROPERTIES_SLOT" val="A"/>
@@ -6011,7 +6094,7 @@
 </p:tagLst>
 </file>
 
-<file path=ppt/tags/tag2059.xml><?xml version="1.0" encoding="utf-8"?>
+<file path=ppt/tags/tag6.xml><?xml version="1.0" encoding="utf-8"?>
 <p:tagLst xmlns:a="http://schemas.openxmlformats.org/drawingml/2006/main" xmlns:r="http://schemas.openxmlformats.org/officeDocument/2006/relationships" xmlns:p="http://schemas.openxmlformats.org/presentationml/2006/main">
   <p:tag name="EMPOWERCHARTSPROPERTIES_A_0" val="AAAAAAH//////////wEAAAAAAAAAAAAAACoqIFRoaXMgaXMgYSBMaXRlREIgZmlsZSAqKgcDAP////8FAAAAAQAAAAAAAAAAAAAAAAAAAAAAAAAAAAAAAAAAAAAAAAAAAAAAAAABEQAAAFByb3BlcnR5RG9jdW1lbnRzAgAAAAAAAAAAAAAAAAAAAAAAAAAAAAAAAAAAAAAAAAAAAAAAAAAAAAAAAAAAAAAAAAAAAAAAAAAAAAAAAAAAAAAAAAAAAAAAAAAAAAAAAAAAAAAAAAAAAAAAAAAAAAAAAAAAAAAAAAAAAAAAAAAAAAAAAAAAAAAAAAAAAAAAAAAAAAAAAAAAAAAAAAAAAAAAAAAAAAAAAAAAAAAAAAAAAAAAAAAAAAAAAAAAAAAAAAAAAAAAAAAAAAAAAAAAAAAAAAAAAAAAAAAAAAAAAAAAAAAAAAAAAAAAAAAAAAAAAAAAAAAAAAAAAAAAAAAAAAAAAAAAAAAAAAAAAAAAAAAAAAAAAAAAAAAAAAAAAAAAAAAAAAAAAAAAAAAAAAAAAAAAAAAAAAAAAAAAAAAAAAAAAAAAAAAAAAAAAAAAAAAAAAAAAAAAAAAAAAAAAAAAAAAAAAAAAAAAAAAAAAAAAAAAAAAAAAAAAAAAAAAAAAAAAAAAAAAAAAAAAAAAAAAAAAAAAAAAAAAAAAAAAAAAAAAAAAAAAAAAAAAAAAAAAAAAAAAAAAAAAAAAAAAAAAAAAAAAAAAAAAAAAAAAAAAAAAAAAAAAAAAAAAAAAAAAAAAAAAAAAAAAAAAAAAAAAAAAAAAAAAAAAAAAAAAAAAAAAAAAAAAAAAAAAAAAAAAAAAAAAAAAAAAAAAAAAAAAAAAAAAAAAAAAAAAAAAAAAAAAAAAAAAAAAAAAAAAAAAAAAAAAAAAAAAAAAAAAAAAAAAAAAAAAAAAAAAAAAAAAAAAAAAAAAAAAAAAAAAAAAAAAAAAAAAAAAAAAAAAAAAAAAAAAAAAAAAAAAAAAAAAAAAAAAAAAAAAAAAAAAAAAAAAAAAAAAAAAAAAAAAAAAAAAAAAAAAAAAAAAAAAAAAAAAAAAAAAAAAAAAAAAAAAAAAAAAAAAAAAAAAAAAAAAAAAAAAAAAAAAAAAAAAAAAAAAAAAAAAAAAAAAAAAAAAAAAAAAAAAAAAAAAAAAAAAAAAAAAAAAAAAAAAAAAAAAAAAAAAAAAAAAAAAAAAAAAAAAAAAAAAAAAAAAAAAAAAAAAAAAAAAAAAAAAAAAAAAAAAAAAAAAAAAAAAAAAAAAAAAAAAAAAAAAAAAAAAAAAAAAAAAAAAAAAAAAAAAAAAAAAAAAAAAAAAAAAAAAAAAAAAAAAAAAAAAAAAAAAAAAAAAAAAAAAAAAAAAAAAAAAAAAAAAAAAAAAAAAAAAAAAAAAAAAAAAAAAAAAAAAAAAAAAAAAAAAAAAAAAAAAAAAAAAAAAAAAAAAAAAAAAAAAAAAAAAAAAAAAAAAAAAAAAAAAAAAAAAAAAAAAAAAAAAAAAAAAAAAAAAAAAAAAAAAAAAAAAAAAAAAAAAAAAAAAAAAAAAAAAAAAAAAAAAAAAAAAAAAAAAAAAAAAAAAAAAAAAAAAAAAAAAAAAAAAAAAAAAAAAAAAAAAAAAAAAAAAAAAAAAAAAAAAAAAAAAAAAAAAAAAAAAAAAAAAAAAAAAAAAAAAAAAAAAAAAAAAAAAAAAAAAAAAAAAAAAAAAAAAAAAAAAAAAAAAAAAAAAAAAAAAAAAAAAAAAAAAAAAAAAAAAAAAAAAAAAAAAAAAAAAAAAAAAAAAAAAAAAAAAAAAAAAAAAAAAAAAAAAAAAAAAAAAAAAAAAAAAAAAAAAAAAAAAAAAAAAAAAAAAAAAAAAAAAAAAAAAAAAAAAAAAAAAAAAAAAAAAAAAAAAAAAAAAAAAAAAAAAAAAAAAAAAAAAAAAAAAAAAAAAAAAAAAAAAAAAAAAAAAAAAAAAAAAAAAAAAAAAAAAAAAAAAAAAAAAAAAAAAAAAAAAAAAAAAAAAAAAAAAAAAAAAAAAAAAAAAAAAAAAAAAAAAAAAAAAAAAAAAAAAAAAAAAAAAAAAAAAAAAAAAAAAAAAAAAAAAAAAAAAAAAAAAAAAAAAAAAAAAAAAAAAAAAAAAAAAAAAAAAAAAAAAAAAAAAAAAAAAAAAAAAAAAAAAAAAAAAAAAAAAAAAAAAAAAAAAAAAAAAAAAAAAAAAAAAAAAAAAAAAAAAAAAAAAAAAAAAAAAAAAAAAAAAAAAAAAAAAAAAAAAAAAAAAAAAAAAAAAAAAAAAAAAAAAAAAAAAAAAAAAAAAAAAAAAAAAAAAAAAAAAAAAAAAAAAAAAAAAAAAAAAAAAAAAAAAAAAAAAAAAAAAAAAAAAAAAAAAAAAAAAAAAAAAAAAAAAAAAAAAAAAAAAAAAAAAAAAAAAAAAAAAAAAAAAAAAAAAAAAAAAAAAAAAAAAAAAAAAAAAAAAAAAAAAAAAAAAAAAAAAAAAAAAAAAAAAAAAAAAAAAAAAAAAAAAAAAAAAAAAAAAAAAAAAAAAAAAAAAAAAAAAAAAAAAAAAAAAAAAAAAAAAAAAAAAAAAAAAAAAAAAAAAAAAAAAAAAAAAAAAAAAAAAAAAAAAAAAAAAAAAAAAAAAAAAAAAAAAAAAAAAAAAAAAAAAAAAAAAAAAAAAAAAAAAAAAAAAAAAAAAAAAAAAAAAAAAAAAAAAAAAAAAAAAAAAAAAAAAAAAAAAAAAAAAAAAAAAAAAAAAAAAAAAAAAAAAAAAAAAAAAAAAAAAAAAAAAAAAAAAAAAAAAAAAAAAAAAAAAAAAAAAAAAAAAAAAAAAAAAAAAAAAAAAAAAAAAAAAAAAAAAAAAAAAAAAAAAAAAAAAAAAAAAAAAAAAAAAAAAAAAAAAAAAAAAAAAAAAAAAAAAAAAAAAAAAAAAAAAAAAAAAAAAAAAAAAAAAAAAAAAAAAAAAAAAAAAAAAAAAAAAAAAAAAAAAAAAAAAAAAAAAAAAAAAAAAAAAAAAAAAAAAAAAAAAAAAAAAAAAAAAAAAAAAAAAAAAAAAAAAAAAAAAAAAAAAAAAAAAAAAAAAAAAAAAAAAAAAAAAAAAAAAAAAAAAAAAAAAAAAAAAAAAAAAAAAAAAAAAAAAAAAAAAAAAAAAAAAAAAAAAAAAAAAAAAAAAAAAAAAAAAAAAAAAAAAAAAAAAAAAAAAAAAAAAAAAAAAAAAAAAAAAAAAAAAAAAAAAAAAAAAAAAAAAAAAAAAAAAAAAAAAAAAAAAAAAAAAAAAAAAAAAAAAAAAAAAAAAAAAAAAAAAAAAAAAAAAAAAAAAAAAAAAAAAAAAAAAAAAAAAAAAAAAAAAAAAAAAAAAAAAAAAAAAAAAAAAAAAAAAAAAAAAAAAAAAAAAAAAAAAAAAAAAAAAAAAAAAAAAAAAAAAAAAAAAAAAAAAAAAAAAAAAAAAAAAAAAAAAAAAAAAAAAAAAAAAAAAAAAAAAAAAAAAAAAAAAAAAAAAAAAAAAAAAAAAAAAAAAAAAAAAAAAAAAAAAAAAAAAAAAAAAAAAAAAAAAAAAAAAAAAAAAAAAAAAAAAAAAAAAAAAAAAAAAAAAAAAAAAAAAAAAAAAAAAAAAAAAAAAAAAAAAAAAAAAAAAAAAAAAAAAAAAAAAAAAAAAAAAAAAAAAAAAAAAAAAAAAAAAAAAAAAAAAAAAAAAAAAAAAAAAAAAAAAAAAAAAAAAAAAAAAAAAAAAAAAAAAAAAAAAAAAAAAAAAAAAAAAAAAAAAAAAAAAAAAAAAAAAAAAAAAAAAAAAAAAAAAAAAAAAAAAAAAAAAAAAAAAAAAAAAAAAAAAAAAAAAAAAAAAAAAAAAAAAAAAAAAAAAAAAAAAAAAAAAAAAAAAAAAAAAAAAAAAAAAAAAAAAAAAAAAAAAAAAAAAAAAAAAAAAAAAAAAAAAAAAAAAAAAAAAAAAAAAAAAAAAAAAAAAAAAAAAAAAAAAAAAAAAAAAAAAAAAAAAAAAAAAAAAAAAAAAAAAAAAAAAAAAAAAAAAAAAAAAAAAAAAAAAAAAAAAAAAAAAAAAAAAAAAAAAAAAAAAAAAAAAAAAAAAAAAAAAAAAAAAAAAAAAAAAAAAAAAAAAAAAAAAAAAAAAAAAAAAAAAAAAAAAAAAAAAAAAAAAAAAAAAAAAAAAAAAAAAAAAAAAAAAAAAAAAAAAAAAAAAAAAAAAAAAAAAAAAAAAAAAAAAAAAAAAAAAAAAAAAAAAAAAAAAAAAAAAAAAAAAAAAAAAAAAAAAAAAAAAAAAAAAAAAAAAAAAAAAAAAAAAAAAAAAAAAAAAAAAAAAAAAAAAAAAAAAAAAAAAAAAAAAAAAAAAAAAAAAAAAAAAAAAAAAAAAAAAAAAAAAAAAAAAAAAAAAAAAAAAAAAAAAAAAAAAAAAAAAAAAAAAAAAAAAAAAAAAAAAAAAAAAAAAAAAAAAAAAAAAAAAAAAAAAAAAAAAAAAAAAAAAAAAAAAAAAAAAAAAAAAAAAAAAAAAAAAAAAAAAAAAAAAAAAAAAAAAAAAAAAAAAAAAAAAAAAAAAAAAAAAAAAAAAAAAAAAAAAAAAAAAAAAAAAAAAAAAAAAAAAAAAAAAAAAAAAAAAAAAAAAAAAAAAAAAAAAAAAAAAAAAAAAAAAAAAAAAAAAAAAAAAAAAAAAAAAAAAAAAAAAAAAAAAAAAAAAAAAAAAAAAAAAAAAAAAAAAAAAAAAAAAAAAAAAAAAAAAAAAAAAAAAAAAAAAAAAAAAAAAAAAAAAAAAAAAAAAAAAAAAAAAAAAAAAAAAAAAAAAAAAAAAAAAAAAAAAAAAAAAAAAAAAAAAAAAAAAAAAAAAAAAAAAAAAAAAAAAAAAAAAAAAAAAAAAAAAAAAAAAAAAAAAAAAAAAAAAAAAAAAAAAAAAAAAAAAAAAAAAAAAAAAAAAAAAAAAAAAAAAAAAAAAAAAAAAAAAAAAAAAAAAAAAAAAAAAAAAAAAAAAAAAAAAAAAAAAAAAAAAAAAAAAAAAAAAAAAAAAAAAAAAAAAAAAAAAAAAAAAAAAAAAAAAAAAAAAAAAAAAAAAAAAAAAAAAAAAAAAAAAAAAAAAAAAAAAAAAAAAAAAAAAAAAAAAAAAAAAAAAAAAAAAAAAAAAAAAAAAAAAAAAAAAAAAAAAAAAAAAAAAAAAAAAAAAAAAAAAAAAAAAAAAAAAAAAAAAAAAAAAAAAAAAAAAAAAAAAAAAAAAAAAAAAAAAAAAAAAAAAAAAAAAAAAAAAAAAAAAAAAAAAAAAAAAAAAAAAAAAAAAAAAAAAAAAAAAAAAAAAAAAAAAAAAAAAAAAAAAAAAAAAAAAAAAAAAAAAAAAAAAAAAAAAAAAAAAAAAAAAAAAAAAAAAAAAAAAAAAAAAAAAAAAAAAAAAAAAAAAAAAAAAAAAAAAAAAAAAAAAAAAAAAAAAAAAAAAAAAAAAAAAAAAAAAAAAAAAAAAAAAAAAAAAAAAAAAAAAAAAAAAAAAAAAAAAAAAAAAAAAAAAAAAAAAAAAAAAAAAAAAAAAAAAAAAAAAAAAAAAAAAAAAAAAAAAAAAAAAAAAAAAAAAAAAAAAAAAAAAAAAAAAAAAAAAAAAAAAAAAAAAAAAAAAAAAAAAAAAAAAAAAAAAAAAAAAAAAAAAAAAAAAAAAAAAAAAAAAAAAAAAAAAAAAAAAAAAAAAAAAAAAAAAAAAAAAAAAAAAAAAAAAAAAAAAAAAAAAAAAAAAAAAAAAAAAAAAAAAAAAAAAAAAAAAAAAAAAAAAAAAAAAAAAAAAAAAAAAAAAAAAAAAAAAAAAAAAAAAAAAAAAAAAAAAAAAAAAAAAAAAAAAAAAAAAAAAAAAAAAAAAAAAAAAAAAAAAAAAAAAAAAAAAAAAAAAAAAAAAAAAAAAAAAAAAAAAAAAAAAAAAAAAAAAAAAAAAAAAAAAAAAAAAAAAAAAAAAAAAAAAAAAAAAAAAAAAAAAAAAAAAAAAAAAAAAAAAAAAAAAAAAAAAAAAAAAAAAAAAAAAAAAAAAAAAAAAAAAAAAAAAAAAAAAAAAAAAAAAAAAAAAAAAAAAAAAAAAAAAAAAAAAAAAAAAAAAAAAAAAAAAAAAAAAAAAAAAAAAAAAAAAAAAAAAAAAAAAAAAAAAAAAAAAAAAAAAAAAAAAAAAAAAAAAAAAAAAAAAAAAAAAAAAAAAAAAAAAAAAAAAAAAAAAAAAAAAAAAAAAAAAAAAAAAAAAAAAAAAAAAAAAAAAAAAAAAAAAAAAAAAAAAAAAAAAAAAAAAAAAAAAAAAAAAAAAAAAAAAAAAAAAAAAAAAAAAAAAAAAAAAAAAAAAAAAAAAAAAAAAAAAAAAAAAAAAAAAAAAAAAAAAAAAAAAAAAAAAAAAAAAAAAAAAAAAAAAAAAAAAAAAAAAAAAAAAAAAAAAAAAAAAAAAAAAAAAAAAAAAAAAAAAAAAAAAAAAAAAAAAAAAAAAAAAAAAAAAAAAAAAAAAAAAAAAAAAAAAAAAAAAAAAAAAAAAAAAAAAAAAAAAAAAAAAAAAAAAAAAAAAAAAAAAAAAAAAAAAAAAAAAAAAAAAAAAAAAAAAAAAAAAAAAAAAAAAAAAAAAAAAAAAAAAAAAAAAAAAAAAAAAAAAAAAAAAAAAAAAAAAAAAAAAAAAAAAAAAAAAAAAAAAAAAAAAAAAAAAAAAAAAAAAAAAAAAAAAAAAAAAAAAAAAAAAAAAAAAAAAAAAAAAAAAAAAAAAAAAAAAAAAAAAAAAAAAAAAAAAAAAAAAAAAAAAAAAAAAAAAAAAAAAAAAAAAAAAAAAAAAAAAAAAAAAAAAAAAAAAAAAAAAAAAAAAAAAAAAAAAAAAAAAAAAAAAAAAAAAAAAAAAAAAAAAAAAAAAAAAAAAAAAAAAAAAAAAAAAAAAAAAAAAAAAAAAAAAAAAAAAAAAAAAAAAAAAAAAAAAAAAAAAAAAAAAAAAAAAAAAAAAAAAAAAAAAAAAAAAAAAAAAAAAAAAAAAAAAAAAAAAAAAAAAAAAAAAAAAAAAAAAAAAAAAAAAAAAAAAAAAAAAAAAAAAAAAAAAAAAAAAAAAAAAAAAAAAAAAAAAAAAAAAAAAAAAAAAAAAAAAAAAAAAAAAAAAAAAAAAAAAAAAAAAAAAAAAAAAAAAAAAAAAAAAAAAAAAAAAAAAAAAAAAAAAAAAAAAAAAAAAAAAAAAAAAAAAAAAAAAAAAAAAAAAAAAAAAAAAAAAAAAAAAAAAAAAAAAAAAAAAAAAAAAAAAAAAAAAAAAAAAAAAAAAAAAAAAAAAAAAAAAAAAAAAAAAAAAAAAAAAAAAAAAAAAAAAAAAAAAAAAAAAAAAAAAAAAAAAAAAAAAAAAAAAAAAAAAAAAAAAAAAAAAAAAAAAAAAAAAAAAAAAAAAAAAAAAAAAAAAAAAAAAAAAAAAAAAAAAAAAAAAAAAAAAAAAAAAAAAAAAAAAAAAAAAAAAAAAAAAAAAAAAAAAAAAAAAAAAAAAAAAAAAAAAAAAAAAAAAAAAAAAAAAAAAAAAAAAAAAAAAAAAAAAAAAAAAAAAAAAAAAAAAAAAAAAAAAAAAAAAAAAAAAAAAAAAAAAAAAAAAAAAAAAAAAAAAAAAAAAAAAAAAAAAAAAAAAAAAAAAAAAAAAAAAAAAAAAAAAAAAAAAAAAAAAAAAAAAAAAAAAAAAAAAAAAAAAAAAAAAAAAAAAAAAAAAAAAAAAAAAAAAAAAAAAAAAAAAAAAAAAAAAAAAAAAAAAAAAAAAAAAAAAAAAAAAAAAAAAAAAAAAAAAAAAAAAAAAAAAAAAAAAAAAAAAAAAAAAAAAAAAAAAAAAAAAAAAAAAAAAAAAAAAAAAAAAAAAAAAAAAAAAAAAAAAAAAAAAAAAAAAAAAAAAAAAAAAAAAAAAAAAAAAAAAAAAAAAAAAAAAAAAAAAAAAAAAAAAAAAAAAAAAAAAAAAAAAAAAAAAAAAAAAAAAAAAAAAAAAAAAAAAAAAAAAAAAAAAAAAAAAAAAAAAAAAAAAAAAAAAAAAAAAAAAAAAAAAAAAAAAAAAAAAAAAAAAAAAAAAAAAAAAAAAAAAAAAAAAAAAAAAAAAAAAAAAAAAAAAAAAAAAAAAAAAAAAAAAAAAAAAAAAAAAAAAAAAAAAAAAAAAAAAAAAAAAAAAAAAAAAAAAAAAAAAAAAAAAAAAAAAAAAAAAAAAAAAAAAAAAAAAAAAAAAAAAAAAAAAAAAAAAAAAAAAAAAAAAAAAAAAAAAAAAAAAAAAAAAAAAAAAAAAAAAAAAAAAAAAAAAAAAAAAAAAAAAAAAAAAAAAAAAAAAAAAAAAAAAAAAAAAAAAAAAAAAAAAAAAAAAAAAAAAAAAAAAAAAAAAAAAAAAAAAAAAAAAAAAAAAAAAAAAAAAAAAAAAAAAAAAAAAAAAAAAAAAAAAAAAAAAAAAAAAAAAAAAAAAAAAAAAAAAAAAAAAAAAAAAAAAAAAAAAAAAAAAAAAAAAAAAAAAAAAAAAAAAAAAAAAAAAAAAAAAAAAAAAAAAAAAAAAAAAAAAAAAAAAAAAAAAAAAAAAAAAAAAAAAAAAAAAAAAAAAAAAAAAAAAAAAAAAAAAAAAAAAAAAAAAAAAAAAAAAAAAAAAAAAAAAAAAAAAAAAAAAAAAAAAAAAAAAAAAAAAAAAAAAAAAAAAAAAAAAAAAAAAAAAAAAAAAAAAAAAAAAAAAAAAAAAAAAAAAAAAAAAAAAAAAAAAAAAAAAAAAAAAAAAAAAAAAAAAAAAAAAAAAAAAAAAAAAAAAAAAAAAAAAAAAAAAAAAAAAAAAAAAAAAAAAAAAAAAAAAAAAAAAAAAAAAAAAAAAAAAAAAAAAAAAAAAAAAAAAAAAAAAAAAAAAAAAAAAAAAAAAAAAAAAAAAAAAAAAAAAAAAAAAAAAAAAAAAAAAAAAAAAAAAAAAAAAAAAAAAAAAAAAAAAAAAAAAAAAAAAAAAAAAAAAAAAAAAAAAAAAAAAAAAAAAAAAAAAAAAAAAAAAAAAAAAAAAAAAAAAAAAAAAAAAAAAAAAAAAAAAAAAAAAAAAAAAAAAAAAAAAAAAAAAAAAAAAAAAAAAAAAAAAAAAAAAAAAAAAAAAAAAAAAAAAAAAAAAAAAAAAAAAAAAAAAAAAAAAAAAAAAAAAAAAAAAAAAAAAAAAAAAAAAAAAAAAAAAAAAAAAAAAAAAAAAAAAAAAAAAAAAAAAAAAAAAAAAAAAAAAAAAAAAAAAAAAAAAAAAAAAAAAAAAAAAAAAAAAAAAAAAAAAAAAAAAAAAAAAAAAAAAAAAAAAAAAAAAAAAAAAAAAAAAAAAAAAAAAAAAAAAAAAAAAAAAAAAAAAAAAAAAAAAAAAAAAAAAAAAAAAAAAAAAAAAAAAAAAAAAAAAAAAAAAAAAAAAAAAAAAAAAAAAAAAAAAAAAAAAAAAAAAAAAAAAAAAAAAAAAAAAAAAAAAAAAAAAAAAAAAAAAAAAAAAAAAAAAAAAAAAAAAAAAAAAAAAAAAAAAAAAAAAAAAAAAAAAAAAAAAAAAAAAAAAAAAAAAAAAAAAAAAAAAAAAAAAAAAAAAAAAAAAAAAAAAAAAAAAAAAAAAAAAAAAAAAAAAAAAAAAAAAAAAAAAAAAAAAAAAAAAAAAAAAAAAAAAAAAAAAAAAAAAAAAAAAAAAAAAAAAAAAAAAAAAAAAAAAAAAAAAAAAAAAAAAAAAAAAAAAAAAAAAAAAAAAAAAAAAAAAAAAAAAAAAAAAAAAAAAAAAAAAAAAAAAAAAAAAAAAAAAAAAAAAAAAAAAAAAAAAAAAAAAAAAAAAAAAAAAAAAAAAAAAAAAAAAAAAAAAAAAAAAAAAAAAAAAAAAAAAAAAAAAAAAAAAAAAAAAAAAAAAAAAAAAAAAAAAAAAAAAAAAAAAAAAAAAAAAAAAAAAAAAAAAAAAAAAAAAAAAAAAAAAAAAAAAAAAAAAAAAAAAAAAAAAAAAAAAAAAAAAAAAAAAAAAAAAAAAAAAAAAAAAAAAAAAAAAAAAAAAAAAAAAAAAAAAAAAAAAAAAAAAAAAAAAAAAAAAAAAAAAAAAAAAAAAAAAAAAAAAAAAAAAAAAAAAAAAAAAAAAAAAAAAAAAAAAAAAAAAAAAAAAAAAAAAAAAAAAAAAAAAAAAAAAAAAAAAAAAAAAAAAAAAAAAAAAAAAAAAAAAAAAAAAAAAAAAAAAAAAAAAAAAAAAAAAAAAAAAAAAAAAAAAAAAAAAAAAAAAAAAAAAAAAAAAAAAAAAAAAAAAAAAAAAAAAAAAAAAAAAAAAAAAAAAAAAAAAAAAAAAAAAAAAAAAAAAAAAAAAAAAAAAAAAAAAAAAAAAAAAAAAAAAAAAAAAAAAAAAAAAAAAAAAAAAAAAAAAAAAAAAAAAAAAAAAAAAAAAAAAAAAAAAAAAAAAAAAAAAAAAAAAAAAAAAAAAAAAAAAAAAAAAAAAAAAAAAAAAAAAAAAAAAAAAAAAAAAAAAAAAAAAAAAAAAAAAAAAAAAAAAAAAAAAAAAAAAAAAAAAAAAAAAAAAAAAAAAAAAAAAAAAAAAAAAAAAAAAAAAAAAAAAAAAAAAAAAAAAAAAAAAAAAAAAAAAAAAAAAAAAAAAAAAAAAAAAAAAAAAAAAAAAAAAAAAAAAAAAAAAAAAAAAAAAAAAAAAAAAAAAAAAAAAAAAAAAAAAAAAAAAAAAAAAAAAAAAAAAAAAAAAAAAAAAAAAAAAAAAAAAAAAAAAAAAAAAAAAAAAAAAAAAAAAAAAAAAAAAAAAAAAAAAAAAAAAAAAAAAAAAAAAAAAAAAAAAAAAAAAAAAAAAAAAAAAAAAAAAAAAAAAAAAAAAAAAAAAAAAAAAAAAAAAAAAAAAAAAAAAAAAAAAAAAAAAAAAAAAAAAAAAAAAAAAAAAAAAAAAAAAAAAAAAAAAAAAAAAAAAAAAAAAAAAAAAAAAAAAAAAAAAAAAAAAAAAAAAAAAAAAAAAAAAAAAAAAAAAAAAAAAAAAAAAAAAAAAAAAAAAAAAAAAAAAACAAAAAv//////////AQAAAAAAAAAAAAAAEQAAAFByb3BlcnR5RG9jdW1lbnRzAQAAAAAAAAAFAAAACQAAAF9pZD0kLl9pZAEDAAAAAAADAAAAAQADAAAAIwAAAENvbWJpSW5kZXg9JC5OYW1lICsgJ18nICsgJC5WZXJzaW9uAQQAAAAAAAQAAAABAAQAAAAAAAAAAP///////wAAAAAAAP////8AAAAAAP///////wAAAAAAAP////8AAAAAAP///////wAAAAAAAP////8AAAAAAP///////wAAAAAAAP////8AAAAAAP///////wAAAAAAAP////8AAAAAAP///////wAAAAAAAP////8AAAAAAP///////wAAAAAAAP////8AAAAAAP///////wAAAAAAAP////8AAAAAAP///////wAAAAAAAP////8AAAAAAP///////wAAAAAAAP////8AAAAAAP///////wAAAAAAAP////8AAAAAAP///////wAAAAAAAP////8AAAAAAP///////wAAAAAAAP////8AAAAAAP///////wAAAAAAAP////8AAAAAAAAAAAAAAAAAAAAAAAAAAAAAAAAAAAAAAAAAAAAAAAAAAAAAAAAAAAAAAAAAAAAAAAAAAAAAAAAAAAAAAAAAAAAAAAAAAAAAAAAAAAAAAAAAAAAAAAAAAAAAAAAAAAAAAAAAAAAAAAAAAAAAAAAAAAAAAAAAAAAAAAAAAAAAAAAAAAAAAAAAAAAAAAAAAAAAAAAAAAAAAAAAAAAAAAAAAAAAAAAAAAAAAAAAAAAAAAAAAAAAAAAAAAAAAAAAAAAAAAAAAAAAAAAAAAAAAAAAAAAAAAAAAAAAAAAAAAAAAAAAAAAAAAAAAAAAAAAAAAAAAAAAAAAAAAAAAAAAAAAAAAAAAAAAAAAAAAAAAAAAAAAAAAAAAAAAAAAAAAAAAAAAAAAAAAAAAAAAAAAAAAAAAAAAAAAAAAAAAAAAAAAAAAAAAAAAAAAAAAAAAAAAAAAAAAAAAAAAAAAAAAAAAAAAAAAAAAAAAAAAAAAAAAAAAAAAAAAAAAAAAAAAAAAAAAAAAAAAAAAAAAAAAAAAAAAAAAAAAAAAAAAAAAAAAAAAAAAAAAAAAAAAAAAAAAAAAAAAAAAAAAAAAAAAAAAAAAAAAAAAAAAAAAAAAAAAAAAAAAAAAAAAAAAAAAAAAAAAAAAAAAAAAAAAAAAAAAAAAAAAAAAAAAAAAAAAAAAAAAAAAAAAAAAAAAAAAAAAAAAAAAAAAAAAAAAAAAAAAAAAAAAAAAAAAAAAAAAAAAAAAAAAAAAAAAAAAAAAAAAAAAAAAAAAAAAAAAAAAAAAAAAAAAAAAAAAAAAAAAAAAAAAAAAAAAAAAAAAAAAAAAAAAAAAAAAAAAAAAAAAAAAAAAAAAAAAAAAAAAAAAAAAAAAAAAAAAAAAAAAAAAAAAAAAAAAAAAAAAAAAAAAAAAAAAAAAAAAAAAAAAAAAAAAAAAAAAAAAAAAAAAAAAAAAAAAAAAAAAAAAAAAAAAAAAAAAAAAAAAAAAAAAAAAAAAAAAAAAAAAAAAAAAAAAAAAAAAAAAAAAAAAAAAAAAAAAAAAAAAAAAAAAAAAAAAAAAAAAAAAAAAAAAAAAAAAAAAAAAAAAAAAAAAAAAAAAAAAAAAAAAAAAAAAAAAAAAAAAAAAAAAAAAAAAAAAAAAAAAAAAAAAAAAAAAAAAAAAAAAAAAAAAAAAAAAAAAAAAAAAAAAAAAAAAAAAAAAAAAAAAAAAAAAAAAAAAAAAAAAAAAAAAAAAAAAAAAAAAAAAAAAAAAAAAAAAAAAAAAAAAAAAAAAAAAAAAAAAAAAAAAAAAAAAAAAAAAAAAAAAAAAAAAAAAAAAAAAAAAAAAAAAAAAAAAAAAAAAAAAAAAAAAAAAAAAAAAAAAAAAAAAAAAAAAAAAAAAAAAAAAAAAAAAAAAAAAAAAAAAAAAAAAAAAAAAAAAAAAAAAAAAAAAAAAAAAAAAAAAAAAAAAAAAAAAAAAAAAAAAAAAAAAAAAAAAAAAAAAAAAAAAAAAAAAAAAAAAAAAAAAAAAAAAAAAAAAAAAAAAAAAAAAAAAAAAAAAAAAAAAAAAAAAAAAAAAAAAAAAAAAAAAAAAAAAAAAAAAAAAAAAAAAAAAAAAAAAAAAAAAAAAAAAAAAAAAAAAAAAAAAAAAAAAAAAAAAAAAAAAAAAAAAAAAAAAAAAAAAAAAAAAAAAAAAAAAAAAAAAAAAAAAAAAAAAAAAAAAAAAAAAAAAAAAAAAAAAAAAAAAAAAAAAAAAAAAAAAAAAAAAAAAAAAAAAAAAAAAAAAAAAAAAAAAAAAAAAAAAAAAAAAAAAAAAAAAAAAAAAAAAAAAAAAAAAAAAAAAAAAAAAAAAAAAAAAAAAAAAAAAAAAAAAAAAAAAAAAAAAAAAAAAAAAAAAAAAAAAAAAAAAAAAAAAAAAAAAAAAAAAAAAAAAAAAAAAAAAAAAAAAAAAAAAAAAAAAAAAAAAAAAAAAAAAAAAAAAAAAAAAAAAAAAAAAAAAAAAAAAAAAAAAAAAAAAAAAAAAAAAAAAAAAAAAAAAAAAAAAAAAAAAAAAAAAAAAAAAAAAAAAAAAAAAAAAAAAAAAAAAAAAAAAAAAAAAAAAAAAAAAAAAAAAAAAAAAAAAAAAAAAAAAAAAAAAAAAAAAAAAAAAAAAAAAAAAAAAAAAAAAAAAAAAAAAAAAAAAAAAAAAAAAAAAAAAAAAAAAAAAAAAAAAAAAAAAAAAAAAAAAAAAAAAAAAAAAAAAAAAAAAAAAAAAAAAAAAAAAAAAAAAAAAAAAAAAAAAAAAAAAAAAAAAAAAAAAAAAAAAAAAAAAAAAAAAAAAAAAAAAAAAAAAAAAAAAAAAAAAAAAAAAAAAAAAAAAAAAAAAAAAAAAAAAAAAAAAAAAAAAAAAAAAAAAAAAAAAAAAAAAAAAAAAAAAAAAAAAAAAAAAAAAAAAAAAAAAAAAAAAAAAAAAAAAAAAAAAAAAAAAAAAAAAAAAAAAAAAAAAAAAAAAAAAAAAAAAAAAAAAAAAAAAAAAAAAAAAAAAAAAAAAAAAAAAAAAAAAAAAAAAAAAAAAAAAAAAAAAAAAAAAAAAAAAAAAAAAAAAAAAAAAAAAAAAAAAAAAAAAAAAAAAAAAAAAAAAAAAAAAAAAAAAAAAAAAAAAAAAAAAAAAAAAAAAAAAAAAAAAAAAAAAAAAAAAAAAAAAAAAAAAAAAAAAAAAAAAAAAAAAAAAAAAAAAAAAAAAAAAAAAAAAAAAAAAAAAAAAAAAAAAAAAAAAAAAAAAAAAAAAAAAAAAAAAAAAAAAAAAAAAAAAAAAAAAAAAAAAAAAAAAAAAAAAAAAAAAAAAAAAAAAAAAAAAAAAAAAAAAAAAAAAAAAAAAAAAAAAAAAAAAAAAAAAAAAAAAAAAAAAAAAAAAAAAAAAAAAAAAAAAAAAAAAAAAAAAAAAAAAAAAAAAAAAAAAAAAAAAAAAAAAAAAAAAAAAAAAAAAAAAAAAAAAAAAAAAAAAAAAAAAAAAAAAAAAAAAAAAAAAAAAAAAAAAAAAAAAAAAAAAAAAAAAAAAAAAAAAAAAAAAAAAAAAAAAAAAAAAAAAAAAAAAAAAAAAAAAAAAAAAAAAAAAAAAAAAAAAAAAAAAAAAAAAAAAAAAAAAAAAAAAAAAAAAAAAAAAAAAAAAAAAAAAAAAAAAAAAAAAAAAAAAAAAAAAAAAAAAAAAAAAAAAAAAAAAAAAAAAAAAAAAAAAAAAAAAAAAAAAAAAAAAAAAAAAAAAAAAAAAAAAAAAAAAAAAAAAAAAAAAAAAAAAAAAAAAAAAAAAAAAAAAAAAAAAAAAAAAAAAAAAAAAAAAAAAAAAAAAAAAAAAAAAAAAAAAAAAAAAAAAAAAAAAAAAAAAAAAAAAAAAAAAAAAAAAAAAAAAAAAAAAAAAAAAAAAAAAAAAAAAAAAAAAAAAAAAAAAAAAAAAAAAAAAAAAAAAAAAAAAAAAAAAAAAAAAAAAAAAAAAAAAAAAAAAAAAAAAAAAAAAAAAAAAAAAAAAAAAAAAAAAAAAAAAAAAAAAAAAAAAAAAAAAAAAAAAAAAAAAAAAAAAAAAAAAAAAAAAAAAAAAAAAAAAAAAAAAAAAAAAAAAAAAAAAAAAAAAAAAAAAAAAAAAAAAAAAAAAAAAAAAAAAAAAAAAAAAAAAAAAAAAAAAAAAAAAAAAAAAAAAAAAAAAAAAAAAAAAAAAAAAAAAAAAAAAAAAAAAAAAAAAAAAAAAAAAAAAAAAAAAAAAAAAAAAAAAAAAAAAAAAAAAAAAAAAAAAAAAAAAAAAAAAAAAAAAAAAAAAAAAAAAAAAAAAAAAAAAAAAAAAAAAAAAAAAAAAAAAAAAAAAAAAAAAAAAAAAAAAAAAAAAAAAAAAAAAAAAAAAAAAAAAAAAAAAAAAAAAAAAAAAAAAAAAAAAAAAAAAAAAAAAAAAAAAAAAAAAAAAAAAAAAAAAAAAAAAAAAAAAAAAAAAAAAAAAAAAAAAAAAAAAAAAAAAAAAAAAAAAAAAAAAAAAAAAAAAAAAAAAAAAAAAAAAAAAAAAAAAAAAAAAAAAAAAAAAAAAAAAAAAAAAAAAAAAAAAAAAAAAAAAAAAAAAAAAAAAAAAAAAAAAAAAAAAAAAAAAAAAAAAAAAAAAAAAAAAAAAAAAAAAAAAAAAAAAAAAAAAAAAAAAAAAAAAAAAAAAAAAAAAAAAAAAAAAAAAAAAAAAAAAAAAAAAAAAAAAAAAAAAAAAAAAAAAAAAAAAAAAAAAAAAAAAAAAAAAAAAAAAAAAAAAAAAAAAAAAAAAAAAAAAAAAAAAAAAAAAAAAAAAAAAAAAAAAAAAAAAAAAAAAAAAAAAAAAAAAAAAAAAAAAAAAAAAAAAAAAAAAAAAAAAAAAAAAAAAAAAAAAAAAAAAAAAAAAAAAAAAAAAAAAAAAAAAAAAAAAAAAAAAAAAAAAAAAAAAAAAAAAAAAAAAAAAAAAAAAAAAAAAAAAAAAAAAAAAAAAAAAAAAAAAAAAAAAAAAAAAAAAAAAAAAAAAAAAAAAAAAAAAAAAAAAAAAAAAAAAAAAAAAAAAAAAAAAAAAAAAAAAAAAAAAAAAAAAAAAAAAAAAAAAAAAAAAAAAAAAAAAAAAAAAAAAAAAAAAAAAAAAAAAAAAAAAAAAAAAAAAAAAAAAAAAAAAAAAAAAAAAAAAAAAAAAAAAAAAAAAAAAAAAAAAAAAAAAAAAAAAAAAAAAAAAAAAAAAAAAAAAAAAAAAAAAAAAAAAAAAAAAAAAAAAAAAAAAAAAAAAAAAAAAAAAAAAAAAAAAAAAAAAAAAAAAAAAAAAAAAAAAAAAAAAAAAAAAAAAAAAAAAAAAAAAAAAAAAAAAAAAAAAAAAAAAAAAAAAAAAAAAAAAAAAAAAAAAAAAAAAAAQEBAQEBAQEBAQEBAQEBAQEAAAAAAAAAAwAAAAMAAAAA/////wMAgAwAAAAAAAAAAAAAIAD///////////////8AAAD///////////////8DAAAAAgD///////////////////////////////////////////////////////////////////////////////////////////////////////////////////////////////////////////////////////////////////////////////////////////////////////////////////////////////////////////////////////////////////////////////////////////////////////////////////////////////////////////////////////////////////////////////////////////////////////////////////////////////////////////////////////////////////////////////////////////////////////////////8BACAA////////////////AAAO////////AwAAAAIA////////////////////////////////////////////////////////////////////////////////////////////////////////////////////////////////////////////////////////////////////////////////////////////////////////////////////////////////////////////////////////////////////////////////////////////////////////////////////////////////////////////////////////////////////////////////////////////////////////////////////////////////////////////////////////////////////////////////////////////////////////////////////////AgABAP///////wQAAAACABAAC6nRy4vlbktGqTCI7tkic1YFAAAAAAADAAAAAAADAAAAAQAAAAAAAAAAAAAAAAAAAAAAAAAAAAAAAAAAAAAAAAAAAAAAAAAAAAAAAAAAAAAAAAAAAAAAAAAAAAAAAAAAAAAAAAAAAAAAAAAAAAAAAAAAAAAAAAAAAAAAAAAAAAAAAAAAAAAAAAAAAAAAAAAAAAAAAAAAAAAAAAAAAAAAAAAAAAAAAAAAAAAAAAAAAAAAAAAAAAAAAAAAAAAAAAAAAAAAAAAAAAAAAAAAAAAAAAAAAAAAAAAAAAAAAAAAAAAAAAAAAAAAAAAAAAAAAAAAAAAAAAAAAAAAAAAAAAAAAAAAAAAAAAAAAAAAAAAAAAAAAAAAAAAAAAAAAAAAAAAAAAAAAAAAAAAAAAAAAAAAAAAAAAAAAAAAAAAAAAAAAAAAAAAAAAAAAAAAAAAAAAAAAAAAAAAAAAAAAAAAAAAAAAAAAAAAAAAAAAAAAAAAAAAAAAAAAAAAAAAAAAAAAAAAAAAAAAAAAAAAAAAAAAAAAAAAAAAAAAAAAAAAAAAAAAAAAAAAAAAAAAAAAAAAAAAAAAAAAAAAAAAAAAAAAAAAAAAAAAAAAAAAAAAAAAAAAAAAAAAAAAAAAAAAAAAAAAAAAAAAAAAAAAAAAAAAAAAAAAAAAAAAAAAAAAAAAAAAAAAAAAAAAAAAAAAAAAAAAAAAAAAAAAAAAAAAAAAAAAAAAAAAAAAAAAAAAAAAAAAAAAAAAAAAAAAAAAAAAAAAAAAAAAAAAAAAAAAAAAAAAAAAAAAAAAAAAAAAAAAAAAAAAAAAAAAAAAAAAAAAAAAAAAAAAAAAAAAAAAAAAAAAAAAAAAAAAAAAAAAAAAAAAAAAAAAAAAAAAAAAAAAAAAAAAAAAAAAAAAAAAAAAAAAAAAAAAAAAAAAAAAAAAAAAAAAAAAAAAAAAAAAAAAAAAAAAAAAAAAAAAAAAAAAAAAAAAAAAAAAAAAAAAAAAAAAAAAAAAAAAAAAAAAAAAAAAAAAAAAAAAAAAAAAAAAAAAAAAAAAAAAAAAAAAAAAAAAAAAAAAAAAAAAAAAAAAAAAAAAAAAAAAAAAAAAAAAAAAAAAAAAAAAAAAAAAAAAAAAAAAAAAAAAAAAAAAAAAAAAAAAAAAAAAAAAAAAAAAAAAAAAAAAAAAAAAAAAAAAAAAAAAAAAAAAAAAAAAAAAAAAAAAAAAAAAAAAAAAAAAAAAAAAAAAAAAAAAAAAAAAAAAAAAAAAAAAAAAAAAAAAAAAAAAAAAAAAAAAAAAAAAAAAAAAAAAAAAAAAAAAAAAAAAAAAAAAAAAAAAAAAAAAAAAAAAAAAAAAAAAAAAAAAAAAAAAAAAAAAAAAAAAAAAAAAAAAAAAAAAAAAAAAAAAAAAAAAAAAAAAAAAAAAAAAAAAAAAAAAAAAAAAAAAAAAAAAAAAAAAAAAAAAAAAAAAAAAAAAAAAAAAAAAAAAAAAAAAAAAAAAAAAAAAAAAAAAAAAAAAAAAAAAAAAAAAAAAAAAAAAAAAAAAAAAAAAAAAAAAAAAAAAAAAAAAAAAAAAAAAAAAAAAAAAAAAAAAAAAAAAAAAAAAAAAAAAAAAAAAAAAAAAAAAAAAAAAAAAAAAAAAAAAAAAAAAAAAAAAAAAAAAAAAAAAAAAAAAAAAAAAAAAAAAAAAAAAAAAAAAAAAAAAAAAAAAAAAAAAAAAAAAAAAAAAAAAAAAAAAAAAAAAAAAAAAAAAAAAAAAAAAAAAAAAAAAAAAAAAAAAAAAAAAAAAAAAAAAAAAAAAAAAAAAAAAAAAAAAAAAAAAAAAAAAAAAAAAAAAAAAAAAAAAAAAAAAAAAAAAAAAAAAAAAAAAAAAAAAAAAAAAAAAAAAAAAAAAAAAAAAAAAAAAAAAAAAAAAAAAAAAAAAAAAAAAAAAAAAAAAAAAAAAAAAAAAAAAAAAAAAAAAAAAAAAAAAAAAAAAAAAAAAAAAAAAAAAAAAAAAAAAAAAAAAAAAAAAAAAAAAAAAAAAAAAAAAAAAAAAAAAAAAAAAAAAAAAAAAAAAAAAAAAAAAAAAAAAAAAAAAAAAAAAAAAAAAAAAAAAAAAAAAAAAAAAAAAAAAAAAAAAAAAAAAAAAAAAAAAAAAAAAAAAAAAAAAAAAAAAAAAAAAAAAAAAAAAAAAAAAAAAAAAAAAAAAAAAAAAAAAAAAAAAAAAAAAAAAAAAAAAAAAAAAAAAAAAAAAAAAAAAAAAAAAAAAAAAAAAAAAAAAAAAAAAAAAAAAAAAAAAAAAAAAAAAAAAAAAAAAAAAAAAAAAAAAAAAAAAAAAAAAAAAAAAAAAAAAAAAAAAAAAAAAAAAAAAAAAAAAAAAAAAAAAAAAAAAAAAAAAAAAAAAAAAAAAAAAAAAAAAAAAAAAAAAAAAAAAAAAAAAAAAAAAAAAAAAAAAAAAAAAAAAAAAAAAAAAAAAAAAAAAAAAAAAAAAAAAAAAAAAAAAAAAAAAAAAAAAAAAAAAAAAAAAAAAAAAAAAAAAAAAAAAAAAAAAAAAAAAAAAAAAAAAAAAAAAAAAAAAAAAAAAAAAAAAAAAAAAAAAAAAAAAAAAAAAAAAAAAAAAAAAAAAAAAAAAAAAAAAAAAAAAAAAAAAAAAAAAAAAAAAAAAAAAAAAAAAAAAAAAAAAAAAAAAAAAAAAAAAAAAAAAAAAAAAAAAAAAAAAAAAAAAAAAAAAAAAAAAAAAAAAAAAAAAAAAAAAAAAAAAAAAAAAAAAAAAAAAAAAAAAAAAAAAAAAAAAAAAAAAAAAAAAAAAAAAAAAAAAAAAAAAAAAAAAAAAAAAAAAAAAAAAAAAAAAAAAAAAAAAAAAAAAAAAAAAAAAAAAAAAAAAAAAAAAAAAAAAAAAAAAAAAAAAAAAAAAAAAAAAAAAAAAAAAAAAAAAAAAAAAAAAAAAAAAAAAAAAAAAAAAAAAAAAAAAAAAAAAAAAAAAAAAAAAAAAAAAAAAAAAAAAAAAAAAAAAAAAAAAAAAAAAAAAAAAAAAAAAAAAAAAAAAAAAAAAAAAAAAAAAAAAAAAAAAAAAAAAAAAAAAAAAAAAAAAAAAAAAAAAAAAAAAAAAAAAAAAAAAAAAAAAAAAAAAAAAAAAAAAAAAAAAAAAAAAAAAAAAAAAAAAAAAAAAAAAAAAAAAAAAAAAAAAAAAAAAAAAAAAAAAAAAAAAAAAAAAAAAAAAAAAAAAAAAAAAAAAAAAAAAAAAAAAAAAAAAAAAAAAAAAAAAAAAAAAAAAAAAAAAAAAAAAAAAAAAAAAAAAAAAAAAAAAAAAAAAAAAAAAAAAAAAAAAAAAAAAAAAAAAAAAAAAAAAAAAAAAAAAAAAAAAAAAAAAAAAAAAAAAAAAAAAAAAAAAAAAAAAAAAAAAAAAAAAAAAAAAAAAAAAAAAAAAAAAAAAAAAAAAAAAAAAAAAAAAAAAAAAAAAAAAAAAAAAAAAAAAAAAAAAAAAAAAAAAAAAAAAAAAAAAAAAAAAAAAAAAAAAAAAAAAAAAAAAAAAAAAAAAAAAAAAAAAAAAAAAAAAAAAAAAAAAAAAAAAAAAAAAAAAAAAAAAAAAAAAAAAAAAAAAAAAAAAAAAAAAAAAAAAAAAAAAAAAAAAAAAAAAAAAAAAAAAAAAAAAAAAAAAAAAAAAAAAAAAAAAAAAAAAAAAAAAAAAAAAAAAAAAAAAAAAAAAAAAAAAAAAAAAAAAAAAAAAAAAAAAAAAAAAAAAAAAAAAAAAAAAAAAAAAAAAAAAAAAAAAAAAAAAAAAAAAAAAAAAAAAAAAAAAAAAAAAAAAAAAAAAAAAAAAAAAAAAAAAAAAAAAAAAAAAAAAAAAAAAAAAAAAAAAAAAAAAAAAAAAAAAAAAAAAAAAAAAAAAAAAAAAAAAAAAAAAAAAAAAAAAAAAAAAAAAAAAAAAAAAAAAAAAAAAAAAAAAAAAAAAAAAAAAAAAAAAAAAAAAAAAAAAAAAAAAAAAAAAAAAAAAAAAAAAAAAAAAAAAAAAAAAAAAAAAAAAAAAAAAAAAAAAAAAAAAAAAAAAAAAAAAAAAAAAAAAAAAAAAAAAAAAAAAAAAAAAAAAAAAAAAAAAAAAAAAAAAAAAAAAAAAAAAAAAAAAAAAAAAAAAAAAAAAAAAAAAAAAAAAAAAAAAAAAAAAAAAAAAAAAAAAAAAAAAAAAAAAAAAAAAAAAAAAAAAAAAAAAAAAAAAAAAAAAAAAAAAAAAAAAAAAAAAAAAAAAAAAAAAAAAAAAAAAAAAAAAAAAAAAAAAAAAAAAAAAAAAAAAAAAAAAAAAAAAAAAAAAAAAAAAAAAAAAAAAAAAAAAAAAAAAAAAAAAAAAAAAAAAAQAAAADAAAAAP////8DAIQMAAAAAAAAAAAAACAB////////////////AAAA////////////////BAAAAAIA////////////////////////////////////////////////////////////////////////////////////////////////////////////////////////////////////////////////////////////////////////////////////////////////////////////////////////////////////////////////////////////////////////////////////////////////////////////////////////////////////////////////////////////////////////////////////////////////////////////////////////////////////////////////////////////////////////////////////////////////////////////////AQAgAf///////////////wAADv///////wQAAAACAP///////////////////////////////////////////////////////////////////////////////////////////////////////////////////////////////////////////////////////////////////////////////////////////////////////////////////////////////////////////////////////////////////////////////////////////////////////////////////////////////////////////////////////////////////////////////////////////////////////////////////////////////////////////////////////////////////////////////////////////////////////////////////////wIAAQEDAAAAAgD///////8MAAZQZXJzb25hbElkXzAFAAAAAAAEAAAAAAAEAAAAAQAAAAAAAAAAAAAAAAAAAAAAAAAAAAAAAAAAAAAAAAAAAAAAAAAAAAAAAAAAAAAAAAAAAAAAAAAAAAAAAAAAAAAAAAAAAAAAAAAAAAAAAAAAAAAAAAAAAAAAAAAAAAAAAAAAAAAAAAAAAAAAAAAAAAAAAAAAAAAAAAAAAAAAAAAAAAAAAAAAAAAAAAAAAAAAAAAAAAAAAAAAAAAAAAAAAAAAAAAAAAAAAAAAAAAAAAAAAAAAAAAAAAAAAAAAAAAAAAAAAAAAAAAAAAAAAAAAAAAAAAAAAAAAAAAAAAAAAAAAAAAAAAAAAAAAAAAAAAAAAAAAAAAAAAAAAAAAAAAAAAAAAAAAAAAAAAAAAAAAAAAAAAAAAAAAAAAAAAAAAAAAAAAAAAAAAAAAAAAAAAAAAAAAAAAAAAAAAAAAAAAAAAAAAAAAAAAAAAAAAAAAAAAAAAAAAAAAAAAAAAAAAAAAAAAAAAAAAAAAAAAAAAAAAAAAAAAAAAAAAAAAAAAAAAAAAAAAAAAAAAAAAAAAAAAAAAAAAAAAAAAAAAAAAAAAAAAAAAAAAAAAAAAAAAAAAAAAAAAAAAAAAAAAAAAAAAAAAAAAAAAAAAAAAAAAAAAAAAAAAAAAAAAAAAAAAAAAAAAAAAAAAAAAAAAAAAAAAAAAAAAAAAAAAAAAAAAAAAAAAAAAAAAAAAAAAAAAAAAAAAAAAAAAAAAAAAAAAAAAAAAAAAAAAAAAAAAAAAAAAAAAAAAAAAAAAAAAAAAAAAAAAAAAAAAAAAAAAAAAAAAAAAAAAAAAAAAAAAAAAAAAAAAAAAAAAAAAAAAAAAAAAAAAAAAAAAAAAAAAAAAAAAAAAAAAAAAAAAAAAAAAAAAAAAAAAAAAAAAAAAAAAAAAAAAAAAAAAAAAAAAAAAAAAAAAAAAAAAAAAAAAAAAAAAAAAAAAAAAAAAAAAAAAAAAAAAAAAAAAAAAAAAAAAAAAAAAAAAAAAAAAAAAAAAAAAAAAAAAAAAAAAAAAAAAAAAAAAAAAAAAAAAAAAAAAAAAAAAAAAAAAAAAAAAAAAAAAAAAAAAAAAAAAAAAAAAAAAAAAAAAAAAAAAAAAAAAAAAAAAAAAAAAAAAAAAAAAAAAAAAAAAAAAAAAAAAAAAAAAAAAAAAAAAAAAAAAAAAAAAAAAAAAAAAAAAAAAAAAAAAAAAAAAAAAAAAAAAAAAAAAAAAAAAAAAAAAAAAAAAAAAAAAAAAAAAAAAAAAAAAAAAAAAAAAAAAAAAAAAAAAAAAAAAAAAAAAAAAAAAAAAAAAAAAAAAAAAAAAAAAAAAAAAAAAAAAAAAAAAAAAAAAAAAAAAAAAAAAAAAAAAAAAAAAAAAAAAAAAAAAAAAAAAAAAAAAAAAAAAAAAAAAAAAAAAAAAAAAAAAAAAAAAAAAAAAAAAAAAAAAAAAAAAAAAAAAAAAAAAAAAAAAAAAAAAAAAAAAAAAAAAAAAAAAAAAAAAAAAAAAAAAAAAAAAAAAAAAAAAAAAAAAAAAAAAAAAAAAAAAAAAAAAAAAAAAAAAAAAAAAAAAAAAAAAAAAAAAAAAAAAAAAAAAAAAAAAAAAAAAAAAAAAAAAAAAAAAAAAAAAAAAAAAAAAAAAAAAAAAAAAAAAAAAAAAAAAAAAAAAAAAAAAAAAAAAAAAAAAAAAAAAAAAAAAAAAAAAAAAAAAAAAAAAAAAAAAAAAAAAAAAAAAAAAAAAAAAAAAAAAAAAAAAAAAAAAAAAAAAAAAAAAAAAAAAAAAAAAAAAAAAAAAAAAAAAAAAAAAAAAAAAAAAAAAAAAAAAAAAAAAAAAAAAAAAAAAAAAAAAAAAAAAAAAAAAAAAAAAAAAAAAAAAAAAAAAAAAAAAAAAAAAAAAAAAAAAAAAAAAAAAAAAAAAAAAAAAAAAAAAAAAAAAAAAAAAAAAAAAAAAAAAAAAAAAAAAAAAAAAAAAAAAAAAAAAAAAAAAAAAAAAAAAAAAAAAAAAAAAAAAAAAAAAAAAAAAAAAAAAAAAAAAAAAAAAAAAAAAAAAAAAAAAAAAAAAAAAAAAAAAAAAAAAAAAAAAAAAAAAAAAAAAAAAAAAAAAAAAAAAAAAAAAAAAAAAAAAAAAAAAAAAAAAAAAAAAAAAAAAAAAAAAAAAAAAAAAAAAAAAAAAAAAAAAAAAAAAAAAAAAAAAAAAAAAAAAAAAAAAAAAAAAAAAAAAAAAAAAAAAAAAAAAAAAAAAAAAAAAAAAAAAAAAAAAAAAAAAAAAAAAAAAAAAAAAAAAAAAAAAAAAAAAAAAAAAAAAAAAAAAAAAAAAAAAAAAAAAAAAAAAAAAAAAAAAAAAAAAAAAAAAAAAAAAAAAAAAAAAAAAAAAAAAAAAAAAAAAAAAAAAAAAAAAAAAAAAAAAAAAAAAAAAAAAAAAAAAAAAAAAAAAAAAAAAAAAAAAAAAAAAAAAAAAAAAAAAAAAAAAAAAAAAAAAAAAAAAAAAAAAAAAAAAAAAAAAAAAAAAAAAAAAAAAAAAAAAAAAAAAAAAAAAAAAAAAAAAAAAAAAAAAAAAAAAAAAAAAAAAAAAAAAAAAAAAAAAAAAAAAAAAAAAAAAAAAAAAAAAAAAAAAAAAAAAAAAAAAAAAAAAAAAAAAAAAAAAAAAAAAAAAAAAAAAAAAAAAAAAAAAAAAAAAAAAAAAAAAAAAAAAAAAAAAAAAAAAAAAAAAAAAAAAAAAAAAAAAAAAAAAAAAAAAAAAAAAAAAAAAAAAAAAAAAAAAAAAAAAAAAAAAAAAAAAAAAAAAAAAAAAAAAAAAAAAAAAAAAAAAAAAAAAAAAAAAAAAAAAAAAAAAAAAAAAAAAAAAAAAAAAAAAAAAAAAAAAAAAAAAAAAAAAAAAAAAAAAAAAAAAAAAAAAAAAAAAAAAAAAAAAAAAAAAAAAAAAAAAAAAAAAAAAAAAAAAAAAAAAAAAAAAAAAAAAAAAAAAAAAAAAAAAAAAAAAAAAAAAAAAAAAAAAAAAAAAAAAAAAAAAAAAAAAAAAAAAAAAAAAAAAAAAAAAAAAAAAAAAAAAAAAAAAAAAAAAAAAAAAAAAAAAAAAAAAAAAAAAAAAAAAAAAAAAAAAAAAAAAAAAAAAAAAAAAAAAAAAAAAAAAAAAAAAAAAAAAAAAAAAAAAAAAAAAAAAAAAAAAAAAAAAAAAAAAAAAAAAAAAAAAAAAAAAAAAAAAAAAAAAAAAAAAAAAAAAAAAAAAAAAAAAAAAAAAAAAAAAAAAAAAAAAAAAAAAAAAAAAAAAAAAAAAAAAAAAAAAAAAAAAAAAAAAAAAAAAAAAAAAAAAAAAAAAAAAAAAAAAAAAAAAAAAAAAAAAAAAAAAAAAAAAAAAAAAAAAAAAAAAAAAAAAAAAAAAAAAAAAAAAAAAAAAAAAAAAAAAAAAAAAAAAAAAAAAAAAAAAAAAAAAAAAAAAAAAAAAAAAAAAAAAAAAAAAAAAAAAAAAAAAAAAAAAAAAAAAAAAAAAAAAAAAAAAAAAAAAAAAAAAAAAAAAAAAAAAAAAAAAAAAAAAAAAAAAAAAAAAAAAAAAAAAAAAAAAAAAAAAAAAAAAAAAAAAAAAAAAAAAAAAAAAAAAAAAAAAAAAAAAAAAAAAAAAAAAAAAAAAAAAAAAAAAAAAAAAAAAAAAAAAAAAAAAAAAAAAAAAAAAAAAAAAAAAAAAAAAAAAAAAAAAAAAAAAAAAAAAAAAAAAAAAAAAAAAAAAAAAAAAAAAAAAAAAAAAAAAAAAAAAAAAAAAAAAAAAAAAAAAAAAAAAAAAAAAAAAAAAAAAAAAAAAAAAAAAAAAAAAAAAAAAAAAAAAAAAAAAAAAAAAAAAAAAAAAAAAAAAAAAAAAAAAAAAAAAAAAAAAAAAAAAAAAAAAAAAAAAAAAAAAAAAAAAAAAAAAAAAAAAAAAAAAAAAAAAAAAAAAAAAAAAAAAAAAAAAAAAAAAAAAAAAAAAAAAAAAAAAAAAAAAAAAAAAAAAAAAAAAAAAAAAAAAAAAAAAAAAAAAAAAAAAAAAAAAAAAAAAAAAAAAAAAAAAAAAAAAAAAAAAAAAAAAAAAAAAAAAAAAAAAAAAAAAAAAAAAAAAAAAAAAAAAAAAAAAAAAAAAAAAAAAAAAAAAAAAAAAAAAAAAAAAAAAAAAAAAAAAAAAAAAAAAAAAAAAAAAAAAAAAAAAAAAAAAAAAAAAAAAAAAAAAAAAAAAAAAAAAAAAAAAAAAAAAAAAAAAAAAAAAAAAAAAAAAAAAAAAAAAAAAAAAAAAAAAAAAAAAAAAAAAAAAAAAAAAAAAAAAAAAAAAAAAAAAAAAAAAFAAAABAAAAAD/////AQBvDwAAAAAAAAAAAAD/////cABwAAAABV9pZAAQAAAABKnRy4vlbktGqTCI7tkic1YDRGF0YQAWAAAAAlBlcnNvbmFsSWQAAQAAAAAAAk5hbWUACwAAAFBlcnNvbmFsSWQAEFZlcnNpb24AAAAAAAlMYXN0V3JpdGUAswVz7IsBAAAAAAAAAAAAAAAAAAAAAAAAAAAAAAAAAAAAAAAAAAAAAAAAAAAAAAAAAAAAAAAAAAAAAAAAAAAAAAAAAAAAAAAAAAAAAAAAAAAAAAAAAAAAAAAAAAAAAAAAAAAAAAAAAAAAAAAAAAAAAAAAAAAAAAAAAAAAAAAAAAAAAAAAAAAAAAAAAAAAAAAAAAAAAAAAAAAAAAAAAAAAAAAAAAAAAAAAAAAAAAAAAAAAAAAAAAAAAAAAAAAAAAAAAAAAAAAAAAAAAAAAAAAAAAAAAAAAAAAAAAAAAAAAAAAAAAAAAAAAAAAAAAAAAAAAAAAAAAAAAAAAAAAAAAAAAAAAAAAAAAAAAAAAAAAAAAAAAAAAAAAAAAAAAAAAAAAAAAAAAAAAAAAAAAAAAAAAAAAAAAAAAAAAAAAAAAAAAAAAAAAAAAAAAAAAAAAAAAAAAAAAAAAAAAAAAAAAAAAAAAAAAAAAAAAAAAAAAAAAAAAAAAAAAAAAAAAAAAAAAAAAAAAAAAAAAAAAAAAAAAAAAAAAAAAAAAAAAAAAAAAAAAAAAAAAAAAAAAAAAAAAAAAAAAAAAAAAAAAAAAAAAAAAAAAAAAAAAAAAAAAAAAAAAAAAAAAAAAAAAAAAAAAAAAAAAAAAAAAAAAAAAAAAAAAAAAAAAAAAAAAAAAAAAAAAAAAAAAAAAAAAAAAAAAAAAAAAAAAAAAAAAAAAAAAAAAAAAAAAAAAAAAAAAAAAAAAAAAAAAAAAAAAAAAAAAAAAAAAAAAAAAAAAAAAAAAAAAAAAAAAAAAAAAAAAAAAAAAAAAAAAAAAAAAAAAAAAAAAAAAAAAAAAAAAAAAAAAAAAAAAAAAAAAAAAAAAAAAAAAAAAAAAAAAAAAAAAAAAAAAAAAAAAAAAAAAAAAAAAAAAAAAAAAAAAAAAAAAAAAAAAAAAAAAAAAAAAAAAAAAAAAAAAAAAAAAAAAAAAAAAAAAAAAAAAAAAAAAAAAAAAAAAAAAAAAAAAAAAAAAAAAAAAAAAAAAAAAAAAAAAAAAAAAAAAAAAAAAAAAAAAAAAAAAAAAAAAAAAAAAAAAAAAAAAAAAAAAAAAAAAAAAAAAAAAAAAAAAAAAAAAAAAAAAAAAAAAAAAAAAAAAAAAAAAAAAAAAAAAAAAAAAAAAAAAAAAAAAAAAAAAAAAAAAAAAAAAAAAAAAAAAAAAAAAAAAAAAAAAAAAAAAAAAAAAAAAAAAAAAAAAAAAAAAAAAAAAAAAAAAAAAAAAAAAAAAAAAAAAAAAAAAAAAAAAAAAAAAAAAAAAAAAAAAAAAAAAAAAAAAAAAAAAAAAAAAAAAAAAAAAAAAAAAAAAAAAAAAAAAAAAAAAAAAAAAAAAAAAAAAAAAAAAAAAAAAAAAAAAAAAAAAAAAAAAAAAAAAAAAAAAAAAAAAAAAAAAAAAAAAAAAAAAAAAAAAAAAAAAAAAAAAAAAAAAAAAAAAAAAAAAAAAAAAAAAAAAAAAAAAAAAAAAAAAAAAAAAAAAAAAAAAAAAAAAAAAAAAAAAAAAAAAAAAAAAAAAAAAAAAAAAAAAAAAAAAAAAAAAAAAAAAAAAAAAAAAAAAAAAAAAAAAAAAAAAAAAAAAAAAAAAAAAAAAAAAAAAAAAAAAAAAAAAAAAAAAAAAAAAAAAAAAAAAAAAAAAAAAAAAAAAAAAAAAAAAAAAAAAAAAAAAAAAAAAAAAAAAAAAAAAAAAAAAAAAAAAAAAAAAAAAAAAAAAAAAAAAAAAAAAAAAAAAAAAAAAAAAAAAAAAAAAAAAAAAAAAAAAAAAAAAAAAAAAAAAAAAAAAAAAAAAAAAAAAAAAAAAAAAAAAAAAAAAAAAAAAAAAAAAAAAAAAAAAAAAAAAAAAAAAAAAAAAAAAAAAAAAAAAAAAAAAAAAAAAAAAAAAAAAAAAAAAAAAAAAAAAAAAAAAAAAAAAAAAAAAAAAAAAAAAAAAAAAAAAAAAAAAAAAAAAAAAAAAAAAAAAAAAAAAAAAAAAAAAAAAAAAAAAAAAAAAAAAAAAAAAAAAAAAAAAAAAAAAAAAAAAAAAAAAAAAAAAAAAAAAAAAAAAAAAAAAAAAAAAAAAAAAAAAAAAAAAAAAAAAAAAAAAAAAAAAAAAAAAAAAAAAAAAAAAAAAAAAAAAAAAAAAAAAAAAAAAAAAAAAAAAAAAAAAAAAAAAAAAAAAAAAAAAAAAAAAAAAAAAAAAAAAAAAAAAAAAAAAAAAAAAAAAAAAAAAAAAAAAAAAAAAAAAAAAAAAAAAAAAAAAAAAAAAAAAAAAAAAAAAAAAAAAAAAAAAAAAAAAAAAAAAAAAAAAAAAAAAAAAAAAAAAAAAAAAAAAAAAAAAAAAAAAAAAAAAAAAAAAAAAAAAAAAAAAAAAAAAAAAAAAAAAAAAAAAAAAAAAAAAAAAAAAAAAAAAAAAAAAAAAAAAAAAAAAAAAAAAAAAAAAAAAAAAAAAAAAAAAAAAAAAAAAAAAAAAAAAAAAAAAAAAAAAAAAAAAAAAAAAAAAAAAAAAAAAAAAAAAAAAAAAAAAAAAAAAAAAAAAAAAAAAAAAAAAAAAAAAAAAAAAAAAAAAAAAAAAAAAAAAAAAAAAAAAAAAAAAAAAAAAAAAAAAAAAAAAAAAAAAAAAAAAAAAAAAAAAAAAAAAAAAAAAAAAAAAAAAAAAAAAAAAAAAAAAAAAAAAAAAAAAAAAAAAAAAAAAAAAAAAAAAAAAAAAAAAAAAAAAAAAAAAAAAAAAAAAAAAAAAAAAAAAAAAAAAAAAAAAAAAAAAAAAAAAAAAAAAAAAAAAAAAAAAAAAAAAAAAAAAAAAAAAAAAAAAAAAAAAAAAAAAAAAAAAAAAAAAAAAAAAAAAAAAAAAAAAAAAAAAAAAAAAAAAAAAAAAAAAAAAAAAAAAAAAAAAAAAAAAAAAAAAAAAAAAAAAAAAAAAAAAAAAAAAAAAAAAAAAAAAAAAAAAAAAAAAAAAAAAAAAAAAAAAAAAAAAAAAAAAAAAAAAAAAAAAAAAAAAAAAAAAAAAAAAAAAAAAAAAAAAAAAAAAAAAAAAAAAAAAAAAAAAAAAAAAAAAAAAAAAAAAAAAAAAAAAAAAAAAAAAAAAAAAAAAAAAAAAAAAAAAAAAAAAAAAAAAAAAAAAAAAAAAAAAAAAAAAAAAAAAAAAAAAAAAAAAAAAAAAAAAAAAAAAAAAAAAAAAAAAAAAAAAAAAAAAAAAAAAAAAAAAAAAAAAAAAAAAAAAAAAAAAAAAAAAAAAAAAAAAAAAAAAAAAAAAAAAAAAAAAAAAAAAAAAAAAAAAAAAAAAAAAAAAAAAAAAAAAAAAAAAAAAAAAAAAAAAAAAAAAAAAAAAAAAAAAAAAAAAAAAAAAAAAAAAAAAAAAAAAAAAAAAAAAAAAAAAAAAAAAAAAAAAAAAAAAAAAAAAAAAAAAAAAAAAAAAAAAAAAAAAAAAAAAAAAAAAAAAAAAAAAAAAAAAAAAAAAAAAAAAAAAAAAAAAAAAAAAAAAAAAAAAAAAAAAAAAAAAAAAAAAAAAAAAAAAAAAAAAAAAAAAAAAAAAAAAAAAAAAAAAAAAAAAAAAAAAAAAAAAAAAAAAAAAAAAAAAAAAAAAAAAAAAAAAAAAAAAAAAAAAAAAAAAAAAAAAAAAAAAAAAAAAAAAAAAAAAAAAAAAAAAAAAAAAAAAAAAAAAAAAAAAAAAAAAAAAAAAAAAAAAAAAAAAAAAAAAAAAAAAAAAAAAAAAAAAAAAAAAAAAAAAAAAAAAAAAAAAAAAAAAAAAAAAAAAAAAAAAAAAAAAAAAAAAAAAAAAAAAAAAAAAAAAAAAAAAAAAAAAAAAAAAAAAAAAAAAAAAAAAAAAAAAAAAAAAAAAAAAAAAAAAAAAAAAAAAAAAAAAAAAAAAAAAAAAAAAAAAAAAAAAAAAAAAAAAAAAAAAAAAAAAAAAAAAAAAAAAAAAAAAAAAAAAAAAAAAAAAAAAAAAAAAAAAAAAAAAAAAAAAAAAAAAAAAAAAAAAAAAAAAAAAAAAAAAAAAAAAAAAAAAAAAAAAAAAAAAAAAAAAAAAAAAAAAAAAAAAAAAAAAAAAAAAAAAAAAAAAAAAAAAAAAAAAAAAAAAAAAAAAAAAAAAAAAAAAAAAAAAAAAAAAAAAAAAAAAAAAAAAAAAAAAAAAAAAAAAAAAAAAAAAAAAAAAAAAAAAAAAAAAAAAAAAAAAAAAAAAAAAAAAAAAAAAAAAAAAAAAAAAAAAAAAAAAAAAAAAAAAAAAAAAAAAAAAAAAAAAAAAAAAAAAAAAAAAAAAAAAAAAAAAAAAAAAAAAAAAAAAAAAAAAAAAAAAAAAAAAAAAAAAAAAAAAAAAAAAAAAAAAAAAAAAAAAAAAAAAAAAAAAAAAAAAAAAAAAAAAAAAAAAAAAAAAAAAAAAAAAAAAAAAAAAAAAAAAAAAAAAAAAAAAAAAAAAAAAAAAAAAAAAAAAAAAAAAAAAAAAAAAAAAAAAAAAAAAAAAAAAAAAAAAAAAAAAAAAAAAAAAAAAAAAAAAAAAAAAAAAAAAAAAAAAAAAAAAAAAAAAAAAAAAAAAAAAAAAAAAAAAAAAAAAAAAAAAAAAAAAAAAAAAAAAAAAAAAAAAAAAAAAAAAAAAAAAAAAAAAAAAAAAAAAAAAAAAAAAAAAAAAAAAAAAAAAAAAAAAAAAAAAAAAAAAAAAAAAAAAAAAAAAAAAAAAAAAAAAAAAAAAAAAAAAAAAAAAAAAAAAAAAAAAAAAAAAAAAAAAAAAAAAAAAAAAAAAAAAAAAAAAAAAAAAAAAAAAAAAAAAAAAAAAAAAAAAAAAAAAAAAAAAAAAAAAAAAAAAAAAAAAAAAAAAAAAAAAAAAAAAAAAAAAAAAAAAAAAAAAAAAAAAAAAAAAAAAAAAAAAAAAAAAAAAAAAAAAAAAAAAAAAAAAAAAAAAAAAAAAAAAAAAAAAAAAAAAAAAAAAAAAAAAAAAAAAAAAAAAAAAAAAAAAAAAAAAAAAAAAAAAAAAAAAAAAAAAAAAAAAAAAAAAAAAAAAAAAAAAAAAAAAAAAAAAAAAAAAAAAAAAAAAAAAAAAAAAAAAAAAAAAAAAAAAAAAAAAAAAAAAAAAAAAAAAAAAAAAAAAAAAAAAAAAAAAAAAAAAAAAAAAAAAAAAAAAAAAAAAAAAAAAAAAAAAAAAAAAAAAAAAAAAAAAAAAAAAAAAAAAAAAAAAAAAAAAAAAAAAAAAAAAAAAAAAAAAAAAAAAAAAAAAAAAAAAAAAAAAAAAAAAAAAAAAAAAAAAAAAAAAAAAAAAAAAAAAAAAAAAAAAAAAAAAAAAAAAAAAA"/>
   <p:tag name="EMPOWERCHARTSPROPERTIES_SLOT" val="A"/>
@@ -6021,7 +6104,7 @@
 </p:tagLst>
 </file>
 
-<file path=ppt/tags/tag2060.xml><?xml version="1.0" encoding="utf-8"?>
+<file path=ppt/tags/tag7.xml><?xml version="1.0" encoding="utf-8"?>
 <p:tagLst xmlns:a="http://schemas.openxmlformats.org/drawingml/2006/main" xmlns:r="http://schemas.openxmlformats.org/officeDocument/2006/relationships" xmlns:p="http://schemas.openxmlformats.org/presentationml/2006/main">
   <p:tag name="EMPOWERCHARTSPROPERTIES_A_0" val="AAAAAAH//////////wEAAAAAAAAAAAAAACoqIFRoaXMgaXMgYSBMaXRlREIgZmlsZSAqKgcDAP////8FAAAAAQAAAAAAAAAAAAAAAAAAAAAAAAAAAAAAAAAAAAAAAAAAAAAAAAABEQAAAFByb3BlcnR5RG9jdW1lbnRzAgAAAAAAAAAAAAAAAAAAAAAAAAAAAAAAAAAAAAAAAAAAAAAAAAAAAAAAAAAAAAAAAAAAAAAAAAAAAAAAAAAAAAAAAAAAAAAAAAAAAAAAAAAAAAAAAAAAAAAAAAAAAAAAAAAAAAAAAAAAAAAAAAAAAAAAAAAAAAAAAAAAAAAAAAAAAAAAAAAAAAAAAAAAAAAAAAAAAAAAAAAAAAAAAAAAAAAAAAAAAAAAAAAAAAAAAAAAAAAAAAAAAAAAAAAAAAAAAAAAAAAAAAAAAAAAAAAAAAAAAAAAAAAAAAAAAAAAAAAAAAAAAAAAAAAAAAAAAAAAAAAAAAAAAAAAAAAAAAAAAAAAAAAAAAAAAAAAAAAAAAAAAAAAAAAAAAAAAAAAAAAAAAAAAAAAAAAAAAAAAAAAAAAAAAAAAAAAAAAAAAAAAAAAAAAAAAAAAAAAAAAAAAAAAAAAAAAAAAAAAAAAAAAAAAAAAAAAAAAAAAAAAAAAAAAAAAAAAAAAAAAAAAAAAAAAAAAAAAAAAAAAAAAAAAAAAAAAAAAAAAAAAAAAAAAAAAAAAAAAAAAAAAAAAAAAAAAAAAAAAAAAAAAAAAAAAAAAAAAAAAAAAAAAAAAAAAAAAAAAAAAAAAAAAAAAAAAAAAAAAAAAAAAAAAAAAAAAAAAAAAAAAAAAAAAAAAAAAAAAAAAAAAAAAAAAAAAAAAAAAAAAAAAAAAAAAAAAAAAAAAAAAAAAAAAAAAAAAAAAAAAAAAAAAAAAAAAAAAAAAAAAAAAAAAAAAAAAAAAAAAAAAAAAAAAAAAAAAAAAAAAAAAAAAAAAAAAAAAAAAAAAAAAAAAAAAAAAAAAAAAAAAAAAAAAAAAAAAAAAAAAAAAAAAAAAAAAAAAAAAAAAAAAAAAAAAAAAAAAAAAAAAAAAAAAAAAAAAAAAAAAAAAAAAAAAAAAAAAAAAAAAAAAAAAAAAAAAAAAAAAAAAAAAAAAAAAAAAAAAAAAAAAAAAAAAAAAAAAAAAAAAAAAAAAAAAAAAAAAAAAAAAAAAAAAAAAAAAAAAAAAAAAAAAAAAAAAAAAAAAAAAAAAAAAAAAAAAAAAAAAAAAAAAAAAAAAAAAAAAAAAAAAAAAAAAAAAAAAAAAAAAAAAAAAAAAAAAAAAAAAAAAAAAAAAAAAAAAAAAAAAAAAAAAAAAAAAAAAAAAAAAAAAAAAAAAAAAAAAAAAAAAAAAAAAAAAAAAAAAAAAAAAAAAAAAAAAAAAAAAAAAAAAAAAAAAAAAAAAAAAAAAAAAAAAAAAAAAAAAAAAAAAAAAAAAAAAAAAAAAAAAAAAAAAAAAAAAAAAAAAAAAAAAAAAAAAAAAAAAAAAAAAAAAAAAAAAAAAAAAAAAAAAAAAAAAAAAAAAAAAAAAAAAAAAAAAAAAAAAAAAAAAAAAAAAAAAAAAAAAAAAAAAAAAAAAAAAAAAAAAAAAAAAAAAAAAAAAAAAAAAAAAAAAAAAAAAAAAAAAAAAAAAAAAAAAAAAAAAAAAAAAAAAAAAAAAAAAAAAAAAAAAAAAAAAAAAAAAAAAAAAAAAAAAAAAAAAAAAAAAAAAAAAAAAAAAAAAAAAAAAAAAAAAAAAAAAAAAAAAAAAAAAAAAAAAAAAAAAAAAAAAAAAAAAAAAAAAAAAAAAAAAAAAAAAAAAAAAAAAAAAAAAAAAAAAAAAAAAAAAAAAAAAAAAAAAAAAAAAAAAAAAAAAAAAAAAAAAAAAAAAAAAAAAAAAAAAAAAAAAAAAAAAAAAAAAAAAAAAAAAAAAAAAAAAAAAAAAAAAAAAAAAAAAAAAAAAAAAAAAAAAAAAAAAAAAAAAAAAAAAAAAAAAAAAAAAAAAAAAAAAAAAAAAAAAAAAAAAAAAAAAAAAAAAAAAAAAAAAAAAAAAAAAAAAAAAAAAAAAAAAAAAAAAAAAAAAAAAAAAAAAAAAAAAAAAAAAAAAAAAAAAAAAAAAAAAAAAAAAAAAAAAAAAAAAAAAAAAAAAAAAAAAAAAAAAAAAAAAAAAAAAAAAAAAAAAAAAAAAAAAAAAAAAAAAAAAAAAAAAAAAAAAAAAAAAAAAAAAAAAAAAAAAAAAAAAAAAAAAAAAAAAAAAAAAAAAAAAAAAAAAAAAAAAAAAAAAAAAAAAAAAAAAAAAAAAAAAAAAAAAAAAAAAAAAAAAAAAAAAAAAAAAAAAAAAAAAAAAAAAAAAAAAAAAAAAAAAAAAAAAAAAAAAAAAAAAAAAAAAAAAAAAAAAAAAAAAAAAAAAAAAAAAAAAAAAAAAAAAAAAAAAAAAAAAAAAAAAAAAAAAAAAAAAAAAAAAAAAAAAAAAAAAAAAAAAAAAAAAAAAAAAAAAAAAAAAAAAAAAAAAAAAAAAAAAAAAAAAAAAAAAAAAAAAAAAAAAAAAAAAAAAAAAAAAAAAAAAAAAAAAAAAAAAAAAAAAAAAAAAAAAAAAAAAAAAAAAAAAAAAAAAAAAAAAAAAAAAAAAAAAAAAAAAAAAAAAAAAAAAAAAAAAAAAAAAAAAAAAAAAAAAAAAAAAAAAAAAAAAAAAAAAAAAAAAAAAAAAAAAAAAAAAAAAAAAAAAAAAAAAAAAAAAAAAAAAAAAAAAAAAAAAAAAAAAAAAAAAAAAAAAAAAAAAAAAAAAAAAAAAAAAAAAAAAAAAAAAAAAAAAAAAAAAAAAAAAAAAAAAAAAAAAAAAAAAAAAAAAAAAAAAAAAAAAAAAAAAAAAAAAAAAAAAAAAAAAAAAAAAAAAAAAAAAAAAAAAAAAAAAAAAAAAAAAAAAAAAAAAAAAAAAAAAAAAAAAAAAAAAAAAAAAAAAAAAAAAAAAAAAAAAAAAAAAAAAAAAAAAAAAAAAAAAAAAAAAAAAAAAAAAAAAAAAAAAAAAAAAAAAAAAAAAAAAAAAAAAAAAAAAAAAAAAAAAAAAAAAAAAAAAAAAAAAAAAAAAAAAAAAAAAAAAAAAAAAAAAAAAAAAAAAAAAAAAAAAAAAAAAAAAAAAAAAAAAAAAAAAAAAAAAAAAAAAAAAAAAAAAAAAAAAAAAAAAAAAAAAAAAAAAAAAAAAAAAAAAAAAAAAAAAAAAAAAAAAAAAAAAAAAAAAAAAAAAAAAAAAAAAAAAAAAAAAAAAAAAAAAAAAAAAAAAAAAAAAAAAAAAAAAAAAAAAAAAAAAAAAAAAAAAAAAAAAAAAAAAAAAAAAAAAAAAAAAAAAAAAAAAAAAAAAAAAAAAAAAAAAAAAAAAAAAAAAAAAAAAAAAAAAAAAAAAAAAAAAAAAAAAAAAAAAAAAAAAAAAAAAAAAAAAAAAAAAAAAAAAAAAAAAAAAAAAAAAAAAAAAAAAAAAAAAAAAAAAAAAAAAAAAAAAAAAAAAAAAAAAAAAAAAAAAAAAAAAAAAAAAAAAAAAAAAAAAAAAAAAAAAAAAAAAAAAAAAAAAAAAAAAAAAAAAAAAAAAAAAAAAAAAAAAAAAAAAAAAAAAAAAAAAAAAAAAAAAAAAAAAAAAAAAAAAAAAAAAAAAAAAAAAAAAAAAAAAAAAAAAAAAAAAAAAAAAAAAAAAAAAAAAAAAAAAAAAAAAAAAAAAAAAAAAAAAAAAAAAAAAAAAAAAAAAAAAAAAAAAAAAAAAAAAAAAAAAAAAAAAAAAAAAAAAAAAAAAAAAAAAAAAAAAAAAAAAAAAAAAAAAAAAAAAAAAAAAAAAAAAAAAAAAAAAAAAAAAAAAAAAAAAAAAAAAAAAAAAAAAAAAAAAAAAAAAAAAAAAAAAAAAAAAAAAAAAAAAAAAAAAAAAAAAAAAAAAAAAAAAAAAAAAAAAAAAAAAAAAAAAAAAAAAAAAAAAAAAAAAAAAAAAAAAAAAAAAAAAAAAAAAAAAAAAAAAAAAAAAAAAAAAAAAAAAAAAAAAAAAAAAAAAAAAAAAAAAAAAAAAAAAAAAAAAAAAAAAAAAAAAAAAAAAAAAAAAAAAAAAAAAAAAAAAAAAAAAAAAAAAAAAAAAAAAAAAAAAAAAAAAAAAAAAAAAAAAAAAAAAAAAAAAAAAAAAAAAAAAAAAAAAAAAAAAAAAAAAAAAAAAAAAAAAAAAAAAAAAAAAAAAAAAAAAAAAAAAAAAAAAAAAAAAAAAAAAAAAAAAAAAAAAAAAAAAAAAAAAAAAAAAAAAAAAAAAAAAAAAAAAAAAAAAAAAAAAAAAAAAAAAAAAAAAAAAAAAAAAAAAAAAAAAAAAAAAAAAAAAAAAAAAAAAAAAAAAAAAAAAAAAAAAAAAAAAAAAAAAAAAAAAAAAAAAAAAAAAAAAAAAAAAAAAAAAAAAAAAAAAAAAAAAAAAAAAAAAAAAAAAAAAAAAAAAAAAAAAAAAAAAAAAAAAAAAAAAAAAAAAAAAAAAAAAAAAAAAAAAAAAAAAAAAAAAAAAAAAAAAAAAAAAAAAAAAAAAAAAAAAAAAAAAAAAAAAAAAAAAAAAAAAAAAAAAAAAAAAAAAAAAAAAAAAAAAAAAAAAAAAAAAAAAAAAAAAAAAAAAAAAAAAAAAAAAAAAAAAAAAAAAAAAAAAAAAAAAAAAAAAAAAAAAAAAAAAAAAAAAAAAAAAAAAAAAAAAAAAAAAAAAAAAAAAAAAAAAAAAAAAAAAAAAAAAAAAAAAAAAAAAAAAAAAAAAAAAAAAAAAAAAAAAAAAAAAAAAAAAAAAAAAAAAAAAAAAAAAAAAAAAAAAAAAAAAAAAAAAAAAAAAAAAAAAAAAAAAAAAAAAAAAAAAAAAAAAAAAAAAAAAAAAAAAAAAAAAAAAAAAAAAAAAAAAAAAAAAAAAAAAAAAAAAAAAAAAAAAAAAAAAAAAAAAAAAAAAAAAAAAAAAAAAAAAAAAAAAAAAAAAAAAAAAAAAAAAAAAAAAAAAAAAAAAAAAAAAAAAAAAAAAAAAAAAAAAAAAAAAAAAAAAAAAAAAAAAAAAAAAAAAAAAAAAAAAAAAAAAAAAAAAAAAAAAAAAAAAAAAAAAAAAAAAAAAAAAAAAAAAAAAAAAAAAAAAAAAAAAAAAAAAAAAAAAAAAAAAAAAAAAAAAAAAAAAAAAAAAAAAAAAAAAAAAAAAAAAAAAAAAAAAAAAAAAAAAAAAAAAAAAAAAAAAAAAAAAAAAAAAAAAAAAAAAAAAAAAAAAAAAAAAAAAAAAAAAAAAAAAAAAAAAAAAAAAAAAAAAAAAAAAAAAAAAAAAAAAAAAAAAAAAAAAAAAAAAAAAAAAAAAAAAAAAAAAAAAAAAAAAAAAAAAAAAAAAAAAAAAAAAAAAAAAAAAAAAAAAAAAAAAAAAAAAAAAAAAAAAAAAAAAAAAAAAAAAAAAAAAAAAAAAAAAAAAAAAAAAAAAAAAAAAAAAAAAAAAAAAAAAAAAAAAAAAAAAAAAAAAAAAAAAAAAAAAAAAAAAAAAAAAAAAAAAAAAAAAAAAAAAAAAAAAAAAAAAAAAAAAAAAAAAAAAAAAAAAAAAAAAAAAAAAAAAAAAAAAAAAAAAAAAAAAAAAAAAAAAAAAAAAAAAAAAAAAAAAAAAAAAAAAAAAAAAAAAAAAAAAAAAAAAAAAAAAAAAAAAAAAAAAAAAAAAAAAAAAAAAAAAAAAAAAAAAAAAAAAAAAAAAAAAAAAAAAAAAAAAAAAAAAAAAAAAAAAAAAAAAAAAAAAAAAAAAAAAAAAAAAAAAAAAAAAAAAAAAAAAAAAAAAAAAAAAAAAAAAAAAAAAAAAAAAAAAAAAAAAAAAAAAAAAAAAAAAAAAAAAAAAAAAAAAAAAAAAAAAAAAAAAAAAAAAAAAAAAAAAAAAAAAAAAAAAAAAAAAAAAAAAAAAAAAAAAAAAAAAAAAAAAAAAAAAAAAAAAAAAAAAAAAAAAAAAAAAAAAAAAAAAAAAAAAAAAAAAAAAAAAAAAAAAAAAAAAAAAAAAAAAAAAAAAAAAAAAAAAAAAAAAAAAAAAAAAAAAAAAAAAAAAAAAAAAAAAAAAAAAAAAAAAAAAAAAAAAAAAAAAAAAAAAAAAAAAAAAAAAAAAAAAAAAAAAAAAAAAAAAAAAAAAAAAAAAAAAAAAAAAAAAAAAAAAAAAAAAAAAAAAAAAAAAAAAAAAAAAAAAAAAAAAAAAAAAAAAAAAAAAAAAAAAAAAAAAAAAAAAAAAAAAAAAAAAAAAAAAAAAAAAAAAAAAAAAAAAAAAAAAAAAAAAAAAAAAAAAAAAAAAAAAAAAAAAAAAAAAAAAAAAAAAAAAAAAAAAAAAAAAAAAAAAAAAAAAAAAAAAAAAAAAAAAAAAAAAAAAAAAAAAAAAAAAAAAAAAAAAAAAAAAAAAAAAAAAAAAAAAAAAAAAAAAAAAAAAAAAAAAAAAAAAAAAAAAAAAAAAAAAAAAAAAAAAAAAAAAAAAAAAAAAAAAAAAAAAAAAAAAAAAAAAAAAAAAAAAAAAAAAAAAAAAAAAAAAAAAAAAAAAAAAAAAAAAAAAAAAAAAAAAAAAAAAAAAAAAAAAAAAAAAAAAAAAAAAAAAAAAAAAAAAAAAAAAAAAAAAAAAAAAAAAAAAAAAAAAAAAAAAAAAAAAAAAAAAAAAAAAAAAAAAAAAAAAAAAAAAAAAAAAAAAAAAAAAAAAAAAAAAAAAAAAAAAAAAAAAAAAAAAAAAAAAAAAAAAAAAAAAAAAAAAAAAAAAAAAAAAAAAAAAAAAAAAAAAAAAAAAAAAAAAAAAAAAAAAAAAAAAAAAAAAAAAAAAAAAAAAAAAAAAAAAAAAAAAAAAAAAAAAAAAAAAAAAAAAAAAAAAAAAAAAAAAAAAAAAAAAAAAAAAAAAAAAAAAAAAAAAAAAAAAAAAAAAAAAAAAAAAAAAAAAAAAAAAAAAAAAAAAAAAAAAAAAAAAAAAAAAAAAAAAAAAAAAAAAAAAAAAAAAAAAAAAAAAAAAAAAAAAAAAAAAAAAAAAAAAAAAAAAAAAAAAAAAAAAAAAAAAAAAAAAAAAAAAAAAAAAAAAAAAAAAAAAAAAAAAAAAAAAAAAAAAAAAAAAAAAAAAAAAAAAAAAAAAAAAAAAAAAAAAAAAAAAAAAAAAAAAAAAAAAAAAAAAAAAAAAAAAAAAAAAAAAAAAAAAAAAAAAAAAAAAAAAAAAAAAAAAAAAAAAAAAAAAAAAAAAAAAAAAAAAAAAAAAAAAAAAAAAAAAAAAAAAAAAAAAAAAAAAAAAAAAAAAAAAAAAAAAAAAAAAAAAAAAAAAAAAAAAAAAAAAAAAAAAAAAAAAAAAAAAAAAAAAAAAAAAAAAAAAAAAAAAAAAAAAAAAAAAAAAAAAAAAAAAAAAAAAAAAAAAAAAAAAAAAAAAAAAAAAAAAAAAAAAAAAAAAAAAAAAAAAAAAAAAAAAAAAAAAAAAAAAAAAAAAAAAAAAAAAAAAAAAAAAAAAAAAAAAAAAAAAAAAAAAAAAAAAAAAAAAAAAAAAAAAAAAAAAAAAAAAAAAAAAAAAAAAAAAAAAAAAAAAAAAAAAAAAAAAAAAAAAAAAAAAAAAAAAAAAAAAAAAAAAAAAAAAAAAAAAAAAAAAAAAAAAAAAAAAAAAAAAAAAAAAAAAAAAAAAAAAAAAAAAAAAAAAAAAAAAAAAAAAAAAAAAAAAAAAAAAAAAAAAAAAAAAAAAAAAAAAAAAAAAAAAAAAAAAAAAAAAAAAAAAAAAAAAAAAAAAAAAAAAAAAAAAAAAAAAAAAAAAAAAAAAAAAAAAAAAAAAAAAAAAAAAAAAAAAAAAAAAAAAAAAAAAAAAAAAAAAAAAAAAAAAAAAAAAAAAAAAAAAAAAAAAAAAAAAAAAAAAAAAAAAAAAAAAAAAAAAAAAAAAAAAAAAAAAAAAAAAAAAAAAAAAAAAAAAAAAAAAAAAAAAAAAAAAAAAAAAAAAAAAAAAAAAAAAAAAAAAAAAAAAAAAAAAAAAAAAAAAAAAAAAAAAAAAAAAAAAAAAAAAAAAAAAAAAAAAAAAAAAAAAAAAAAAAAAAAAAAAAAAAAAAAAAAAAAAAAAAAAAAAAAAAAAAAAAAAAAAAAAAAAAAAAAAAAAAAAAAAAAAAAAAAAAAAAAAAAAAAAAAAAAAAAAAAAAAAAAAAAAAAAAAAAAAAAAAAAAAAAAAAAAAAAAAAAAAAAAAAAAAAAAAAAAAAAAAAAAAAAAAAAAAAAAAAAAAAAAAAAAAAAAAAAAAAAAAAAAAAAAAAAAAAAAAAAAAAAAAAAAAAAAAAAAAAAAAAAAAAAAAAAAAAAAAAAAAAAAAAAAAAAAAAAAAAAAAAAAAAAAAAAAAAAAAAAAAAAAAAAAAAAAAAAAAAAAAAAAAAAAAAAAAAAAAAAAAAAAAAAAAAAAAAAAAAAAAAAAAAAAAAAAAAAAAAAAAAAAAAAAAAAAAAAAAAAAAAAAAAAAAAAAAAAAAAAAAAAAAAAAAAAAAAAAAAAAAAAAAAAAAAAAAAAAAAAAAAAAAAAAAAAAAAAAAAAAAAAAAAAAAAAAAAAAAAAAAAAAAAAAAAAAAAAAAAAAAAAAAAAAAAAAAAAAAAAAAAAAAAAAAAAAAAAAAAAAAAAAAAAAAAAAAAAAAAAAAAAAAAAAAAAAAAAAAAAAAAAAAAAAAAAAAAAAAAAAAAAAAAAAAAAAAAAAAAAAAAAAAAAAAAAAAAAAAAAAAAAAAAAAAAAAAAAAAAAAAAAAAAAAAAAAAAAAAAAAAAAAAAAAAAAAAAAAAAAAAAAAAAAAAAAAAAAAAAAAAAAAAAAAAAAAAAAAAAAAAAAAAAAAAAAAAAAAAAAAAAAAAAAAAAAAAAAAAAAAAAAAAAAAAAAAAAAAAAAAAAAAAAAAAAAAAAAAAAAAAAAAAAAAAAAAAAAAAAAAAAAAAAAAAAAAAAAAAAAAAAAAAAAAAAAAAAAAAAAAAAAAAAAAAAAAAAAAAAAAAAAAAAAAAAAAAAAAAAAAAAAAAAAAAAAAAAAAAAAAAAAAAAAAAAAAAAAAAAAAAAAAAAAAAAAAAAAAAAAAAAAAAAAAAAAAAAAAAAAAAAAAAAAAAAAAAAAAAAAAAAAAAAAAAAAAAAAAAAAAAAAAAAAAAAAAAAAAAAAAAAAAAAAAAAAAAAAAAAAAAAAAAAAAAAAAAAAAAAAAAAAAAAAAAAAAAAAAAAAAAAAAAAAAAAAAAAAAAAAAAAAAAAAAAAAAAAAAAAAAAAAAAAAAAAAAAAAAAAAAAAAAAAAAAAAAAAAAAAAAAAAAAAAAAAAAAAAAAAAAAAAAAAAAAAAAAAAAAAAAAAAAAAAAAAAAAAAAAAAAAAAAAAAAAAAAAAAAAAAAAAAAAAAAAAAAAAAAAAAAAAAAAAAAAAAAAAAAAAAAAAAAAAAAAAAAAAAAAAAAAAAAAAAAAAAAAAAAAAAAAAAAAAAAAAAAAAAAAAAAAAAAAAAAAAAAAAAAAAAAAAAAAAAAAAAAAAAAAAAAAAAAAAAAAAAAAAAAAAAAAAAAAAAAAAAAAAAAAAAAAAAAAAAAAAAAAAAAAAAAAAAAAAAAAAAAAAAAAAAAAAAAAAAAAAAAAAAAAAAAAAAAAAAAAAAAAAAAAAAAAAAAAAAAAAAAAAAAAAAAAAAAAAAAAAAAAAAAAAAAAAAAAAAAAAAAAAAAAAAAAAAAAAAAAAAAAAAAAAAAAAAAAAAAAAAAAAAAAAAAAAAAAAAAAAAAAAAAAAAAAAAAAAAAAAAAAAAAAAAAAAAAAAAAAAAAAAAAAAAAAAAAAAAAAAAAAAAAAAAAAAAAAAAAAAAAAAAAAAAAAAAAAAAAAAAAAAAAAAAAAAAAAAAAAAAAAAAAAAAAAAAAAAAAAAAAAAAAAAAAAAAAAAAAAAAAAAAAAAAAAAAAAAAAAAAAAAAAAAAAAAAAAAAAAAAAAAAAAAAAAAAAAAAAAAAAAAAAAAAAAAAAAAAAAAAAAAAAAAAAAAAAAAAAAAAAAAAAAAAAAAAAAAAAAAAAAAAAAAAAAAAAAAAAAAAAAAAAAAAAAAAAAAAAAAAAAAAAAAAAAAAAAAAAAAAAAAAAAAAAAAAAAAAAAAAAAAAAAAAAAAAAAAAAAAAAAAAAAAAAAAAAAAAAAAAAAAAAAAAAAAAAAAAAAAAAAAAAAAAAAAAAAAAAAAAAAAAAAAAAAAAAAAAAAAAAAAAAAAAAAAAAAAAAAAAAAAAAAAAAAAAAAAAAAAAAAAAAAAAAAAAAAAAAAAAAAAAAAAAAAAAAAAAAAAAAAAAAAAAAAAAAAAAAAAAAAAAAAAAAAAAAAAAAAAAAAAAAAAAAAAAAAAAAAAAAAAAAAAAAAAAAAAAAAAAAAAAAAAAAAAAAAAAAAAAAAAAAAAAAAAAAAAAAAAAAAAAAAAAAAAAAAAAAAAAAAAAAAAAAAAAAAAAAAAAAAAAAAAAAAAAAAAAAAAAAAAAAAAAAAAAAAAAAAAAAAAAAAAAAAAAAAAAAAAAAAAAAAAAAAAAAAAAAAAAAAAAAAAAAAAAAAAAAAAAAAAAAAAAAAAAAAAAAAAAAAAAAAAAAAAAAAAAAAAAAAAAAAAAAAAAAAAAAAAAAAAAAAAAAAAAAAAAAAAAAAAAAAAAAAAAAAAAAAAAAAAAAAAAAAAAAAAAAAAAAAAAAAAAAAAAAAAAAAAAAAAAAAAAAAAAAAAAAAAAAAAAAAAAAAAAAAAAAAAAAAAAAAAAAAAAAAAAAAAAAAAAAAAAAAAAAAAAAAAAAAAAAAAAAAAAAAAAAAAAAAAAAAAAAAAAAAAAAAAAAAAAAAAAAAAAAAAAAAAAAAAAAAAAAAAAAAAAAAAAAAAAAAAAAAAAAAAAAAAAAAAAAAAAAAAAAAAAAAAAAAAAAAAAAAAAAAAAAAAAAAAAAAAAAAAAAAAAAAAAAAAAAAAAAAAAAAAAAAAAAAAAAAAAAAAAAAAAAAAAAAAAAAAAAAAAAAAAAAAAACAAAAAv//////////AQAAAAAAAAAAAAAAEQAAAFByb3BlcnR5RG9jdW1lbnRzAQAAAAAAAAAFAAAACQAAAF9pZD0kLl9pZAEDAAAAAAADAAAAAQADAAAAIwAAAENvbWJpSW5kZXg9JC5OYW1lICsgJ18nICsgJC5WZXJzaW9uAQQAAAAAAAQAAAABAAQAAAAAAAAAAP///////wAAAAAAAP////8AAAAAAP///////wAAAAAAAP////8AAAAAAP///////wAAAAAAAP////8AAAAAAP///////wAAAAAAAP////8AAAAAAP///////wAAAAAAAP////8AAAAAAP///////wAAAAAAAP////8AAAAAAP///////wAAAAAAAP////8AAAAAAP///////wAAAAAAAP////8AAAAAAP///////wAAAAAAAP////8AAAAAAP///////wAAAAAAAP////8AAAAAAP///////wAAAAAAAP////8AAAAAAP///////wAAAAAAAP////8AAAAAAP///////wAAAAAAAP////8AAAAAAP///////wAAAAAAAP////8AAAAAAAAAAAAAAAAAAAAAAAAAAAAAAAAAAAAAAAAAAAAAAAAAAAAAAAAAAAAAAAAAAAAAAAAAAAAAAAAAAAAAAAAAAAAAAAAAAAAAAAAAAAAAAAAAAAAAAAAAAAAAAAAAAAAAAAAAAAAAAAAAAAAAAAAAAAAAAAAAAAAAAAAAAAAAAAAAAAAAAAAAAAAAAAAAAAAAAAAAAAAAAAAAAAAAAAAAAAAAAAAAAAAAAAAAAAAAAAAAAAAAAAAAAAAAAAAAAAAAAAAAAAAAAAAAAAAAAAAAAAAAAAAAAAAAAAAAAAAAAAAAAAAAAAAAAAAAAAAAAAAAAAAAAAAAAAAAAAAAAAAAAAAAAAAAAAAAAAAAAAAAAAAAAAAAAAAAAAAAAAAAAAAAAAAAAAAAAAAAAAAAAAAAAAAAAAAAAAAAAAAAAAAAAAAAAAAAAAAAAAAAAAAAAAAAAAAAAAAAAAAAAAAAAAAAAAAAAAAAAAAAAAAAAAAAAAAAAAAAAAAAAAAAAAAAAAAAAAAAAAAAAAAAAAAAAAAAAAAAAAAAAAAAAAAAAAAAAAAAAAAAAAAAAAAAAAAAAAAAAAAAAAAAAAAAAAAAAAAAAAAAAAAAAAAAAAAAAAAAAAAAAAAAAAAAAAAAAAAAAAAAAAAAAAAAAAAAAAAAAAAAAAAAAAAAAAAAAAAAAAAAAAAAAAAAAAAAAAAAAAAAAAAAAAAAAAAAAAAAAAAAAAAAAAAAAAAAAAAAAAAAAAAAAAAAAAAAAAAAAAAAAAAAAAAAAAAAAAAAAAAAAAAAAAAAAAAAAAAAAAAAAAAAAAAAAAAAAAAAAAAAAAAAAAAAAAAAAAAAAAAAAAAAAAAAAAAAAAAAAAAAAAAAAAAAAAAAAAAAAAAAAAAAAAAAAAAAAAAAAAAAAAAAAAAAAAAAAAAAAAAAAAAAAAAAAAAAAAAAAAAAAAAAAAAAAAAAAAAAAAAAAAAAAAAAAAAAAAAAAAAAAAAAAAAAAAAAAAAAAAAAAAAAAAAAAAAAAAAAAAAAAAAAAAAAAAAAAAAAAAAAAAAAAAAAAAAAAAAAAAAAAAAAAAAAAAAAAAAAAAAAAAAAAAAAAAAAAAAAAAAAAAAAAAAAAAAAAAAAAAAAAAAAAAAAAAAAAAAAAAAAAAAAAAAAAAAAAAAAAAAAAAAAAAAAAAAAAAAAAAAAAAAAAAAAAAAAAAAAAAAAAAAAAAAAAAAAAAAAAAAAAAAAAAAAAAAAAAAAAAAAAAAAAAAAAAAAAAAAAAAAAAAAAAAAAAAAAAAAAAAAAAAAAAAAAAAAAAAAAAAAAAAAAAAAAAAAAAAAAAAAAAAAAAAAAAAAAAAAAAAAAAAAAAAAAAAAAAAAAAAAAAAAAAAAAAAAAAAAAAAAAAAAAAAAAAAAAAAAAAAAAAAAAAAAAAAAAAAAAAAAAAAAAAAAAAAAAAAAAAAAAAAAAAAAAAAAAAAAAAAAAAAAAAAAAAAAAAAAAAAAAAAAAAAAAAAAAAAAAAAAAAAAAAAAAAAAAAAAAAAAAAAAAAAAAAAAAAAAAAAAAAAAAAAAAAAAAAAAAAAAAAAAAAAAAAAAAAAAAAAAAAAAAAAAAAAAAAAAAAAAAAAAAAAAAAAAAAAAAAAAAAAAAAAAAAAAAAAAAAAAAAAAAAAAAAAAAAAAAAAAAAAAAAAAAAAAAAAAAAAAAAAAAAAAAAAAAAAAAAAAAAAAAAAAAAAAAAAAAAAAAAAAAAAAAAAAAAAAAAAAAAAAAAAAAAAAAAAAAAAAAAAAAAAAAAAAAAAAAAAAAAAAAAAAAAAAAAAAAAAAAAAAAAAAAAAAAAAAAAAAAAAAAAAAAAAAAAAAAAAAAAAAAAAAAAAAAAAAAAAAAAAAAAAAAAAAAAAAAAAAAAAAAAAAAAAAAAAAAAAAAAAAAAAAAAAAAAAAAAAAAAAAAAAAAAAAAAAAAAAAAAAAAAAAAAAAAAAAAAAAAAAAAAAAAAAAAAAAAAAAAAAAAAAAAAAAAAAAAAAAAAAAAAAAAAAAAAAAAAAAAAAAAAAAAAAAAAAAAAAAAAAAAAAAAAAAAAAAAAAAAAAAAAAAAAAAAAAAAAAAAAAAAAAAAAAAAAAAAAAAAAAAAAAAAAAAAAAAAAAAAAAAAAAAAAAAAAAAAAAAAAAAAAAAAAAAAAAAAAAAAAAAAAAAAAAAAAAAAAAAAAAAAAAAAAAAAAAAAAAAAAAAAAAAAAAAAAAAAAAAAAAAAAAAAAAAAAAAAAAAAAAAAAAAAAAAAAAAAAAAAAAAAAAAAAAAAAAAAAAAAAAAAAAAAAAAAAAAAAAAAAAAAAAAAAAAAAAAAAAAAAAAAAAAAAAAAAAAAAAAAAAAAAAAAAAAAAAAAAAAAAAAAAAAAAAAAAAAAAAAAAAAAAAAAAAAAAAAAAAAAAAAAAAAAAAAAAAAAAAAAAAAAAAAAAAAAAAAAAAAAAAAAAAAAAAAAAAAAAAAAAAAAAAAAAAAAAAAAAAAAAAAAAAAAAAAAAAAAAAAAAAAAAAAAAAAAAAAAAAAAAAAAAAAAAAAAAAAAAAAAAAAAAAAAAAAAAAAAAAAAAAAAAAAAAAAAAAAAAAAAAAAAAAAAAAAAAAAAAAAAAAAAAAAAAAAAAAAAAAAAAAAAAAAAAAAAAAAAAAAAAAAAAAAAAAAAAAAAAAAAAAAAAAAAAAAAAAAAAAAAAAAAAAAAAAAAAAAAAAAAAAAAAAAAAAAAAAAAAAAAAAAAAAAAAAAAAAAAAAAAAAAAAAAAAAAAAAAAAAAAAAAAAAAAAAAAAAAAAAAAAAAAAAAAAAAAAAAAAAAAAAAAAAAAAAAAAAAAAAAAAAAAAAAAAAAAAAAAAAAAAAAAAAAAAAAAAAAAAAAAAAAAAAAAAAAAAAAAAAAAAAAAAAAAAAAAAAAAAAAAAAAAAAAAAAAAAAAAAAAAAAAAAAAAAAAAAAAAAAAAAAAAAAAAAAAAAAAAAAAAAAAAAAAAAAAAAAAAAAAAAAAAAAAAAAAAAAAAAAAAAAAAAAAAAAAAAAAAAAAAAAAAAAAAAAAAAAAAAAAAAAAAAAAAAAAAAAAAAAAAAAAAAAAAAAAAAAAAAAAAAAAAAAAAAAAAAAAAAAAAAAAAAAAAAAAAAAAAAAAAAAAAAAAAAAAAAAAAAAAAAAAAAAAAAAAAAAAAAAAAAAAAAAAAAAAAAAAAAAAAAAAAAAAAAAAAAAAAAAAAAAAAAAAAAAAAAAAAAAAAAAAAAAAAAAAAAAAAAAAAAAAAAAAAAAAAAAAAAAAAAAAAAAAAAAAAAAAAAAAAAAAAAAAAAAAAAAAAAAAAAAAAAAAAAAAAAAAAAAAAAAAAAAAAAAAAAAAAAAAAAAAAAAAAAAAAAAAAAAAAAAAAAAAAAAAAAAAAAAAAAAAAAAAAAAAAAAAAAAAAAAAAAAAAAAAAAAAAAAAAAAAAAAAAAAAAAAAAAAAAAAAAAAAAAAAAAAAAAAAAAAAAAAAAAAAAAAAAAAAAAAAAAAAAAAAAAAAAAAAAAAAAAAAAAAAAAAAAAAAAAAAAAAAAAAAAAAAAAAAAAAAAAAAAAAAAAAAAAAAAAAAAAAAAAAAAAAAAAAAAAAAAAAAAAAAAAAAAAAAAAAAAAAAAAAAAAAAAAAAAAAAAAAAAAAAAAAAAAAAAAAAAAAAAAAAAAAAAAAAAAAAAAAAAAAAAAAAAAAAAAAAAAAAAAAAAAAAAAAAAAAAAAAAAAAAAAAAAAAAAAAAAAAAAAAAAAAAAAAAAAAAAAAAAAAAAAAAAAAAAAAAAAAAAAAAAAAAAAAAAAAAAAAAAAAAAAAAAAAAAAAAAAAAAAAAAAAAAAAAAAAAAAAAAAAAAAAAAAAAAAAAAAAAAAAAAAAAAAAAAAAAAAAAAAAAAAAAAAAAAAAAAAAAAAAAAAAAAAAAAAAAAAAAAAAAAAAAAAAAAAAAAAAAAAAAAAAAAAAAAAAAAAAAAAAAAAAAAAAAAAAAAAAAAAAAAAAAAAAAAAAAAAAAAAAAAAAAAAAAAAAAAAAAAAAAAAAAAAAAAAAAAAAAAAAAAAAAAAAAAAAAAAAAAAAAAAAAAAAAAAAAAAAAAAAAAAAAAAAAAAAAAAAAAAAAAAAAAAAAAAAAAAAAAAAAAAAAAAAAAAAAAAAAAAAAAAAAAAAAAAAAAAAAAAAAAAAAAAAAAAAAAAAAAAAAAAAAAAAAAAAAAAAAAAAAAAAAAAAAAAAAAAAAAAAAAAAAAAAAAAAAAAAAAAAAAAAAAAAAAAAAAAAAAAAAAAAAAAAAAAAAAAAAAAAAAAAAAAAAAAAAAAAAAAAAAAAAAAAAAAAAAAAAAAAAAAAAAAAAAAAAAAAAAAAAAAAAAAAAAAAAAAAAAAAAAAAAAAAAAAAAAAAAAAAAAAAAAAAAAAAAAAAAAAAAAAAAAAAAAAAAAAAAAAAAAAAAAAAAAAAAAAAAAAAAAAAAAAAAAAAAAAAAAAAAAAAAAAAAAAAAAAAAAAAAAAAAAAAAAAAAAAAAAAAAAAAAAAAAAAAAAAAAAAAAAAAAAAAAAAAAAAAAAAAAAAAAAAAAAAAAAAAAAAAAAAAAAAAAAAAAAAAAAAAAAAAAAAAAAAAAAAAAAAAAAAAAAAAAAAAAAAAAAAAAAAAAAAAAAAAAAAAAAAAAAAAAAAAAAAAAAAAAAAAAAAAAAAAAAAAAAAAAAAAAAAAAAAAAAAAAAAAAAAAAAAAAAAAAAAAAAAAAAAAAAAAAAAAAAAAAAAAAAAAAAAAAAAAAAAAAAAAAAAAAAAAAAAAAAAAAAAAAAAAAAAAAAAAAAAAAAAAAAAAAAAAAAAAAAAAAAAAAAAAAAAAAAAAAAAAAAAAAAAAAAAAAAAAAAwEBAQEBAQEBAQEBAQEBAQEAAAAAAAAAAwAAAAMAAAAA/////wMAaAwAAAAAAAAAAAAAIAD///////////////8AAAD///////////////8DAAAAAgD///////8DAAAAAgD///////8DAAAAAgD///////////////////////////////////////////////////////////////////////////////////////////////////////////////////////////////////////////////////////////////////////////////////////////////////////////////////////////////////////////////////////////////////////////////////////////////////////////////////////////////////////////////////////////////////////////////////////////////////////////////////////////////////////////////////////////////////////////////8BACAA////////////////AAAO////////AwAAAAIA////////////////////////////////////////////////////////////////////////////////////////////////////////////////////////////////////////////////////////////////////////////////////////////////////////////////////////////////////////////////////////////////////////////////////////////////////////////////////////////////////////////////////////////////////////////////////////////////////////////////////////////////////////////////////////////////////////////////////////////////////////////////////////AgADAP///////wQAAAACABAACyALuWegdYZDtBdDRvKiiucFAAAAAAADAAAAAAADAAAAAQADAAAAAAD///////8DAAAAAAD///////8AAAAAAAAAAAAAAAAAAAAAAAAAAAAAAAAAAAAAAAAAAAAAAAAAAAAAAAAAAAAAAAAAAAAAAAAAAAAAAAAAAAAAAAAAAAAAAAAAAAAAAAAAAAAAAAAAAAAAAAAAAAAAAAAAAAAAAAAAAAAAAAAAAAAAAAAAAAAAAAAAAAAAAAAAAAAAAAAAAAAAAAAAAAAAAAAAAAAAAAAAAAAAAAAAAAAAAAAAAAAAAAAAAAAAAAAAAAAAAAAAAAAAAAAAAAAAAAAAAAAAAAAAAAAAAAAAAAAAAAAAAAAAAAAAAAAAAAAAAAAAAAAAAAAAAAAAAAAAAAAAAAAAAAAAAAAAAAAAAAAAAAAAAAAAAAAAAAAAAAAAAAAAAAAAAAAAAAAAAAAAAAAAAAAAAAAAAAAAAAAAAAAAAAAAAAAAAAAAAAAAAAAAAAAAAAAAAAAAAAAAAAAAAAAAAAAAAAAAAAAAAAAAAAAAAAAAAAAAAAAAAAAAAAAAAAAAAAAAAAAAAAAAAAAAAAAAAAAAAAAAAAAAAAAAAAAAAAAAAAAAAAAAAAAAAAAAAAAAAAAAAAAAAAAAAAAAAAAAAAAAAAAAAAAAAAAAAAAAAAAAAAAAAAAAAAAAAAAAAAAAAAAAAAAAAAAAAAAAAAAAAAAAAAAAAAAAAAAAAAAAAAAAAAAAAAAAAAAAAAAAAAAAAAAAAAAAAAAAAAAAAAAAAAAAAAAAAAAAAAAAAAAAAAAAAAAAAAAAAAAAAAAAAAAAAAAAAAAAAAAAAAAAAAAAAAAAAAAAAAAAAAAAAAAAAAAAAAAAAAAAAAAAAAAAAAAAAAAAAAAAAAAAAAAAAAAAAAAAAAAAAAAAAAAAAAAAAAAAAAAAAAAAAAAAAAAAAAAAAAAAAAAAAAAAAAAAAAAAAAAAAAAAAAAAAAAAAAAAAAAAAAAAAAAAAAAAAAAAAAAAAAAAAAAAAAAAAAAAAAAAAAAAAAAAAAAAAAAAAAAAAAAAAAAAAAAAAAAAAAAAAAAAAAAAAAAAAAAAAAAAAAAAAAAAAAAAAAAAAAAAAAAAAAAAAAAAAAAAAAAAAAAAAAAAAAAAAAAAAAAAAAAAAAAAAAAAAAAAAAAAAAAAAAAAAAAAAAAAAAAAAAAAAAAAAAAAAAAAAAAAAAAAAAAAAAAAAAAAAAAAAAAAAAAAAAAAAAAAAAAAAAAAAAAAAAAAAAAAAAAAAAAAAAAAAAAAAAAAAAAAAAAAAAAAAAAAAAAAAAAAAAAAAAAAAAAAAAAAAAAAAAAAAAAAAAAAAAAAAAAAAAAAAAAAAAAAAAAAAAAAAAAAAAAAAAAAAAAAAAAAAAAAAAAAAAAAAAAAAAAAAAAAAAAAAAAAAAAAAAAAAAAAAAAAAAAAAAAAAAAAAAAAAAAAAAAAAAAAAAAAAAAAAAAAAAAAAAAAAAAAAAAAAAAAAAAAAAAAAAAAAAAAAAAAAAAAAAAAAAAAAAAAAAAAAAAAAAAAAAAAAAAAAAAAAAAAAAAAAAAAAAAAAAAAAAAAAAAAAAAAAAAAAAAAAAAAAAAAAAAAAAAAAAAAAAAAAAAAAAAAAAAAAAAAAAAAAAAAAAAAAAAAAAAAAAAAAAAAAAAAAAAAAAAAAAAAAAAAAAAAAAAAAAAAAAAAAAAAAAAAAAAAAAAAAAAAAAAAAAAAAAAAAAAAAAAAAAAAAAAAAAAAAAAAAAAAAAAAAAAAAAAAAAAAAAAAAAAAAAAAAAAAAAAAAAAAAAAAAAAAAAAAAAAAAAAAAAAAAAAAAAAAAAAAAAAAAAAAAAAAAAAAAAAAAAAAAAAAAAAAAAAAAAAAAAAAAAAAAAAAAAAAAAAAAAAAAAAAAAAAAAAAAAAAAAAAAAAAAAAAAAAAAAAAAAAAAAAAAAAAAAAAAAAAAAAAAAAAAAAAAAAAAAAAAAAAAAAAAAAAAAAAAAAAAAAAAAAAAAAAAAAAAAAAAAAAAAAAAAAAAAAAAAAAAAAAAAAAAAAAAAAAAAAAAAAAAAAAAAAAAAAAAAAAAAAAAAAAAAAAAAAAAAAAAAAAAAAAAAAAAAAAAAAAAAAAAAAAAAAAAAAAAAAAAAAAAAAAAAAAAAAAAAAAAAAAAAAAAAAAAAAAAAAAAAAAAAAAAAAAAAAAAAAAAAAAAAAAAAAAAAAAAAAAAAAAAAAAAAAAAAAAAAAAAAAAAAAAAAAAAAAAAAAAAAAAAAAAAAAAAAAAAAAAAAAAAAAAAAAAAAAAAAAAAAAAAAAAAAAAAAAAAAAAAAAAAAAAAAAAAAAAAAAAAAAAAAAAAAAAAAAAAAAAAAAAAAAAAAAAAAAAAAAAAAAAAAAAAAAAAAAAAAAAAAAAAAAAAAAAAAAAAAAAAAAAAAAAAAAAAAAAAAAAAAAAAAAAAAAAAAAAAAAAAAAAAAAAAAAAAAAAAAAAAAAAAAAAAAAAAAAAAAAAAAAAAAAAAAAAAAAAAAAAAAAAAAAAAAAAAAAAAAAAAAAAAAAAAAAAAAAAAAAAAAAAAAAAAAAAAAAAAAAAAAAAAAAAAAAAAAAAAAAAAAAAAAAAAAAAAAAAAAAAAAAAAAAAAAAAAAAAAAAAAAAAAAAAAAAAAAAAAAAAAAAAAAAAAAAAAAAAAAAAAAAAAAAAAAAAAAAAAAAAAAAAAAAAAAAAAAAAAAAAAAAAAAAAAAAAAAAAAAAAAAAAAAAAAAAAAAAAAAAAAAAAAAAAAAAAAAAAAAAAAAAAAAAAAAAAAAAAAAAAAAAAAAAAAAAAAAAAAAAAAAAAAAAAAAAAAAAAAAAAAAAAAAAAAAAAAAAAAAAAAAAAAAAAAAAAAAAAAAAAAAAAAAAAAAAAAAAAAAAAAAAAAAAAAAAAAAAAAAAAAAAAAAAAAAAAAAAAAAAAAAAAAAAAAAAAAAAAAAAAAAAAAAAAAAAAAAAAAAAAAAAAAAAAAAAAAAAAAAAAAAAAAAAAAAAAAAAAAAAAAAAAAAAAAAAAAAAAAAAAAAAAAAAAAAAAAAAAAAAAAAAAAAAAAAAAAAAAAAAAAAAAAAAAAAAAAAAAAAAAAAAAAAAAAAAAAAAAAAAAAAAAAAAAAAAAAAAAAAAAAAAAAAAAAAAAAAAAAAAAAAAAAAAAAAAAAAAAAAAAAAAAAAAAAAAAAAAAAAAAAAAAAAAAAAAAAAAAAAAAAAAAAAAAAAAAAAAAAAAAAAAAAAAAAAAAAAAAAAAAAAAAAAAAAAAAAAAAAAAAAAAAAAAAAAAAAAAAAAAAAAAAAAAAAAAAAAAAAAAAAAAAAAAAAAAAAAAAAAAAAAAAAAAAAAAAAAAAAAAAAAAAAAAAAAAAAAAAAAAAAAAAAAAAAAAAAAAAAAAAAAAAAAAAAAAAAAAAAAAAAAAAAAAAAAAAAAAAAAAAAAAAAAAAAAAAAAAAAAAAAAAAAAAAAAAAAAAAAAAAAAAAAAAAAAAAAAAAAAAAAAAAAAAAAAAAAAAAAAAAAAAAAAAAAAAAAAAAAAAAAAAAAAAAAAAAAAAAAAAAAAAAAAAAAAAAAAAAAAAAAAAAAAAAAAAAAAAAAAAAAAAAAAAAAAAAAAAAAAAAAAAAAAAAAAAAAAAAAAAAAAAAAAAAAAAAAAAAAAAAAAAAAAAAAAAAAAAAAAAAAAAAAAAAAAAAAAAAAAAAAAAAAAAAAAAAAAAAAAAAAAAAAAAAAAAAAAAAAAAAAAAAAAAAAAAAAAAAAAAAAAAAAAAAAAAAAAAAAAAAAAAAAAAAAAAAAAAAAAAAAAAAAAAAAAAAAAAAAAAAAAAAAAAAAAAAAAAAAAAAAAAAAAAAAAAAAAAAAAAAAAAAAAAAAAAAAAAAAAAAAAAAAAAAAAAAAAAAAAAAAAAAAAAAAAAAAAAAAAAAAAAAAAAAAAAAAAAAAAAAAAAAAAAAAAAAAAAAAAAAAAAAAAAAAAAAAAAAAAAAAAAAAAAAAAAAAAAAAAAAAAAAAAAAAAAAAAAAAAAAAAAAAAAAAAAAAAAAAAAAAAAAAAAAAAAAAAAAAAAAAAAAAAAAAAAAAAAAAAAAAAAAAAAAAAAAAAAAAAAAAAAAAAAAAAAAAAAAAAAAAAAAAAAAAAAAAAAAAAAAAAAAAAAAAAAAAAAAAAAAAAAAAAAAAAAAAAAAAAAAAAAAAAAAAAAAAAAAAAAAAAAAAAAAAAAAAAAAAAAAAAAAAAAAAAAAAAAAAAAAAAAAAAAAAAAAAAAAAAAAAAAAAAAAAAAAAAAAAAAAAAAAAAAAAAAAAAAAAAAAAAAAAAQAAAADAAAAAP////8DAIQMAAAAAAAAAAAAACAB////////////////AAAA////////////////BAAAAAIA////////////////////////////////////////////////////////////////////////////////////////////////////////////////////////////////////////////////////////////////////////////////////////////////////////////////////////////////////////////////////////////////////////////////////////////////////////////////////////////////////////////////////////////////////////////////////////////////////////////////////////////////////////////////////////////////////////////////////////////////////////////////AQAgAf///////////////wAADv///////wQAAAACAP///////////////////////////////////////////////////////////////////////////////////////////////////////////////////////////////////////////////////////////////////////////////////////////////////////////////////////////////////////////////////////////////////////////////////////////////////////////////////////////////////////////////////////////////////////////////////////////////////////////////////////////////////////////////////////////////////////////////////////////////////////////////////////wIAAQEDAAAAAgD///////8MAAZQZXJzb25hbElkXzAFAAAAAAAEAAAAAAAEAAAAAQAAAAAAAAAAAAAAAAAAAAAAAAAAAAAAAAAAAAAAAAAAAAAAAAAAAAAAAAAAAAAAAAAAAAAAAAAAAAAAAAAAAAAAAAAAAAAAAAAAAAAAAAAAAAAAAAAAAAAAAAAAAAAAAAAAAAAAAAAAAAAAAAAAAAAAAAAAAAAAAAAAAAAAAAAAAAAAAAAAAAAAAAAAAAAAAAAAAAAAAAAAAAAAAAAAAAAAAAAAAAAAAAAAAAAAAAAAAAAAAAAAAAAAAAAAAAAAAAAAAAAAAAAAAAAAAAAAAAAAAAAAAAAAAAAAAAAAAAAAAAAAAAAAAAAAAAAAAAAAAAAAAAAAAAAAAAAAAAAAAAAAAAAAAAAAAAAAAAAAAAAAAAAAAAAAAAAAAAAAAAAAAAAAAAAAAAAAAAAAAAAAAAAAAAAAAAAAAAAAAAAAAAAAAAAAAAAAAAAAAAAAAAAAAAAAAAAAAAAAAAAAAAAAAAAAAAAAAAAAAAAAAAAAAAAAAAAAAAAAAAAAAAAAAAAAAAAAAAAAAAAAAAAAAAAAAAAAAAAAAAAAAAAAAAAAAAAAAAAAAAAAAAAAAAAAAAAAAAAAAAAAAAAAAAAAAAAAAAAAAAAAAAAAAAAAAAAAAAAAAAAAAAAAAAAAAAAAAAAAAAAAAAAAAAAAAAAAAAAAAAAAAAAAAAAAAAAAAAAAAAAAAAAAAAAAAAAAAAAAAAAAAAAAAAAAAAAAAAAAAAAAAAAAAAAAAAAAAAAAAAAAAAAAAAAAAAAAAAAAAAAAAAAAAAAAAAAAAAAAAAAAAAAAAAAAAAAAAAAAAAAAAAAAAAAAAAAAAAAAAAAAAAAAAAAAAAAAAAAAAAAAAAAAAAAAAAAAAAAAAAAAAAAAAAAAAAAAAAAAAAAAAAAAAAAAAAAAAAAAAAAAAAAAAAAAAAAAAAAAAAAAAAAAAAAAAAAAAAAAAAAAAAAAAAAAAAAAAAAAAAAAAAAAAAAAAAAAAAAAAAAAAAAAAAAAAAAAAAAAAAAAAAAAAAAAAAAAAAAAAAAAAAAAAAAAAAAAAAAAAAAAAAAAAAAAAAAAAAAAAAAAAAAAAAAAAAAAAAAAAAAAAAAAAAAAAAAAAAAAAAAAAAAAAAAAAAAAAAAAAAAAAAAAAAAAAAAAAAAAAAAAAAAAAAAAAAAAAAAAAAAAAAAAAAAAAAAAAAAAAAAAAAAAAAAAAAAAAAAAAAAAAAAAAAAAAAAAAAAAAAAAAAAAAAAAAAAAAAAAAAAAAAAAAAAAAAAAAAAAAAAAAAAAAAAAAAAAAAAAAAAAAAAAAAAAAAAAAAAAAAAAAAAAAAAAAAAAAAAAAAAAAAAAAAAAAAAAAAAAAAAAAAAAAAAAAAAAAAAAAAAAAAAAAAAAAAAAAAAAAAAAAAAAAAAAAAAAAAAAAAAAAAAAAAAAAAAAAAAAAAAAAAAAAAAAAAAAAAAAAAAAAAAAAAAAAAAAAAAAAAAAAAAAAAAAAAAAAAAAAAAAAAAAAAAAAAAAAAAAAAAAAAAAAAAAAAAAAAAAAAAAAAAAAAAAAAAAAAAAAAAAAAAAAAAAAAAAAAAAAAAAAAAAAAAAAAAAAAAAAAAAAAAAAAAAAAAAAAAAAAAAAAAAAAAAAAAAAAAAAAAAAAAAAAAAAAAAAAAAAAAAAAAAAAAAAAAAAAAAAAAAAAAAAAAAAAAAAAAAAAAAAAAAAAAAAAAAAAAAAAAAAAAAAAAAAAAAAAAAAAAAAAAAAAAAAAAAAAAAAAAAAAAAAAAAAAAAAAAAAAAAAAAAAAAAAAAAAAAAAAAAAAAAAAAAAAAAAAAAAAAAAAAAAAAAAAAAAAAAAAAAAAAAAAAAAAAAAAAAAAAAAAAAAAAAAAAAAAAAAAAAAAAAAAAAAAAAAAAAAAAAAAAAAAAAAAAAAAAAAAAAAAAAAAAAAAAAAAAAAAAAAAAAAAAAAAAAAAAAAAAAAAAAAAAAAAAAAAAAAAAAAAAAAAAAAAAAAAAAAAAAAAAAAAAAAAAAAAAAAAAAAAAAAAAAAAAAAAAAAAAAAAAAAAAAAAAAAAAAAAAAAAAAAAAAAAAAAAAAAAAAAAAAAAAAAAAAAAAAAAAAAAAAAAAAAAAAAAAAAAAAAAAAAAAAAAAAAAAAAAAAAAAAAAAAAAAAAAAAAAAAAAAAAAAAAAAAAAAAAAAAAAAAAAAAAAAAAAAAAAAAAAAAAAAAAAAAAAAAAAAAAAAAAAAAAAAAAAAAAAAAAAAAAAAAAAAAAAAAAAAAAAAAAAAAAAAAAAAAAAAAAAAAAAAAAAAAAAAAAAAAAAAAAAAAAAAAAAAAAAAAAAAAAAAAAAAAAAAAAAAAAAAAAAAAAAAAAAAAAAAAAAAAAAAAAAAAAAAAAAAAAAAAAAAAAAAAAAAAAAAAAAAAAAAAAAAAAAAAAAAAAAAAAAAAAAAAAAAAAAAAAAAAAAAAAAAAAAAAAAAAAAAAAAAAAAAAAAAAAAAAAAAAAAAAAAAAAAAAAAAAAAAAAAAAAAAAAAAAAAAAAAAAAAAAAAAAAAAAAAAAAAAAAAAAAAAAAAAAAAAAAAAAAAAAAAAAAAAAAAAAAAAAAAAAAAAAAAAAAAAAAAAAAAAAAAAAAAAAAAAAAAAAAAAAAAAAAAAAAAAAAAAAAAAAAAAAAAAAAAAAAAAAAAAAAAAAAAAAAAAAAAAAAAAAAAAAAAAAAAAAAAAAAAAAAAAAAAAAAAAAAAAAAAAAAAAAAAAAAAAAAAAAAAAAAAAAAAAAAAAAAAAAAAAAAAAAAAAAAAAAAAAAAAAAAAAAAAAAAAAAAAAAAAAAAAAAAAAAAAAAAAAAAAAAAAAAAAAAAAAAAAAAAAAAAAAAAAAAAAAAAAAAAAAAAAAAAAAAAAAAAAAAAAAAAAAAAAAAAAAAAAAAAAAAAAAAAAAAAAAAAAAAAAAAAAAAAAAAAAAAAAAAAAAAAAAAAAAAAAAAAAAAAAAAAAAAAAAAAAAAAAAAAAAAAAAAAAAAAAAAAAAAAAAAAAAAAAAAAAAAAAAAAAAAAAAAAAAAAAAAAAAAAAAAAAAAAAAAAAAAAAAAAAAAAAAAAAAAAAAAAAAAAAAAAAAAAAAAAAAAAAAAAAAAAAAAAAAAAAAAAAAAAAAAAAAAAAAAAAAAAAAAAAAAAAAAAAAAAAAAAAAAAAAAAAAAAAAAAAAAAAAAAAAAAAAAAAAAAAAAAAAAAAAAAAAAAAAAAAAAAAAAAAAAAAAAAAAAAAAAAAAAAAAAAAAAAAAAAAAAAAAAAAAAAAAAAAAAAAAAAAAAAAAAAAAAAAAAAAAAAAAAAAAAAAAAAAAAAAAAAAAAAAAAAAAAAAAAAAAAAAAAAAAAAAAAAAAAAAAAAAAAAAAAAAAAAAAAAAAAAAAAAAAAAAAAAAAAAAAAAAAAAAAAAAAAAAAAAAAAAAAAAAAAAAAAAAAAAAAAAAAAAAAAAAAAAAAAAAAAAAAAAAAAAAAAAAAAAAAAAAAAAAAAAAAAAAAAAAAAAAAAAAAAAAAAAAAAAAAAAAAAAAAAAAAAAAAAAAAAAAAAAAAAAAAAAAAAAAAAAAAAAAAAAAAAAAAAAAAAAAAAAAAAAAAAAAAAAAAAAAAAAAAAAAAAAAAAAAAAAAAAAAAAAAAAAAAAAAAAAAAAAAAAAAAAAAAAAAAAAAAAAAAAAAAAAAAAAAAAAAAAAAAAAAAAAAAAAAAAAAAAAAAAAAAAAAAAAAAAAAAAAAAAAAAAAAAAAAAAAAAAAAAAAAAAAAAAAAAAAAAAAAAAAAAAAAAAAAAAAAAAAAAAAAAAAAAAAAAAAAAAAAAAAAAAAAAAAAAAAAAAAAAAAAAAAAAAAAAAAAAAAAAAAAAAAAAAAAAAAAAAAAAAAAAAAAAAAAAAAAAAAAAAAAAAAAAAAAAAAAAAAAAAAAAAAAAAAAAAAAAAAAAAAAAAAAAAAAAAAAAAAAAAAAAAAAAAAAAAAAAAAAAAAAAAAAAAAAAAAAAAAAAAAAAAAAAAAAAAAAAAAAAAAAAAAAAAAAAAAAAAAAAAAAAAAAAAAAAAAAAAAAAAAAAAAAAAAAAAAAAAAAAAAAAAAAAAAAAAAAAAAAAAAAAAAAAAAAAAAAAAAAAAAAAAAAAAAAAAAAAAAAAAAAAAAAAAAAAAAAAAAAAAAAAAAAAAAAAAAAAAAAAAAAAAAAAAAAAAAAAAAAAAAAAAAAAAAAAAAAAAAAAAAAAAAAAAAAAAAAAAAAAAAAAAAAAAAAAAAAAAAAAAAAAAAAAAAAAAAAAAAAAAAAAAAAAAAAAAAAAAAAAAAAAFAAAABAAAAAD/////AQBvDwAAAAAAAAAAAAD/////cABwAAAABV9pZAAQAAAABCALuWegdYZDtBdDRvKiiucDRGF0YQAWAAAAAlBlcnNvbmFsSWQAAQAAAAAAAk5hbWUACwAAAFBlcnNvbmFsSWQAEFZlcnNpb24AAAAAAAlMYXN0V3JpdGUAK+Vy7IsBAAAAAAAAAAAAAAAAAAAAAAAAAAAAAAAAAAAAAAAAAAAAAAAAAAAAAAAAAAAAAAAAAAAAAAAAAAAAAAAAAAAAAAAAAAAAAAAAAAAAAAAAAAAAAAAAAAAAAAAAAAAAAAAAAAAAAAAAAAAAAAAAAAAAAAAAAAAAAAAAAAAAAAAAAAAAAAAAAAAAAAAAAAAAAAAAAAAAAAAAAAAAAAAAAAAAAAAAAAAAAAAAAAAAAAAAAAAAAAAAAAAAAAAAAAAAAAAAAAAAAAAAAAAAAAAAAAAAAAAAAAAAAAAAAAAAAAAAAAAAAAAAAAAAAAAAAAAAAAAAAAAAAAAAAAAAAAAAAAAAAAAAAAAAAAAAAAAAAAAAAAAAAAAAAAAAAAAAAAAAAAAAAAAAAAAAAAAAAAAAAAAAAAAAAAAAAAAAAAAAAAAAAAAAAAAAAAAAAAAAAAAAAAAAAAAAAAAAAAAAAAAAAAAAAAAAAAAAAAAAAAAAAAAAAAAAAAAAAAAAAAAAAAAAAAAAAAAAAAAAAAAAAAAAAAAAAAAAAAAAAAAAAAAAAAAAAAAAAAAAAAAAAAAAAAAAAAAAAAAAAAAAAAAAAAAAAAAAAAAAAAAAAAAAAAAAAAAAAAAAAAAAAAAAAAAAAAAAAAAAAAAAAAAAAAAAAAAAAAAAAAAAAAAAAAAAAAAAAAAAAAAAAAAAAAAAAAAAAAAAAAAAAAAAAAAAAAAAAAAAAAAAAAAAAAAAAAAAAAAAAAAAAAAAAAAAAAAAAAAAAAAAAAAAAAAAAAAAAAAAAAAAAAAAAAAAAAAAAAAAAAAAAAAAAAAAAAAAAAAAAAAAAAAAAAAAAAAAAAAAAAAAAAAAAAAAAAAAAAAAAAAAAAAAAAAAAAAAAAAAAAAAAAAAAAAAAAAAAAAAAAAAAAAAAAAAAAAAAAAAAAAAAAAAAAAAAAAAAAAAAAAAAAAAAAAAAAAAAAAAAAAAAAAAAAAAAAAAAAAAAAAAAAAAAAAAAAAAAAAAAAAAAAAAAAAAAAAAAAAAAAAAAAAAAAAAAAAAAAAAAAAAAAAAAAAAAAAAAAAAAAAAAAAAAAAAAAAAAAAAAAAAAAAAAAAAAAAAAAAAAAAAAAAAAAAAAAAAAAAAAAAAAAAAAAAAAAAAAAAAAAAAAAAAAAAAAAAAAAAAAAAAAAAAAAAAAAAAAAAAAAAAAAAAAAAAAAAAAAAAAAAAAAAAAAAAAAAAAAAAAAAAAAAAAAAAAAAAAAAAAAAAAAAAAAAAAAAAAAAAAAAAAAAAAAAAAAAAAAAAAAAAAAAAAAAAAAAAAAAAAAAAAAAAAAAAAAAAAAAAAAAAAAAAAAAAAAAAAAAAAAAAAAAAAAAAAAAAAAAAAAAAAAAAAAAAAAAAAAAAAAAAAAAAAAAAAAAAAAAAAAAAAAAAAAAAAAAAAAAAAAAAAAAAAAAAAAAAAAAAAAAAAAAAAAAAAAAAAAAAAAAAAAAAAAAAAAAAAAAAAAAAAAAAAAAAAAAAAAAAAAAAAAAAAAAAAAAAAAAAAAAAAAAAAAAAAAAAAAAAAAAAAAAAAAAAAAAAAAAAAAAAAAAAAAAAAAAAAAAAAAAAAAAAAAAAAAAAAAAAAAAAAAAAAAAAAAAAAAAAAAAAAAAAAAAAAAAAAAAAAAAAAAAAAAAAAAAAAAAAAAAAAAAAAAAAAAAAAAAAAAAAAAAAAAAAAAAAAAAAAAAAAAAAAAAAAAAAAAAAAAAAAAAAAAAAAAAAAAAAAAAAAAAAAAAAAAAAAAAAAAAAAAAAAAAAAAAAAAAAAAAAAAAAAAAAAAAAAAAAAAAAAAAAAAAAAAAAAAAAAAAAAAAAAAAAAAAAAAAAAAAAAAAAAAAAAAAAAAAAAAAAAAAAAAAAAAAAAAAAAAAAAAAAAAAAAAAAAAAAAAAAAAAAAAAAAAAAAAAAAAAAAAAAAAAAAAAAAAAAAAAAAAAAAAAAAAAAAAAAAAAAAAAAAAAAAAAAAAAAAAAAAAAAAAAAAAAAAAAAAAAAAAAAAAAAAAAAAAAAAAAAAAAAAAAAAAAAAAAAAAAAAAAAAAAAAAAAAAAAAAAAAAAAAAAAAAAAAAAAAAAAAAAAAAAAAAAAAAAAAAAAAAAAAAAAAAAAAAAAAAAAAAAAAAAAAAAAAAAAAAAAAAAAAAAAAAAAAAAAAAAAAAAAAAAAAAAAAAAAAAAAAAAAAAAAAAAAAAAAAAAAAAAAAAAAAAAAAAAAAAAAAAAAAAAAAAAAAAAAAAAAAAAAAAAAAAAAAAAAAAAAAAAAAAAAAAAAAAAAAAAAAAAAAAAAAAAAAAAAAAAAAAAAAAAAAAAAAAAAAAAAAAAAAAAAAAAAAAAAAAAAAAAAAAAAAAAAAAAAAAAAAAAAAAAAAAAAAAAAAAAAAAAAAAAAAAAAAAAAAAAAAAAAAAAAAAAAAAAAAAAAAAAAAAAAAAAAAAAAAAAAAAAAAAAAAAAAAAAAAAAAAAAAAAAAAAAAAAAAAAAAAAAAAAAAAAAAAAAAAAAAAAAAAAAAAAAAAAAAAAAAAAAAAAAAAAAAAAAAAAAAAAAAAAAAAAAAAAAAAAAAAAAAAAAAAAAAAAAAAAAAAAAAAAAAAAAAAAAAAAAAAAAAAAAAAAAAAAAAAAAAAAAAAAAAAAAAAAAAAAAAAAAAAAAAAAAAAAAAAAAAAAAAAAAAAAAAAAAAAAAAAAAAAAAAAAAAAAAAAAAAAAAAAAAAAAAAAAAAAAAAAAAAAAAAAAAAAAAAAAAAAAAAAAAAAAAAAAAAAAAAAAAAAAAAAAAAAAAAAAAAAAAAAAAAAAAAAAAAAAAAAAAAAAAAAAAAAAAAAAAAAAAAAAAAAAAAAAAAAAAAAAAAAAAAAAAAAAAAAAAAAAAAAAAAAAAAAAAAAAAAAAAAAAAAAAAAAAAAAAAAAAAAAAAAAAAAAAAAAAAAAAAAAAAAAAAAAAAAAAAAAAAAAAAAAAAAAAAAAAAAAAAAAAAAAAAAAAAAAAAAAAAAAAAAAAAAAAAAAAAAAAAAAAAAAAAAAAAAAAAAAAAAAAAAAAAAAAAAAAAAAAAAAAAAAAAAAAAAAAAAAAAAAAAAAAAAAAAAAAAAAAAAAAAAAAAAAAAAAAAAAAAAAAAAAAAAAAAAAAAAAAAAAAAAAAAAAAAAAAAAAAAAAAAAAAAAAAAAAAAAAAAAAAAAAAAAAAAAAAAAAAAAAAAAAAAAAAAAAAAAAAAAAAAAAAAAAAAAAAAAAAAAAAAAAAAAAAAAAAAAAAAAAAAAAAAAAAAAAAAAAAAAAAAAAAAAAAAAAAAAAAAAAAAAAAAAAAAAAAAAAAAAAAAAAAAAAAAAAAAAAAAAAAAAAAAAAAAAAAAAAAAAAAAAAAAAAAAAAAAAAAAAAAAAAAAAAAAAAAAAAAAAAAAAAAAAAAAAAAAAAAAAAAAAAAAAAAAAAAAAAAAAAAAAAAAAAAAAAAAAAAAAAAAAAAAAAAAAAAAAAAAAAAAAAAAAAAAAAAAAAAAAAAAAAAAAAAAAAAAAAAAAAAAAAAAAAAAAAAAAAAAAAAAAAAAAAAAAAAAAAAAAAAAAAAAAAAAAAAAAAAAAAAAAAAAAAAAAAAAAAAAAAAAAAAAAAAAAAAAAAAAAAAAAAAAAAAAAAAAAAAAAAAAAAAAAAAAAAAAAAAAAAAAAAAAAAAAAAAAAAAAAAAAAAAAAAAAAAAAAAAAAAAAAAAAAAAAAAAAAAAAAAAAAAAAAAAAAAAAAAAAAAAAAAAAAAAAAAAAAAAAAAAAAAAAAAAAAAAAAAAAAAAAAAAAAAAAAAAAAAAAAAAAAAAAAAAAAAAAAAAAAAAAAAAAAAAAAAAAAAAAAAAAAAAAAAAAAAAAAAAAAAAAAAAAAAAAAAAAAAAAAAAAAAAAAAAAAAAAAAAAAAAAAAAAAAAAAAAAAAAAAAAAAAAAAAAAAAAAAAAAAAAAAAAAAAAAAAAAAAAAAAAAAAAAAAAAAAAAAAAAAAAAAAAAAAAAAAAAAAAAAAAAAAAAAAAAAAAAAAAAAAAAAAAAAAAAAAAAAAAAAAAAAAAAAAAAAAAAAAAAAAAAAAAAAAAAAAAAAAAAAAAAAAAAAAAAAAAAAAAAAAAAAAAAAAAAAAAAAAAAAAAAAAAAAAAAAAAAAAAAAAAAAAAAAAAAAAAAAAAAAAAAAAAAAAAAAAAAAAAAAAAAAAAAAAAAAAAAAAAAAAAAAAAAAAAAAAAAAAAAAAAAAAAAAAAAAAAAAAAAAAAAAAAAAAAAAAAAAAAAAAAAAAAAAAAAAAAAAAAAAAAAAAAAAAAAAAAAAAAAAAAAAAAAAAAAAAAAAAAAAAAAAAAAAAAAAAAAAAAAAAAAAAAAAAAAAAAAAAAAAAAAAAAAAAAAAAAAAAAAAAAAAAAAAAAAAAAAAAAAAAAAAAAAAAAAAAAAAAAAAAAAAAAAAAAAAAAAAAAAAAAAAAAAAAAAAAAAAAAAAAAAAAAAAAAAAAAAAAAAAAAAAAAAAAAAAAAAAAAAAAAAAAAAAAAAAAAAAAAAAAAAAAAAAAAAAAAAAAAAAAAAAAAAAAAAAAAAAAAAAAAAAAAAAAAAAAAAAAAAAAAAAAAAAAAAAAAAAAAAAAAAAAAAAAAAAAAAAAAAAAAAAAAAAAAAAAAAAAAAAAAAAAAAAAAAAAAAAAAAAAAAAAAAAAAAAAAAAAAAAAAAAAAAAAAAAAAAAAAAAAAAAAAAAAAAAAAAAAAAAAAAAAAAAAAAAAAAAAAAAAAAAAAAAAAAAAAAAAAAAAAAAAAAAAAAAAAAAAAAAAAAAAAAAAAAAAAAAAAAAAAAAAAAAAAAAAAAAAAAAAAAAAAAAAAAAAAAAAAAAAAAAAAAAAAAAAAAAAAAAAAAAAAAAAAAAAAAAAAAAAAAAAAAAAAAAAAAAAAAAAAAAAAAAAAAAAAAAAAAAAAAAAAAAAAAAAAAAAAAAAAAAAAAAAAAAAAAAAAAAAAAAAAAAAAAAAAAAAAAAAAAAAAAAAAAAAAAAAAAAAAAAAAAAAAAAAAAAAAAAAAAAAAAAAAAAAAAAAAAAAAAAAAAAAAAAAAAAAAAAAAAAAAAAAAAAAAAAAAAAAAAAAAAAAAAAAAAAAAAAAAAAAAAAAAAAAAAAAAAAAAAAAAAAAAAAAAAAAAAAAAAAAAAAAAAAAAAAAAAAAAAAAAAAAAAAAAAAAAAAAAAAAAAAAAAAAAAAAAAAAAAAAAAAAAAAAAAAAAAAAAAAAAAAAAAAAAAAAAAAAAAAAAAAAAAAAAAAAAAAAAAAAAAAAAAAAAAAAAAAAAAA"/>
   <p:tag name="EMPOWERCHARTSPROPERTIES_SLOT" val="A"/>
@@ -6031,7 +6114,7 @@
 </p:tagLst>
 </file>
 
-<file path=ppt/tags/tag2061.xml><?xml version="1.0" encoding="utf-8"?>
+<file path=ppt/tags/tag8.xml><?xml version="1.0" encoding="utf-8"?>
 <p:tagLst xmlns:a="http://schemas.openxmlformats.org/drawingml/2006/main" xmlns:r="http://schemas.openxmlformats.org/officeDocument/2006/relationships" xmlns:p="http://schemas.openxmlformats.org/presentationml/2006/main">
   <p:tag name="EMPOWERCHARTSPROPERTIES_A_0" val="AAAAAAH//////////wEAAAAAAAAAAAAAACoqIFRoaXMgaXMgYSBMaXRlREIgZmlsZSAqKgcDAP////8FAAAAAQAAAAAAAAAAAAAAAAAAAAAAAAAAAAAAAAAAAAAAAAAAAAAAAAABEQAAAFByb3BlcnR5RG9jdW1lbnRzAgAAAAAAAAAAAAAAAAAAAAAAAAAAAAAAAAAAAAAAAAAAAAAAAAAAAAAAAAAAAAAAAAAAAAAAAAAAAAAAAAAAAAAAAAAAAAAAAAAAAAAAAAAAAAAAAAAAAAAAAAAAAAAAAAAAAAAAAAAAAAAAAAAAAAAAAAAAAAAAAAAAAAAAAAAAAAAAAAAAAAAAAAAAAAAAAAAAAAAAAAAAAAAAAAAAAAAAAAAAAAAAAAAAAAAAAAAAAAAAAAAAAAAAAAAAAAAAAAAAAAAAAAAAAAAAAAAAAAAAAAAAAAAAAAAAAAAAAAAAAAAAAAAAAAAAAAAAAAAAAAAAAAAAAAAAAAAAAAAAAAAAAAAAAAAAAAAAAAAAAAAAAAAAAAAAAAAAAAAAAAAAAAAAAAAAAAAAAAAAAAAAAAAAAAAAAAAAAAAAAAAAAAAAAAAAAAAAAAAAAAAAAAAAAAAAAAAAAAAAAAAAAAAAAAAAAAAAAAAAAAAAAAAAAAAAAAAAAAAAAAAAAAAAAAAAAAAAAAAAAAAAAAAAAAAAAAAAAAAAAAAAAAAAAAAAAAAAAAAAAAAAAAAAAAAAAAAAAAAAAAAAAAAAAAAAAAAAAAAAAAAAAAAAAAAAAAAAAAAAAAAAAAAAAAAAAAAAAAAAAAAAAAAAAAAAAAAAAAAAAAAAAAAAAAAAAAAAAAAAAAAAAAAAAAAAAAAAAAAAAAAAAAAAAAAAAAAAAAAAAAAAAAAAAAAAAAAAAAAAAAAAAAAAAAAAAAAAAAAAAAAAAAAAAAAAAAAAAAAAAAAAAAAAAAAAAAAAAAAAAAAAAAAAAAAAAAAAAAAAAAAAAAAAAAAAAAAAAAAAAAAAAAAAAAAAAAAAAAAAAAAAAAAAAAAAAAAAAAAAAAAAAAAAAAAAAAAAAAAAAAAAAAAAAAAAAAAAAAAAAAAAAAAAAAAAAAAAAAAAAAAAAAAAAAAAAAAAAAAAAAAAAAAAAAAAAAAAAAAAAAAAAAAAAAAAAAAAAAAAAAAAAAAAAAAAAAAAAAAAAAAAAAAAAAAAAAAAAAAAAAAAAAAAAAAAAAAAAAAAAAAAAAAAAAAAAAAAAAAAAAAAAAAAAAAAAAAAAAAAAAAAAAAAAAAAAAAAAAAAAAAAAAAAAAAAAAAAAAAAAAAAAAAAAAAAAAAAAAAAAAAAAAAAAAAAAAAAAAAAAAAAAAAAAAAAAAAAAAAAAAAAAAAAAAAAAAAAAAAAAAAAAAAAAAAAAAAAAAAAAAAAAAAAAAAAAAAAAAAAAAAAAAAAAAAAAAAAAAAAAAAAAAAAAAAAAAAAAAAAAAAAAAAAAAAAAAAAAAAAAAAAAAAAAAAAAAAAAAAAAAAAAAAAAAAAAAAAAAAAAAAAAAAAAAAAAAAAAAAAAAAAAAAAAAAAAAAAAAAAAAAAAAAAAAAAAAAAAAAAAAAAAAAAAAAAAAAAAAAAAAAAAAAAAAAAAAAAAAAAAAAAAAAAAAAAAAAAAAAAAAAAAAAAAAAAAAAAAAAAAAAAAAAAAAAAAAAAAAAAAAAAAAAAAAAAAAAAAAAAAAAAAAAAAAAAAAAAAAAAAAAAAAAAAAAAAAAAAAAAAAAAAAAAAAAAAAAAAAAAAAAAAAAAAAAAAAAAAAAAAAAAAAAAAAAAAAAAAAAAAAAAAAAAAAAAAAAAAAAAAAAAAAAAAAAAAAAAAAAAAAAAAAAAAAAAAAAAAAAAAAAAAAAAAAAAAAAAAAAAAAAAAAAAAAAAAAAAAAAAAAAAAAAAAAAAAAAAAAAAAAAAAAAAAAAAAAAAAAAAAAAAAAAAAAAAAAAAAAAAAAAAAAAAAAAAAAAAAAAAAAAAAAAAAAAAAAAAAAAAAAAAAAAAAAAAAAAAAAAAAAAAAAAAAAAAAAAAAAAAAAAAAAAAAAAAAAAAAAAAAAAAAAAAAAAAAAAAAAAAAAAAAAAAAAAAAAAAAAAAAAAAAAAAAAAAAAAAAAAAAAAAAAAAAAAAAAAAAAAAAAAAAAAAAAAAAAAAAAAAAAAAAAAAAAAAAAAAAAAAAAAAAAAAAAAAAAAAAAAAAAAAAAAAAAAAAAAAAAAAAAAAAAAAAAAAAAAAAAAAAAAAAAAAAAAAAAAAAAAAAAAAAAAAAAAAAAAAAAAAAAAAAAAAAAAAAAAAAAAAAAAAAAAAAAAAAAAAAAAAAAAAAAAAAAAAAAAAAAAAAAAAAAAAAAAAAAAAAAAAAAAAAAAAAAAAAAAAAAAAAAAAAAAAAAAAAAAAAAAAAAAAAAAAAAAAAAAAAAAAAAAAAAAAAAAAAAAAAAAAAAAAAAAAAAAAAAAAAAAAAAAAAAAAAAAAAAAAAAAAAAAAAAAAAAAAAAAAAAAAAAAAAAAAAAAAAAAAAAAAAAAAAAAAAAAAAAAAAAAAAAAAAAAAAAAAAAAAAAAAAAAAAAAAAAAAAAAAAAAAAAAAAAAAAAAAAAAAAAAAAAAAAAAAAAAAAAAAAAAAAAAAAAAAAAAAAAAAAAAAAAAAAAAAAAAAAAAAAAAAAAAAAAAAAAAAAAAAAAAAAAAAAAAAAAAAAAAAAAAAAAAAAAAAAAAAAAAAAAAAAAAAAAAAAAAAAAAAAAAAAAAAAAAAAAAAAAAAAAAAAAAAAAAAAAAAAAAAAAAAAAAAAAAAAAAAAAAAAAAAAAAAAAAAAAAAAAAAAAAAAAAAAAAAAAAAAAAAAAAAAAAAAAAAAAAAAAAAAAAAAAAAAAAAAAAAAAAAAAAAAAAAAAAAAAAAAAAAAAAAAAAAAAAAAAAAAAAAAAAAAAAAAAAAAAAAAAAAAAAAAAAAAAAAAAAAAAAAAAAAAAAAAAAAAAAAAAAAAAAAAAAAAAAAAAAAAAAAAAAAAAAAAAAAAAAAAAAAAAAAAAAAAAAAAAAAAAAAAAAAAAAAAAAAAAAAAAAAAAAAAAAAAAAAAAAAAAAAAAAAAAAAAAAAAAAAAAAAAAAAAAAAAAAAAAAAAAAAAAAAAAAAAAAAAAAAAAAAAAAAAAAAAAAAAAAAAAAAAAAAAAAAAAAAAAAAAAAAAAAAAAAAAAAAAAAAAAAAAAAAAAAAAAAAAAAAAAAAAAAAAAAAAAAAAAAAAAAAAAAAAAAAAAAAAAAAAAAAAAAAAAAAAAAAAAAAAAAAAAAAAAAAAAAAAAAAAAAAAAAAAAAAAAAAAAAAAAAAAAAAAAAAAAAAAAAAAAAAAAAAAAAAAAAAAAAAAAAAAAAAAAAAAAAAAAAAAAAAAAAAAAAAAAAAAAAAAAAAAAAAAAAAAAAAAAAAAAAAAAAAAAAAAAAAAAAAAAAAAAAAAAAAAAAAAAAAAAAAAAAAAAAAAAAAAAAAAAAAAAAAAAAAAAAAAAAAAAAAAAAAAAAAAAAAAAAAAAAAAAAAAAAAAAAAAAAAAAAAAAAAAAAAAAAAAAAAAAAAAAAAAAAAAAAAAAAAAAAAAAAAAAAAAAAAAAAAAAAAAAAAAAAAAAAAAAAAAAAAAAAAAAAAAAAAAAAAAAAAAAAAAAAAAAAAAAAAAAAAAAAAAAAAAAAAAAAAAAAAAAAAAAAAAAAAAAAAAAAAAAAAAAAAAAAAAAAAAAAAAAAAAAAAAAAAAAAAAAAAAAAAAAAAAAAAAAAAAAAAAAAAAAAAAAAAAAAAAAAAAAAAAAAAAAAAAAAAAAAAAAAAAAAAAAAAAAAAAAAAAAAAAAAAAAAAAAAAAAAAAAAAAAAAAAAAAAAAAAAAAAAAAAAAAAAAAAAAAAAAAAAAAAAAAAAAAAAAAAAAAAAAAAAAAAAAAAAAAAAAAAAAAAAAAAAAAAAAAAAAAAAAAAAAAAAAAAAAAAAAAAAAAAAAAAAAAAAAAAAAAAAAAAAAAAAAAAAAAAAAAAAAAAAAAAAAAAAAAAAAAAAAAAAAAAAAAAAAAAAAAAAAAAAAAAAAAAAAAAAAAAAAAAAAAAAAAAAAAAAAAAAAAAAAAAAAAAAAAAAAAAAAAAAAAAAAAAAAAAAAAAAAAAAAAAAAAAAAAAAAAAAAAAAAAAAAAAAAAAAAAAAAAAAAAAAAAAAAAAAAAAAAAAAAAAAAAAAAAAAAAAAAAAAAAAAAAAAAAAAAAAAAAAAAAAAAAAAAAAAAAAAAAAAAAAAAAAAAAAAAAAAAAAAAAAAAAAAAAAAAAAAAAAAAAAAAAAAAAAAAAAAAAAAAAAAAAAAAAAAAAAAAAAAAAAAAAAAAAAAAAAAAAAAAAAAAAAAAAAAAAAAAAAAAAAAAAAAAAAAAAAAAAAAAAAAAAAAAAAAAAAAAAAAAAAAAAAAAAAAAAAAAAAAAAAAAAAAAAAAAAAAAAAAAAAAAAAAAAAAAAAAAAAAAAAAAAAAAAAAAAAAAAAAAAAAAAAAAAAAAAAAAAAAAAAAAAAAAAAAAAAAAAAAAAAAAAAAAAAAAAAAAAAAAAAAAAAAAAAAAAAAAAAAAAAAAAAAAAAAAAAAAAAAAAAAAAAAAAAAAAAAAAAAAAAAAAAAAAAAAAAAAAAAAAAAAAAAAAAAAAAAAAAAAAAAAAAAAAAAAAAAAAAAAAAAAAAAAAAAAAAAAAAAAAAAAAAAAAAAAAAAAAAAAAAAAAAAAAAAAAAAAAAAAAAAAAAAAAAAAAAAAAAAAAAAAAAAAAAAAAAAAAAAAAAAAAAAAAAAAAAAAAAAAAAAAAAAAAAAAAAAAAAAAAAAAAAAAAAAAAAAAAAAAAAAAAAAAAAAAAAAAAAAAAAAAAAAAAAAAAAAAAAAAAAAAAAAAAAAAAAAAAAAAAAAAAAAAAAAAAAAAAAAAAAAAAAAAAAAAAAAAAAAAAAAAAAAAAAAAAAAAAAAAAAAAAAAAAAAAAAAAAAAAAAAAAAAAAAAAAAAAAAAAAAAAAAAAAAAAAAAAAAAAAAAAAAAAAAAAAAAAAAAAAAAAAAAAAAAAAAAAAAAAAAAAAAAAAAAAAAAAAAAAAAAAAAAAAAAAAAAAAAAAAAAAAAAAAAAAAAAAAAAAAAAAAAAAAAAAAAAAAAAAAAAAAAAAAAAAAAAAAAAAAAAAAAAAAAAAAAAAAAAAAAAAAAAAAAAAAAAAAAAAAAAAAAAAAAAAAAAAAAAAAAAAAAAAAAAAAAAAAAAAAAAAAAAAAAAAAAAAAAAAAAAAAAAAAAAAAAAAAAAAAAAAAAAAAAAAAAAAAAAAAAAAAAAAAAAAAAAAAAAAAAAAAAAAAAAAAAAAAAAAAAAAAAAAAAAAAAAAAAAAAAAAAAAAAAAAAAAAAAAAAAAAAAAAAAAAAAAAAAAAAAAAAAAAAAAAAAAAAAAAAAAAAAAAAAAAAAAAAAAAAAAAAAAAAAAAAAAAAAAAAAAAAAAAAAAAAAAAAAAAAAAAAAAAAAAAAAAAAAAAAAAAAAAAAAAAAAAAAAAAAAAAAAAAAAAAAAAAAAAAAAAAAAAAAAAAAAAAAAAAAAAAAAAAAAAAAAAAAAAAAAAAAAAAAAAAAAAAAAAAAAAAAAAAAAAAAAAAAAAAAAAAAAAAAAAAAAAAAAAAAAAAAAAAAAAAAAAAAAAAAAAAAAAAAAAAAAAAAAAAAAAAAAAAAAAAAAAAAAAAAAAAAAAAAAAAAAAAAAAAAAAAAAAAAAAAAAAAAAAAAAAAAAAAAAAAAAAAAAAAAAAAAAAAAAAAAAAAAAAAAAAAAAAAAAAAAAAAAAAAAAAAAAAAAAAAAAAAAAAAAAAAAAAAAAAAAAAAAAAAAAAAAAAAAAAAAAAAAAAAAAAAAAAAAAAAAAAAAAAAAAAAAAAAAAAAAAAAAAAAAAAAAAAAAAAAAAAAAAAAAAAAAAAAAAAAAAAAAAAAAAAAAAAAAAAAAAAAAAAAAAAAAAAAAAAAAAAAAAAAAAAAAAAAAAAAAAAAAAAAAAAAAAAAAAAAAAAAAAAAAAAAAAAAAAAAAAAAAAAAAAAAAAAAAAAAAAAAAAAAAAAAAAAAAAAAAAAAAAAAAAAAAAAAAAAAAAAAAAAAAAAAAAAAAAAAAAAAAAAAAAAAAAAAAAAAAAAAAAAAAAAAAAAAAAAAAAAAAAAAAAAAAAAAAAAAAAAAAAAAAAAAAAAAAAAAAAAAAAAAAAAAAAAAAAAAAAAAAAAAAAAAAAAAAAAAAAAAAAAAAAAAAAAAAAAAAAAAAAAAAAAAAAAAAAAAAAAAAAAAAAAAAAAAAAAAAAAAAAAAAAAAAAAAAAAAAAAAAAAAAAAAAAAAAAAAAAAAAAAAAAAAAAAAAAAAAAAAAAAAAAAAAAAAAAAAAAAAAAAAAAAAAAAAAAAAAAAAAAAAAAAAAAAAAAAAAAAAAAAAAAAAAAAAAAAAAAAAAAAAAAAAAAAAAAAAAAAAAAAAAAAAAAAAAAAAAAAAAAAAAAAAAAAAAAAAAAAAAAAAAAAAAAAAAAAAAAAAAAAAAAAAAAAAAAAAAAAAAAAAAAAAAAAAAAAAAAAAAAAAAAAAAAAAAAAAAAAAAAAAAAAAAAAAAAAAAAAAAAAAAAAAAAAAAAAAAAAAAAAAAAAAAAAAAAAAAAAAAAAAAAAAAAAAAAAAAAAAAAAAAAAAAAAAAAAAAAAAAAAAAAAAAAAAAAAAAAAAAAAAAAAAAAAAAAAAAAAAAAAAAAAAAAAAAAAAAAAAAAAAAAAAAAAAAAAAAAAAAAAAAAAAAAAAAAAAAAAAAAAAAAAAAAAAAAAAAAAAAAAAAAAAAAAAAAAAAAAAAAAAAAAAAAAAAAAAAAAAAAAAAAAAAAAAAAAAAAAAAAAAAAAAAAAAAAAAAAAAAAAAAAAAAAAAAAAAAAAAAAAAAAAAAAAAAAAAAAAAAAAAAAAAAAAAAAAAAAAAAAAAAAAAAAAAAAAAAAAAAAAAAAAAAAAAAAAAAAAAAAAAAAAAAAAAAAAAAAAAAAAAAAAAAAAAAAAAAAAAAAAAAAAAAAAAAAAAAAAAAAAAAAAAAAAAAAAAAAAAAAAAAAAAAAAAAAAAAAAAAAAAAAAAAAAAAAAAAAAAAAAAAAAAAAAAAAAAAAAAAAAAAAAAAAAAAAAAAAAAAAAAAAAAAAAAAAAAAAAAAAAAAAAAAAAAAAAAAAAAAAAAAAAAAAAAAAAAAAAAAAAAAAAAAAAAAAAAAAAAAAAAAAAAAAAAAAAAAAAAAAAAAAAAAAAAAAAAAAAAAAAAAAAAAAAAAAAAAAAAAAAAAAAAAAAAAAAAAAAAAAAAAAAAAAAAAAAAAAAAAAAAAAAAAAAAAAAAAAAAAAAAAAAAAAAAAAAAAAAAAAAAAAAAAAAAAAAAAAAAAAAAAAAAAAAAAAAAAAAAAAAAAAAAAAAAAAAAAAAAAAAAAAAAAAAAAAAAAAAAAAAAAAAAAAAAAAAAAAAAAAAAAAAAAAAAAAAAAAAAAAAAAAAAAAAAAAAAAAAAAAAAAAAAAAAAAAAAAAAAAAAAAAAAAAAAAAAAAAAAAAAAAAAAAAAAAAAAAAAAAAAAAAAAAAAAAAAAAAAAAAAAAAAAAAAAAAAAAAAAAAAAAAAAAAAAAAAAAAAAAAAAAAAAAAAAAAAAAAAAAAAAAAAAAAAAAAAAAAAAAAAAAAAAAAAAAAAAAAAAAAAAAAAAAAAAAAAAAAAAAAAAAAAAAAAAAAAAAAAAAAAAAAAAAAAAAAAAAAAAAAAAAAAAAAAAAAAAAAAAAAAAAAAAAAAAAAAAAAAAAAAAAAAAAAAAAAAAAAAAAAAAAAAAAAAAAAAAAAAAAAAAAAAAAAAAAAAAAAAAAAAAAAAAAAAAAAAAAAAAAAAAAAAAAAAAAAAAAAAAAAAAAAAAAAAAAAAAAAAAAAAAAAAAAAAAAAAAAAAAAAAAAAAAAAAAAAAAAAAAAAAAAAAAAAAAAAAAAAAAAAAAAAAAAAAAAAAAAAAAAAAAAAAAAAAAAAAAAAAAAAAAAAAAAAAAAAAAAAAAAAAAAAAAAAAAAAAAAAAAAAAAAAAAAAAAAAAAAAAAAAAAAAAAAAAAAAAAAAAAAAAAAAAAAAAAAAAAAAAAAAAAAAAAAAAAAAAAAAAAAAAAAAAAAAAAAAAAAAAAAAAAAAAAAAAAAAAAAAAAAAAAAAAAAAAAAAAAAAAAAAAAAAAAAAAAAAAAAAAAAAAAAAAAAAAAAAAAAAAAAAAAAAAAAAAAAAAAAAAAAAAAAAAAAAAAAAAAAAAAAAAAAAAAAAAAAAAAAAAAAAAAAAAAAAAAAAAAAAAAAAAAAAAAAAAAAAAAAAAAAAAAAAAAAAAAAAAAAAAAAAAAAAAAAAAAAAAAAAAAAAAAAAAAAAAAAAAAAAAAAAAAAAAAAAAAAAAAAAAAAAAAAAAAAAAAAAAAAAAAAAAAAAAAAAAAAAAAAAAAAAAAAAAAAAAAAAAAAAAAAAAAAAAAAAAAAAAAAAAAAAAAAAAAAAAAAAAAAAAAAAAAAAAAAAAAAAAAAAAAAAAAAAAAAAAAAAAAAAAAAAAAAAAAAAAAAAAAAAAAAAAAAAAAAAAAAAAAAAAAAAAAAAAAAAAAAAAAAAAAAAAAAAAAAAAAAAAAAAAAAAAAAAAAAAAAAAAAAAAAAAAAAAAAAAAAAAAAAAAAAAAAAAAAAAAAAAAAAAAAAAAAAAAAAAAAAAAAAAAAAAAAAAAAAAAAAAAAAAAAAAAAAAAAAAAAAAAAAAAAAAAAAAAAAAAAAAAAAAAAAAAAAAAAAAAAAAAAAAAAAAAAAAAAAAAAAAAAAAAAAAAAAAAAAAAAAAAAAAAAAAAAAAAAAAAAAAAAAAAAAAAAAAAAAAAAAAAAAAAAAAAAAAAAAAAAAAAAAAAAAAAAAAAAAAAAAAAAAAAAAAAAAAAAAAAAAAAAAAAAAAAAAAAAAAAAAAAAAAAAAAAAAAAAAAAAAAAAAAAAAAAAAAAAAAAAAAAAAAAAAAAAAAAAAAAAAAAAAAAAAAAAAAAAAAAAAAAAAAAAAAAAAAAAAAAAAAAAAAAAAAAAAAAAAAAAAAAAAAAAAAAAAAAAAAAAAAAAAAAAAAAAAAAAAAAAAAAAAAAAAAAAAAAAAAAAAAAAAAAAAAAAAAAAAAAAAAAAAAAAAAAAAAAAAAAAAAAAAAAAAAAAAAAAAAAAAAAAAAAAAAAAAAAAAAAAAAAAAAAAAAAAAAAAAAAAAAAAAAAAAAAAAAAAAAAAAAAAAAAAAAAAAAAAAAAAAAAAAAAAAAAAAAAAAAAAAAAAAAAAAAAAAAAAAAAAAAAAAAAAAAAAAAAAAAAAAAAAAAAAAAAAAAAAAAAAAAAAAAAAAAAAAAAAAAAAAAAAAAAAAAAAAAAAAAAAAAAAAAAAAAAAAAAAAAAAAAAAAAAAAAAAAAAAAAAAAAAAAAAAAAAAAAAAAAAAAAAAAAAAAAAAAAAAAAAAAAAAAAAAAAAAAAAAAAAAAAAAAAAAAAAAAAAAAAAAAAAAAAAAAAAAAAAAAAAAAAAAAAAAAAAAAAAAAAAAAAAAAAAAAAAAAAAAAAAAAAAAAAAAAAAAAAAAAAAAAAAAAAAAAAAAAAAAAAAAAAAAAAAAAAAAAAAAAAAAAAAAAAAAAAAAAAAAAAAAAAAAAAAAAAAAAAAAAAAAAAAAAAAAAAAAAAAAAAAAAAAAAAAAAAAAAAAAAAAAAAAAAAAAAAAAAAAAAAAAAAAAAAAAAAAAAAAAAAAAAAAAAAAAAAAAAAAAAAAAAAAAAAAAAAAAAAAAAAAAAAAAAAAAAAAAAAAAAAAAAAAAAAAAAAAAAAAAAAAAAAAAAAAAAAAAAAAAAAAAAAAAAAAAAAAAAAAAAAAAAAAAAAAAAAAAAAAAAAAAAAAAAAAAAAAAAAAAAAAAAAAAAAAAAAAAAAAAAAAAAAAAAAAAAAAAAAAAAAAAAAAAAAAAAAAAAAAAAAAAAAAAAAAAAAAAAAAAAAAAAAAAAAAAAAAAAAAAAAAAAAAAAAAAAAAAAAAAAAAAAAAAAAAAAAAAAAAAAAAAAAAAAAAAAAAAAAAAAAAAAAAAAAAAAAAAAAAAAAAAAAAAAAAAAAAAAAAAAAAAAAAAAAAAAAAAAAAAAAAAAAAAAAAAAAAAAAAAAAAAAAAAAAAAAAAAAAAAAAAAAAAAAAAAAAAAAAAAAAAAAAAAAAAAAAAAAAAAAAAAAAAAAAAAAAAAAAAAAAAAAAAAAAAAAAAAAAAAAAAAAAAAAAAAAAAAAAAAAAAAAAAAAAAAAAAAAAAAAAAAAAAAAAAAAAAAAAAAAAAAAAAAAAAAAAAAAAAAAAAAAAAAAAAAAAAAAAAAAAAAAAAAAAAAAAAAAAAAAAAAAAAAAAAAAAAAAAAAAAAAAAAAAAAAAAAAAAAAAAAAAAAAAAAAAAAAAAAAAAAAAAAAAAAAAAAAAAAAAAAAAAAAAAAAAAAAAAAAAAAAAAAAAAAAAAAAAAAAAAAAAAAAAAAAAAAAAAAAAAAAAAAAAAAAAAAAAAAAAAAAAAAAAAAAAAAAAAAAAAAAAAAAAAAAAAAAAAAAAAAAAAAAAAAAAAAAAAAAAAAAAAAAAAAAAAAAAAAAAAAAAAAAAAAAAAAAAAAAAAAAAAAAAAAAAAAAAAAAAAAAAAAAAAAAAAAAAAAAAAAAAAAAAAAAAAAAAAAAAAAAAAAAAAAAAAAAAAAAAAAAAAAAAAAAAAAAAAAAAAAAAAAAAAAAAAAAAAAAAAAAAAAAAAAAAAAAAAAAAAAAAAAAAAAAAAAAAAAAAAAAAAAAAAAAAAAAAAAAAAAAAAAAAAAAAAAAAAAAAAAAAAAAAAAAAAAAAAAAAAAAAAAAAAAAAAAAAAAAAAAAAAAAAAAAAAAAAAAAAAAAAAAAAAAAAAAAAAAAAAAAAAAAAAAAAAAAAAAAAAAAAAAAAAAAAAAAAAAAAAAAAAAAAAACAAAAAv//////////AQAAAAAAAAAAAAAAEQAAAFByb3BlcnR5RG9jdW1lbnRzAQAAAAAAAAAFAAAACQAAAF9pZD0kLl9pZAEDAAAAAAADAAAAAQADAAAAIwAAAENvbWJpSW5kZXg9JC5OYW1lICsgJ18nICsgJC5WZXJzaW9uAQQAAAAAAAQAAAABAAQAAAAAAAAAAP///////wAAAAAAAP////8AAAAAAP///////wAAAAAAAP////8AAAAAAP///////wAAAAAAAP////8AAAAAAP///////wAAAAAAAP////8AAAAAAP///////wAAAAAAAP////8AAAAAAP///////wAAAAAAAP////8AAAAAAP///////wAAAAAAAP////8AAAAAAP///////wAAAAAAAP////8AAAAAAP///////wAAAAAAAP////8AAAAAAP///////wAAAAAAAP////8AAAAAAP///////wAAAAAAAP////8AAAAAAP///////wAAAAAAAP////8AAAAAAP///////wAAAAAAAP////8AAAAAAP///////wAAAAAAAP////8AAAAAAAAAAAAAAAAAAAAAAAAAAAAAAAAAAAAAAAAAAAAAAAAAAAAAAAAAAAAAAAAAAAAAAAAAAAAAAAAAAAAAAAAAAAAAAAAAAAAAAAAAAAAAAAAAAAAAAAAAAAAAAAAAAAAAAAAAAAAAAAAAAAAAAAAAAAAAAAAAAAAAAAAAAAAAAAAAAAAAAAAAAAAAAAAAAAAAAAAAAAAAAAAAAAAAAAAAAAAAAAAAAAAAAAAAAAAAAAAAAAAAAAAAAAAAAAAAAAAAAAAAAAAAAAAAAAAAAAAAAAAAAAAAAAAAAAAAAAAAAAAAAAAAAAAAAAAAAAAAAAAAAAAAAAAAAAAAAAAAAAAAAAAAAAAAAAAAAAAAAAAAAAAAAAAAAAAAAAAAAAAAAAAAAAAAAAAAAAAAAAAAAAAAAAAAAAAAAAAAAAAAAAAAAAAAAAAAAAAAAAAAAAAAAAAAAAAAAAAAAAAAAAAAAAAAAAAAAAAAAAAAAAAAAAAAAAAAAAAAAAAAAAAAAAAAAAAAAAAAAAAAAAAAAAAAAAAAAAAAAAAAAAAAAAAAAAAAAAAAAAAAAAAAAAAAAAAAAAAAAAAAAAAAAAAAAAAAAAAAAAAAAAAAAAAAAAAAAAAAAAAAAAAAAAAAAAAAAAAAAAAAAAAAAAAAAAAAAAAAAAAAAAAAAAAAAAAAAAAAAAAAAAAAAAAAAAAAAAAAAAAAAAAAAAAAAAAAAAAAAAAAAAAAAAAAAAAAAAAAAAAAAAAAAAAAAAAAAAAAAAAAAAAAAAAAAAAAAAAAAAAAAAAAAAAAAAAAAAAAAAAAAAAAAAAAAAAAAAAAAAAAAAAAAAAAAAAAAAAAAAAAAAAAAAAAAAAAAAAAAAAAAAAAAAAAAAAAAAAAAAAAAAAAAAAAAAAAAAAAAAAAAAAAAAAAAAAAAAAAAAAAAAAAAAAAAAAAAAAAAAAAAAAAAAAAAAAAAAAAAAAAAAAAAAAAAAAAAAAAAAAAAAAAAAAAAAAAAAAAAAAAAAAAAAAAAAAAAAAAAAAAAAAAAAAAAAAAAAAAAAAAAAAAAAAAAAAAAAAAAAAAAAAAAAAAAAAAAAAAAAAAAAAAAAAAAAAAAAAAAAAAAAAAAAAAAAAAAAAAAAAAAAAAAAAAAAAAAAAAAAAAAAAAAAAAAAAAAAAAAAAAAAAAAAAAAAAAAAAAAAAAAAAAAAAAAAAAAAAAAAAAAAAAAAAAAAAAAAAAAAAAAAAAAAAAAAAAAAAAAAAAAAAAAAAAAAAAAAAAAAAAAAAAAAAAAAAAAAAAAAAAAAAAAAAAAAAAAAAAAAAAAAAAAAAAAAAAAAAAAAAAAAAAAAAAAAAAAAAAAAAAAAAAAAAAAAAAAAAAAAAAAAAAAAAAAAAAAAAAAAAAAAAAAAAAAAAAAAAAAAAAAAAAAAAAAAAAAAAAAAAAAAAAAAAAAAAAAAAAAAAAAAAAAAAAAAAAAAAAAAAAAAAAAAAAAAAAAAAAAAAAAAAAAAAAAAAAAAAAAAAAAAAAAAAAAAAAAAAAAAAAAAAAAAAAAAAAAAAAAAAAAAAAAAAAAAAAAAAAAAAAAAAAAAAAAAAAAAAAAAAAAAAAAAAAAAAAAAAAAAAAAAAAAAAAAAAAAAAAAAAAAAAAAAAAAAAAAAAAAAAAAAAAAAAAAAAAAAAAAAAAAAAAAAAAAAAAAAAAAAAAAAAAAAAAAAAAAAAAAAAAAAAAAAAAAAAAAAAAAAAAAAAAAAAAAAAAAAAAAAAAAAAAAAAAAAAAAAAAAAAAAAAAAAAAAAAAAAAAAAAAAAAAAAAAAAAAAAAAAAAAAAAAAAAAAAAAAAAAAAAAAAAAAAAAAAAAAAAAAAAAAAAAAAAAAAAAAAAAAAAAAAAAAAAAAAAAAAAAAAAAAAAAAAAAAAAAAAAAAAAAAAAAAAAAAAAAAAAAAAAAAAAAAAAAAAAAAAAAAAAAAAAAAAAAAAAAAAAAAAAAAAAAAAAAAAAAAAAAAAAAAAAAAAAAAAAAAAAAAAAAAAAAAAAAAAAAAAAAAAAAAAAAAAAAAAAAAAAAAAAAAAAAAAAAAAAAAAAAAAAAAAAAAAAAAAAAAAAAAAAAAAAAAAAAAAAAAAAAAAAAAAAAAAAAAAAAAAAAAAAAAAAAAAAAAAAAAAAAAAAAAAAAAAAAAAAAAAAAAAAAAAAAAAAAAAAAAAAAAAAAAAAAAAAAAAAAAAAAAAAAAAAAAAAAAAAAAAAAAAAAAAAAAAAAAAAAAAAAAAAAAAAAAAAAAAAAAAAAAAAAAAAAAAAAAAAAAAAAAAAAAAAAAAAAAAAAAAAAAAAAAAAAAAAAAAAAAAAAAAAAAAAAAAAAAAAAAAAAAAAAAAAAAAAAAAAAAAAAAAAAAAAAAAAAAAAAAAAAAAAAAAAAAAAAAAAAAAAAAAAAAAAAAAAAAAAAAAAAAAAAAAAAAAAAAAAAAAAAAAAAAAAAAAAAAAAAAAAAAAAAAAAAAAAAAAAAAAAAAAAAAAAAAAAAAAAAAAAAAAAAAAAAAAAAAAAAAAAAAAAAAAAAAAAAAAAAAAAAAAAAAAAAAAAAAAAAAAAAAAAAAAAAAAAAAAAAAAAAAAAAAAAAAAAAAAAAAAAAAAAAAAAAAAAAAAAAAAAAAAAAAAAAAAAAAAAAAAAAAAAAAAAAAAAAAAAAAAAAAAAAAAAAAAAAAAAAAAAAAAAAAAAAAAAAAAAAAAAAAAAAAAAAAAAAAAAAAAAAAAAAAAAAAAAAAAAAAAAAAAAAAAAAAAAAAAAAAAAAAAAAAAAAAAAAAAAAAAAAAAAAAAAAAAAAAAAAAAAAAAAAAAAAAAAAAAAAAAAAAAAAAAAAAAAAAAAAAAAAAAAAAAAAAAAAAAAAAAAAAAAAAAAAAAAAAAAAAAAAAAAAAAAAAAAAAAAAAAAAAAAAAAAAAAAAAAAAAAAAAAAAAAAAAAAAAAAAAAAAAAAAAAAAAAAAAAAAAAAAAAAAAAAAAAAAAAAAAAAAAAAAAAAAAAAAAAAAAAAAAAAAAAAAAAAAAAAAAAAAAAAAAAAAAAAAAAAAAAAAAAAAAAAAAAAAAAAAAAAAAAAAAAAAAAAAAAAAAAAAAAAAAAAAAAAAAAAAAAAAAAAAAAAAAAAAAAAAAAAAAAAAAAAAAAAAAAAAAAAAAAAAAAAAAAAAAAAAAAAAAAAAAAAAAAAAAAAAAAAAAAAAAAAAAAAAAAAAAAAAAAAAAAAAAAAAAAAAAAAAAAAAAAAAAAAAAAAAAAAAAAAAAAAAAAAAAAAAAAAAAAAAAAAAAAAAAAAAAAAAAAAAAAAAAAAAAAAAAAAAAAAAAAAAAAAAAAAAAAAAAAAAAAAAAAAAAAAAAAAAAAAAAAAAAAAAAAAAAAAAAAAAAAAAAAAAAAAAAAAAAAAAAAAAAAAAAAAAAAAAAAAAAAAAAAAAAAAAAAAAAAAAAAAAAAAAAAAAAAAAAAAAAAAAAAAAAAAAAAAAAAAAAAAAAAAAAAAAAAAAAAAAAAAAAAAAAAAAAAAAAAAAAAAAAAAAAAAAAAAAAAAAAAAAAAAAAAAAAAAAAAAAAAAAAAAAAAAAAAAAAAAAAAAAAAAAAAAAAAAAAAAAAAAAAAAAAAAAAAAAAAAAAAAAAAAAAAAAAAAAAAAAAAAAAAAAAAAAAAAAAAAAAAAAAAAAAAAAAAAAAAAAAAAAAAAAAAAAAAAAAAAAAAAAAAAAAAAAAAAAAAAAAAAAAAAAAAAAAAAAAAAAAAAAAAAAAAAAAAAAAAAAAAAAAAAAAAAAAAAAAAAAAAAAAAAAAAAAAAAAAAAAAAAAAAAAAAAAAAAAAAAAAAAAAAAAAAAAAAAAAAAAAAAAAAAAAAAAAAAAAAAAAAAAAAAAAAAAAAAAAAAAAAAAAAAAAAAAAAAAAAAAAAAAAAAAAAAAAAAAAAAAAAAAAAAAAAAAAAAAAAAAAAAAAAAAAAAAAAAAAAAAAAAAAAAAAAAAAAAAAAAAAAAAAAAAAAAAAAAAAAAAAAAAAAAAAAAAAAAAAAAAAAAAAAAAAAAAAAAAAAAAAAAAAAAAAAAAAAAAAAAAAAAAAAAAAAAAAAAAAAAAAAAAAAAAAAAAAAAAAAAAAAAAAAAAAAAAAAAAAAAAAAAAAAAAAAAAAAAAAAAAAAAAAAAAAAAAAAAAAAAAAAAAAAAAAAAAAAAAAAAAAAAAAAAAAAAAAAAAAAAAAAAAAAAAAAAAAAAAAAAAAAAAAAAAAAAAAAAAAAAAAAAAAAAAAAAAAAAAAAAAAAAAAAAAAAAAAAAAAAAAAAAAAAAAAAAAAAAAAAAAAAAAAAAAAAAAAAAAAAAAAAAAAAAAAAAAAAAAAAAAAAAAAAAAAAAAAAAAAAAAAAAAAAAAAAAAAAAAAAAAAAAAAAAAAAAAAAAAAAAAAAAAAAAAAAAAAAAAAAAAAAAAAAAAAAAAAAAAAAAAAAAAAAAAAAAAAAAAAAAAAAAAAAAAAAAAAAAAAAAAAAAAAAAAAAAAAAAAAAAAAAAAAAAAAAAAAAAAAAAAAAAAAAAAAAAAAAAAAAAAAAAAAAAAAAAAAAAAAAAAAAAAAAAAAAAAAAAAAAAAAAAAAAAAAAAAAAAAAAAAAAAAAAAAAAAAAAAAAAAAAAAAAAAAAAAAAAAAAAAAAAAAAAAAAAAAAAAAAAAAAAAAAAAAAAAAAAAAAAAAAAAAAAAAAAAAAAAAAAAAAAAAAAAAAAAAAAAAAAAAAAAAAAAAAAAAAAAAAAAAAAAAAAAAAAAAAAAAAAAAAAAAAAAAAAAAAAAAAAAAAAAAAAAAAAAAAAAAAAAAAAAAAAAAAAAAAAAAAAAAAAAAAAAAAAAAAAAAAAAAAAAAAAAAAAAAAAAAAAAAAQIBAQEBAQEBAQEBAQEBAQEAAAAAAAAAAwAAAAMAAAAA/////wMAgAwAAAAAAAAAAAAAIAD///////////////8AAAD///////////////8DAAAAAgD///////////////////////////////////////////////////////////////////////////////////////////////////////////////////////////////////////////////////////////////////////////////////////////////////////////////////////////////////////////////////////////////////////////////////////////////////////////////////////////////////////////////////////////////////////////////////////////////////////////////////////////////////////////////////////////////////////////////////////////////////////////////8BACAA////////////////AAAO////////AwAAAAIA////////////////////////////////////////////////////////////////////////////////////////////////////////////////////////////////////////////////////////////////////////////////////////////////////////////////////////////////////////////////////////////////////////////////////////////////////////////////////////////////////////////////////////////////////////////////////////////////////////////////////////////////////////////////////////////////////////////////////////////////////////////////////////AgABAP///////wQAAAACABAAC7Su4F1wvtNAhGCvYfcz5BoFAAAAAAADAAAAAAADAAAAAQAAAAAAAAAAAAAAAAAAAAAAAAAAAAAAAAAAAAAAAAAAAAAAAAAAAAAAAAAAAAAAAAAAAAAAAAAAAAAAAAAAAAAAAAAAAAAAAAAAAAAAAAAAAAAAAAAAAAAAAAAAAAAAAAAAAAAAAAAAAAAAAAAAAAAAAAAAAAAAAAAAAAAAAAAAAAAAAAAAAAAAAAAAAAAAAAAAAAAAAAAAAAAAAAAAAAAAAAAAAAAAAAAAAAAAAAAAAAAAAAAAAAAAAAAAAAAAAAAAAAAAAAAAAAAAAAAAAAAAAAAAAAAAAAAAAAAAAAAAAAAAAAAAAAAAAAAAAAAAAAAAAAAAAAAAAAAAAAAAAAAAAAAAAAAAAAAAAAAAAAAAAAAAAAAAAAAAAAAAAAAAAAAAAAAAAAAAAAAAAAAAAAAAAAAAAAAAAAAAAAAAAAAAAAAAAAAAAAAAAAAAAAAAAAAAAAAAAAAAAAAAAAAAAAAAAAAAAAAAAAAAAAAAAAAAAAAAAAAAAAAAAAAAAAAAAAAAAAAAAAAAAAAAAAAAAAAAAAAAAAAAAAAAAAAAAAAAAAAAAAAAAAAAAAAAAAAAAAAAAAAAAAAAAAAAAAAAAAAAAAAAAAAAAAAAAAAAAAAAAAAAAAAAAAAAAAAAAAAAAAAAAAAAAAAAAAAAAAAAAAAAAAAAAAAAAAAAAAAAAAAAAAAAAAAAAAAAAAAAAAAAAAAAAAAAAAAAAAAAAAAAAAAAAAAAAAAAAAAAAAAAAAAAAAAAAAAAAAAAAAAAAAAAAAAAAAAAAAAAAAAAAAAAAAAAAAAAAAAAAAAAAAAAAAAAAAAAAAAAAAAAAAAAAAAAAAAAAAAAAAAAAAAAAAAAAAAAAAAAAAAAAAAAAAAAAAAAAAAAAAAAAAAAAAAAAAAAAAAAAAAAAAAAAAAAAAAAAAAAAAAAAAAAAAAAAAAAAAAAAAAAAAAAAAAAAAAAAAAAAAAAAAAAAAAAAAAAAAAAAAAAAAAAAAAAAAAAAAAAAAAAAAAAAAAAAAAAAAAAAAAAAAAAAAAAAAAAAAAAAAAAAAAAAAAAAAAAAAAAAAAAAAAAAAAAAAAAAAAAAAAAAAAAAAAAAAAAAAAAAAAAAAAAAAAAAAAAAAAAAAAAAAAAAAAAAAAAAAAAAAAAAAAAAAAAAAAAAAAAAAAAAAAAAAAAAAAAAAAAAAAAAAAAAAAAAAAAAAAAAAAAAAAAAAAAAAAAAAAAAAAAAAAAAAAAAAAAAAAAAAAAAAAAAAAAAAAAAAAAAAAAAAAAAAAAAAAAAAAAAAAAAAAAAAAAAAAAAAAAAAAAAAAAAAAAAAAAAAAAAAAAAAAAAAAAAAAAAAAAAAAAAAAAAAAAAAAAAAAAAAAAAAAAAAAAAAAAAAAAAAAAAAAAAAAAAAAAAAAAAAAAAAAAAAAAAAAAAAAAAAAAAAAAAAAAAAAAAAAAAAAAAAAAAAAAAAAAAAAAAAAAAAAAAAAAAAAAAAAAAAAAAAAAAAAAAAAAAAAAAAAAAAAAAAAAAAAAAAAAAAAAAAAAAAAAAAAAAAAAAAAAAAAAAAAAAAAAAAAAAAAAAAAAAAAAAAAAAAAAAAAAAAAAAAAAAAAAAAAAAAAAAAAAAAAAAAAAAAAAAAAAAAAAAAAAAAAAAAAAAAAAAAAAAAAAAAAAAAAAAAAAAAAAAAAAAAAAAAAAAAAAAAAAAAAAAAAAAAAAAAAAAAAAAAAAAAAAAAAAAAAAAAAAAAAAAAAAAAAAAAAAAAAAAAAAAAAAAAAAAAAAAAAAAAAAAAAAAAAAAAAAAAAAAAAAAAAAAAAAAAAAAAAAAAAAAAAAAAAAAAAAAAAAAAAAAAAAAAAAAAAAAAAAAAAAAAAAAAAAAAAAAAAAAAAAAAAAAAAAAAAAAAAAAAAAAAAAAAAAAAAAAAAAAAAAAAAAAAAAAAAAAAAAAAAAAAAAAAAAAAAAAAAAAAAAAAAAAAAAAAAAAAAAAAAAAAAAAAAAAAAAAAAAAAAAAAAAAAAAAAAAAAAAAAAAAAAAAAAAAAAAAAAAAAAAAAAAAAAAAAAAAAAAAAAAAAAAAAAAAAAAAAAAAAAAAAAAAAAAAAAAAAAAAAAAAAAAAAAAAAAAAAAAAAAAAAAAAAAAAAAAAAAAAAAAAAAAAAAAAAAAAAAAAAAAAAAAAAAAAAAAAAAAAAAAAAAAAAAAAAAAAAAAAAAAAAAAAAAAAAAAAAAAAAAAAAAAAAAAAAAAAAAAAAAAAAAAAAAAAAAAAAAAAAAAAAAAAAAAAAAAAAAAAAAAAAAAAAAAAAAAAAAAAAAAAAAAAAAAAAAAAAAAAAAAAAAAAAAAAAAAAAAAAAAAAAAAAAAAAAAAAAAAAAAAAAAAAAAAAAAAAAAAAAAAAAAAAAAAAAAAAAAAAAAAAAAAAAAAAAAAAAAAAAAAAAAAAAAAAAAAAAAAAAAAAAAAAAAAAAAAAAAAAAAAAAAAAAAAAAAAAAAAAAAAAAAAAAAAAAAAAAAAAAAAAAAAAAAAAAAAAAAAAAAAAAAAAAAAAAAAAAAAAAAAAAAAAAAAAAAAAAAAAAAAAAAAAAAAAAAAAAAAAAAAAAAAAAAAAAAAAAAAAAAAAAAAAAAAAAAAAAAAAAAAAAAAAAAAAAAAAAAAAAAAAAAAAAAAAAAAAAAAAAAAAAAAAAAAAAAAAAAAAAAAAAAAAAAAAAAAAAAAAAAAAAAAAAAAAAAAAAAAAAAAAAAAAAAAAAAAAAAAAAAAAAAAAAAAAAAAAAAAAAAAAAAAAAAAAAAAAAAAAAAAAAAAAAAAAAAAAAAAAAAAAAAAAAAAAAAAAAAAAAAAAAAAAAAAAAAAAAAAAAAAAAAAAAAAAAAAAAAAAAAAAAAAAAAAAAAAAAAAAAAAAAAAAAAAAAAAAAAAAAAAAAAAAAAAAAAAAAAAAAAAAAAAAAAAAAAAAAAAAAAAAAAAAAAAAAAAAAAAAAAAAAAAAAAAAAAAAAAAAAAAAAAAAAAAAAAAAAAAAAAAAAAAAAAAAAAAAAAAAAAAAAAAAAAAAAAAAAAAAAAAAAAAAAAAAAAAAAAAAAAAAAAAAAAAAAAAAAAAAAAAAAAAAAAAAAAAAAAAAAAAAAAAAAAAAAAAAAAAAAAAAAAAAAAAAAAAAAAAAAAAAAAAAAAAAAAAAAAAAAAAAAAAAAAAAAAAAAAAAAAAAAAAAAAAAAAAAAAAAAAAAAAAAAAAAAAAAAAAAAAAAAAAAAAAAAAAAAAAAAAAAAAAAAAAAAAAAAAAAAAAAAAAAAAAAAAAAAAAAAAAAAAAAAAAAAAAAAAAAAAAAAAAAAAAAAAAAAAAAAAAAAAAAAAAAAAAAAAAAAAAAAAAAAAAAAAAAAAAAAAAAAAAAAAAAAAAAAAAAAAAAAAAAAAAAAAAAAAAAAAAAAAAAAAAAAAAAAAAAAAAAAAAAAAAAAAAAAAAAAAAAAAAAAAAAAAAAAAAAAAAAAAAAAAAAAAAAAAAAAAAAAAAAAAAAAAAAAAAAAAAAAAAAAAAAAAAAAAAAAAAAAAAAAAAAAAAAAAAAAAAAAAAAAAAAAAAAAAAAAAAAAAAAAAAAAAAAAAAAAAAAAAAAAAAAAAAAAAAAAAAAAAAAAAAAAAAAAAAAAAAAAAAAAAAAAAAAAAAAAAAAAAAAAAAAAAAAAAAAAAAAAAAAAAAAAAAAAAAAAAAAAAAAAAAAAAAAAAAAAAAAAAAAAAAAAAAAAAAAAAAAAAAAAAAAAAAAAAAAAAAAAAAAAAAAAAAAAAAAAAAAAAAAAAAAAAAAAAAAAAAAAAAAAAAAAAAAAAAAAAAAAAAAAAAAAAAAAAAAAAAAAAAAAAAAAAAAAAAAAAAAAAAAAAAAAAAAAAAAAAAAAAAAAAAAAAAAAAAAAAAAAAAAAAAAAAAAAAAAAAAAAAAAAAAAAAAAAAAAAAAAAAAAAAAAAAAAAAAAAAAAAAAAAAAAAAAAAAAAAAAAAAAAAAAAAAAAAAAAAAAAAAAAAAAAAAAAAAAAAAAAAAAAAAAAAAAAAAAAAAAAAAAAAAAAAAAAAAAAAAAAAAAAAAAAAAAAAAAAAAAAAAAAAAAAAAAAAAAAAAAAAAAAAAAAAAAAAAAAAAAAAAAAAAAAAAAAAAAAAAAAAAAAAAAAAAAAAAAAAAAAAAAAAAAAAAAAAAAAAAAAAAAAAAAAAAAAAAAAAAAAAAAAAAAAAAAAAAAAAAAAAAAAAAAAAAAAAAAAAAAAAAAAAAAAAAAAAAAAAAAAAAAAAAAAAAAAAAAAAAAAAAAAAAAAAAAAAAAAAQAAAADAAAAAP////8DAHgMAAAAAAAAAAAAACAB////////////////AAAA////////////////BAAAAAIA////////BAAAAAIA////////////////////////////////////////////////////////////////////////////////////////////////////////////////////////////////////////////////////////////////////////////////////////////////////////////////////////////////////////////////////////////////////////////////////////////////////////////////////////////////////////////////////////////////////////////////////////////////////////////////////////////////////////////////////////////////////////////////////////////////AQAgAf///////////////wAADv///////wQAAAACAP///////////////////////////////////////////////////////////////////////////////////////////////////////////////////////////////////////////////////////////////////////////////////////////////////////////////////////////////////////////////////////////////////////////////////////////////////////////////////////////////////////////////////////////////////////////////////////////////////////////////////////////////////////////////////////////////////////////////////////////////////////////////////////wIAAgEDAAAAAgD///////8MAAZQZXJzb25hbElkXzAFAAAAAAAEAAAAAAAEAAAAAQAEAAAAAAD///////8AAAAAAAAAAAAAAAAAAAAAAAAAAAAAAAAAAAAAAAAAAAAAAAAAAAAAAAAAAAAAAAAAAAAAAAAAAAAAAAAAAAAAAAAAAAAAAAAAAAAAAAAAAAAAAAAAAAAAAAAAAAAAAAAAAAAAAAAAAAAAAAAAAAAAAAAAAAAAAAAAAAAAAAAAAAAAAAAAAAAAAAAAAAAAAAAAAAAAAAAAAAAAAAAAAAAAAAAAAAAAAAAAAAAAAAAAAAAAAAAAAAAAAAAAAAAAAAAAAAAAAAAAAAAAAAAAAAAAAAAAAAAAAAAAAAAAAAAAAAAAAAAAAAAAAAAAAAAAAAAAAAAAAAAAAAAAAAAAAAAAAAAAAAAAAAAAAAAAAAAAAAAAAAAAAAAAAAAAAAAAAAAAAAAAAAAAAAAAAAAAAAAAAAAAAAAAAAAAAAAAAAAAAAAAAAAAAAAAAAAAAAAAAAAAAAAAAAAAAAAAAAAAAAAAAAAAAAAAAAAAAAAAAAAAAAAAAAAAAAAAAAAAAAAAAAAAAAAAAAAAAAAAAAAAAAAAAAAAAAAAAAAAAAAAAAAAAAAAAAAAAAAAAAAAAAAAAAAAAAAAAAAAAAAAAAAAAAAAAAAAAAAAAAAAAAAAAAAAAAAAAAAAAAAAAAAAAAAAAAAAAAAAAAAAAAAAAAAAAAAAAAAAAAAAAAAAAAAAAAAAAAAAAAAAAAAAAAAAAAAAAAAAAAAAAAAAAAAAAAAAAAAAAAAAAAAAAAAAAAAAAAAAAAAAAAAAAAAAAAAAAAAAAAAAAAAAAAAAAAAAAAAAAAAAAAAAAAAAAAAAAAAAAAAAAAAAAAAAAAAAAAAAAAAAAAAAAAAAAAAAAAAAAAAAAAAAAAAAAAAAAAAAAAAAAAAAAAAAAAAAAAAAAAAAAAAAAAAAAAAAAAAAAAAAAAAAAAAAAAAAAAAAAAAAAAAAAAAAAAAAAAAAAAAAAAAAAAAAAAAAAAAAAAAAAAAAAAAAAAAAAAAAAAAAAAAAAAAAAAAAAAAAAAAAAAAAAAAAAAAAAAAAAAAAAAAAAAAAAAAAAAAAAAAAAAAAAAAAAAAAAAAAAAAAAAAAAAAAAAAAAAAAAAAAAAAAAAAAAAAAAAAAAAAAAAAAAAAAAAAAAAAAAAAAAAAAAAAAAAAAAAAAAAAAAAAAAAAAAAAAAAAAAAAAAAAAAAAAAAAAAAAAAAAAAAAAAAAAAAAAAAAAAAAAAAAAAAAAAAAAAAAAAAAAAAAAAAAAAAAAAAAAAAAAAAAAAAAAAAAAAAAAAAAAAAAAAAAAAAAAAAAAAAAAAAAAAAAAAAAAAAAAAAAAAAAAAAAAAAAAAAAAAAAAAAAAAAAAAAAAAAAAAAAAAAAAAAAAAAAAAAAAAAAAAAAAAAAAAAAAAAAAAAAAAAAAAAAAAAAAAAAAAAAAAAAAAAAAAAAAAAAAAAAAAAAAAAAAAAAAAAAAAAAAAAAAAAAAAAAAAAAAAAAAAAAAAAAAAAAAAAAAAAAAAAAAAAAAAAAAAAAAAAAAAAAAAAAAAAAAAAAAAAAAAAAAAAAAAAAAAAAAAAAAAAAAAAAAAAAAAAAAAAAAAAAAAAAAAAAAAAAAAAAAAAAAAAAAAAAAAAAAAAAAAAAAAAAAAAAAAAAAAAAAAAAAAAAAAAAAAAAAAAAAAAAAAAAAAAAAAAAAAAAAAAAAAAAAAAAAAAAAAAAAAAAAAAAAAAAAAAAAAAAAAAAAAAAAAAAAAAAAAAAAAAAAAAAAAAAAAAAAAAAAAAAAAAAAAAAAAAAAAAAAAAAAAAAAAAAAAAAAAAAAAAAAAAAAAAAAAAAAAAAAAAAAAAAAAAAAAAAAAAAAAAAAAAAAAAAAAAAAAAAAAAAAAAAAAAAAAAAAAAAAAAAAAAAAAAAAAAAAAAAAAAAAAAAAAAAAAAAAAAAAAAAAAAAAAAAAAAAAAAAAAAAAAAAAAAAAAAAAAAAAAAAAAAAAAAAAAAAAAAAAAAAAAAAAAAAAAAAAAAAAAAAAAAAAAAAAAAAAAAAAAAAAAAAAAAAAAAAAAAAAAAAAAAAAAAAAAAAAAAAAAAAAAAAAAAAAAAAAAAAAAAAAAAAAAAAAAAAAAAAAAAAAAAAAAAAAAAAAAAAAAAAAAAAAAAAAAAAAAAAAAAAAAAAAAAAAAAAAAAAAAAAAAAAAAAAAAAAAAAAAAAAAAAAAAAAAAAAAAAAAAAAAAAAAAAAAAAAAAAAAAAAAAAAAAAAAAAAAAAAAAAAAAAAAAAAAAAAAAAAAAAAAAAAAAAAAAAAAAAAAAAAAAAAAAAAAAAAAAAAAAAAAAAAAAAAAAAAAAAAAAAAAAAAAAAAAAAAAAAAAAAAAAAAAAAAAAAAAAAAAAAAAAAAAAAAAAAAAAAAAAAAAAAAAAAAAAAAAAAAAAAAAAAAAAAAAAAAAAAAAAAAAAAAAAAAAAAAAAAAAAAAAAAAAAAAAAAAAAAAAAAAAAAAAAAAAAAAAAAAAAAAAAAAAAAAAAAAAAAAAAAAAAAAAAAAAAAAAAAAAAAAAAAAAAAAAAAAAAAAAAAAAAAAAAAAAAAAAAAAAAAAAAAAAAAAAAAAAAAAAAAAAAAAAAAAAAAAAAAAAAAAAAAAAAAAAAAAAAAAAAAAAAAAAAAAAAAAAAAAAAAAAAAAAAAAAAAAAAAAAAAAAAAAAAAAAAAAAAAAAAAAAAAAAAAAAAAAAAAAAAAAAAAAAAAAAAAAAAAAAAAAAAAAAAAAAAAAAAAAAAAAAAAAAAAAAAAAAAAAAAAAAAAAAAAAAAAAAAAAAAAAAAAAAAAAAAAAAAAAAAAAAAAAAAAAAAAAAAAAAAAAAAAAAAAAAAAAAAAAAAAAAAAAAAAAAAAAAAAAAAAAAAAAAAAAAAAAAAAAAAAAAAAAAAAAAAAAAAAAAAAAAAAAAAAAAAAAAAAAAAAAAAAAAAAAAAAAAAAAAAAAAAAAAAAAAAAAAAAAAAAAAAAAAAAAAAAAAAAAAAAAAAAAAAAAAAAAAAAAAAAAAAAAAAAAAAAAAAAAAAAAAAAAAAAAAAAAAAAAAAAAAAAAAAAAAAAAAAAAAAAAAAAAAAAAAAAAAAAAAAAAAAAAAAAAAAAAAAAAAAAAAAAAAAAAAAAAAAAAAAAAAAAAAAAAAAAAAAAAAAAAAAAAAAAAAAAAAAAAAAAAAAAAAAAAAAAAAAAAAAAAAAAAAAAAAAAAAAAAAAAAAAAAAAAAAAAAAAAAAAAAAAAAAAAAAAAAAAAAAAAAAAAAAAAAAAAAAAAAAAAAAAAAAAAAAAAAAAAAAAAAAAAAAAAAAAAAAAAAAAAAAAAAAAAAAAAAAAAAAAAAAAAAAAAAAAAAAAAAAAAAAAAAAAAAAAAAAAAAAAAAAAAAAAAAAAAAAAAAAAAAAAAAAAAAAAAAAAAAAAAAAAAAAAAAAAAAAAAAAAAAAAAAAAAAAAAAAAAAAAAAAAAAAAAAAAAAAAAAAAAAAAAAAAAAAAAAAAAAAAAAAAAAAAAAAAAAAAAAAAAAAAAAAAAAAAAAAAAAAAAAAAAAAAAAAAAAAAAAAAAAAAAAAAAAAAAAAAAAAAAAAAAAAAAAAAAAAAAAAAAAAAAAAAAAAAAAAAAAAAAAAAAAAAAAAAAAAAAAAAAAAAAAAAAAAAAAAAAAAAAAAAAAAAAAAAAAAAAAAAAAAAAAAAAAAAAAAAAAAAAAAAAAAAAAAAAAAAAAAAAAAAAAAAAAAAAAAAAAAAAAAAAAAAAAAAAAAAAAAAAAAAAAAAAAAAAAAAAAAAAAAAAAAAAAAAAAAAAAAAAAAAAAAAAAAAAAAAAAAAAAAAAAAAAAAAAAAAAAAAAAAAAAAAAAAAAAAAAAAAAAAAAAAAAAAAAAAAAAAAAAAAAAAAAAAAAAAAAAAAAAAAAAAAAAAAAAAAAAAAAAAAAAAAAAAAAAAAAAAAAAAAAAAAAAAAAAAAAAAAAAAAAAAAAAAAAAAAAAAAAAAAAAAAAAAAAAAAAAAAAAAAAAAAAAAAAAAAAAAAAAAAAAAAAAAAAAAAAAAAAAAAAAAAAAAAAAAAAAAAAAAAAAAAAAAAAAAAAAAAAAAAAAAAAAAAAAAAAAAAAAAAAAAAAAAAAAAAAAAAAAAAAAAAAAAAAAAAAAAAAAAAAAAAAAAAAAAAAAAAAAAAAAAAAAAAAAAAAAAAAAAAAAAAAAAAAAAAAAAAAAAAAAAAAAAAAAAAAAAAAAAAAAAAAAAAAAAAAAAAAAAAAAAAAAAAAAAAAAAAAAAAAAAAAAAAAAAAAAAAAAAAAAFAAAABAAAAAD/////AQBvDwAAAAAAAAAAAAD/////cABwAAAABV9pZAAQAAAABLSu4F1wvtNAhGCvYfcz5BoDRGF0YQAWAAAAAlBlcnNvbmFsSWQAAQAAAAAAAk5hbWUACwAAAFBlcnNvbmFsSWQAEFZlcnNpb24AAAAAAAlMYXN0V3JpdGUAWeVy7IsBAAAAAAAAAAAAAAAAAAAAAAAAAAAAAAAAAAAAAAAAAAAAAAAAAAAAAAAAAAAAAAAAAAAAAAAAAAAAAAAAAAAAAAAAAAAAAAAAAAAAAAAAAAAAAAAAAAAAAAAAAAAAAAAAAAAAAAAAAAAAAAAAAAAAAAAAAAAAAAAAAAAAAAAAAAAAAAAAAAAAAAAAAAAAAAAAAAAAAAAAAAAAAAAAAAAAAAAAAAAAAAAAAAAAAAAAAAAAAAAAAAAAAAAAAAAAAAAAAAAAAAAAAAAAAAAAAAAAAAAAAAAAAAAAAAAAAAAAAAAAAAAAAAAAAAAAAAAAAAAAAAAAAAAAAAAAAAAAAAAAAAAAAAAAAAAAAAAAAAAAAAAAAAAAAAAAAAAAAAAAAAAAAAAAAAAAAAAAAAAAAAAAAAAAAAAAAAAAAAAAAAAAAAAAAAAAAAAAAAAAAAAAAAAAAAAAAAAAAAAAAAAAAAAAAAAAAAAAAAAAAAAAAAAAAAAAAAAAAAAAAAAAAAAAAAAAAAAAAAAAAAAAAAAAAAAAAAAAAAAAAAAAAAAAAAAAAAAAAAAAAAAAAAAAAAAAAAAAAAAAAAAAAAAAAAAAAAAAAAAAAAAAAAAAAAAAAAAAAAAAAAAAAAAAAAAAAAAAAAAAAAAAAAAAAAAAAAAAAAAAAAAAAAAAAAAAAAAAAAAAAAAAAAAAAAAAAAAAAAAAAAAAAAAAAAAAAAAAAAAAAAAAAAAAAAAAAAAAAAAAAAAAAAAAAAAAAAAAAAAAAAAAAAAAAAAAAAAAAAAAAAAAAAAAAAAAAAAAAAAAAAAAAAAAAAAAAAAAAAAAAAAAAAAAAAAAAAAAAAAAAAAAAAAAAAAAAAAAAAAAAAAAAAAAAAAAAAAAAAAAAAAAAAAAAAAAAAAAAAAAAAAAAAAAAAAAAAAAAAAAAAAAAAAAAAAAAAAAAAAAAAAAAAAAAAAAAAAAAAAAAAAAAAAAAAAAAAAAAAAAAAAAAAAAAAAAAAAAAAAAAAAAAAAAAAAAAAAAAAAAAAAAAAAAAAAAAAAAAAAAAAAAAAAAAAAAAAAAAAAAAAAAAAAAAAAAAAAAAAAAAAAAAAAAAAAAAAAAAAAAAAAAAAAAAAAAAAAAAAAAAAAAAAAAAAAAAAAAAAAAAAAAAAAAAAAAAAAAAAAAAAAAAAAAAAAAAAAAAAAAAAAAAAAAAAAAAAAAAAAAAAAAAAAAAAAAAAAAAAAAAAAAAAAAAAAAAAAAAAAAAAAAAAAAAAAAAAAAAAAAAAAAAAAAAAAAAAAAAAAAAAAAAAAAAAAAAAAAAAAAAAAAAAAAAAAAAAAAAAAAAAAAAAAAAAAAAAAAAAAAAAAAAAAAAAAAAAAAAAAAAAAAAAAAAAAAAAAAAAAAAAAAAAAAAAAAAAAAAAAAAAAAAAAAAAAAAAAAAAAAAAAAAAAAAAAAAAAAAAAAAAAAAAAAAAAAAAAAAAAAAAAAAAAAAAAAAAAAAAAAAAAAAAAAAAAAAAAAAAAAAAAAAAAAAAAAAAAAAAAAAAAAAAAAAAAAAAAAAAAAAAAAAAAAAAAAAAAAAAAAAAAAAAAAAAAAAAAAAAAAAAAAAAAAAAAAAAAAAAAAAAAAAAAAAAAAAAAAAAAAAAAAAAAAAAAAAAAAAAAAAAAAAAAAAAAAAAAAAAAAAAAAAAAAAAAAAAAAAAAAAAAAAAAAAAAAAAAAAAAAAAAAAAAAAAAAAAAAAAAAAAAAAAAAAAAAAAAAAAAAAAAAAAAAAAAAAAAAAAAAAAAAAAAAAAAAAAAAAAAAAAAAAAAAAAAAAAAAAAAAAAAAAAAAAAAAAAAAAAAAAAAAAAAAAAAAAAAAAAAAAAAAAAAAAAAAAAAAAAAAAAAAAAAAAAAAAAAAAAAAAAAAAAAAAAAAAAAAAAAAAAAAAAAAAAAAAAAAAAAAAAAAAAAAAAAAAAAAAAAAAAAAAAAAAAAAAAAAAAAAAAAAAAAAAAAAAAAAAAAAAAAAAAAAAAAAAAAAAAAAAAAAAAAAAAAAAAAAAAAAAAAAAAAAAAAAAAAAAAAAAAAAAAAAAAAAAAAAAAAAAAAAAAAAAAAAAAAAAAAAAAAAAAAAAAAAAAAAAAAAAAAAAAAAAAAAAAAAAAAAAAAAAAAAAAAAAAAAAAAAAAAAAAAAAAAAAAAAAAAAAAAAAAAAAAAAAAAAAAAAAAAAAAAAAAAAAAAAAAAAAAAAAAAAAAAAAAAAAAAAAAAAAAAAAAAAAAAAAAAAAAAAAAAAAAAAAAAAAAAAAAAAAAAAAAAAAAAAAAAAAAAAAAAAAAAAAAAAAAAAAAAAAAAAAAAAAAAAAAAAAAAAAAAAAAAAAAAAAAAAAAAAAAAAAAAAAAAAAAAAAAAAAAAAAAAAAAAAAAAAAAAAAAAAAAAAAAAAAAAAAAAAAAAAAAAAAAAAAAAAAAAAAAAAAAAAAAAAAAAAAAAAAAAAAAAAAAAAAAAAAAAAAAAAAAAAAAAAAAAAAAAAAAAAAAAAAAAAAAAAAAAAAAAAAAAAAAAAAAAAAAAAAAAAAAAAAAAAAAAAAAAAAAAAAAAAAAAAAAAAAAAAAAAAAAAAAAAAAAAAAAAAAAAAAAAAAAAAAAAAAAAAAAAAAAAAAAAAAAAAAAAAAAAAAAAAAAAAAAAAAAAAAAAAAAAAAAAAAAAAAAAAAAAAAAAAAAAAAAAAAAAAAAAAAAAAAAAAAAAAAAAAAAAAAAAAAAAAAAAAAAAAAAAAAAAAAAAAAAAAAAAAAAAAAAAAAAAAAAAAAAAAAAAAAAAAAAAAAAAAAAAAAAAAAAAAAAAAAAAAAAAAAAAAAAAAAAAAAAAAAAAAAAAAAAAAAAAAAAAAAAAAAAAAAAAAAAAAAAAAAAAAAAAAAAAAAAAAAAAAAAAAAAAAAAAAAAAAAAAAAAAAAAAAAAAAAAAAAAAAAAAAAAAAAAAAAAAAAAAAAAAAAAAAAAAAAAAAAAAAAAAAAAAAAAAAAAAAAAAAAAAAAAAAAAAAAAAAAAAAAAAAAAAAAAAAAAAAAAAAAAAAAAAAAAAAAAAAAAAAAAAAAAAAAAAAAAAAAAAAAAAAAAAAAAAAAAAAAAAAAAAAAAAAAAAAAAAAAAAAAAAAAAAAAAAAAAAAAAAAAAAAAAAAAAAAAAAAAAAAAAAAAAAAAAAAAAAAAAAAAAAAAAAAAAAAAAAAAAAAAAAAAAAAAAAAAAAAAAAAAAAAAAAAAAAAAAAAAAAAAAAAAAAAAAAAAAAAAAAAAAAAAAAAAAAAAAAAAAAAAAAAAAAAAAAAAAAAAAAAAAAAAAAAAAAAAAAAAAAAAAAAAAAAAAAAAAAAAAAAAAAAAAAAAAAAAAAAAAAAAAAAAAAAAAAAAAAAAAAAAAAAAAAAAAAAAAAAAAAAAAAAAAAAAAAAAAAAAAAAAAAAAAAAAAAAAAAAAAAAAAAAAAAAAAAAAAAAAAAAAAAAAAAAAAAAAAAAAAAAAAAAAAAAAAAAAAAAAAAAAAAAAAAAAAAAAAAAAAAAAAAAAAAAAAAAAAAAAAAAAAAAAAAAAAAAAAAAAAAAAAAAAAAAAAAAAAAAAAAAAAAAAAAAAAAAAAAAAAAAAAAAAAAAAAAAAAAAAAAAAAAAAAAAAAAAAAAAAAAAAAAAAAAAAAAAAAAAAAAAAAAAAAAAAAAAAAAAAAAAAAAAAAAAAAAAAAAAAAAAAAAAAAAAAAAAAAAAAAAAAAAAAAAAAAAAAAAAAAAAAAAAAAAAAAAAAAAAAAAAAAAAAAAAAAAAAAAAAAAAAAAAAAAAAAAAAAAAAAAAAAAAAAAAAAAAAAAAAAAAAAAAAAAAAAAAAAAAAAAAAAAAAAAAAAAAAAAAAAAAAAAAAAAAAAAAAAAAAAAAAAAAAAAAAAAAAAAAAAAAAAAAAAAAAAAAAAAAAAAAAAAAAAAAAAAAAAAAAAAAAAAAAAAAAAAAAAAAAAAAAAAAAAAAAAAAAAAAAAAAAAAAAAAAAAAAAAAAAAAAAAAAAAAAAAAAAAAAAAAAAAAAAAAAAAAAAAAAAAAAAAAAAAAAAAAAAAAAAAAAAAAAAAAAAAAAAAAAAAAAAAAAAAAAAAAAAAAAAAAAAAAAAAAAAAAAAAAAAAAAAAAAAAAAAAAAAAAAAAAAAAAAAAAAAAAAAAAAAAAAAAAAAAAAAAAAAAAAAAAAAAAAAAAAAAAAAAAAAAAAAAAAAAAAAAAAAAAAAAAAAAAAAAAAAAAAAAAAAAAAAAAAAAAAAAAAAAAAAAAAAAAAAAAAAAAAAAAAAAAAAAAAAAAAAAAAAAAAAAAAAAAAAAAAAAAAAAAAAAAAAAAAAAAAAAAAAAAAAAAAAAAAAAAAAAAAAAAAAAAAAAAAAAAAAAAAAAAAAAAAAAAAAAAAAAAAAAAAAAAAAAAAAAAAAAAAAAAAAAAAAAAAAAAAAAAAAAAAAAAAAAAAAAAAAAAAAAAAAAAAAAAAAAAAAAAAAAAAAAAAAAAAAAAAAAAAAAAAAAAAAAAAAAAAAAAAAAAAAAAAAAAAAAAAAAAAAAAAAAAAAAAAAAAAAAAAAAAAAAAAAAAAAAAAAAAAAAAAAAAAAAAAAAAAAAAAAAAAAAAAAAAAAAAAAAAAAAAAAAAAAAAAAAAAAAAAAAAAAAAAAAAAAAAAAAAAAAAAAAAAAAAAAAAAAAAAAAAAAAAAAAAAAAAAAAAAAAAAAAAAAAAAAAAAAAAAAAAAAAAAAAAAAAAAAAAAAAAAAAAAAAAAAAAAAAAAAAAAAAAAAAAAAAAAAAAAAAAAAAAAAAAAAAAAAAAAAAAAAAAAAAAAAAAAAAAAAAAAAAAAAAAAAAAAAAAAAAAAAAAAAAAAAAAAAAAAAAAAAAAAAAAAAAAAAAAAAAAAAAAAAAAAAAAAAAAAAAAAAAAAAAAAAAAAAAAAAAAAAAAAAAAAAAAAAAAAAAAAAAAAAAAAAAAAAAAAAAAAAAAAAAAAAAAAAAAAAAAAAAAAAAAAAAAAAAAAAAAAAAAAAAAAAAAAAAAAAAAAAAAAAAAAAAAAAAAAAAAAAAAAAAAAAAAAAAAAAAAAAAAAAAAAAAAAAAAAAAAAAAAAAAAAAAAAAAAAAAAAAAAAAAAAAAAAAAAAAAAAAAAAAAAAAAAAAAAAAAAAAAAAAAAAAAAAAAAAAAAAAAAAAAAAAAAAAAAAAAAAAAAAAAAAAAAAAAAAAAAAAAAAAAAAAAAAAAAAAAAAAAAAAAAAAAAAAAAAAAAAAAAAAAAAAAAAAAAAAAAAAAAAAAAAAAAAAAAAAAAAAAAAAAAAAAAAAAAA"/>
   <p:tag name="EMPOWERCHARTSPROPERTIES_SLOT" val="A"/>
@@ -6041,29 +6124,13 @@
 </p:tagLst>
 </file>
 
-<file path=ppt/tags/tag2062.xml><?xml version="1.0" encoding="utf-8"?>
+<file path=ppt/tags/tag9.xml><?xml version="1.0" encoding="utf-8"?>
 <p:tagLst xmlns:a="http://schemas.openxmlformats.org/drawingml/2006/main" xmlns:r="http://schemas.openxmlformats.org/officeDocument/2006/relationships" xmlns:p="http://schemas.openxmlformats.org/presentationml/2006/main">
   <p:tag name="EMPOWERCHARTSPROPERTIES_A_0" val="AAAAAAH//////////wEAAAAAAAAAAAAAACoqIFRoaXMgaXMgYSBMaXRlREIgZmlsZSAqKgcDAP////8FAAAAAQAAAAAAAAAAAAAAAAAAAAAAAAAAAAAAAAAAAAAAAAAAAAAAAAABEQAAAFByb3BlcnR5RG9jdW1lbnRzAgAAAAAAAAAAAAAAAAAAAAAAAAAAAAAAAAAAAAAAAAAAAAAAAAAAAAAAAAAAAAAAAAAAAAAAAAAAAAAAAAAAAAAAAAAAAAAAAAAAAAAAAAAAAAAAAAAAAAAAAAAAAAAAAAAAAAAAAAAAAAAAAAAAAAAAAAAAAAAAAAAAAAAAAAAAAAAAAAAAAAAAAAAAAAAAAAAAAAAAAAAAAAAAAAAAAAAAAAAAAAAAAAAAAAAAAAAAAAAAAAAAAAAAAAAAAAAAAAAAAAAAAAAAAAAAAAAAAAAAAAAAAAAAAAAAAAAAAAAAAAAAAAAAAAAAAAAAAAAAAAAAAAAAAAAAAAAAAAAAAAAAAAAAAAAAAAAAAAAAAAAAAAAAAAAAAAAAAAAAAAAAAAAAAAAAAAAAAAAAAAAAAAAAAAAAAAAAAAAAAAAAAAAAAAAAAAAAAAAAAAAAAAAAAAAAAAAAAAAAAAAAAAAAAAAAAAAAAAAAAAAAAAAAAAAAAAAAAAAAAAAAAAAAAAAAAAAAAAAAAAAAAAAAAAAAAAAAAAAAAAAAAAAAAAAAAAAAAAAAAAAAAAAAAAAAAAAAAAAAAAAAAAAAAAAAAAAAAAAAAAAAAAAAAAAAAAAAAAAAAAAAAAAAAAAAAAAAAAAAAAAAAAAAAAAAAAAAAAAAAAAAAAAAAAAAAAAAAAAAAAAAAAAAAAAAAAAAAAAAAAAAAAAAAAAAAAAAAAAAAAAAAAAAAAAAAAAAAAAAAAAAAAAAAAAAAAAAAAAAAAAAAAAAAAAAAAAAAAAAAAAAAAAAAAAAAAAAAAAAAAAAAAAAAAAAAAAAAAAAAAAAAAAAAAAAAAAAAAAAAAAAAAAAAAAAAAAAAAAAAAAAAAAAAAAAAAAAAAAAAAAAAAAAAAAAAAAAAAAAAAAAAAAAAAAAAAAAAAAAAAAAAAAAAAAAAAAAAAAAAAAAAAAAAAAAAAAAAAAAAAAAAAAAAAAAAAAAAAAAAAAAAAAAAAAAAAAAAAAAAAAAAAAAAAAAAAAAAAAAAAAAAAAAAAAAAAAAAAAAAAAAAAAAAAAAAAAAAAAAAAAAAAAAAAAAAAAAAAAAAAAAAAAAAAAAAAAAAAAAAAAAAAAAAAAAAAAAAAAAAAAAAAAAAAAAAAAAAAAAAAAAAAAAAAAAAAAAAAAAAAAAAAAAAAAAAAAAAAAAAAAAAAAAAAAAAAAAAAAAAAAAAAAAAAAAAAAAAAAAAAAAAAAAAAAAAAAAAAAAAAAAAAAAAAAAAAAAAAAAAAAAAAAAAAAAAAAAAAAAAAAAAAAAAAAAAAAAAAAAAAAAAAAAAAAAAAAAAAAAAAAAAAAAAAAAAAAAAAAAAAAAAAAAAAAAAAAAAAAAAAAAAAAAAAAAAAAAAAAAAAAAAAAAAAAAAAAAAAAAAAAAAAAAAAAAAAAAAAAAAAAAAAAAAAAAAAAAAAAAAAAAAAAAAAAAAAAAAAAAAAAAAAAAAAAAAAAAAAAAAAAAAAAAAAAAAAAAAAAAAAAAAAAAAAAAAAAAAAAAAAAAAAAAAAAAAAAAAAAAAAAAAAAAAAAAAAAAAAAAAAAAAAAAAAAAAAAAAAAAAAAAAAAAAAAAAAAAAAAAAAAAAAAAAAAAAAAAAAAAAAAAAAAAAAAAAAAAAAAAAAAAAAAAAAAAAAAAAAAAAAAAAAAAAAAAAAAAAAAAAAAAAAAAAAAAAAAAAAAAAAAAAAAAAAAAAAAAAAAAAAAAAAAAAAAAAAAAAAAAAAAAAAAAAAAAAAAAAAAAAAAAAAAAAAAAAAAAAAAAAAAAAAAAAAAAAAAAAAAAAAAAAAAAAAAAAAAAAAAAAAAAAAAAAAAAAAAAAAAAAAAAAAAAAAAAAAAAAAAAAAAAAAAAAAAAAAAAAAAAAAAAAAAAAAAAAAAAAAAAAAAAAAAAAAAAAAAAAAAAAAAAAAAAAAAAAAAAAAAAAAAAAAAAAAAAAAAAAAAAAAAAAAAAAAAAAAAAAAAAAAAAAAAAAAAAAAAAAAAAAAAAAAAAAAAAAAAAAAAAAAAAAAAAAAAAAAAAAAAAAAAAAAAAAAAAAAAAAAAAAAAAAAAAAAAAAAAAAAAAAAAAAAAAAAAAAAAAAAAAAAAAAAAAAAAAAAAAAAAAAAAAAAAAAAAAAAAAAAAAAAAAAAAAAAAAAAAAAAAAAAAAAAAAAAAAAAAAAAAAAAAAAAAAAAAAAAAAAAAAAAAAAAAAAAAAAAAAAAAAAAAAAAAAAAAAAAAAAAAAAAAAAAAAAAAAAAAAAAAAAAAAAAAAAAAAAAAAAAAAAAAAAAAAAAAAAAAAAAAAAAAAAAAAAAAAAAAAAAAAAAAAAAAAAAAAAAAAAAAAAAAAAAAAAAAAAAAAAAAAAAAAAAAAAAAAAAAAAAAAAAAAAAAAAAAAAAAAAAAAAAAAAAAAAAAAAAAAAAAAAAAAAAAAAAAAAAAAAAAAAAAAAAAAAAAAAAAAAAAAAAAAAAAAAAAAAAAAAAAAAAAAAAAAAAAAAAAAAAAAAAAAAAAAAAAAAAAAAAAAAAAAAAAAAAAAAAAAAAAAAAAAAAAAAAAAAAAAAAAAAAAAAAAAAAAAAAAAAAAAAAAAAAAAAAAAAAAAAAAAAAAAAAAAAAAAAAAAAAAAAAAAAAAAAAAAAAAAAAAAAAAAAAAAAAAAAAAAAAAAAAAAAAAAAAAAAAAAAAAAAAAAAAAAAAAAAAAAAAAAAAAAAAAAAAAAAAAAAAAAAAAAAAAAAAAAAAAAAAAAAAAAAAAAAAAAAAAAAAAAAAAAAAAAAAAAAAAAAAAAAAAAAAAAAAAAAAAAAAAAAAAAAAAAAAAAAAAAAAAAAAAAAAAAAAAAAAAAAAAAAAAAAAAAAAAAAAAAAAAAAAAAAAAAAAAAAAAAAAAAAAAAAAAAAAAAAAAAAAAAAAAAAAAAAAAAAAAAAAAAAAAAAAAAAAAAAAAAAAAAAAAAAAAAAAAAAAAAAAAAAAAAAAAAAAAAAAAAAAAAAAAAAAAAAAAAAAAAAAAAAAAAAAAAAAAAAAAAAAAAAAAAAAAAAAAAAAAAAAAAAAAAAAAAAAAAAAAAAAAAAAAAAAAAAAAAAAAAAAAAAAAAAAAAAAAAAAAAAAAAAAAAAAAAAAAAAAAAAAAAAAAAAAAAAAAAAAAAAAAAAAAAAAAAAAAAAAAAAAAAAAAAAAAAAAAAAAAAAAAAAAAAAAAAAAAAAAAAAAAAAAAAAAAAAAAAAAAAAAAAAAAAAAAAAAAAAAAAAAAAAAAAAAAAAAAAAAAAAAAAAAAAAAAAAAAAAAAAAAAAAAAAAAAAAAAAAAAAAAAAAAAAAAAAAAAAAAAAAAAAAAAAAAAAAAAAAAAAAAAAAAAAAAAAAAAAAAAAAAAAAAAAAAAAAAAAAAAAAAAAAAAAAAAAAAAAAAAAAAAAAAAAAAAAAAAAAAAAAAAAAAAAAAAAAAAAAAAAAAAAAAAAAAAAAAAAAAAAAAAAAAAAAAAAAAAAAAAAAAAAAAAAAAAAAAAAAAAAAAAAAAAAAAAAAAAAAAAAAAAAAAAAAAAAAAAAAAAAAAAAAAAAAAAAAAAAAAAAAAAAAAAAAAAAAAAAAAAAAAAAAAAAAAAAAAAAAAAAAAAAAAAAAAAAAAAAAAAAAAAAAAAAAAAAAAAAAAAAAAAAAAAAAAAAAAAAAAAAAAAAAAAAAAAAAAAAAAAAAAAAAAAAAAAAAAAAAAAAAAAAAAAAAAAAAAAAAAAAAAAAAAAAAAAAAAAAAAAAAAAAAAAAAAAAAAAAAAAAAAAAAAAAAAAAAAAAAAAAAAAAAAAAAAAAAAAAAAAAAAAAAAAAAAAAAAAAAAAAAAAAAAAAAAAAAAAAAAAAAAAAAAAAAAAAAAAAAAAAAAAAAAAAAAAAAAAAAAAAAAAAAAAAAAAAAAAAAAAAAAAAAAAAAAAAAAAAAAAAAAAAAAAAAAAAAAAAAAAAAAAAAAAAAAAAAAAAAAAAAAAAAAAAAAAAAAAAAAAAAAAAAAAAAAAAAAAAAAAAAAAAAAAAAAAAAAAAAAAAAAAAAAAAAAAAAAAAAAAAAAAAAAAAAAAAAAAAAAAAAAAAAAAAAAAAAAAAAAAAAAAAAAAAAAAAAAAAAAAAAAAAAAAAAAAAAAAAAAAAAAAAAAAAAAAAAAAAAAAAAAAAAAAAAAAAAAAAAAAAAAAAAAAAAAAAAAAAAAAAAAAAAAAAAAAAAAAAAAAAAAAAAAAAAAAAAAAAAAAAAAAAAAAAAAAAAAAAAAAAAAAAAAAAAAAAAAAAAAAAAAAAAAAAAAAAAAAAAAAAAAAAAAAAAAAAAAAAAAAAAAAAAAAAAAAAAAAAAAAAAAAAAAAAAAAAAAAAAAAAAAAAAAAAAAAAAAAAAAAAAAAAAAAAAAAAAAAAAAAAAAAAAAAAAAAAAAAAAAAAAAAAAAAAAAAAAAAAAAAAAAAAAAAAAAAAAAAAAAAAAAAAAAAAAAAAAAAAAAAAAAAAAAAAAAAAAAAAAAAAAAAAAAAAAAAAAAAAAAAAAAAAAAAAAAAAAAAAAAAAAAAAAAAAAAAAAAAAAAAAAAAAAAAAAAAAAAAAAAAAAAAAAAAAAAAAAAAAAAAAAAAAAAAAAAAAAAAAAAAAAAAAAAAAAAAAAAAAAAAAAAAAAAAAAAAAAAAAAAAAAAAAAAAAAAAAAAAAAAAAAAAAAAAAAAAAAAAAAAAAAAAAAAAAAAAAAAAAAAAAAAAAAAAAAAAAAAAAAAAAAAAAAAAAAAAAAAAAAAAAAAAAAAAAAAAAAAAAAAAAAAAAAAAAAAAAAAAAAAAAAAAAAAAAAAAAAAAAAAAAAAAAAAAAAAAAAAAAAAAAAAAAAAAAAAAAAAAAAAAAAAAAAAAAAAAAAAAAAAAAAAAAAAAAAAAAAAAAAAAAAAAAAAAAAAAAAAAAAAAAAAAAAAAAAAAAAAAAAAAAAAAAAAAAAAAAAAAAAAAAAAAAAAAAAAAAAAAAAAAAAAAAAAAAAAAAAAAAAAAAAAAAAAAAAAAAAAAAAAAAAAAAAAAAAAAAAAAAAAAAAAAAAAAAAAAAAAAAAAAAAAAAAAAAAAAAAAAAAAAAAAAAAAAAAAAAAAAAAAAAAAAAAAAAAAAAAAAAAAAAAAAAAAAAAAAAAAAAAAAAAAAAAAAAAAAAAAAAAAAAAAAAAAAAAAAAAAAAAAAAAAAAAAAAAAAAAAAAAAAAAAAAAAAAAAAAAAAAAAAAAAAAAAAAAAAAAAAAAAAAAAAAAAAAAAAAAAAAAAAAAAAAAAAAAAAAAAAAAAAAAAAAAAAAAAAAAAAAAAAAAAAAAAAAAAAAAAAAAAAAAAAAAAAAAAAAAAAAAAAAAAAAAAAAAAAAAAAAAAAAAAAAAAAAAAAAAAAAAAAAAAAAAAAAAAAAAAAAAAAAAAAAAAAAAAAAAAAAAAAAAAAAAAAAAAAAAAAAAAAAAAAAAAAAAAAAAAAAAAAAAAAAAAAAAAAAAAAAAAAAAAAAAAAAAAAAAAAAAAAAAAAAAAAAAAAAAAAAAAAAAAAAAAAAAAAAAAAAAAAAAAAAAAAAAAAAAAAAAAAAAAAAAAAAAAAAAAAAAAAAAAAAAAAAAAAAAAAAAAAAAAAAAAAAAAAAAAAAAAAAAAAAAAAAAAAAAAAAAAAAAAAAAAAAAAAAAAAAAAAAAAAAAAAAAAAAAAAAAAAAAAAAAAAAAAAAAAAAAAAAAAAAAAAAAAAAAAAAAAAAAAAAAAAAAAAAAAAAAAAAAAAAAAAAAAAAAAAAAAAAAAAAAAAAAAAAAAAAAAAAAAAAAAAAAAAAAAAAAAAAAAAAAAAAAAAAAAAAAAAAAAAAAAAAAAAAAAAAAAAAAAAAAAAAAAAAAAAAAAAAAAAAAAAAAAAAAAAAAAAAAAAAAAAAAAAAAAAAAAAAAAAAAAAAAAAAAAAAAAAAAAAAAAAAAAAAAAAAAAAAAAAAAAAAAAAAAAAAAAAAAAAAAAAAAAAAAAAAAAAAAAAAAAAAAAAAAAAAAAAAAAAAAAAAAAAAAAAAAAAAAAAAAAAAAAAAAAAAAAAAAAAAAAAAAAAAAAAAAAAAAAAAAAAAAAAAAAAAAAAAAAAAAAAAAAAAAAAAAAAAAAAAAAAAAAAAAAAAAAAAAAAAAAAAAAAAAAAAAAAAAAAAAAAAAAAAAAAAAAAAAAAAAAAAAAAAAAAAAAAAAAAAAAAAAAAAAAAAAAAAAAAAAAAAAAAAAAAAAAAAAAAAAAAAAAAAAAAAAAAAAAAAAAAAAAAAAAAAAAAAAAAAAAAAAAAAAAAAAAAAAAAAAAAAAAAAAAAAAAAAAAAAAAAAAAAAAAAAAAAAAAAAAAAAAAAAAAAAAAAAAAAAAAAAAAAAAAAAAAAAAAAAAAAAAAAAAAAAAAAAAAAAAAAAAAAAAAAAAAAAAAAAAAAAAAAAAAAAAAAAAAAAAAAAAAAAAAAAAAAAAAAAAAAAAAAAAAAAAAAAAAAAAAAAAAAAAAAAAAAAAAAAAAAAAAAAAAAAAAAAAAAAAAAAAAAAAAAAAAAAAAAAAAAAAAAAAAAAAAAAAAAAAAAAAAAAAAAAAAAAAAAAAAAAAAAAAAAAAAAAAAAAAAAAAAAAAAAAAAAAAAAAAAAAAAAAAAAAAAAAAAAAAAAAAAAAAAAAAAAAAAAAAAAAAAAAAAAAAAAAAAAAAAAAAAAAAAAAAAAAAAAAAAAAAAAAAAAAAAAAAAAAAAAAAAAAAAAAAAAAAAAAAAAAAAAAAAAAAAAAAAAAAAAAAAAAAAAAAAAAAAAAAAAAAAAAAAAAAAAAAAAAAAAAAAAAAAAAAAAAAAAAAAAAAAAAAAAAAAAAAAAAAAAAAAAAAAAAAAAAAAAAAAAAAAAAAAAAAAAAAAAAAAAAAAAAAAAAAAAAAAAAAAAAAAAAAAAAAAAAAAAAAAAAAAAAAAAAAAAAAAAAAAAAAAAAAAAAAAAAAAAAAAAAAAAAAAAAAAAAAAAAAAAAAAAAAAAAAAAAAAAAAAAAAAAAAAAAAAAAAAAAAAAAAAAAAAAAAAAAAAAAAAAAAAAAAAAAAAAAAAAAAAAAAAAAAAAAAAAAAAAAAAAAAAAAAAAAAAAAAAAAAAAAAAAAAAAAAAAAAAAAAAAAAAAAAAAAAAAAAAAAAAAAAAAAAAAAAAAAAAAAAAAAAAAAAAAAAAAAAAAAAAAAAAAAAAAAAAAAAAAAAAAAAAAAAAAAAAAAAAAAAAAAAAAAAAAAAAAAAAAAAAAAAAAAAAAAAAAAAAAAAAAAAAAAAAAAAAAAAAAAAAAAAAAAAAAAAAAAAAAAAAAAAAAAAAAAAAAAAAAAAAAAAAAAAAAAAAAAAAAAAAAAAAAAAAAAAAAAAAAAAAAAAAAAAAAAAAAAAAAAAAAAAAAAAAAAAAAAAAAAAAAAAAAAAAAAAAAAAAAAAAAAAAAAAAAAAAAAAAAAAAAAAAAAAAAAAAAAAAAAAAAAAAAAAAAAAAAAAAAAAAAAAAAAAAAAAAAAAAAAAAAAAAAAAAAAAAAAAAAAAAAAAAAAAAAAAAAAAAAAAAAAAAAAAAAAAAAAAAAAAAAAAAAAAAAAAAAAAAAAAAAAAAAAAAAAAAAAAAAAAAAAAAAAAAAAAAAAAAAAAAAAAAAAAAAAAAAAAAAAAAAAAAAAAAAAAAAAAAAAAAAAAAAAAAAAAAAAAAAAAAAAAAAAAAAAAAAAAAAAAAAAAAAAAAAAAAAAAAAAAAAAAAAAAAAAAAAAAAAAAAAAAAAAAAAAAAAAAAAAAAAAAAAAAAAAAAAAAAAAAAAAAAAAAAAAAAAAAAAAAAAAAAAAAAAAAAAAAAAAAAAAAAAAAAAAAAAAAAAAAAAAAAAAAAAAAAAAAAAAAAAAAAAAAAAAAAAAAAAAAAAAAAAAAAAAAAAAAAAAAAAAAAAAAAAAAAAAAAAAAAAAAAAAAAAAAAAAAAAAAAAAAAAAAAAAAAAAAAAAAAAAAAAAAAAAAAAAAAAAAAAAAAAAAAAAAAAAAAAAAAAAAAAAAAAAAAAAAAAAAAAAAAAAAAAAAAAAAAAAAAAAAAAAAAAAAAAAAAAAAAAAAAAAAAAAAAAAAAAAAAAAAAAAAAAAAAAAAAAAAAAAAAAAAAAAAAAAAAAAAAAAAAAAAAAAAAAAAAAAAAAAAAAAAAAAAAAAAAAAAAAAAAAAAAAAAAAAAAAAAAAAAAAAAAAAAAAAAAAAAAAAAAAAAAAAAAAAAAAAAAAAAAAAAAAAAAAAAAAAAAAAAAAAAAAAAAAAAAAAAAAAAAAAAAAAAAAAAAAAAAAAAAAAAAAAAAAAAAAAAAAAAAAAAAAAAAAAAAAAAAAAAAAAAAAAAAAAAAAAAAAAAAAAAAAAAAAAAAAAAAAAAAAAAAAAAAAAAAAAAAAAAAAAAAAAAAAAAAAAAAAAAAAAAAAAAAAAAAAAAAAAAAAAAAAAAAAAAAAAAAAAAAAAAAAAAAAAAAAAAAAAAAAAAAAAAAAAAAAAAAAAAAAAAAAAAAAAAAAAAAAAAAAAAAAAAAAAAAAAAAAAAAAAAAAAAAAAAAAAAAAAAAAAAAAAAAAAAAAAAAAAAAAAAAAAAAAAAAAAAAAAAAAAAAAAAAAAAAAAAAAAAAAAAAAAAAAAAAAAAAAAAAAAAAAAAAAAAAAAAAAAAAAAAAAAAAAAAAAAAAAAAAAAAAAAAAAAAAAAAAAAAAAAAAAAAAAAAAAAAAAAAAAAAAAAAAAAAAAAAAAAAAAAAAAAAAAAAAAAAAAAAAAAAAAAAAAAAAAAAAAAAAAAAAAAAAAAAAAAAAAAAAAAAAAAAAAAAAAAAAAAAAAAAAAAAAAAAAAAAAAAAAAAAAAAAAAAAAAAAAAAAAAAAAAAAAAAAAAAAAAAAAAAAAAAAAAAAAAAAAAAAAAAAAAAAAAAAAAAAAAAAAAAAAAAAAAAAAAAAAAAAAAAAAAAAAAAAAAAAAAAAAAAAAAAAAAAAAAAAAAAAAAAAAAAAAAAAAAAAAAAAAAAAAAAAAAAAAAAAAAAAAAAAAAAAAAAAAAAAAAAAAAAAAAAAAAAAAAAAAAAAAAAAAAAAAAAAAAAAAAAAAAAAAAAAAAAAAAAAAAAAAAAAAAAAAAAAAAAAAAAAAAAAAAAAAAAAAAAAAAAAAAAAAAAAAAAAAAAAAAAAAAAAAAAAAAAAAAAAAAAAAAAAAAAAAAAAAAAAAAAAAAAAAAAAAAAAAAAAAAAAAAAAAAAAAAAAAAAAAAAAAAAAAAAAAAAAAAAAAAAAAAAAAAAAAAAAAAAAAAAAAAAAAAAAAAAAAAAAAAAAAAAAAAAAAAAAAAAAAAAAAAAAAAAAAAAAAAAAAAAAAAAAAAAAAAAAAAAAAAAAAAAAAAAAAAAAAAAAAAAAAAAAAAAAAAAAAAAAAAAAAAAAAAAAAAAAAAAAAAAAAAAAAAAAAAAAAAAAAAAAAAAAAAAAAAAAAAAAAAAAAAAAAAAAAAAAAAAAAAAAAAAAAAAAAAAAAAAAAAAAAAAAAAAAAAAAAAAAAAAAAAAAAAAAAAAAAAAAAAAAAAAAAAAAAAAAAAAAAAAAAAAAAAAAAAAAAAAAAAAAAAAAAAAAAAAAAAAAAAAAAAAAAAAAAAAAAAAAAAAAAAAAAAAAAAAAAAAAAAAAAAAAAAAAAAAAAAAAAAAAAAAAAAAAAAAAAAAAAAAAAAAAAAAAAAAAAAAAAAAAAAAAAAAAAAAAAAAAAAAAAAAAAAAAAAAAAAAAAAAAAAAAAAAAAAAAAAAAAAAAAAAAAAAAAAAAAAAAAAAAAAAAAAAAAAAAAAAAAAAAAAAAAAAAAAAAAAAAAAAAAAAAAAAAAAAAAAAAAAAAAAAAAAAAAAAAAAAAAAAAAAAAAAAAAAAAAAAAAAAAAAAAAAAAAAAAAAAAAAAAAAAAAAAAAAAAAAAAAAAAAAAAAAAAAAAAAAAAAAAAAAAAAAAAAAAAAAAAAAAAAAAAAAAAAAAAAAAAAAAAAAAAAAAAAAAAAAAAAAAAAAAAAAAAAAAAAAAAAAAAAAAAAAAAAAAAAAAAAAAAAAAAAAAAAAAAAAAAAAAAAAAAAAAAAAAAAAAAAAAAAAAAAAAAAAAAAAAAAAAAAAAAAAAAAAAAAAAAAAAAAAAAAAAAAAAAAAAAAAAAAAAAAAAAAAAAAAAAAAAAAAAAAAAAAAAAAAAAAAAAAAAAAAAAAAAAAAAAAAAAAAAAAAAAAAAAAAAAAAAAAAAAAAAAAAAAAAAAAAAAAAAAAAAAAAAAAAAAAAAAAAAAAAAAAAAAAAAAAAAAAAAAAAAAAAAAAAAAAAAAAAAAAAAAAAAAAAAAAAAAAAAAAAAAAAAAAAAAAAAAAAAAAAAAAAAAAAAAAAAAAAAAAAAAAAAAAAAAAAAAAAAAAAAAAAAAAAAAAAAAAAAAAAAAAAAAAAAAAAAAAAAAAAAAAAAAAAAAAAAAAAAAAAAAAAAAAAAAAAAAAAAAAAAAAAAAAAAAAAAAAAAAAAAAAAAAAAAAAAAAAAAAAAAAAAAAAAAAAAAAAAAAAAAAAAAAAAAAAAAAAAAAAAAAAAAAAAAAAAAAAAAAAAAAAAAAAAAAAAAAAAAAAAAAAAAAAAAAAAAAAAAAAAAAAAAAAAAAAAAAAAAAAAAAAAAAAAAAAAAAAAAAAAAAAAAAAAAAAAAAAAAAAAAAAAAAAAAAAAAAAAAAAAAAAAAAAAAAAAAAAAAAAAAAAAAAAAAAAAAAAAAAAAAAAAAAAAAAAAAAAAAAAAAAAAAAAAAAAAAAAAAAAAAAAAAAAAAAAAAAAAAAAAAAAAAAAAAAAAAAAAAAAAAAAAAAAACAAAAAv//////////AQAAAAAAAAAAAAAAEQAAAFByb3BlcnR5RG9jdW1lbnRzAQAAAAAAAAAFAAAACQAAAF9pZD0kLl9pZAEDAAAAAAADAAAAAQADAAAAIwAAAENvbWJpSW5kZXg9JC5OYW1lICsgJ18nICsgJC5WZXJzaW9uAQQAAAAAAAQAAAABAAQAAAAAAAAAAP///////wAAAAAAAP////8AAAAAAP///////wAAAAAAAP////8AAAAAAP///////wAAAAAAAP////8AAAAAAP///////wAAAAAAAP////8AAAAAAP///////wAAAAAAAP////8AAAAAAP///////wAAAAAAAP////8AAAAAAP///////wAAAAAAAP////8AAAAAAP///////wAAAAAAAP////8AAAAAAP///////wAAAAAAAP////8AAAAAAP///////wAAAAAAAP////8AAAAAAP///////wAAAAAAAP////8AAAAAAP///////wAAAAAAAP////8AAAAAAP///////wAAAAAAAP////8AAAAAAP///////wAAAAAAAP////8AAAAAAAAAAAAAAAAAAAAAAAAAAAAAAAAAAAAAAAAAAAAAAAAAAAAAAAAAAAAAAAAAAAAAAAAAAAAAAAAAAAAAAAAAAAAAAAAAAAAAAAAAAAAAAAAAAAAAAAAAAAAAAAAAAAAAAAAAAAAAAAAAAAAAAAAAAAAAAAAAAAAAAAAAAAAAAAAAAAAAAAAAAAAAAAAAAAAAAAAAAAAAAAAAAAAAAAAAAAAAAAAAAAAAAAAAAAAAAAAAAAAAAAAAAAAAAAAAAAAAAAAAAAAAAAAAAAAAAAAAAAAAAAAAAAAAAAAAAAAAAAAAAAAAAAAAAAAAAAAAAAAAAAAAAAAAAAAAAAAAAAAAAAAAAAAAAAAAAAAAAAAAAAAAAAAAAAAAAAAAAAAAAAAAAAAAAAAAAAAAAAAAAAAAAAAAAAAAAAAAAAAAAAAAAAAAAAAAAAAAAAAAAAAAAAAAAAAAAAAAAAAAAAAAAAAAAAAAAAAAAAAAAAAAAAAAAAAAAAAAAAAAAAAAAAAAAAAAAAAAAAAAAAAAAAAAAAAAAAAAAAAAAAAAAAAAAAAAAAAAAAAAAAAAAAAAAAAAAAAAAAAAAAAAAAAAAAAAAAAAAAAAAAAAAAAAAAAAAAAAAAAAAAAAAAAAAAAAAAAAAAAAAAAAAAAAAAAAAAAAAAAAAAAAAAAAAAAAAAAAAAAAAAAAAAAAAAAAAAAAAAAAAAAAAAAAAAAAAAAAAAAAAAAAAAAAAAAAAAAAAAAAAAAAAAAAAAAAAAAAAAAAAAAAAAAAAAAAAAAAAAAAAAAAAAAAAAAAAAAAAAAAAAAAAAAAAAAAAAAAAAAAAAAAAAAAAAAAAAAAAAAAAAAAAAAAAAAAAAAAAAAAAAAAAAAAAAAAAAAAAAAAAAAAAAAAAAAAAAAAAAAAAAAAAAAAAAAAAAAAAAAAAAAAAAAAAAAAAAAAAAAAAAAAAAAAAAAAAAAAAAAAAAAAAAAAAAAAAAAAAAAAAAAAAAAAAAAAAAAAAAAAAAAAAAAAAAAAAAAAAAAAAAAAAAAAAAAAAAAAAAAAAAAAAAAAAAAAAAAAAAAAAAAAAAAAAAAAAAAAAAAAAAAAAAAAAAAAAAAAAAAAAAAAAAAAAAAAAAAAAAAAAAAAAAAAAAAAAAAAAAAAAAAAAAAAAAAAAAAAAAAAAAAAAAAAAAAAAAAAAAAAAAAAAAAAAAAAAAAAAAAAAAAAAAAAAAAAAAAAAAAAAAAAAAAAAAAAAAAAAAAAAAAAAAAAAAAAAAAAAAAAAAAAAAAAAAAAAAAAAAAAAAAAAAAAAAAAAAAAAAAAAAAAAAAAAAAAAAAAAAAAAAAAAAAAAAAAAAAAAAAAAAAAAAAAAAAAAAAAAAAAAAAAAAAAAAAAAAAAAAAAAAAAAAAAAAAAAAAAAAAAAAAAAAAAAAAAAAAAAAAAAAAAAAAAAAAAAAAAAAAAAAAAAAAAAAAAAAAAAAAAAAAAAAAAAAAAAAAAAAAAAAAAAAAAAAAAAAAAAAAAAAAAAAAAAAAAAAAAAAAAAAAAAAAAAAAAAAAAAAAAAAAAAAAAAAAAAAAAAAAAAAAAAAAAAAAAAAAAAAAAAAAAAAAAAAAAAAAAAAAAAAAAAAAAAAAAAAAAAAAAAAAAAAAAAAAAAAAAAAAAAAAAAAAAAAAAAAAAAAAAAAAAAAAAAAAAAAAAAAAAAAAAAAAAAAAAAAAAAAAAAAAAAAAAAAAAAAAAAAAAAAAAAAAAAAAAAAAAAAAAAAAAAAAAAAAAAAAAAAAAAAAAAAAAAAAAAAAAAAAAAAAAAAAAAAAAAAAAAAAAAAAAAAAAAAAAAAAAAAAAAAAAAAAAAAAAAAAAAAAAAAAAAAAAAAAAAAAAAAAAAAAAAAAAAAAAAAAAAAAAAAAAAAAAAAAAAAAAAAAAAAAAAAAAAAAAAAAAAAAAAAAAAAAAAAAAAAAAAAAAAAAAAAAAAAAAAAAAAAAAAAAAAAAAAAAAAAAAAAAAAAAAAAAAAAAAAAAAAAAAAAAAAAAAAAAAAAAAAAAAAAAAAAAAAAAAAAAAAAAAAAAAAAAAAAAAAAAAAAAAAAAAAAAAAAAAAAAAAAAAAAAAAAAAAAAAAAAAAAAAAAAAAAAAAAAAAAAAAAAAAAAAAAAAAAAAAAAAAAAAAAAAAAAAAAAAAAAAAAAAAAAAAAAAAAAAAAAAAAAAAAAAAAAAAAAAAAAAAAAAAAAAAAAAAAAAAAAAAAAAAAAAAAAAAAAAAAAAAAAAAAAAAAAAAAAAAAAAAAAAAAAAAAAAAAAAAAAAAAAAAAAAAAAAAAAAAAAAAAAAAAAAAAAAAAAAAAAAAAAAAAAAAAAAAAAAAAAAAAAAAAAAAAAAAAAAAAAAAAAAAAAAAAAAAAAAAAAAAAAAAAAAAAAAAAAAAAAAAAAAAAAAAAAAAAAAAAAAAAAAAAAAAAAAAAAAAAAAAAAAAAAAAAAAAAAAAAAAAAAAAAAAAAAAAAAAAAAAAAAAAAAAAAAAAAAAAAAAAAAAAAAAAAAAAAAAAAAAAAAAAAAAAAAAAAAAAAAAAAAAAAAAAAAAAAAAAAAAAAAAAAAAAAAAAAAAAAAAAAAAAAAAAAAAAAAAAAAAAAAAAAAAAAAAAAAAAAAAAAAAAAAAAAAAAAAAAAAAAAAAAAAAAAAAAAAAAAAAAAAAAAAAAAAAAAAAAAAAAAAAAAAAAAAAAAAAAAAAAAAAAAAAAAAAAAAAAAAAAAAAAAAAAAAAAAAAAAAAAAAAAAAAAAAAAAAAAAAAAAAAAAAAAAAAAAAAAAAAAAAAAAAAAAAAAAAAAAAAAAAAAAAAAAAAAAAAAAAAAAAAAAAAAAAAAAAAAAAAAAAAAAAAAAAAAAAAAAAAAAAAAAAAAAAAAAAAAAAAAAAAAAAAAAAAAAAAAAAAAAAAAAAAAAAAAAAAAAAAAAAAAAAAAAAAAAAAAAAAAAAAAAAAAAAAAAAAAAAAAAAAAAAAAAAAAAAAAAAAAAAAAAAAAAAAAAAAAAAAAAAAAAAAAAAAAAAAAAAAAAAAAAAAAAAAAAAAAAAAAAAAAAAAAAAAAAAAAAAAAAAAAAAAAAAAAAAAAAAAAAAAAAAAAAAAAAAAAAAAAAAAAAAAAAAAAAAAAAAAAAAAAAAAAAAAAAAAAAAAAAAAAAAAAAAAAAAAAAAAAAAAAAAAAAAAAAAAAAAAAAAAAAAAAAAAAAAAAAAAAAAAAAAAAAAAAAAAAAAAAAAAAAAAAAAAAAAAAAAAAAAAAAAAAAAAAAAAAAAAAAAAAAAAAAAAAAAAAAAAAAAAAAAAAAAAAAAAAAAAAAAAAAAAAAAAAAAAAAAAAAAAAAAAAAAAAAAAAAAAAAAAAAAAAAAAAAAAAAAAAAAAAAAAAAAAAAAAAAAAAAAAAAAAAAAAAAAAAAAAAAAAAAAAAAAAAAAAAAAAAAAAAAAAAAAAAAAAAAAAAAAAAAAAAAAAAAAAAAAAAAAAAAAAAAAAAAAAAAAAAAAAAAAAAAAAAAAAAAAAAAAAAAAAAAAAAAAAAAAAAAAAAAAAAAAAAAAAAAAAAAAAAAAAAAAAAAAAAAAAAAAAAAAAAAAAAAAAAAAAAAAAAAAAAAAAAAAAAAAAAAAAAAAAAAAAAAAAAAAAAAAAAAAAAAAAAAAAAAAAAAAAAAAAAAAAAAAAAAAAAAAAAAAAAAAAAAAAAAAAAAAAAAAAAAAAAAAAAAAAAAAAAAAAAAAAAAAAAAAAAAAAAAAAAAAAAAAAAAAAAAAAAAAAAAAAAAAAAAAAAAAAAAAAAAAAAAAAAAAAAAAAAAAAAAAAAAAAAAAAAAAAAAAAAAAAAAAAAAAAAAAAAAAAAAAAAAAAAAAAAAAAAAAAAAAAAAAAAAAAAAAAAAAAAAAAAAAAAAAAAAAAAAAAAAAAAAAAAAAAAAAAAAAAAAAAAAAAAAAAAAAAAAAAAAAAAAAAAAAAAAAAAAAAAAAAAAAAAAAAAAAAAAAAAAAAAAAAAAAAAAAAAAAAAAAAAAAAAAAAAAAAAAAAAAAAAAAAAAAAAAAAAAAAAAAAAAAAAAAAAAAAAAAAAAAAAAAAAAAAAAAAAAAAAAAAAAAAAAAAAAAAAAAAAAAAAAAAAAAAAAAAAAAAAAAAAAAAAAAAAAAAAAAAAAAAAAAAAAAAAAAAAAAAAAAAAAAAAAAAAAAAAAAAAAAAAAAAAAAAAAAAAAAAAAAAAAAAAAAAAAAAAAAAAAAAAAAAAAAAAAAAAAAAAAAAAAAAAAAAAAAAAAAAAAAAAAAAAAAAAAAAAAAAAAAAAAAAAAAAAAAAAAAAAAAAAAAAAAAAAAAAAAAAAAAAAAAAAAAAAAAAAAAAAAAAAAAAAAAAAAAAAAAAAAAAAAAAAAAAAAAAAAAAAAAAAAAAAAAAAAAAAAAAAAAAAAAAAAAAAAAAAAAAAAAAAAAAAAAAAAAAAAAAAAAAAAAAAAAAAAAAAAAAAAAAAAAAAAAAAAAAAAAAAAAAAAAAAAAAAAAAAAAAAAAAAAAAAAAAAAAAAAAAAAAAAAAAAAAAAAAAAAAAAAAAAAAAAAAAAAAAAAAAAAAAAAAAAAAAAAAAAAAAAAAAAAAAAAAAAAAAAAAAAAAAAAAAAAAAAAAAAAAAAAAAAAAAAAAAAAAAAAAAAAAAAAAAAAAAAAAAAAAAAAAAAAAAAAAAAAAAAAAAAAAAAAAAAAAAAAAAAAAAAAAAAAAAAAAAAAAAAAAAAAAAAAAAAAAAAAAAAAAAAAAAAAAAAAAAAAAAAAAAAAAAAAAAAAAAAAAAAAAAAAAAAAAAAAAAAAAAAAAAAAAAAAAAAAAAAAAAAAAAAAAAAAAAAAAAAAAAAAAAAAAAAAAAAAAAAAAAAgEBAQEBAQEBAQEBAQEBAQEAAAAAAAAAAwAAAAMAAAAA/////wMAdAwAAAAAAAAAAAAAIAD///////////////8AAAD///////////////8DAAAAAgD///////8DAAAAAgD///////////////////////////////////////////////////////////////////////////////////////////////////////////////////////////////////////////////////////////////////////////////////////////////////////////////////////////////////////////////////////////////////////////////////////////////////////////////////////////////////////////////////////////////////////////////////////////////////////////////////////////////////////////////////////////////////////////////////////////////8BACAA////////////////AAAO////////AwAAAAIA////////////////////////////////////////////////////////////////////////////////////////////////////////////////////////////////////////////////////////////////////////////////////////////////////////////////////////////////////////////////////////////////////////////////////////////////////////////////////////////////////////////////////////////////////////////////////////////////////////////////////////////////////////////////////////////////////////////////////////////////////////////////////////AgACAP///////wQAAAACABAAC/ZrbdxyF7xAm5ZONzlXZMsFAAAAAAADAAAAAAADAAAAAQADAAAAAAD///////8AAAAAAAAAAAAAAAAAAAAAAAAAAAAAAAAAAAAAAAAAAAAAAAAAAAAAAAAAAAAAAAAAAAAAAAAAAAAAAAAAAAAAAAAAAAAAAAAAAAAAAAAAAAAAAAAAAAAAAAAAAAAAAAAAAAAAAAAAAAAAAAAAAAAAAAAAAAAAAAAAAAAAAAAAAAAAAAAAAAAAAAAAAAAAAAAAAAAAAAAAAAAAAAAAAAAAAAAAAAAAAAAAAAAAAAAAAAAAAAAAAAAAAAAAAAAAAAAAAAAAAAAAAAAAAAAAAAAAAAAAAAAAAAAAAAAAAAAAAAAAAAAAAAAAAAAAAAAAAAAAAAAAAAAAAAAAAAAAAAAAAAAAAAAAAAAAAAAAAAAAAAAAAAAAAAAAAAAAAAAAAAAAAAAAAAAAAAAAAAAAAAAAAAAAAAAAAAAAAAAAAAAAAAAAAAAAAAAAAAAAAAAAAAAAAAAAAAAAAAAAAAAAAAAAAAAAAAAAAAAAAAAAAAAAAAAAAAAAAAAAAAAAAAAAAAAAAAAAAAAAAAAAAAAAAAAAAAAAAAAAAAAAAAAAAAAAAAAAAAAAAAAAAAAAAAAAAAAAAAAAAAAAAAAAAAAAAAAAAAAAAAAAAAAAAAAAAAAAAAAAAAAAAAAAAAAAAAAAAAAAAAAAAAAAAAAAAAAAAAAAAAAAAAAAAAAAAAAAAAAAAAAAAAAAAAAAAAAAAAAAAAAAAAAAAAAAAAAAAAAAAAAAAAAAAAAAAAAAAAAAAAAAAAAAAAAAAAAAAAAAAAAAAAAAAAAAAAAAAAAAAAAAAAAAAAAAAAAAAAAAAAAAAAAAAAAAAAAAAAAAAAAAAAAAAAAAAAAAAAAAAAAAAAAAAAAAAAAAAAAAAAAAAAAAAAAAAAAAAAAAAAAAAAAAAAAAAAAAAAAAAAAAAAAAAAAAAAAAAAAAAAAAAAAAAAAAAAAAAAAAAAAAAAAAAAAAAAAAAAAAAAAAAAAAAAAAAAAAAAAAAAAAAAAAAAAAAAAAAAAAAAAAAAAAAAAAAAAAAAAAAAAAAAAAAAAAAAAAAAAAAAAAAAAAAAAAAAAAAAAAAAAAAAAAAAAAAAAAAAAAAAAAAAAAAAAAAAAAAAAAAAAAAAAAAAAAAAAAAAAAAAAAAAAAAAAAAAAAAAAAAAAAAAAAAAAAAAAAAAAAAAAAAAAAAAAAAAAAAAAAAAAAAAAAAAAAAAAAAAAAAAAAAAAAAAAAAAAAAAAAAAAAAAAAAAAAAAAAAAAAAAAAAAAAAAAAAAAAAAAAAAAAAAAAAAAAAAAAAAAAAAAAAAAAAAAAAAAAAAAAAAAAAAAAAAAAAAAAAAAAAAAAAAAAAAAAAAAAAAAAAAAAAAAAAAAAAAAAAAAAAAAAAAAAAAAAAAAAAAAAAAAAAAAAAAAAAAAAAAAAAAAAAAAAAAAAAAAAAAAAAAAAAAAAAAAAAAAAAAAAAAAAAAAAAAAAAAAAAAAAAAAAAAAAAAAAAAAAAAAAAAAAAAAAAAAAAAAAAAAAAAAAAAAAAAAAAAAAAAAAAAAAAAAAAAAAAAAAAAAAAAAAAAAAAAAAAAAAAAAAAAAAAAAAAAAAAAAAAAAAAAAAAAAAAAAAAAAAAAAAAAAAAAAAAAAAAAAAAAAAAAAAAAAAAAAAAAAAAAAAAAAAAAAAAAAAAAAAAAAAAAAAAAAAAAAAAAAAAAAAAAAAAAAAAAAAAAAAAAAAAAAAAAAAAAAAAAAAAAAAAAAAAAAAAAAAAAAAAAAAAAAAAAAAAAAAAAAAAAAAAAAAAAAAAAAAAAAAAAAAAAAAAAAAAAAAAAAAAAAAAAAAAAAAAAAAAAAAAAAAAAAAAAAAAAAAAAAAAAAAAAAAAAAAAAAAAAAAAAAAAAAAAAAAAAAAAAAAAAAAAAAAAAAAAAAAAAAAAAAAAAAAAAAAAAAAAAAAAAAAAAAAAAAAAAAAAAAAAAAAAAAAAAAAAAAAAAAAAAAAAAAAAAAAAAAAAAAAAAAAAAAAAAAAAAAAAAAAAAAAAAAAAAAAAAAAAAAAAAAAAAAAAAAAAAAAAAAAAAAAAAAAAAAAAAAAAAAAAAAAAAAAAAAAAAAAAAAAAAAAAAAAAAAAAAAAAAAAAAAAAAAAAAAAAAAAAAAAAAAAAAAAAAAAAAAAAAAAAAAAAAAAAAAAAAAAAAAAAAAAAAAAAAAAAAAAAAAAAAAAAAAAAAAAAAAAAAAAAAAAAAAAAAAAAAAAAAAAAAAAAAAAAAAAAAAAAAAAAAAAAAAAAAAAAAAAAAAAAAAAAAAAAAAAAAAAAAAAAAAAAAAAAAAAAAAAAAAAAAAAAAAAAAAAAAAAAAAAAAAAAAAAAAAAAAAAAAAAAAAAAAAAAAAAAAAAAAAAAAAAAAAAAAAAAAAAAAAAAAAAAAAAAAAAAAAAAAAAAAAAAAAAAAAAAAAAAAAAAAAAAAAAAAAAAAAAAAAAAAAAAAAAAAAAAAAAAAAAAAAAAAAAAAAAAAAAAAAAAAAAAAAAAAAAAAAAAAAAAAAAAAAAAAAAAAAAAAAAAAAAAAAAAAAAAAAAAAAAAAAAAAAAAAAAAAAAAAAAAAAAAAAAAAAAAAAAAAAAAAAAAAAAAAAAAAAAAAAAAAAAAAAAAAAAAAAAAAAAAAAAAAAAAAAAAAAAAAAAAAAAAAAAAAAAAAAAAAAAAAAAAAAAAAAAAAAAAAAAAAAAAAAAAAAAAAAAAAAAAAAAAAAAAAAAAAAAAAAAAAAAAAAAAAAAAAAAAAAAAAAAAAAAAAAAAAAAAAAAAAAAAAAAAAAAAAAAAAAAAAAAAAAAAAAAAAAAAAAAAAAAAAAAAAAAAAAAAAAAAAAAAAAAAAAAAAAAAAAAAAAAAAAAAAAAAAAAAAAAAAAAAAAAAAAAAAAAAAAAAAAAAAAAAAAAAAAAAAAAAAAAAAAAAAAAAAAAAAAAAAAAAAAAAAAAAAAAAAAAAAAAAAAAAAAAAAAAAAAAAAAAAAAAAAAAAAAAAAAAAAAAAAAAAAAAAAAAAAAAAAAAAAAAAAAAAAAAAAAAAAAAAAAAAAAAAAAAAAAAAAAAAAAAAAAAAAAAAAAAAAAAAAAAAAAAAAAAAAAAAAAAAAAAAAAAAAAAAAAAAAAAAAAAAAAAAAAAAAAAAAAAAAAAAAAAAAAAAAAAAAAAAAAAAAAAAAAAAAAAAAAAAAAAAAAAAAAAAAAAAAAAAAAAAAAAAAAAAAAAAAAAAAAAAAAAAAAAAAAAAAAAAAAAAAAAAAAAAAAAAAAAAAAAAAAAAAAAAAAAAAAAAAAAAAAAAAAAAAAAAAAAAAAAAAAAAAAAAAAAAAAAAAAAAAAAAAAAAAAAAAAAAAAAAAAAAAAAAAAAAAAAAAAAAAAAAAAAAAAAAAAAAAAAAAAAAAAAAAAAAAAAAAAAAAAAAAAAAAAAAAAAAAAAAAAAAAAAAAAAAAAAAAAAAAAAAAAAAAAAAAAAAAAAAAAAAAAAAAAAAAAAAAAAAAAAAAAAAAAAAAAAAAAAAAAAAAAAAAAAAAAAAAAAAAAAAAAAAAAAAAAAAAAAAAAAAAAAAAAAAAAAAAAAAAAAAAAAAAAAAAAAAAAAAAAAAAAAAAAAAAAAAAAAAAAAAAAAAAAAAAAAAAAAAAAAAAAAAAAAAAAAAAAAAAAAAAAAAAAAAAAAAAAAAAAAAAAAAAAAAAAAAAAAAAAAAAAAAAAAAAAAAAAAAAAAAAAAAAAAAAAAAAAAAAAAAAAAAAAAAAAAAAAAAAAAAAAAAAAAAAAAAAAAAAAAAAAAAAAAAAAAAAAAAAAAAAAAAAAAAAAAAAAAAAAAAAAAAAAAAAAAAAAAAAAAAAAAAAAAAAAAAAAAAAAAAAAAAAAAAAAAAAAAAAAAAAAAAAAAAAAAAAAAAAAAAAAAAAAAAAAAAAAAAAAAAAAAAAAAAAAAAAAAAAAAAAAAAAAAAAAAAAAAAAAAAAAAAAAAAAAAAAAAAAAAAAAAAAAAAAAAAAAAAAAAAAAAAAAAAAAAAAAAAAAAAAAAAAAAAAAAAAAAAAAAAAAAAAAAAAAAAAAAAAAAAAAAAAAAAAAAAAAAAAAAAAAAAAAAAAAAAAAAAAAAAAAAAAAAAAAAAAAAAAAAAAAAAAAAAAAAAAAAAAAAAAAAAAAAAAAAAAAAAAAAAAAAAAAAAAAAAAAAAAAAAAAAAAAAAAAAAAAAAAAAAAAAAAAAAAAAAAAAAAAAAAAAAAAAAAAAAAAAAAAAAAAAAAAAAAAAAAAAAAAAAAAAAAAAAAAAAAAAAAAAAAQAAAADAAAAAP////8DAIQMAAAAAAAAAAAAACAB////////////////AAAA////////////////BAAAAAIA////////////////////////////////////////////////////////////////////////////////////////////////////////////////////////////////////////////////////////////////////////////////////////////////////////////////////////////////////////////////////////////////////////////////////////////////////////////////////////////////////////////////////////////////////////////////////////////////////////////////////////////////////////////////////////////////////////////////////////////////////////////////AQAgAf///////////////wAADv///////wQAAAACAP///////////////////////////////////////////////////////////////////////////////////////////////////////////////////////////////////////////////////////////////////////////////////////////////////////////////////////////////////////////////////////////////////////////////////////////////////////////////////////////////////////////////////////////////////////////////////////////////////////////////////////////////////////////////////////////////////////////////////////////////////////////////////////wIAAQEDAAAAAgD///////8MAAZQZXJzb25hbElkXzAFAAAAAAAEAAAAAAAEAAAAAQAAAAAAAAAAAAAAAAAAAAAAAAAAAAAAAAAAAAAAAAAAAAAAAAAAAAAAAAAAAAAAAAAAAAAAAAAAAAAAAAAAAAAAAAAAAAAAAAAAAAAAAAAAAAAAAAAAAAAAAAAAAAAAAAAAAAAAAAAAAAAAAAAAAAAAAAAAAAAAAAAAAAAAAAAAAAAAAAAAAAAAAAAAAAAAAAAAAAAAAAAAAAAAAAAAAAAAAAAAAAAAAAAAAAAAAAAAAAAAAAAAAAAAAAAAAAAAAAAAAAAAAAAAAAAAAAAAAAAAAAAAAAAAAAAAAAAAAAAAAAAAAAAAAAAAAAAAAAAAAAAAAAAAAAAAAAAAAAAAAAAAAAAAAAAAAAAAAAAAAAAAAAAAAAAAAAAAAAAAAAAAAAAAAAAAAAAAAAAAAAAAAAAAAAAAAAAAAAAAAAAAAAAAAAAAAAAAAAAAAAAAAAAAAAAAAAAAAAAAAAAAAAAAAAAAAAAAAAAAAAAAAAAAAAAAAAAAAAAAAAAAAAAAAAAAAAAAAAAAAAAAAAAAAAAAAAAAAAAAAAAAAAAAAAAAAAAAAAAAAAAAAAAAAAAAAAAAAAAAAAAAAAAAAAAAAAAAAAAAAAAAAAAAAAAAAAAAAAAAAAAAAAAAAAAAAAAAAAAAAAAAAAAAAAAAAAAAAAAAAAAAAAAAAAAAAAAAAAAAAAAAAAAAAAAAAAAAAAAAAAAAAAAAAAAAAAAAAAAAAAAAAAAAAAAAAAAAAAAAAAAAAAAAAAAAAAAAAAAAAAAAAAAAAAAAAAAAAAAAAAAAAAAAAAAAAAAAAAAAAAAAAAAAAAAAAAAAAAAAAAAAAAAAAAAAAAAAAAAAAAAAAAAAAAAAAAAAAAAAAAAAAAAAAAAAAAAAAAAAAAAAAAAAAAAAAAAAAAAAAAAAAAAAAAAAAAAAAAAAAAAAAAAAAAAAAAAAAAAAAAAAAAAAAAAAAAAAAAAAAAAAAAAAAAAAAAAAAAAAAAAAAAAAAAAAAAAAAAAAAAAAAAAAAAAAAAAAAAAAAAAAAAAAAAAAAAAAAAAAAAAAAAAAAAAAAAAAAAAAAAAAAAAAAAAAAAAAAAAAAAAAAAAAAAAAAAAAAAAAAAAAAAAAAAAAAAAAAAAAAAAAAAAAAAAAAAAAAAAAAAAAAAAAAAAAAAAAAAAAAAAAAAAAAAAAAAAAAAAAAAAAAAAAAAAAAAAAAAAAAAAAAAAAAAAAAAAAAAAAAAAAAAAAAAAAAAAAAAAAAAAAAAAAAAAAAAAAAAAAAAAAAAAAAAAAAAAAAAAAAAAAAAAAAAAAAAAAAAAAAAAAAAAAAAAAAAAAAAAAAAAAAAAAAAAAAAAAAAAAAAAAAAAAAAAAAAAAAAAAAAAAAAAAAAAAAAAAAAAAAAAAAAAAAAAAAAAAAAAAAAAAAAAAAAAAAAAAAAAAAAAAAAAAAAAAAAAAAAAAAAAAAAAAAAAAAAAAAAAAAAAAAAAAAAAAAAAAAAAAAAAAAAAAAAAAAAAAAAAAAAAAAAAAAAAAAAAAAAAAAAAAAAAAAAAAAAAAAAAAAAAAAAAAAAAAAAAAAAAAAAAAAAAAAAAAAAAAAAAAAAAAAAAAAAAAAAAAAAAAAAAAAAAAAAAAAAAAAAAAAAAAAAAAAAAAAAAAAAAAAAAAAAAAAAAAAAAAAAAAAAAAAAAAAAAAAAAAAAAAAAAAAAAAAAAAAAAAAAAAAAAAAAAAAAAAAAAAAAAAAAAAAAAAAAAAAAAAAAAAAAAAAAAAAAAAAAAAAAAAAAAAAAAAAAAAAAAAAAAAAAAAAAAAAAAAAAAAAAAAAAAAAAAAAAAAAAAAAAAAAAAAAAAAAAAAAAAAAAAAAAAAAAAAAAAAAAAAAAAAAAAAAAAAAAAAAAAAAAAAAAAAAAAAAAAAAAAAAAAAAAAAAAAAAAAAAAAAAAAAAAAAAAAAAAAAAAAAAAAAAAAAAAAAAAAAAAAAAAAAAAAAAAAAAAAAAAAAAAAAAAAAAAAAAAAAAAAAAAAAAAAAAAAAAAAAAAAAAAAAAAAAAAAAAAAAAAAAAAAAAAAAAAAAAAAAAAAAAAAAAAAAAAAAAAAAAAAAAAAAAAAAAAAAAAAAAAAAAAAAAAAAAAAAAAAAAAAAAAAAAAAAAAAAAAAAAAAAAAAAAAAAAAAAAAAAAAAAAAAAAAAAAAAAAAAAAAAAAAAAAAAAAAAAAAAAAAAAAAAAAAAAAAAAAAAAAAAAAAAAAAAAAAAAAAAAAAAAAAAAAAAAAAAAAAAAAAAAAAAAAAAAAAAAAAAAAAAAAAAAAAAAAAAAAAAAAAAAAAAAAAAAAAAAAAAAAAAAAAAAAAAAAAAAAAAAAAAAAAAAAAAAAAAAAAAAAAAAAAAAAAAAAAAAAAAAAAAAAAAAAAAAAAAAAAAAAAAAAAAAAAAAAAAAAAAAAAAAAAAAAAAAAAAAAAAAAAAAAAAAAAAAAAAAAAAAAAAAAAAAAAAAAAAAAAAAAAAAAAAAAAAAAAAAAAAAAAAAAAAAAAAAAAAAAAAAAAAAAAAAAAAAAAAAAAAAAAAAAAAAAAAAAAAAAAAAAAAAAAAAAAAAAAAAAAAAAAAAAAAAAAAAAAAAAAAAAAAAAAAAAAAAAAAAAAAAAAAAAAAAAAAAAAAAAAAAAAAAAAAAAAAAAAAAAAAAAAAAAAAAAAAAAAAAAAAAAAAAAAAAAAAAAAAAAAAAAAAAAAAAAAAAAAAAAAAAAAAAAAAAAAAAAAAAAAAAAAAAAAAAAAAAAAAAAAAAAAAAAAAAAAAAAAAAAAAAAAAAAAAAAAAAAAAAAAAAAAAAAAAAAAAAAAAAAAAAAAAAAAAAAAAAAAAAAAAAAAAAAAAAAAAAAAAAAAAAAAAAAAAAAAAAAAAAAAAAAAAAAAAAAAAAAAAAAAAAAAAAAAAAAAAAAAAAAAAAAAAAAAAAAAAAAAAAAAAAAAAAAAAAAAAAAAAAAAAAAAAAAAAAAAAAAAAAAAAAAAAAAAAAAAAAAAAAAAAAAAAAAAAAAAAAAAAAAAAAAAAAAAAAAAAAAAAAAAAAAAAAAAAAAAAAAAAAAAAAAAAAAAAAAAAAAAAAAAAAAAAAAAAAAAAAAAAAAAAAAAAAAAAAAAAAAAAAAAAAAAAAAAAAAAAAAAAAAAAAAAAAAAAAAAAAAAAAAAAAAAAAAAAAAAAAAAAAAAAAAAAAAAAAAAAAAAAAAAAAAAAAAAAAAAAAAAAAAAAAAAAAAAAAAAAAAAAAAAAAAAAAAAAAAAAAAAAAAAAAAAAAAAAAAAAAAAAAAAAAAAAAAAAAAAAAAAAAAAAAAAAAAAAAAAAAAAAAAAAAAAAAAAAAAAAAAAAAAAAAAAAAAAAAAAAAAAAAAAAAAAAAAAAAAAAAAAAAAAAAAAAAAAAAAAAAAAAAAAAAAAAAAAAAAAAAAAAAAAAAAAAAAAAAAAAAAAAAAAAAAAAAAAAAAAAAAAAAAAAAAAAAAAAAAAAAAAAAAAAAAAAAAAAAAAAAAAAAAAAAAAAAAAAAAAAAAAAAAAAAAAAAAAAAAAAAAAAAAAAAAAAAAAAAAAAAAAAAAAAAAAAAAAAAAAAAAAAAAAAAAAAAAAAAAAAAAAAAAAAAAAAAAAAAAAAAAAAAAAAAAAAAAAAAAAAAAAAAAAAAAAAAAAAAAAAAAAAAAAAAAAAAAAAAAAAAAAAAAAAAAAAAAAAAAAAAAAAAAAAAAAAAAAAAAAAAAAAAAAAAAAAAAAAAAAAAAAAAAAAAAAAAAAAAAAAAAAAAAAAAAAAAAAAAAAAAAAAAAAAAAAAAAAAAAAAAAAAAAAAAAAAAAAAAAAAAAAAAAAAAAAAAAAAAAAAAAAAAAAAAAAAAAAAAAAAAAAAAAAAAAAAAAAAAAAAAAAAAAAAAAAAAAAAAAAAAAAAAAAAAAAAAAAAAAAAAAAAAAAAAAAAAAAAAAAAAAAAAAAAAAAAAAAAAAAAAAAAAAAAAAAAAAAAAAAAAAAAAAAAAAAAAAAAAAAAAAAAAAAAAAAAAAAAAAAAAAAAAAAAAAAAAAAAAAAAAAAAAAAAAAAAAAAAAAAAAAAAAAAAAAAAAAAAAAAAAAAAAAAAAAAAAAAAAAAAAAAAAAAAAAAAAAAAAAAAAAAAAAAAAAAAAAAAAAAAAAAAAAAAAAAAAAAAAAAAAAAAAAAAAAAAAAAAAAAAAAAAAAAAAAAAAAAAAAAAAAAAAAAAAAAAAAAAAAAAAAAAAAAAAAAAAAAAAAAAAAAAAAAAAAAAAAAAAAAAAAAAAAAAAAAAAAAAAAAAAAAAAAAAAAAAFAAAABAAAAAD/////AQBvDwAAAAAAAAAAAAD/////cABwAAAABV9pZAAQAAAABPZrbdxyF7xAm5ZONzlXZMsDRGF0YQAWAAAAAlBlcnNvbmFsSWQAAQAAAAAAAk5hbWUACwAAAFBlcnNvbmFsSWQAEFZlcnNpb24AAAAAAAlMYXN0V3JpdGUACe5y7IsBAAAAAAAAAAAAAAAAAAAAAAAAAAAAAAAAAAAAAAAAAAAAAAAAAAAAAAAAAAAAAAAAAAAAAAAAAAAAAAAAAAAAAAAAAAAAAAAAAAAAAAAAAAAAAAAAAAAAAAAAAAAAAAAAAAAAAAAAAAAAAAAAAAAAAAAAAAAAAAAAAAAAAAAAAAAAAAAAAAAAAAAAAAAAAAAAAAAAAAAAAAAAAAAAAAAAAAAAAAAAAAAAAAAAAAAAAAAAAAAAAAAAAAAAAAAAAAAAAAAAAAAAAAAAAAAAAAAAAAAAAAAAAAAAAAAAAAAAAAAAAAAAAAAAAAAAAAAAAAAAAAAAAAAAAAAAAAAAAAAAAAAAAAAAAAAAAAAAAAAAAAAAAAAAAAAAAAAAAAAAAAAAAAAAAAAAAAAAAAAAAAAAAAAAAAAAAAAAAAAAAAAAAAAAAAAAAAAAAAAAAAAAAAAAAAAAAAAAAAAAAAAAAAAAAAAAAAAAAAAAAAAAAAAAAAAAAAAAAAAAAAAAAAAAAAAAAAAAAAAAAAAAAAAAAAAAAAAAAAAAAAAAAAAAAAAAAAAAAAAAAAAAAAAAAAAAAAAAAAAAAAAAAAAAAAAAAAAAAAAAAAAAAAAAAAAAAAAAAAAAAAAAAAAAAAAAAAAAAAAAAAAAAAAAAAAAAAAAAAAAAAAAAAAAAAAAAAAAAAAAAAAAAAAAAAAAAAAAAAAAAAAAAAAAAAAAAAAAAAAAAAAAAAAAAAAAAAAAAAAAAAAAAAAAAAAAAAAAAAAAAAAAAAAAAAAAAAAAAAAAAAAAAAAAAAAAAAAAAAAAAAAAAAAAAAAAAAAAAAAAAAAAAAAAAAAAAAAAAAAAAAAAAAAAAAAAAAAAAAAAAAAAAAAAAAAAAAAAAAAAAAAAAAAAAAAAAAAAAAAAAAAAAAAAAAAAAAAAAAAAAAAAAAAAAAAAAAAAAAAAAAAAAAAAAAAAAAAAAAAAAAAAAAAAAAAAAAAAAAAAAAAAAAAAAAAAAAAAAAAAAAAAAAAAAAAAAAAAAAAAAAAAAAAAAAAAAAAAAAAAAAAAAAAAAAAAAAAAAAAAAAAAAAAAAAAAAAAAAAAAAAAAAAAAAAAAAAAAAAAAAAAAAAAAAAAAAAAAAAAAAAAAAAAAAAAAAAAAAAAAAAAAAAAAAAAAAAAAAAAAAAAAAAAAAAAAAAAAAAAAAAAAAAAAAAAAAAAAAAAAAAAAAAAAAAAAAAAAAAAAAAAAAAAAAAAAAAAAAAAAAAAAAAAAAAAAAAAAAAAAAAAAAAAAAAAAAAAAAAAAAAAAAAAAAAAAAAAAAAAAAAAAAAAAAAAAAAAAAAAAAAAAAAAAAAAAAAAAAAAAAAAAAAAAAAAAAAAAAAAAAAAAAAAAAAAAAAAAAAAAAAAAAAAAAAAAAAAAAAAAAAAAAAAAAAAAAAAAAAAAAAAAAAAAAAAAAAAAAAAAAAAAAAAAAAAAAAAAAAAAAAAAAAAAAAAAAAAAAAAAAAAAAAAAAAAAAAAAAAAAAAAAAAAAAAAAAAAAAAAAAAAAAAAAAAAAAAAAAAAAAAAAAAAAAAAAAAAAAAAAAAAAAAAAAAAAAAAAAAAAAAAAAAAAAAAAAAAAAAAAAAAAAAAAAAAAAAAAAAAAAAAAAAAAAAAAAAAAAAAAAAAAAAAAAAAAAAAAAAAAAAAAAAAAAAAAAAAAAAAAAAAAAAAAAAAAAAAAAAAAAAAAAAAAAAAAAAAAAAAAAAAAAAAAAAAAAAAAAAAAAAAAAAAAAAAAAAAAAAAAAAAAAAAAAAAAAAAAAAAAAAAAAAAAAAAAAAAAAAAAAAAAAAAAAAAAAAAAAAAAAAAAAAAAAAAAAAAAAAAAAAAAAAAAAAAAAAAAAAAAAAAAAAAAAAAAAAAAAAAAAAAAAAAAAAAAAAAAAAAAAAAAAAAAAAAAAAAAAAAAAAAAAAAAAAAAAAAAAAAAAAAAAAAAAAAAAAAAAAAAAAAAAAAAAAAAAAAAAAAAAAAAAAAAAAAAAAAAAAAAAAAAAAAAAAAAAAAAAAAAAAAAAAAAAAAAAAAAAAAAAAAAAAAAAAAAAAAAAAAAAAAAAAAAAAAAAAAAAAAAAAAAAAAAAAAAAAAAAAAAAAAAAAAAAAAAAAAAAAAAAAAAAAAAAAAAAAAAAAAAAAAAAAAAAAAAAAAAAAAAAAAAAAAAAAAAAAAAAAAAAAAAAAAAAAAAAAAAAAAAAAAAAAAAAAAAAAAAAAAAAAAAAAAAAAAAAAAAAAAAAAAAAAAAAAAAAAAAAAAAAAAAAAAAAAAAAAAAAAAAAAAAAAAAAAAAAAAAAAAAAAAAAAAAAAAAAAAAAAAAAAAAAAAAAAAAAAAAAAAAAAAAAAAAAAAAAAAAAAAAAAAAAAAAAAAAAAAAAAAAAAAAAAAAAAAAAAAAAAAAAAAAAAAAAAAAAAAAAAAAAAAAAAAAAAAAAAAAAAAAAAAAAAAAAAAAAAAAAAAAAAAAAAAAAAAAAAAAAAAAAAAAAAAAAAAAAAAAAAAAAAAAAAAAAAAAAAAAAAAAAAAAAAAAAAAAAAAAAAAAAAAAAAAAAAAAAAAAAAAAAAAAAAAAAAAAAAAAAAAAAAAAAAAAAAAAAAAAAAAAAAAAAAAAAAAAAAAAAAAAAAAAAAAAAAAAAAAAAAAAAAAAAAAAAAAAAAAAAAAAAAAAAAAAAAAAAAAAAAAAAAAAAAAAAAAAAAAAAAAAAAAAAAAAAAAAAAAAAAAAAAAAAAAAAAAAAAAAAAAAAAAAAAAAAAAAAAAAAAAAAAAAAAAAAAAAAAAAAAAAAAAAAAAAAAAAAAAAAAAAAAAAAAAAAAAAAAAAAAAAAAAAAAAAAAAAAAAAAAAAAAAAAAAAAAAAAAAAAAAAAAAAAAAAAAAAAAAAAAAAAAAAAAAAAAAAAAAAAAAAAAAAAAAAAAAAAAAAAAAAAAAAAAAAAAAAAAAAAAAAAAAAAAAAAAAAAAAAAAAAAAAAAAAAAAAAAAAAAAAAAAAAAAAAAAAAAAAAAAAAAAAAAAAAAAAAAAAAAAAAAAAAAAAAAAAAAAAAAAAAAAAAAAAAAAAAAAAAAAAAAAAAAAAAAAAAAAAAAAAAAAAAAAAAAAAAAAAAAAAAAAAAAAAAAAAAAAAAAAAAAAAAAAAAAAAAAAAAAAAAAAAAAAAAAAAAAAAAAAAAAAAAAAAAAAAAAAAAAAAAAAAAAAAAAAAAAAAAAAAAAAAAAAAAAAAAAAAAAAAAAAAAAAAAAAAAAAAAAAAAAAAAAAAAAAAAAAAAAAAAAAAAAAAAAAAAAAAAAAAAAAAAAAAAAAAAAAAAAAAAAAAAAAAAAAAAAAAAAAAAAAAAAAAAAAAAAAAAAAAAAAAAAAAAAAAAAAAAAAAAAAAAAAAAAAAAAAAAAAAAAAAAAAAAAAAAAAAAAAAAAAAAAAAAAAAAAAAAAAAAAAAAAAAAAAAAAAAAAAAAAAAAAAAAAAAAAAAAAAAAAAAAAAAAAAAAAAAAAAAAAAAAAAAAAAAAAAAAAAAAAAAAAAAAAAAAAAAAAAAAAAAAAAAAAAAAAAAAAAAAAAAAAAAAAAAAAAAAAAAAAAAAAAAAAAAAAAAAAAAAAAAAAAAAAAAAAAAAAAAAAAAAAAAAAAAAAAAAAAAAAAAAAAAAAAAAAAAAAAAAAAAAAAAAAAAAAAAAAAAAAAAAAAAAAAAAAAAAAAAAAAAAAAAAAAAAAAAAAAAAAAAAAAAAAAAAAAAAAAAAAAAAAAAAAAAAAAAAAAAAAAAAAAAAAAAAAAAAAAAAAAAAAAAAAAAAAAAAAAAAAAAAAAAAAAAAAAAAAAAAAAAAAAAAAAAAAAAAAAAAAAAAAAAAAAAAAAAAAAAAAAAAAAAAAAAAAAAAAAAAAAAAAAAAAAAAAAAAAAAAAAAAAAAAAAAAAAAAAAAAAAAAAAAAAAAAAAAAAAAAAAAAAAAAAAAAAAAAAAAAAAAAAAAAAAAAAAAAAAAAAAAAAAAAAAAAAAAAAAAAAAAAAAAAAAAAAAAAAAAAAAAAAAAAAAAAAAAAAAAAAAAAAAAAAAAAAAAAAAAAAAAAAAAAAAAAAAAAAAAAAAAAAAAAAAAAAAAAAAAAAAAAAAAAAAAAAAAAAAAAAAAAAAAAAAAAAAAAAAAAAAAAAAAAAAAAAAAAAAAAAAAAAAAAAAAAAAAAAAAAAAAAAAAAAAAAAAAAAAAAAAAAAAAAAAAAAAAAAAAAAAAAAAAAAAAAAAAAAAAAAAAAAAAAAAAAAAAAAAAAAAAAAAAAAAAAAAAAAAAAAAAAAAAAAAAAAAAAAAAAAAAAAAAAAAAAAAAAAAAAAAAAAAAAAAAAAAAAAAAAAAAAAAAAAAAAAAAAAAAAAAAAAAAAAAAAAAAAAAAAAAAAAAAAAAAAAAAAAAAAAAAAAAAAAAAAAAAAAAAAAAAAAAAAAAAAAAAAAAAAAAAAAAAAAAAAAAAAAAAAAAAAAAAAAAAAAAAAAAAAAAAAAAAAAAAAAAAAAAAAAAAAAAAAAAAAAAAAAAAAAAAAAAAAAAAAAAAAAAAAAAAAAAAAAAAAAAAAAAAAAAAAAAAAAAAAAAAAAAAAAAAAAAAAAAAAAAAAAAAAAAAAAAAAAAAAAAAAAAAAAAAAAAAAAAAAAAAAAAAAAAAAAAAAAAAAAAAAAAAAAAAAAAAAAAAAAAAAAAAAAAAAAAAAAAAAAAAAAAAAAAAAAAAAAAAAAAAAAAAAAAAAAAAAAAAAAAAAAAAAAAAAAAAAAAAAAAAAAAAAAAAAAAAAAAAAAAAAAAAAAAAAAAAAAAAAAAAAAAAAAAAAAAAAAAAAAAAAAAAAAAAAAAAAAAAAAAAAAAAAAAAAAAAAAAAAAAAAAAAAAAAAAAAAAAAAAAAAAAAAAAAAAAAAAAAAAAAAAAAAAAAAAAAAAAAAAAAAAAAAAAAAAAAAAAAAAAAAAAAAAAAAAAAAAAAAAAAAAAAAAAAAAAAAAAAAAAAAAAAAAAAAAAAAAAAAAAAAAAAAAAAAAAAAAAAAAAAAAAAAAAAAAAAAAAAAAAAAAAAAAAAAAAAAAAAAAAAAAAAAAAAAAAAAAAAAAAAAAAAAAAAAAAAAAAAAAAAAAAAAAAAAAAAAAAAAAAAAAAAAAAAAAAAAAAAAAAAAAAAAAAAAAAAAAAAAAAAAAAAAAAAAAAAAAAAAAAAAAAAAAAAAAAAAAAAAAAAAAAAAAAAAAAAAAAAAAAAAAAAAAAAAAAAAAAAAAAAAAAAAAAAAAAAAAAAAAAAAAAAAAAAAAAAAAAAAAAAAAAAAAAAAAAAAAAAA"/>
   <p:tag name="EMPOWERCHARTSPROPERTIES_SLOT" val="A"/>
   <p:tag name="EMPOWERCHARTSPROPERTIES_LASTWRITEDATE" val="638360758369777706"/>
   <p:tag name="EMPOWERCHARTSPROPERTIES_A_LENGTH" val="24576"/>
   <p:tag name="RUNTIME_ID" val="a2865694-0176-4226-817f-d0371c97fcd4"/>
-</p:tagLst>
-</file>
-
-<file path=ppt/tags/tag2063.xml><?xml version="1.0" encoding="utf-8"?>
-<p:tagLst xmlns:a="http://schemas.openxmlformats.org/drawingml/2006/main" xmlns:r="http://schemas.openxmlformats.org/officeDocument/2006/relationships" xmlns:p="http://schemas.openxmlformats.org/presentationml/2006/main">
-  <p:tag name="EMPOWERCHARTSPROPERTIES_A_0" val="AAAAAAH//////////wEAAAAAAAAAAAAAACoqIFRoaXMgaXMgYSBMaXRlREIgZmlsZSAqKgcDAP////8FAAAAAQAAAAAAAAAAAAAAAAAAAAAAAAAAAAAAAAAAAAAAAAAAAAAAAAABEQAAAFByb3BlcnR5RG9jdW1lbnRzAgAAAAAAAAAAAAAAAAAAAAAAAAAAAAAAAAAAAAAAAAAAAAAAAAAAAAAAAAAAAAAAAAAAAAAAAAAAAAAAAAAAAAAAAAAAAAAAAAAAAAAAAAAAAAAAAAAAAAAAAAAAAAAAAAAAAAAAAAAAAAAAAAAAAAAAAAAAAAAAAAAAAAAAAAAAAAAAAAAAAAAAAAAAAAAAAAAAAAAAAAAAAAAAAAAAAAAAAAAAAAAAAAAAAAAAAAAAAAAAAAAAAAAAAAAAAAAAAAAAAAAAAAAAAAAAAAAAAAAAAAAAAAAAAAAAAAAAAAAAAAAAAAAAAAAAAAAAAAAAAAAAAAAAAAAAAAAAAAAAAAAAAAAAAAAAAAAAAAAAAAAAAAAAAAAAAAAAAAAAAAAAAAAAAAAAAAAAAAAAAAAAAAAAAAAAAAAAAAAAAAAAAAAAAAAAAAAAAAAAAAAAAAAAAAAAAAAAAAAAAAAAAAAAAAAAAAAAAAAAAAAAAAAAAAAAAAAAAAAAAAAAAAAAAAAAAAAAAAAAAAAAAAAAAAAAAAAAAAAAAAAAAAAAAAAAAAAAAAAAAAAAAAAAAAAAAAAAAAAAAAAAAAAAAAAAAAAAAAAAAAAAAAAAAAAAAAAAAAAAAAAAAAAAAAAAAAAAAAAAAAAAAAAAAAAAAAAAAAAAAAAAAAAAAAAAAAAAAAAAAAAAAAAAAAAAAAAAAAAAAAAAAAAAAAAAAAAAAAAAAAAAAAAAAAAAAAAAAAAAAAAAAAAAAAAAAAAAAAAAAAAAAAAAAAAAAAAAAAAAAAAAAAAAAAAAAAAAAAAAAAAAAAAAAAAAAAAAAAAAAAAAAAAAAAAAAAAAAAAAAAAAAAAAAAAAAAAAAAAAAAAAAAAAAAAAAAAAAAAAAAAAAAAAAAAAAAAAAAAAAAAAAAAAAAAAAAAAAAAAAAAAAAAAAAAAAAAAAAAAAAAAAAAAAAAAAAAAAAAAAAAAAAAAAAAAAAAAAAAAAAAAAAAAAAAAAAAAAAAAAAAAAAAAAAAAAAAAAAAAAAAAAAAAAAAAAAAAAAAAAAAAAAAAAAAAAAAAAAAAAAAAAAAAAAAAAAAAAAAAAAAAAAAAAAAAAAAAAAAAAAAAAAAAAAAAAAAAAAAAAAAAAAAAAAAAAAAAAAAAAAAAAAAAAAAAAAAAAAAAAAAAAAAAAAAAAAAAAAAAAAAAAAAAAAAAAAAAAAAAAAAAAAAAAAAAAAAAAAAAAAAAAAAAAAAAAAAAAAAAAAAAAAAAAAAAAAAAAAAAAAAAAAAAAAAAAAAAAAAAAAAAAAAAAAAAAAAAAAAAAAAAAAAAAAAAAAAAAAAAAAAAAAAAAAAAAAAAAAAAAAAAAAAAAAAAAAAAAAAAAAAAAAAAAAAAAAAAAAAAAAAAAAAAAAAAAAAAAAAAAAAAAAAAAAAAAAAAAAAAAAAAAAAAAAAAAAAAAAAAAAAAAAAAAAAAAAAAAAAAAAAAAAAAAAAAAAAAAAAAAAAAAAAAAAAAAAAAAAAAAAAAAAAAAAAAAAAAAAAAAAAAAAAAAAAAAAAAAAAAAAAAAAAAAAAAAAAAAAAAAAAAAAAAAAAAAAAAAAAAAAAAAAAAAAAAAAAAAAAAAAAAAAAAAAAAAAAAAAAAAAAAAAAAAAAAAAAAAAAAAAAAAAAAAAAAAAAAAAAAAAAAAAAAAAAAAAAAAAAAAAAAAAAAAAAAAAAAAAAAAAAAAAAAAAAAAAAAAAAAAAAAAAAAAAAAAAAAAAAAAAAAAAAAAAAAAAAAAAAAAAAAAAAAAAAAAAAAAAAAAAAAAAAAAAAAAAAAAAAAAAAAAAAAAAAAAAAAAAAAAAAAAAAAAAAAAAAAAAAAAAAAAAAAAAAAAAAAAAAAAAAAAAAAAAAAAAAAAAAAAAAAAAAAAAAAAAAAAAAAAAAAAAAAAAAAAAAAAAAAAAAAAAAAAAAAAAAAAAAAAAAAAAAAAAAAAAAAAAAAAAAAAAAAAAAAAAAAAAAAAAAAAAAAAAAAAAAAAAAAAAAAAAAAAAAAAAAAAAAAAAAAAAAAAAAAAAAAAAAAAAAAAAAAAAAAAAAAAAAAAAAAAAAAAAAAAAAAAAAAAAAAAAAAAAAAAAAAAAAAAAAAAAAAAAAAAAAAAAAAAAAAAAAAAAAAAAAAAAAAAAAAAAAAAAAAAAAAAAAAAAAAAAAAAAAAAAAAAAAAAAAAAAAAAAAAAAAAAAAAAAAAAAAAAAAAAAAAAAAAAAAAAAAAAAAAAAAAAAAAAAAAAAAAAAAAAAAAAAAAAAAAAAAAAAAAAAAAAAAAAAAAAAAAAAAAAAAAAAAAAAAAAAAAAAAAAAAAAAAAAAAAAAAAAAAAAAAAAAAAAAAAAAAAAAAAAAAAAAAAAAAAAAAAAAAAAAAAAAAAAAAAAAAAAAAAAAAAAAAAAAAAAAAAAAAAAAAAAAAAAAAAAAAAAAAAAAAAAAAAAAAAAAAAAAAAAAAAAAAAAAAAAAAAAAAAAAAAAAAAAAAAAAAAAAAAAAAAAAAAAAAAAAAAAAAAAAAAAAAAAAAAAAAAAAAAAAAAAAAAAAAAAAAAAAAAAAAAAAAAAAAAAAAAAAAAAAAAAAAAAAAAAAAAAAAAAAAAAAAAAAAAAAAAAAAAAAAAAAAAAAAAAAAAAAAAAAAAAAAAAAAAAAAAAAAAAAAAAAAAAAAAAAAAAAAAAAAAAAAAAAAAAAAAAAAAAAAAAAAAAAAAAAAAAAAAAAAAAAAAAAAAAAAAAAAAAAAAAAAAAAAAAAAAAAAAAAAAAAAAAAAAAAAAAAAAAAAAAAAAAAAAAAAAAAAAAAAAAAAAAAAAAAAAAAAAAAAAAAAAAAAAAAAAAAAAAAAAAAAAAAAAAAAAAAAAAAAAAAAAAAAAAAAAAAAAAAAAAAAAAAAAAAAAAAAAAAAAAAAAAAAAAAAAAAAAAAAAAAAAAAAAAAAAAAAAAAAAAAAAAAAAAAAAAAAAAAAAAAAAAAAAAAAAAAAAAAAAAAAAAAAAAAAAAAAAAAAAAAAAAAAAAAAAAAAAAAAAAAAAAAAAAAAAAAAAAAAAAAAAAAAAAAAAAAAAAAAAAAAAAAAAAAAAAAAAAAAAAAAAAAAAAAAAAAAAAAAAAAAAAAAAAAAAAAAAAAAAAAAAAAAAAAAAAAAAAAAAAAAAAAAAAAAAAAAAAAAAAAAAAAAAAAAAAAAAAAAAAAAAAAAAAAAAAAAAAAAAAAAAAAAAAAAAAAAAAAAAAAAAAAAAAAAAAAAAAAAAAAAAAAAAAAAAAAAAAAAAAAAAAAAAAAAAAAAAAAAAAAAAAAAAAAAAAAAAAAAAAAAAAAAAAAAAAAAAAAAAAAAAAAAAAAAAAAAAAAAAAAAAAAAAAAAAAAAAAAAAAAAAAAAAAAAAAAAAAAAAAAAAAAAAAAAAAAAAAAAAAAAAAAAAAAAAAAAAAAAAAAAAAAAAAAAAAAAAAAAAAAAAAAAAAAAAAAAAAAAAAAAAAAAAAAAAAAAAAAAAAAAAAAAAAAAAAAAAAAAAAAAAAAAAAAAAAAAAAAAAAAAAAAAAAAAAAAAAAAAAAAAAAAAAAAAAAAAAAAAAAAAAAAAAAAAAAAAAAAAAAAAAAAAAAAAAAAAAAAAAAAAAAAAAAAAAAAAAAAAAAAAAAAAAAAAAAAAAAAAAAAAAAAAAAAAAAAAAAAAAAAAAAAAAAAAAAAAAAAAAAAAAAAAAAAAAAAAAAAAAAAAAAAAAAAAAAAAAAAAAAAAAAAAAAAAAAAAAAAAAAAAAAAAAAAAAAAAAAAAAAAAAAAAAAAAAAAAAAAAAAAAAAAAAAAAAAAAAAAAAAAAAAAAAAAAAAAAAAAAAAAAAAAAAAAAAAAAAAAAAAAAAAAAAAAAAAAAAAAAAAAAAAAAAAAAAAAAAAAAAAAAAAAAAAAAAAAAAAAAAAAAAAAAAAAAAAAAAAAAAAAAAAAAAAAAAAAAAAAAAAAAAAAAAAAAAAAAAAAAAAAAAAAAAAAAAAAAAAAAAAAAAAAAAAAAAAAAAAAAAAAAAAAAAAAAAAAAAAAAAAAAAAAAAAAAAAAAAAAAAAAAAAAAAAAAAAAAAAAAAAAAAAAAAAAAAAAAAAAAAAAAAAAAAAAAAAAAAAAAAAAAAAAAAAAAAAAAAAAAAAAAAAAAAAAAAAAAAAAAAAAAAAAAAAAAAAAAAAAAAAAAAAAAAAAAAAAAAAAAAAAAAAAAAAAAAAAAAAAAAAAAAAAAAAAAAAAAAAAAAAAAAAAAAAAAAAAAAAAAAAAAAAAAAAAAAAAAAAAAAAAAAAAAAAAAAAAAAAAAAAAAAAAAAAAAAAAAAAAAAAAAAAAAAAAAAAAAAAAAAAAAAAAAAAAAAAAAAAAAAAAAAAAAAAAAAAAAAAAAAAAAAAAAAAAAAAAAAAAAAAAAAAAAAAAAAAAAAAAAAAAAAAAAAAAAAAAAAAAAAAAAAAAAAAAAAAAAAAAAAAAAAAAAAAAAAAAAAAAAAAAAAAAAAAAAAAAAAAAAAAAAAAAAAAAAAAAAAAAAAAAAAAAAAAAAAAAAAAAAAAAAAAAAAAAAAAAAAAAAAAAAAAAAAAAAAAAAAAAAAAAAAAAAAAAAAAAAAAAAAAAAAAAAAAAAAAAAAAAAAAAAAAAAAAAAAAAAAAAAAAAAAAAAAAAAAAAAAAAAAAAAAAAAAAAAAAAAAAAAAAAAAAAAAAAAAAAAAAAAAAAAAAAAAAAAAAAAAAAAAAAAAAAAAAAAAAAAAAAAAAAAAAAAAAAAAAAAAAAAAAAAAAAAAAAAAAAAAAAAAAAAAAAAAAAAAAAAAAAAAAAAAAAAAAAAAAAAAAAAAAAAAAAAAAAAAAAAAAAAAAAAAAAAAAAAAAAAAAAAAAAAAAAAAAAAAAAAAAAAAAAAAAAAAAAAAAAAAAAAAAAAAAAAAAAAAAAAAAAAAAAAAAAAAAAAAAAAAAAAAAAAAAAAAAAAAAAAAAAAAAAAAAAAAAAAAAAAAAAAAAAAAAAAAAAAAAAAAAAAAAAAAAAAAAAAAAAAAAAAAAAAAAAAAAAAAAAAAAAAAAAAAAAAAAAAAAAAAAAAAAAAAAAAAAAAAAAAAAAAAAAAAAAAAAAAAAAAAAAAAAAAAAAAAAAAAAAAAAAAAAAAAAAAAAAAAAAAAAAAAAAAAAAAAAAAAAAAAAAAAAAAAAAAAAAAAAAAAAAAAAAAAAAAAAAAAAAAAAAAAAAAAAAAAAAAAAAAAAAAAAAAAAAAAAAAAAAAAAAAAAAAAAAAAAAAAAAAAAAAAAAAAAAAAAAAAAAAAAAAAAAAAAAAAAAAAAAAAAAAAAAAAAAAAAAAAAAAAAAAAAAAAAAAAAAAAAAAAAAAAAAAAAAAAAAAAAAAAAAAAAAAAAAAAAAAAAAAAAAAAAAAAAAAAAAAAAAAAAAAAAAAAAAAAAAAAAAAAAAAAAAAAAAAAAAAAAAAAAAAAAAAAAAAAAAAAAAAAAAAAAAAAAAAAAAAAAAAAAAAAAAAAAAAAAAAAAAAAAAAAAAAAAAAAAAAAAAAAAAAAAAAAAAAAAAAAAAAAAAAAAAAAAAAAAAAAAAAAAAAAAAAAAAAAAAAAAAAAAAAAAAAAAAAAAAAAAAAAAAAAAAAAAAAAAAAAAAAAAAAAAAAAAAAAAAAAAAAAAAAAAAAAAAAAAAAAAAAAAAAAAAAAAAAAAAAAAAAAAAAAAAAAAAAAAAAAAAAAAAAAAAAAAAAAAAAAAAAAAAAAAAAAAAAAAAAAAAAAAAAAAAAAAAAAAAAAAAAAAAAAAAAAAAAAAAAAAAAAAAAAAAAAAAAAAAAAAAAAAAAAAAAAAAAAAAAAAAAAAAAAAAAAAAAAAAAAAAAAAAAAAAAAAAAAAAAAAAAAAAAAAAAAAAAAAAAAAAAAAAAAAAAAAAAAAAAAAAAAAAAAAAAAAAAAAAAAAAAAAAAAAAAAAAAAAAAAAAAAAAAAAAAAAAAAAAAAAAAAAAAAAAAAAAAAAAAAAAAAAAAAAAAAAAAAAAAAAAAAAAAAAAAAAAAAAAAAAAAAAAAAAAAAAAAAAAAAAAAAAAAAAAAAAAAAAAAAAAAAAAAAAAAAAAAAAAAAAAAAAAAAAAAAAAAAAAAAAAAAAAAAAAAAAAAAAAAAAAAAAAAAAAAAAAAAAAAAAAAAAAAAAAAAAAAAAAAAAAAAAAAAAAAAAAAAAAAAAAAAAAAAAAAAAAAAAAAAAAAAAAAAAAAAAAAAAAAAAAAAAAAAAAAAAAAAAAAAAAAAAAAAAAAAAAAAAAAAAAAAAAAAAAAAAAAAAAAAAAAAAAAAAAAAAAAAAAAAAAAAAAAAAAAAAAAAAAAAAAAAAAAAAAAAAAAAAAAAAAAAAAAAAAAAAAAAAAAAAAAAAAAAAAAAAAAAAAAAAAAAAAAAAAAAAAAAAAAAAAAAAAAAAAAAAAAAAAAAAAAAAAAAAAAAAAAAAAAAAAAAAAAAAAAAAAAAAAAAAAAAAAAAAAAAAAAAAAAAAAAAAAAAAAAAAAAAAAAAAAAAAAAAAAAAAAAAAAAAAAAAAAAAAAAAAAAAAAAAAAAAAAAAAAAAAAAAAAAAAAAAAAAAAAAAAAAAAAAAAAAAAAAAAAAAAAAAAAAAAAAAAAAAAAAAAAAAAAAAAAAAAAAAAAAAAAAAAAAAAAAAAAAAAAAAAAAAAAAAAAAAAAAAAAAAAAAAAAAAAAAAAAAAAAAAAAAAAAAAAAAAAAAAAAAAAAAAAAAAAAAAAAAAAAAAAAAAAAAAAAAAAAAAAAAAAAAAAAAAAAAAAAAAAAAAAAAAAAAAAAAAAAAAAAAAAAAAAAAAAAAAAAAAAAAAAAAAAAAAAAAAAAAAAAAAAAAAAAAAAAAAAAAAAAAAAAAAAAAAAAAAAAAAAAAAAAAAAAAAAAAAAAAAAAAAAAAAAAAAAAAAAAAAAAAAAAAAAAAAAAAAAAAAAAAAAAAAAAAAAAAAAAAAAAAAAAAAAAAAAAAAAAAAAAAAAAAAAAAAAAAAAAAAAAAAAAAAAAAAAAAAAAAAAAAAAAAAAAAAAAAAAAAAAAAAAAAAAAAAAAAAAAAAAAAAAAAAAAAAAAAAAAAAAAAAAAAAAAAAAAAAAAAAAAAAAAAAAAAAAAAAAAAAAAAAAAAAAAAAAAAAAAAAAAAAAAAAAAAAAAAAAAAAAAAAAAAAAAAAAAAAAAAAAAAAAAAAAAAAAAAAAAAAAAAAAAAAAAAAAAAAAAAAAAAAAAAAAAAAAAAAAAAAAAAAAAAAAAAAAAAAAAAAAAAAAAAAAAAAAAAAAAAAAAAAAAAAAAAAAAAAAAAAAAAAAAAAAAAAAAAAAAAAAAAAAAAAAAAAAAAAAAAAAAAAAAAAAAAAAAAAAAAAAAAAAAAAAAAAAAAAAAAAAAAAAAAAAAAAAAAAAAAAAAAAAAAAAAAAAAAAAAAAAAAAAAAAAAAAAAAAAAAAAAAAAAAAAAAAAAAAAAAAAAAAAAAAAAAAAAAAAAAAAAAAAAAAAAAAAAAAAAAAAAAAAAAAAAAAAAAAAAAAAAAAAAAAAAAAAAAAAAAAAAAAAAAAAAAAAAAAAAAAAAAAAAAAAAAAAAAAAAAAAAAAAAAAAAAAAAAAAAAAAAAAAAAAAAAAAAAAAAAAAAAAAAAAAAAAAAAAAAAAAAAAAAAAAAAAAAAAAAAAAAAAAAAAAAAAAAAAAAAAAAAAAAAAAAAAAAAAAAAAAAAAAAAAAAAAAAAAAAAAAAAAAAAAAAAAAAAAAAAAAAAAAAAAAAAAAAAAAAAAAAAAAAAAAAAAAAAAAAAAAAAAAAAAAAAAAAAAAAAAAAAAAAAAAAAAAAAAAAAAAAAAAAAAAAAAAAAAAAAAAAAAAAAAAAAAAAAAAAAAAAAAAAAAAAAAAAAAAAAAAAAAAAAAAAAAAAAAAAAAAAAAAAAAAAAAAAAAAAAAAAAAAAAAAAAAAAAAAAAAAAAAAAAAAAAAAAAAAAAAAAAAAAAAAAAAAAAAAAAAAAAAAAAAAAAAAAAAAAAAAAAAAAAAAAAAAAAAAAAAAAAAAAAAAAAAAAAAAAAAAAAAAAAAAAAAAAAAAAAAAAAAAAAAAAAAAAAAAAAAAAAAAAAAAAAAAAAAAAAAAAAAAAAAAAAAAAAAAAAAAAAAAAAAAAAAAAAAAAAAAAAAAAAAAAAAAAAAAAAAAAAAAAAAAAAAAAAAAAAAAAAAAAAAAAAAAAAAAAAAAAAAAAAAAAAAAAAAAAAAAAAAAAAAAAAAAAAAAAAAAAAAAAAAAAAAAAAAAAAAAAAAAAAAAAAAAAAAAAAAAAAAAAAAAAAAAAAAAAAAAAAAAAAAAAAAAAAAAAAAAAAAAAAAAAAAAAAAAAAAAAAAAAAAAAAAAAAAAAAAAAAAAAAAAAAAAAAAAAAAAAAAAAAAAAAAAAAAAAAAAAAAAAAAAAAAAAAAAAAAAAAAAAAAAAAAAAAAAAAAAAAAAAAAAAAAAAAAAAAAAAAAAAAAAAAAAAAAAAAAAAAAAAAAAAAAAAAAAAAAAAAAAAAAAAAAAAAAAAAAAAAAAAAAAAAAAAAAAAAAAAAAAAAAAAAAAAAAAAAAAAAAAAAAAAAAAAAAAAAAAAAAAAAAAAAAAAAAAAAAAAAAAAAAAAAAAAAAAAAAAAAAAAAAAAAAAAAAAAAAAAAAAAAAAAAAAAAAAAAAAAAAAAAAAAAAAAAAAAAAAAAAAAAAAAAAAAAAAAAAAAAAAAAAAAAAAAAAAAAAAAAAAAAAAAAAAAAAAAAAAAAAAAAAAAAAAAAAAAAAAAAAAAAAAAAAAAAAAAAAAAAAAAAAAAAAAAAAAAAAAAAAAAAAAAAAAAAAAAAAAAAAAAAAAAAAAAAAAAAAAAAAAAAAAAAAAAAAAAAAAAAAAAAAAAAAAAAAAAAAAAAAAAAAAAAAAAAAAAAAAAAAAAAAAAAAAAAAAAAAAAAAAAAAAAAAAAAAAAAAAAAAAAAAAAAAAAAAAAAAAAAAAAAAAAAAAAAAAAAAAAAAAAAAAAAAAAAAAAAAAAAAAAAAAAAAAAAAAAAAAAAAAAAAAAAAAAAAAAAAAAAAAAAAAAAAAAAAAAAAAAAAAAAAAAAAAAAAAAAAAAAAAAAAAAAAAAAAAAAAAAAAAAAAAAAAAAAAAAAAAAAAAAAAAAAAAAAAAAAAAAAAAAAAAAAAAAAAAAAAAAAAAAAAAAAAAAAAAAAAAAAAAAAAAAAAAAAAAAAAAAAAAAAAAAAAAAAAAAAAAAAAAAAAAAAAAAAAAAAAAAAAAAAAAAAAAAAAAAAAAAAAAAAAAAAAAAAAAAAAAAAAAAAAAAAAAAAAAAAAAAAAAAAAAAAAAAAAAAAAAAAAAAAAAAAAAAAAAAAAAAAAAAAAAAAAAAAAAAAAAAAAAAAAAAAAAAAAAAAAAAAAAAAAAAAAAAAAAAAAAAAAAAAAAAAAAAAAAAAAAAAAAAAAAAAAAAAAAAAAAAAAAAAAAAAAAAAAAAAAAAAAAAAAAAAAAAAAAAAAAAAAAAAAAAAAAAAAAAAAAAAAAAAAAAAAAAAAAAAAAAAAAAAAAAAAAAAAAAAAAAAAAAAAAAAAAAAAAAAAAAAAAAAAAAAAAAAAAAAAAAAAAAAAAAAAAAAAAAAAAAAAAAAAAAAAAAAAAAAAAAAAAAAAAAAAAAAAAAAAAAAAAAAAAAAAAAAAAAAAAAAAAAAAAAAAAAAAAAAAAAAAAAAAAAAAAAAAAAAAAAAAAAAAAAAAAAAAAAAAAAAAAAAAAAAAAAAAAAAAAAAAAAAAAAAAAAAAAAAAAAAAAAAAAAAAAAAAAAAAAAAAAAAAAAAAAAAAAAAAAAAAAAAAAAAAAAAAAAAAAAAAAAAAAAAAAAAAAAAAAAAAAAAAAAAAAAAAAAAAAAAAAAAAAAAAAAAAAAAAAAAAAAAAAAAAAAAAAAAAAAAAAAAAAAAAAAAAAAAAAAAAAAAAAAAAAAAAAAAAAAAAAAAAAAAAAAAAAAAAAAAAAAAAAAAAAAAAAAAAAAAAAAAAAAAAAAAAAAAAAAAAAAAAAAAAAAAAAAAAAAAAAAAAAAAAAAAAAAAAAAAAAAAAAAAAAAAAAAAAAAAAAAAAAAAAAAAAAAAAAAAAAAAAAAAAAAAAAAAAAAAAAAAAAAAAAAAAAAAAAAAAAAAAAAAAAAAAAAAAAAAAAAAAAAAAAAAAAAAAAAAAAAAAAAAAAAAAAAAAAAAAAAAAAAAAAAAAAAAAAAAAAAAAAAAAAAAAAAAAAAAAAAAAAAAAAAAAAAAAAAAAAAAAAAAAAAAAAAAAAAAAAAAAAAAAAAAAAAAAAAAAAAAAAAAAAAAAAAAAAAAAAAAAAAAAAAAAAAAAAAAAAAAAAAAAAAAAAAAAAAAAAAAAAAAAAAAAAAAAAAAAAAAAAAAAAAAAAAAAAAAAAAAAAAAAAAAAAAAAAAAAAAAAAAAAAAAAAAAAAAAAAAAAAAAAAAAAAAAAAAAAAAAAAAAAAAAAAAAAAAAAAAAAAAAAAAAAAAAAAAAAAAAAAAAAAAAAAAAAAAAAAAAAAAAAAAAAAAAAAAAAAAAAAAAAAAAAAAAAAAAAAAAAAAAAAAAAAAAAAAAAAAAAAAAAAAAAAAAAAAAAAAAAAAAAAAAAAAAAAAAAAAAAAAAAAAAAAAAAAAAAAAAAAAAAAAAAAAAAAAAAAAAAAAAAAAAAAAAAAAAAAAAAAAAAAAAAAAAAAAAAAAAAAAAAAAAAAAAAAAAAAAAAAAAAAAAAAAAAAAAAAAAAAAAAAAAAAAAAAAAAAAAAAAAAAAAAAAAAAAAAAAAAAAAAAAAAAAAAAAAAAAAAAAAAAAAAAAAAAAACAAAAAv//////////AQAAAAAAAAAAAAAAEQAAAFByb3BlcnR5RG9jdW1lbnRzAQAAAAAAAAAFAAAACQAAAF9pZD0kLl9pZAEDAAAAAAADAAAAAQADAAAAIwAAAENvbWJpSW5kZXg9JC5OYW1lICsgJ18nICsgJC5WZXJzaW9uAQQAAAAAAAQAAAABAAQAAAAAAAAAAP///////wAAAAAAAP////8AAAAAAP///////wAAAAAAAP////8AAAAAAP///////wAAAAAAAP////8AAAAAAP///////wAAAAAAAP////8AAAAAAP///////wAAAAAAAP////8AAAAAAP///////wAAAAAAAP////8AAAAAAP///////wAAAAAAAP////8AAAAAAP///////wAAAAAAAP////8AAAAAAP///////wAAAAAAAP////8AAAAAAP///////wAAAAAAAP////8AAAAAAP///////wAAAAAAAP////8AAAAAAP///////wAAAAAAAP////8AAAAAAP///////wAAAAAAAP////8AAAAAAP///////wAAAAAAAP////8AAAAAAAAAAAAAAAAAAAAAAAAAAAAAAAAAAAAAAAAAAAAAAAAAAAAAAAAAAAAAAAAAAAAAAAAAAAAAAAAAAAAAAAAAAAAAAAAAAAAAAAAAAAAAAAAAAAAAAAAAAAAAAAAAAAAAAAAAAAAAAAAAAAAAAAAAAAAAAAAAAAAAAAAAAAAAAAAAAAAAAAAAAAAAAAAAAAAAAAAAAAAAAAAAAAAAAAAAAAAAAAAAAAAAAAAAAAAAAAAAAAAAAAAAAAAAAAAAAAAAAAAAAAAAAAAAAAAAAAAAAAAAAAAAAAAAAAAAAAAAAAAAAAAAAAAAAAAAAAAAAAAAAAAAAAAAAAAAAAAAAAAAAAAAAAAAAAAAAAAAAAAAAAAAAAAAAAAAAAAAAAAAAAAAAAAAAAAAAAAAAAAAAAAAAAAAAAAAAAAAAAAAAAAAAAAAAAAAAAAAAAAAAAAAAAAAAAAAAAAAAAAAAAAAAAAAAAAAAAAAAAAAAAAAAAAAAAAAAAAAAAAAAAAAAAAAAAAAAAAAAAAAAAAAAAAAAAAAAAAAAAAAAAAAAAAAAAAAAAAAAAAAAAAAAAAAAAAAAAAAAAAAAAAAAAAAAAAAAAAAAAAAAAAAAAAAAAAAAAAAAAAAAAAAAAAAAAAAAAAAAAAAAAAAAAAAAAAAAAAAAAAAAAAAAAAAAAAAAAAAAAAAAAAAAAAAAAAAAAAAAAAAAAAAAAAAAAAAAAAAAAAAAAAAAAAAAAAAAAAAAAAAAAAAAAAAAAAAAAAAAAAAAAAAAAAAAAAAAAAAAAAAAAAAAAAAAAAAAAAAAAAAAAAAAAAAAAAAAAAAAAAAAAAAAAAAAAAAAAAAAAAAAAAAAAAAAAAAAAAAAAAAAAAAAAAAAAAAAAAAAAAAAAAAAAAAAAAAAAAAAAAAAAAAAAAAAAAAAAAAAAAAAAAAAAAAAAAAAAAAAAAAAAAAAAAAAAAAAAAAAAAAAAAAAAAAAAAAAAAAAAAAAAAAAAAAAAAAAAAAAAAAAAAAAAAAAAAAAAAAAAAAAAAAAAAAAAAAAAAAAAAAAAAAAAAAAAAAAAAAAAAAAAAAAAAAAAAAAAAAAAAAAAAAAAAAAAAAAAAAAAAAAAAAAAAAAAAAAAAAAAAAAAAAAAAAAAAAAAAAAAAAAAAAAAAAAAAAAAAAAAAAAAAAAAAAAAAAAAAAAAAAAAAAAAAAAAAAAAAAAAAAAAAAAAAAAAAAAAAAAAAAAAAAAAAAAAAAAAAAAAAAAAAAAAAAAAAAAAAAAAAAAAAAAAAAAAAAAAAAAAAAAAAAAAAAAAAAAAAAAAAAAAAAAAAAAAAAAAAAAAAAAAAAAAAAAAAAAAAAAAAAAAAAAAAAAAAAAAAAAAAAAAAAAAAAAAAAAAAAAAAAAAAAAAAAAAAAAAAAAAAAAAAAAAAAAAAAAAAAAAAAAAAAAAAAAAAAAAAAAAAAAAAAAAAAAAAAAAAAAAAAAAAAAAAAAAAAAAAAAAAAAAAAAAAAAAAAAAAAAAAAAAAAAAAAAAAAAAAAAAAAAAAAAAAAAAAAAAAAAAAAAAAAAAAAAAAAAAAAAAAAAAAAAAAAAAAAAAAAAAAAAAAAAAAAAAAAAAAAAAAAAAAAAAAAAAAAAAAAAAAAAAAAAAAAAAAAAAAAAAAAAAAAAAAAAAAAAAAAAAAAAAAAAAAAAAAAAAAAAAAAAAAAAAAAAAAAAAAAAAAAAAAAAAAAAAAAAAAAAAAAAAAAAAAAAAAAAAAAAAAAAAAAAAAAAAAAAAAAAAAAAAAAAAAAAAAAAAAAAAAAAAAAAAAAAAAAAAAAAAAAAAAAAAAAAAAAAAAAAAAAAAAAAAAAAAAAAAAAAAAAAAAAAAAAAAAAAAAAAAAAAAAAAAAAAAAAAAAAAAAAAAAAAAAAAAAAAAAAAAAAAAAAAAAAAAAAAAAAAAAAAAAAAAAAAAAAAAAAAAAAAAAAAAAAAAAAAAAAAAAAAAAAAAAAAAAAAAAAAAAAAAAAAAAAAAAAAAAAAAAAAAAAAAAAAAAAAAAAAAAAAAAAAAAAAAAAAAAAAAAAAAAAAAAAAAAAAAAAAAAAAAAAAAAAAAAAAAAAAAAAAAAAAAAAAAAAAAAAAAAAAAAAAAAAAAAAAAAAAAAAAAAAAAAAAAAAAAAAAAAAAAAAAAAAAAAAAAAAAAAAAAAAAAAAAAAAAAAAAAAAAAAAAAAAAAAAAAAAAAAAAAAAAAAAAAAAAAAAAAAAAAAAAAAAAAAAAAAAAAAAAAAAAAAAAAAAAAAAAAAAAAAAAAAAAAAAAAAAAAAAAAAAAAAAAAAAAAAAAAAAAAAAAAAAAAAAAAAAAAAAAAAAAAAAAAAAAAAAAAAAAAAAAAAAAAAAAAAAAAAAAAAAAAAAAAAAAAAAAAAAAAAAAAAAAAAAAAAAAAAAAAAAAAAAAAAAAAAAAAAAAAAAAAAAAAAAAAAAAAAAAAAAAAAAAAAAAAAAAAAAAAAAAAAAAAAAAAAAAAAAAAAAAAAAAAAAAAAAAAAAAAAAAAAAAAAAAAAAAAAAAAAAAAAAAAAAAAAAAAAAAAAAAAAAAAAAAAAAAAAAAAAAAAAAAAAAAAAAAAAAAAAAAAAAAAAAAAAAAAAAAAAAAAAAAAAAAAAAAAAAAAAAAAAAAAAAAAAAAAAAAAAAAAAAAAAAAAAAAAAAAAAAAAAAAAAAAAAAAAAAAAAAAAAAAAAAAAAAAAAAAAAAAAAAAAAAAAAAAAAAAAAAAAAAAAAAAAAAAAAAAAAAAAAAAAAAAAAAAAAAAAAAAAAAAAAAAAAAAAAAAAAAAAAAAAAAAAAAAAAAAAAAAAAAAAAAAAAAAAAAAAAAAAAAAAAAAAAAAAAAAAAAAAAAAAAAAAAAAAAAAAAAAAAAAAAAAAAAAAAAAAAAAAAAAAAAAAAAAAAAAAAAAAAAAAAAAAAAAAAAAAAAAAAAAAAAAAAAAAAAAAAAAAAAAAAAAAAAAAAAAAAAAAAAAAAAAAAAAAAAAAAAAAAAAAAAAAAAAAAAAAAAAAAAAAAAAAAAAAAAAAAAAAAAAAAAAAAAAAAAAAAAAAAAAAAAAAAAAAAAAAAAAAAAAAAAAAAAAAAAAAAAAAAAAAAAAAAAAAAAAAAAAAAAAAAAAAAAAAAAAAAAAAAAAAAAAAAAAAAAAAAAAAAAAAAAAAAAAAAAAAAAAAAAAAAAAAAAAAAAAAAAAAAAAAAAAAAAAAAAAAAAAAAAAAAAAAAAAAAAAAAAAAAAAAAAAAAAAAAAAAAAAAAAAAAAAAAAAAAAAAAAAAAAAAAAAAAAAAAAAAAAAAAAAAAAAAAAAAAAAAAAAAAAAAAAAAAAAAAAAAAAAAAAAAAAAAAAAAAAAAAAAAAAAAAAAAAAAAAAAAAAAAAAAAAAAAAAAAAAAAAAAAAAAAAAAAAAAAAAAAAAAAAAAAAAAAAAAAAAAAAAAAAAAAAAAAAAAAAAAAAAAAAAAAAAAAAAAAAAAAAAAAAAAAAAAAAAAAAAAAAAAAAAAAAAAAAAAAAAAAAAAAAAAAAAAAAAAAAAAAAAAAAAAAAAAAAAAAAAAAAAAAAAAAAAAAAAAAAAAAAAAAAAAAAAAAAAAAAAAAAAAAAAAAAAAAAAAAAAAAAAAAAAAAAAAAAAAAAAAAAAAAAAAAAAAAAAAAAAAAAAAAAAAAAAAAAAAAAAAAAAAAAAAAAAAAAAAAAAAAAAAAAAAAAAAAAAAAAAAAAAAAAAAAAAAAAAAAAAAAAAAAAAAAAAAAAAAAAAAAAAAAAAAAAAAAAAAAAAAAAAAAAAAAAAAAAAAAAAAAAAAAAAAAAAAAAAAAAAAAAAAAAAAAAAAAAAAAAAAAAAAAAAAAAAAAAAAAAAAAAAAAAAAAAAAAAAAAAAAAAAAAAAAAAAAAAAAAAAAAAAAAAAAAAAAAAAAAAAAAAAAAAAAAAAAAAAAAAAAAAAAAAAAAAAAAAAAAAAAAAAAAAAAAAAAAAAAAAAAAAAAAAAAAAAAAAAAAAAAAAAAAAAAAAAAAAAAAAAAAAAAAAAAAAAAAAAAAAAAAAAAAAAAAAAAAAAAAAAAAAAAAAAAAAAAAAAAAAAAAAAAAAAAAAAAAAAAAAAAAAAAAAAAAAAAAAAAAAAAAAAAAAAAAAAAAAAAAAAAAAAAAAAAAAAAAAAAAAAAAAAAAAAAAAAAAAAAAAAAAAAAAAAAAAAAAAAAAAAAAAAAAAAAAAAAAAAAAAAAAAAAAAAAAAAAAAAAAAAAAAAAAAAAAAAAAAAAAAAAAAAAAAAAAAAAAAAAAAAAAAAAAAAAAAAAAAAAAAAAAAAAAAAAAAAAAAAAAAAAAAAAAAAAAAAAAAAAAAAAAAAAAAAAAAAAAAAAAAAAAAAAAAAAAAAAAAAAAAAAAAAAAAAAAAAAAAAAAAAAAAAAAAAAAAAAAAAAAAAAAAAAAAAAAAAAAAAAAAAAAAAAAAAAAAAAAAAAAAAAAAAAAAAAAAAAAAAAAAAAAAAAAAAAAAAAAAAAAAAAAAAAAAAAAAAAAAAAAAAAAAAAAAAAAAAAAAAAAAAAAAAAAAAAAAAAAAAAAAAAAAAAAAAAAAAAAAAAAAAAAAAAAAAAAAAAAAAAAAAAAAAAAAAAAAAAAAAAAAAAAAAAAAAAAAAAAAAAAAAAAAAAAAAAAAAAAAAAAAAAAAAAAAAAAAAAAAAAAAAAAAAAAAAAAAAAAAAAAAAAAAAAAAAAAAAAAAAAAAAAAAAAAAAAAAAAAAAAAAAAAAAAAAAAAAAAAAAAAAAAAAAAAAAAAAAAAAAAAAAAAAAAAAAAAAAAAAAAAAAAAAAAAAAAAAAAAAAAAAAAAAAAAAAAAAAAAAAAAAAAAAAAAAAAAAAAAAAAAAAAwIBAQEBAQEBAQEBAQEBAQEAAAAAAAAAAwAAAAMAAAAA/////wMAaAwAAAAAAAAAAAAAIAD///////////////8AAAD///////////////8DAAAAAgD///////8DAAAAAgD///////8DAAAAAgD///////////////////////////////////////////////////////////////////////////////////////////////////////////////////////////////////////////////////////////////////////////////////////////////////////////////////////////////////////////////////////////////////////////////////////////////////////////////////////////////////////////////////////////////////////////////////////////////////////////////////////////////////////////////////////////////////////////////8BACAA////////////////AAAO////////AwAAAAIA////////////////////////////////////////////////////////////////////////////////////////////////////////////////////////////////////////////////////////////////////////////////////////////////////////////////////////////////////////////////////////////////////////////////////////////////////////////////////////////////////////////////////////////////////////////////////////////////////////////////////////////////////////////////////////////////////////////////////////////////////////////////////////AgADAP///////wQAAAACABAAC0lvLB70eAFDnl3mF5xAGk0FAAAAAAADAAAAAAADAAAAAQADAAAAAAD///////8DAAAAAAD///////8AAAAAAAAAAAAAAAAAAAAAAAAAAAAAAAAAAAAAAAAAAAAAAAAAAAAAAAAAAAAAAAAAAAAAAAAAAAAAAAAAAAAAAAAAAAAAAAAAAAAAAAAAAAAAAAAAAAAAAAAAAAAAAAAAAAAAAAAAAAAAAAAAAAAAAAAAAAAAAAAAAAAAAAAAAAAAAAAAAAAAAAAAAAAAAAAAAAAAAAAAAAAAAAAAAAAAAAAAAAAAAAAAAAAAAAAAAAAAAAAAAAAAAAAAAAAAAAAAAAAAAAAAAAAAAAAAAAAAAAAAAAAAAAAAAAAAAAAAAAAAAAAAAAAAAAAAAAAAAAAAAAAAAAAAAAAAAAAAAAAAAAAAAAAAAAAAAAAAAAAAAAAAAAAAAAAAAAAAAAAAAAAAAAAAAAAAAAAAAAAAAAAAAAAAAAAAAAAAAAAAAAAAAAAAAAAAAAAAAAAAAAAAAAAAAAAAAAAAAAAAAAAAAAAAAAAAAAAAAAAAAAAAAAAAAAAAAAAAAAAAAAAAAAAAAAAAAAAAAAAAAAAAAAAAAAAAAAAAAAAAAAAAAAAAAAAAAAAAAAAAAAAAAAAAAAAAAAAAAAAAAAAAAAAAAAAAAAAAAAAAAAAAAAAAAAAAAAAAAAAAAAAAAAAAAAAAAAAAAAAAAAAAAAAAAAAAAAAAAAAAAAAAAAAAAAAAAAAAAAAAAAAAAAAAAAAAAAAAAAAAAAAAAAAAAAAAAAAAAAAAAAAAAAAAAAAAAAAAAAAAAAAAAAAAAAAAAAAAAAAAAAAAAAAAAAAAAAAAAAAAAAAAAAAAAAAAAAAAAAAAAAAAAAAAAAAAAAAAAAAAAAAAAAAAAAAAAAAAAAAAAAAAAAAAAAAAAAAAAAAAAAAAAAAAAAAAAAAAAAAAAAAAAAAAAAAAAAAAAAAAAAAAAAAAAAAAAAAAAAAAAAAAAAAAAAAAAAAAAAAAAAAAAAAAAAAAAAAAAAAAAAAAAAAAAAAAAAAAAAAAAAAAAAAAAAAAAAAAAAAAAAAAAAAAAAAAAAAAAAAAAAAAAAAAAAAAAAAAAAAAAAAAAAAAAAAAAAAAAAAAAAAAAAAAAAAAAAAAAAAAAAAAAAAAAAAAAAAAAAAAAAAAAAAAAAAAAAAAAAAAAAAAAAAAAAAAAAAAAAAAAAAAAAAAAAAAAAAAAAAAAAAAAAAAAAAAAAAAAAAAAAAAAAAAAAAAAAAAAAAAAAAAAAAAAAAAAAAAAAAAAAAAAAAAAAAAAAAAAAAAAAAAAAAAAAAAAAAAAAAAAAAAAAAAAAAAAAAAAAAAAAAAAAAAAAAAAAAAAAAAAAAAAAAAAAAAAAAAAAAAAAAAAAAAAAAAAAAAAAAAAAAAAAAAAAAAAAAAAAAAAAAAAAAAAAAAAAAAAAAAAAAAAAAAAAAAAAAAAAAAAAAAAAAAAAAAAAAAAAAAAAAAAAAAAAAAAAAAAAAAAAAAAAAAAAAAAAAAAAAAAAAAAAAAAAAAAAAAAAAAAAAAAAAAAAAAAAAAAAAAAAAAAAAAAAAAAAAAAAAAAAAAAAAAAAAAAAAAAAAAAAAAAAAAAAAAAAAAAAAAAAAAAAAAAAAAAAAAAAAAAAAAAAAAAAAAAAAAAAAAAAAAAAAAAAAAAAAAAAAAAAAAAAAAAAAAAAAAAAAAAAAAAAAAAAAAAAAAAAAAAAAAAAAAAAAAAAAAAAAAAAAAAAAAAAAAAAAAAAAAAAAAAAAAAAAAAAAAAAAAAAAAAAAAAAAAAAAAAAAAAAAAAAAAAAAAAAAAAAAAAAAAAAAAAAAAAAAAAAAAAAAAAAAAAAAAAAAAAAAAAAAAAAAAAAAAAAAAAAAAAAAAAAAAAAAAAAAAAAAAAAAAAAAAAAAAAAAAAAAAAAAAAAAAAAAAAAAAAAAAAAAAAAAAAAAAAAAAAAAAAAAAAAAAAAAAAAAAAAAAAAAAAAAAAAAAAAAAAAAAAAAAAAAAAAAAAAAAAAAAAAAAAAAAAAAAAAAAAAAAAAAAAAAAAAAAAAAAAAAAAAAAAAAAAAAAAAAAAAAAAAAAAAAAAAAAAAAAAAAAAAAAAAAAAAAAAAAAAAAAAAAAAAAAAAAAAAAAAAAAAAAAAAAAAAAAAAAAAAAAAAAAAAAAAAAAAAAAAAAAAAAAAAAAAAAAAAAAAAAAAAAAAAAAAAAAAAAAAAAAAAAAAAAAAAAAAAAAAAAAAAAAAAAAAAAAAAAAAAAAAAAAAAAAAAAAAAAAAAAAAAAAAAAAAAAAAAAAAAAAAAAAAAAAAAAAAAAAAAAAAAAAAAAAAAAAAAAAAAAAAAAAAAAAAAAAAAAAAAAAAAAAAAAAAAAAAAAAAAAAAAAAAAAAAAAAAAAAAAAAAAAAAAAAAAAAAAAAAAAAAAAAAAAAAAAAAAAAAAAAAAAAAAAAAAAAAAAAAAAAAAAAAAAAAAAAAAAAAAAAAAAAAAAAAAAAAAAAAAAAAAAAAAAAAAAAAAAAAAAAAAAAAAAAAAAAAAAAAAAAAAAAAAAAAAAAAAAAAAAAAAAAAAAAAAAAAAAAAAAAAAAAAAAAAAAAAAAAAAAAAAAAAAAAAAAAAAAAAAAAAAAAAAAAAAAAAAAAAAAAAAAAAAAAAAAAAAAAAAAAAAAAAAAAAAAAAAAAAAAAAAAAAAAAAAAAAAAAAAAAAAAAAAAAAAAAAAAAAAAAAAAAAAAAAAAAAAAAAAAAAAAAAAAAAAAAAAAAAAAAAAAAAAAAAAAAAAAAAAAAAAAAAAAAAAAAAAAAAAAAAAAAAAAAAAAAAAAAAAAAAAAAAAAAAAAAAAAAAAAAAAAAAAAAAAAAAAAAAAAAAAAAAAAAAAAAAAAAAAAAAAAAAAAAAAAAAAAAAAAAAAAAAAAAAAAAAAAAAAAAAAAAAAAAAAAAAAAAAAAAAAAAAAAAAAAAAAAAAAAAAAAAAAAAAAAAAAAAAAAAAAAAAAAAAAAAAAAAAAAAAAAAAAAAAAAAAAAAAAAAAAAAAAAAAAAAAAAAAAAAAAAAAAAAAAAAAAAAAAAAAAAAAAAAAAAAAAAAAAAAAAAAAAAAAAAAAAAAAAAAAAAAAAAAAAAAAAAAAAAAAAAAAAAAAAAAAAAAAAAAAAAAAAAAAAAAAAAAAAAAAAAAAAAAAAAAAAAAAAAAAAAAAAAAAAAAAAAAAAAAAAAAAAAAAAAAAAAAAAAAAAAAAAAAAAAAAAAAAAAAAAAAAAAAAAAAAAAAAAAAAAAAAAAAAAAAAAAAAAAAAAAAAAAAAAAAAAAAAAAAAAAAAAAAAAAAAAAAAAAAAAAAAAAAAAAAAAAAAAAAAAAAAAAAAAAAAAAAAAAAAAAAAAAAAAAAAAAAAAAAAAAAAAAAAAAAAAAAAAAAAAAAAAAAAAAAAAAAAAAAAAAAAAAAAAAAAAAAAAAAAAAAAAAAAAAAAAAAAAAAAAAAAAAAAAAAAAAAAAAAAAAAAAAAAAAAAAAAAAAAAAAAAAAAAAAAAAAAAAAAAAAAAAAAAAAAAAAAAAAAAAAAAAAAAAAAAAAAAAAAAAAAAAAAAAAAAAAAAAAAAAAAAAAAAAAAAAAAAAAAAAAAAAAAAAAAAAAAAAAAAAAAAAAAAAAAAAAAAAAAAAAAAAAAAAAAAAAAAAAAAAAAAAAAAAAAAAAAAAAAAAAAAAAAAAAAAAAAAAAAAAAAAAAAAAAAAAAAAAAAAAAAAAAAAAAAAAAAAAAAAAAAAAAAAAAAAAAAAAAAAAAAAAAAAAAAAAAAAAAAAAAAAAAAAAAAAAAAAAAAAAAAAAAAAAAAAAAAAAAAAAAAAAAAAAAAAAAAAAAAAAAAAAAAAAAAAAAAAAAAAAAAAAAAAAAAAAAAAAAAAAAAAAAAAAAAAAAAAAAAAAAAAAAAAAAAAAAAAAAAAAAAAAAAAAAAAAAAAAAAAAAAAAAAAAAAAAAAAAAAAAAAAAAAAAAAAAAAAAAAAAAAAAAAAAAAAAAAAAAAAAAAAAAAAAAAAAAAAAAAAAAAAAAAAAAAAAAAAAAAAAAAAAAAAAAAAAAAAAAAAAAAAAAAAAAAAAAAAAAAAAAAAAAAAAAAAAAAAAAAAAAAAAAAAAAAAAAAAAAAAAAAAAAAAAAAAAAAAAAAAAAAAAAAAAAAAAAAAAAAAAAAAAAAAAAAAAAAAAAAAAAAAAAAAAAAAAAAAAAAAAAAAAAAAAAAAAAAAAAAAAAAAAAAAAAAAAAAAAAAAAAAAAAAAAAAAAAAAAAAAAAAAAAAAAAAAAAAAAAAAAAAAAAAAAAAAAQAAAADAAAAAP////8DAHgMAAAAAAAAAAAAACAB////////////////AAAA////////////////BAAAAAIA////////BAAAAAIA////////////////////////////////////////////////////////////////////////////////////////////////////////////////////////////////////////////////////////////////////////////////////////////////////////////////////////////////////////////////////////////////////////////////////////////////////////////////////////////////////////////////////////////////////////////////////////////////////////////////////////////////////////////////////////////////////////////////////////////////AQAgAf///////////////wAADv///////wQAAAACAP///////////////////////////////////////////////////////////////////////////////////////////////////////////////////////////////////////////////////////////////////////////////////////////////////////////////////////////////////////////////////////////////////////////////////////////////////////////////////////////////////////////////////////////////////////////////////////////////////////////////////////////////////////////////////////////////////////////////////////////////////////////////////////wIAAgEDAAAAAgD///////8MAAZQZXJzb25hbElkXzAFAAAAAAAEAAAAAAAEAAAAAQAEAAAAAAD///////8AAAAAAAAAAAAAAAAAAAAAAAAAAAAAAAAAAAAAAAAAAAAAAAAAAAAAAAAAAAAAAAAAAAAAAAAAAAAAAAAAAAAAAAAAAAAAAAAAAAAAAAAAAAAAAAAAAAAAAAAAAAAAAAAAAAAAAAAAAAAAAAAAAAAAAAAAAAAAAAAAAAAAAAAAAAAAAAAAAAAAAAAAAAAAAAAAAAAAAAAAAAAAAAAAAAAAAAAAAAAAAAAAAAAAAAAAAAAAAAAAAAAAAAAAAAAAAAAAAAAAAAAAAAAAAAAAAAAAAAAAAAAAAAAAAAAAAAAAAAAAAAAAAAAAAAAAAAAAAAAAAAAAAAAAAAAAAAAAAAAAAAAAAAAAAAAAAAAAAAAAAAAAAAAAAAAAAAAAAAAAAAAAAAAAAAAAAAAAAAAAAAAAAAAAAAAAAAAAAAAAAAAAAAAAAAAAAAAAAAAAAAAAAAAAAAAAAAAAAAAAAAAAAAAAAAAAAAAAAAAAAAAAAAAAAAAAAAAAAAAAAAAAAAAAAAAAAAAAAAAAAAAAAAAAAAAAAAAAAAAAAAAAAAAAAAAAAAAAAAAAAAAAAAAAAAAAAAAAAAAAAAAAAAAAAAAAAAAAAAAAAAAAAAAAAAAAAAAAAAAAAAAAAAAAAAAAAAAAAAAAAAAAAAAAAAAAAAAAAAAAAAAAAAAAAAAAAAAAAAAAAAAAAAAAAAAAAAAAAAAAAAAAAAAAAAAAAAAAAAAAAAAAAAAAAAAAAAAAAAAAAAAAAAAAAAAAAAAAAAAAAAAAAAAAAAAAAAAAAAAAAAAAAAAAAAAAAAAAAAAAAAAAAAAAAAAAAAAAAAAAAAAAAAAAAAAAAAAAAAAAAAAAAAAAAAAAAAAAAAAAAAAAAAAAAAAAAAAAAAAAAAAAAAAAAAAAAAAAAAAAAAAAAAAAAAAAAAAAAAAAAAAAAAAAAAAAAAAAAAAAAAAAAAAAAAAAAAAAAAAAAAAAAAAAAAAAAAAAAAAAAAAAAAAAAAAAAAAAAAAAAAAAAAAAAAAAAAAAAAAAAAAAAAAAAAAAAAAAAAAAAAAAAAAAAAAAAAAAAAAAAAAAAAAAAAAAAAAAAAAAAAAAAAAAAAAAAAAAAAAAAAAAAAAAAAAAAAAAAAAAAAAAAAAAAAAAAAAAAAAAAAAAAAAAAAAAAAAAAAAAAAAAAAAAAAAAAAAAAAAAAAAAAAAAAAAAAAAAAAAAAAAAAAAAAAAAAAAAAAAAAAAAAAAAAAAAAAAAAAAAAAAAAAAAAAAAAAAAAAAAAAAAAAAAAAAAAAAAAAAAAAAAAAAAAAAAAAAAAAAAAAAAAAAAAAAAAAAAAAAAAAAAAAAAAAAAAAAAAAAAAAAAAAAAAAAAAAAAAAAAAAAAAAAAAAAAAAAAAAAAAAAAAAAAAAAAAAAAAAAAAAAAAAAAAAAAAAAAAAAAAAAAAAAAAAAAAAAAAAAAAAAAAAAAAAAAAAAAAAAAAAAAAAAAAAAAAAAAAAAAAAAAAAAAAAAAAAAAAAAAAAAAAAAAAAAAAAAAAAAAAAAAAAAAAAAAAAAAAAAAAAAAAAAAAAAAAAAAAAAAAAAAAAAAAAAAAAAAAAAAAAAAAAAAAAAAAAAAAAAAAAAAAAAAAAAAAAAAAAAAAAAAAAAAAAAAAAAAAAAAAAAAAAAAAAAAAAAAAAAAAAAAAAAAAAAAAAAAAAAAAAAAAAAAAAAAAAAAAAAAAAAAAAAAAAAAAAAAAAAAAAAAAAAAAAAAAAAAAAAAAAAAAAAAAAAAAAAAAAAAAAAAAAAAAAAAAAAAAAAAAAAAAAAAAAAAAAAAAAAAAAAAAAAAAAAAAAAAAAAAAAAAAAAAAAAAAAAAAAAAAAAAAAAAAAAAAAAAAAAAAAAAAAAAAAAAAAAAAAAAAAAAAAAAAAAAAAAAAAAAAAAAAAAAAAAAAAAAAAAAAAAAAAAAAAAAAAAAAAAAAAAAAAAAAAAAAAAAAAAAAAAAAAAAAAAAAAAAAAAAAAAAAAAAAAAAAAAAAAAAAAAAAAAAAAAAAAAAAAAAAAAAAAAAAAAAAAAAAAAAAAAAAAAAAAAAAAAAAAAAAAAAAAAAAAAAAAAAAAAAAAAAAAAAAAAAAAAAAAAAAAAAAAAAAAAAAAAAAAAAAAAAAAAAAAAAAAAAAAAAAAAAAAAAAAAAAAAAAAAAAAAAAAAAAAAAAAAAAAAAAAAAAAAAAAAAAAAAAAAAAAAAAAAAAAAAAAAAAAAAAAAAAAAAAAAAAAAAAAAAAAAAAAAAAAAAAAAAAAAAAAAAAAAAAAAAAAAAAAAAAAAAAAAAAAAAAAAAAAAAAAAAAAAAAAAAAAAAAAAAAAAAAAAAAAAAAAAAAAAAAAAAAAAAAAAAAAAAAAAAAAAAAAAAAAAAAAAAAAAAAAAAAAAAAAAAAAAAAAAAAAAAAAAAAAAAAAAAAAAAAAAAAAAAAAAAAAAAAAAAAAAAAAAAAAAAAAAAAAAAAAAAAAAAAAAAAAAAAAAAAAAAAAAAAAAAAAAAAAAAAAAAAAAAAAAAAAAAAAAAAAAAAAAAAAAAAAAAAAAAAAAAAAAAAAAAAAAAAAAAAAAAAAAAAAAAAAAAAAAAAAAAAAAAAAAAAAAAAAAAAAAAAAAAAAAAAAAAAAAAAAAAAAAAAAAAAAAAAAAAAAAAAAAAAAAAAAAAAAAAAAAAAAAAAAAAAAAAAAAAAAAAAAAAAAAAAAAAAAAAAAAAAAAAAAAAAAAAAAAAAAAAAAAAAAAAAAAAAAAAAAAAAAAAAAAAAAAAAAAAAAAAAAAAAAAAAAAAAAAAAAAAAAAAAAAAAAAAAAAAAAAAAAAAAAAAAAAAAAAAAAAAAAAAAAAAAAAAAAAAAAAAAAAAAAAAAAAAAAAAAAAAAAAAAAAAAAAAAAAAAAAAAAAAAAAAAAAAAAAAAAAAAAAAAAAAAAAAAAAAAAAAAAAAAAAAAAAAAAAAAAAAAAAAAAAAAAAAAAAAAAAAAAAAAAAAAAAAAAAAAAAAAAAAAAAAAAAAAAAAAAAAAAAAAAAAAAAAAAAAAAAAAAAAAAAAAAAAAAAAAAAAAAAAAAAAAAAAAAAAAAAAAAAAAAAAAAAAAAAAAAAAAAAAAAAAAAAAAAAAAAAAAAAAAAAAAAAAAAAAAAAAAAAAAAAAAAAAAAAAAAAAAAAAAAAAAAAAAAAAAAAAAAAAAAAAAAAAAAAAAAAAAAAAAAAAAAAAAAAAAAAAAAAAAAAAAAAAAAAAAAAAAAAAAAAAAAAAAAAAAAAAAAAAAAAAAAAAAAAAAAAAAAAAAAAAAAAAAAAAAAAAAAAAAAAAAAAAAAAAAAAAAAAAAAAAAAAAAAAAAAAAAAAAAAAAAAAAAAAAAAAAAAAAAAAAAAAAAAAAAAAAAAAAAAAAAAAAAAAAAAAAAAAAAAAAAAAAAAAAAAAAAAAAAAAAAAAAAAAAAAAAAAAAAAAAAAAAAAAAAAAAAAAAAAAAAAAAAAAAAAAAAAAAAAAAAAAAAAAAAAAAAAAAAAAAAAAAAAAAAAAAAAAAAAAAAAAAAAAAAAAAAAAAAAAAAAAAAAAAAAAAAAAAAAAAAAAAAAAAAAAAAAAAAAAAAAAAAAAAAAAAAAAAAAAAAAAAAAAAAAAAAAAAAAAAAAAAAAAAAAAAAAAAAAAAAAAAAAAAAAAAAAAAAAAAAAAAAAAAAAAAAAAAAAAAAAAAAAAAAAAAAAAAAAAAAAAAAAAAAAAAAAAAAAAAAAAAAAAAAAAAAAAAAAAAAAAAAAAAAAAAAAAAAAAAAAAAAAAAAAAAAAAAAAAAAAAAAAAAAAAAAAAAAAAAAAAAAAAAAAAAAAAAAAAAAAAAAAAAAAAAAAAAAAAAAAAAAAAAAAAAAAAAAAAAAAAAAAAAAAAAAAAAAAAAAAAAAAAAAAAAAAAAAAAAAAAAAAAAAAAAAAAAAAAAAAAAAAAAAAAAAAAAAAAAAAAAAAAAAAAAAAAAAAAAAAAAAAAAAAAAAAAAAAAAAAAAAAAAAAAAAAAAAAAAAAAAAAAAAAAAAAAAAAAAAAAAAAAAAAAAAAAAAAAAAAAAAAAAAAAAAAAAAAAAAAAAAAAAAAAAAAAAAAAAAAAAAAAAAAAAAAAAAAAAAAAAAAAAAAAAAAAAAAAAAAAAAAAAAAAAAAAAAAAAAAAAAAAAAAAAAAAAAAAAAAAAAAAAAAAAAAAAAAAAAAAAAAAAAAAAAAAAAAAAAAAAAAAAAAAAAAAAAAAAAAAAAAAAAAAAAAAAAAAAAAAAAAAAAAAAAAAAAAAAAAAFAAAABAAAAAD/////AQBvDwAAAAAAAAAAAAD/////cABwAAAABV9pZAAQAAAABElvLB70eAFDnl3mF5xAGk0DRGF0YQAWAAAAAlBlcnNvbmFsSWQAAQAAAAAAAk5hbWUACwAAAFBlcnNvbmFsSWQAEFZlcnNpb24AAAAAAAlMYXN0V3JpdGUAUe5y7IsBAAAAAAAAAAAAAAAAAAAAAAAAAAAAAAAAAAAAAAAAAAAAAAAAAAAAAAAAAAAAAAAAAAAAAAAAAAAAAAAAAAAAAAAAAAAAAAAAAAAAAAAAAAAAAAAAAAAAAAAAAAAAAAAAAAAAAAAAAAAAAAAAAAAAAAAAAAAAAAAAAAAAAAAAAAAAAAAAAAAAAAAAAAAAAAAAAAAAAAAAAAAAAAAAAAAAAAAAAAAAAAAAAAAAAAAAAAAAAAAAAAAAAAAAAAAAAAAAAAAAAAAAAAAAAAAAAAAAAAAAAAAAAAAAAAAAAAAAAAAAAAAAAAAAAAAAAAAAAAAAAAAAAAAAAAAAAAAAAAAAAAAAAAAAAAAAAAAAAAAAAAAAAAAAAAAAAAAAAAAAAAAAAAAAAAAAAAAAAAAAAAAAAAAAAAAAAAAAAAAAAAAAAAAAAAAAAAAAAAAAAAAAAAAAAAAAAAAAAAAAAAAAAAAAAAAAAAAAAAAAAAAAAAAAAAAAAAAAAAAAAAAAAAAAAAAAAAAAAAAAAAAAAAAAAAAAAAAAAAAAAAAAAAAAAAAAAAAAAAAAAAAAAAAAAAAAAAAAAAAAAAAAAAAAAAAAAAAAAAAAAAAAAAAAAAAAAAAAAAAAAAAAAAAAAAAAAAAAAAAAAAAAAAAAAAAAAAAAAAAAAAAAAAAAAAAAAAAAAAAAAAAAAAAAAAAAAAAAAAAAAAAAAAAAAAAAAAAAAAAAAAAAAAAAAAAAAAAAAAAAAAAAAAAAAAAAAAAAAAAAAAAAAAAAAAAAAAAAAAAAAAAAAAAAAAAAAAAAAAAAAAAAAAAAAAAAAAAAAAAAAAAAAAAAAAAAAAAAAAAAAAAAAAAAAAAAAAAAAAAAAAAAAAAAAAAAAAAAAAAAAAAAAAAAAAAAAAAAAAAAAAAAAAAAAAAAAAAAAAAAAAAAAAAAAAAAAAAAAAAAAAAAAAAAAAAAAAAAAAAAAAAAAAAAAAAAAAAAAAAAAAAAAAAAAAAAAAAAAAAAAAAAAAAAAAAAAAAAAAAAAAAAAAAAAAAAAAAAAAAAAAAAAAAAAAAAAAAAAAAAAAAAAAAAAAAAAAAAAAAAAAAAAAAAAAAAAAAAAAAAAAAAAAAAAAAAAAAAAAAAAAAAAAAAAAAAAAAAAAAAAAAAAAAAAAAAAAAAAAAAAAAAAAAAAAAAAAAAAAAAAAAAAAAAAAAAAAAAAAAAAAAAAAAAAAAAAAAAAAAAAAAAAAAAAAAAAAAAAAAAAAAAAAAAAAAAAAAAAAAAAAAAAAAAAAAAAAAAAAAAAAAAAAAAAAAAAAAAAAAAAAAAAAAAAAAAAAAAAAAAAAAAAAAAAAAAAAAAAAAAAAAAAAAAAAAAAAAAAAAAAAAAAAAAAAAAAAAAAAAAAAAAAAAAAAAAAAAAAAAAAAAAAAAAAAAAAAAAAAAAAAAAAAAAAAAAAAAAAAAAAAAAAAAAAAAAAAAAAAAAAAAAAAAAAAAAAAAAAAAAAAAAAAAAAAAAAAAAAAAAAAAAAAAAAAAAAAAAAAAAAAAAAAAAAAAAAAAAAAAAAAAAAAAAAAAAAAAAAAAAAAAAAAAAAAAAAAAAAAAAAAAAAAAAAAAAAAAAAAAAAAAAAAAAAAAAAAAAAAAAAAAAAAAAAAAAAAAAAAAAAAAAAAAAAAAAAAAAAAAAAAAAAAAAAAAAAAAAAAAAAAAAAAAAAAAAAAAAAAAAAAAAAAAAAAAAAAAAAAAAAAAAAAAAAAAAAAAAAAAAAAAAAAAAAAAAAAAAAAAAAAAAAAAAAAAAAAAAAAAAAAAAAAAAAAAAAAAAAAAAAAAAAAAAAAAAAAAAAAAAAAAAAAAAAAAAAAAAAAAAAAAAAAAAAAAAAAAAAAAAAAAAAAAAAAAAAAAAAAAAAAAAAAAAAAAAAAAAAAAAAAAAAAAAAAAAAAAAAAAAAAAAAAAAAAAAAAAAAAAAAAAAAAAAAAAAAAAAAAAAAAAAAAAAAAAAAAAAAAAAAAAAAAAAAAAAAAAAAAAAAAAAAAAAAAAAAAAAAAAAAAAAAAAAAAAAAAAAAAAAAAAAAAAAAAAAAAAAAAAAAAAAAAAAAAAAAAAAAAAAAAAAAAAAAAAAAAAAAAAAAAAAAAAAAAAAAAAAAAAAAAAAAAAAAAAAAAAAAAAAAAAAAAAAAAAAAAAAAAAAAAAAAAAAAAAAAAAAAAAAAAAAAAAAAAAAAAAAAAAAAAAAAAAAAAAAAAAAAAAAAAAAAAAAAAAAAAAAAAAAAAAAAAAAAAAAAAAAAAAAAAAAAAAAAAAAAAAAAAAAAAAAAAAAAAAAAAAAAAAAAAAAAAAAAAAAAAAAAAAAAAAAAAAAAAAAAAAAAAAAAAAAAAAAAAAAAAAAAAAAAAAAAAAAAAAAAAAAAAAAAAAAAAAAAAAAAAAAAAAAAAAAAAAAAAAAAAAAAAAAAAAAAAAAAAAAAAAAAAAAAAAAAAAAAAAAAAAAAAAAAAAAAAAAAAAAAAAAAAAAAAAAAAAAAAAAAAAAAAAAAAAAAAAAAAAAAAAAAAAAAAAAAAAAAAAAAAAAAAAAAAAAAAAAAAAAAAAAAAAAAAAAAAAAAAAAAAAAAAAAAAAAAAAAAAAAAAAAAAAAAAAAAAAAAAAAAAAAAAAAAAAAAAAAAAAAAAAAAAAAAAAAAAAAAAAAAAAAAAAAAAAAAAAAAAAAAAAAAAAAAAAAAAAAAAAAAAAAAAAAAAAAAAAAAAAAAAAAAAAAAAAAAAAAAAAAAAAAAAAAAAAAAAAAAAAAAAAAAAAAAAAAAAAAAAAAAAAAAAAAAAAAAAAAAAAAAAAAAAAAAAAAAAAAAAAAAAAAAAAAAAAAAAAAAAAAAAAAAAAAAAAAAAAAAAAAAAAAAAAAAAAAAAAAAAAAAAAAAAAAAAAAAAAAAAAAAAAAAAAAAAAAAAAAAAAAAAAAAAAAAAAAAAAAAAAAAAAAAAAAAAAAAAAAAAAAAAAAAAAAAAAAAAAAAAAAAAAAAAAAAAAAAAAAAAAAAAAAAAAAAAAAAAAAAAAAAAAAAAAAAAAAAAAAAAAAAAAAAAAAAAAAAAAAAAAAAAAAAAAAAAAAAAAAAAAAAAAAAAAAAAAAAAAAAAAAAAAAAAAAAAAAAAAAAAAAAAAAAAAAAAAAAAAAAAAAAAAAAAAAAAAAAAAAAAAAAAAAAAAAAAAAAAAAAAAAAAAAAAAAAAAAAAAAAAAAAAAAAAAAAAAAAAAAAAAAAAAAAAAAAAAAAAAAAAAAAAAAAAAAAAAAAAAAAAAAAAAAAAAAAAAAAAAAAAAAAAAAAAAAAAAAAAAAAAAAAAAAAAAAAAAAAAAAAAAAAAAAAAAAAAAAAAAAAAAAAAAAAAAAAAAAAAAAAAAAAAAAAAAAAAAAAAAAAAAAAAAAAAAAAAAAAAAAAAAAAAAAAAAAAAAAAAAAAAAAAAAAAAAAAAAAAAAAAAAAAAAAAAAAAAAAAAAAAAAAAAAAAAAAAAAAAAAAAAAAAAAAAAAAAAAAAAAAAAAAAAAAAAAAAAAAAAAAAAAAAAAAAAAAAAAAAAAAAAAAAAAAAAAAAAAAAAAAAAAAAAAAAAAAAAAAAAAAAAAAAAAAAAAAAAAAAAAAAAAAAAAAAAAAAAAAAAAAAAAAAAAAAAAAAAAAAAAAAAAAAAAAAAAAAAAAAAAAAAAAAAAAAAAAAAAAAAAAAAAAAAAAAAAAAAAAAAAAAAAAAAAAAAAAAAAAAAAAAAAAAAAAAAAAAAAAAAAAAAAAAAAAAAAAAAAAAAAAAAAAAAAAAAAAAAAAAAAAAAAAAAAAAAAAAAAAAAAAAAAAAAAAAAAAAAAAAAAAAAAAAAAAAAAAAAAAAAAAAAAAAAAAAAAAAAAAAAAAAAAAAAAAAAAAAAAAAAAAAAAAAAAAAAAAAAAAAAAAAAAAAAAAAAAAAAAAAAAAAAAAAAAAAAAAAAAAAAAAAAAAAAAAAAAAAAAAAAAAAAAAAAAAAAAAAAAAAAAAAAAAAAAAAAAAAAAAAAAAAAAAAAAAAAAAAAAAAAAAAAAAAAAAAAAAAAAAAAAAAAAAAAAAAAAAAAAAAAAAAAAAAAAAAAAAAAAAAAAAAAAAAAAAAAAAAAAAAAAAAAAAAAAAAAAAAAAAAAAAAAAAAAAAAAAAAAAAAAAAAAAAAAAAAAAAAAAAAAAAAAAAAAAAAAAAAAAAAAAAAAAAAAAAAAAAAAAAAAAAAAAAAAAAAAAAAAAAAAAAAAAAAAAAAAAAAAAAAAAAAAAAAAAAAAAAAAAAAAAAAAAAAAAAAAAAAAAAAAAAAAAAAAAAAAAAAAAAAAAAAAAAAAAAAAAAAAAAAAAAAAAAAAAAAAAAAAAAAAAAAAAAAAAAAAAAAAAAAAAAAAAAAAAAAAAAAAAAAAAAAAAAAAAAAAAAAAAAAAAAAAAAAAAAAAAAAAAAAAAAAAAAAAAAAAAAAAAAAAAAAAAAAAAAAAAAAAAAAAAAAAAAAAAAAAAAAAAAAAAAAAAAAAAAAAAAAAAAAAAAAAAAAAAAAAAAAAAAAAAAAAAAAAAAAAAAAAAAAAAAAAAAAAAAAAAAAAAAAAAAAAAAAAAAAAAAAAAAAAAAAAAAAAAAAAAAAAAAAAAAAAAAAAAAAAAAAAAAAAAAAAAAAAAAAAAAAAAAAAAAAAAAAAAAAAAAAAAAAAAAAAAAAAAAAAAAAAAAAAAAAAAAAAAAAAAAAAAAAAAAAAAAAAAAAAAAAAAAAAAAAAAAAAAAAAAAAAAAAAAAAAAAAAAAAAAAAAAAAAAAAAAAAAAAAAAAAAAAAAAAAAAAAAAAAAAAAAAAAAAAAAAAAAAAAAAAAAAAAAAAAAAAAAAAAAAAAAAAAAAAAAAAAAAAAAAAAAAAAAAAAAAAAAAAAAAAAAAAAAAAAAAAAAAAAAAAAAAAAAAAAAAAAAAAAAAAAAAAAAAAAAAAAAAAAAAAAAAAAAAAAAAAAAAAAAAAAAAAAAAAAAAAAAAAAAAAAAAAAAAAAAAAAAAAAAAAAAAAAAAAAAAAAAAAAAAAAAAAAAAAAAAAAAAAAAAAAAAAAAAAAAAAAAAAAAAAAAAAAAAAAAAAAAAAAAAAAAAAAAAAAAAAAAAAAAAAAAAAAAAAAAAAAAAAAAAAAAAAAAAAAAAAAAAAAAAAAAAAAAAAAAAAAAAAAAAAAAAAAAAAAAAAAAAAAAAAAAAAAAAAAAAAAAAAAAAAAAAAAAAAAAAAAAAAAAAAAAAAAAAAAAAAAAAAAAAAAAAAAAAAAAAAAAAAAAAAAAAAAAAAAAAAAAAAAAAAAAAAAAAAAAAA"/>
-  <p:tag name="EMPOWERCHARTSPROPERTIES_SLOT" val="A"/>
-  <p:tag name="EMPOWERCHARTSPROPERTIES_LASTWRITEDATE" val="638360758370251267"/>
-  <p:tag name="EMPOWERCHARTSPROPERTIES_A_LENGTH" val="24576"/>
-  <p:tag name="RUNTIME_ID" val="a5a10b8d-1e12-4f07-b18e-0042a0261ea0"/>
-</p:tagLst>
-</file>
-
-<file path=ppt/tags/tag4.xml><?xml version="1.0" encoding="utf-8"?>
-<p:tagLst xmlns:a="http://schemas.openxmlformats.org/drawingml/2006/main" xmlns:r="http://schemas.openxmlformats.org/officeDocument/2006/relationships" xmlns:p="http://schemas.openxmlformats.org/presentationml/2006/main">
-  <p:tag name="THINKCELLSHAPEDONOTDELETE" val="thinkcellActiveDocDoNotDelete"/>
 </p:tagLst>
 </file>
 
@@ -6973,17 +7040,6 @@
 </file>
 
 <file path=customXml/item1.xml><?xml version="1.0" encoding="utf-8"?>
-<p:properties xmlns:p="http://schemas.microsoft.com/office/2006/metadata/properties" xmlns:xsi="http://www.w3.org/2001/XMLSchema-instance" xmlns:pc="http://schemas.microsoft.com/office/infopath/2007/PartnerControls">
-  <documentManagement>
-    <lcf76f155ced4ddcb4097134ff3c332f xmlns="6dd700bd-da09-4649-9444-0dda6d878ea0">
-      <Terms xmlns="http://schemas.microsoft.com/office/infopath/2007/PartnerControls"/>
-    </lcf76f155ced4ddcb4097134ff3c332f>
-    <TaxCatchAll xmlns="864686ff-c528-4121-8c14-dfe2dfe54fd3" xsi:nil="true"/>
-  </documentManagement>
-</p:properties>
-</file>
-
-<file path=customXml/item2.xml><?xml version="1.0" encoding="utf-8"?>
 <ct:contentTypeSchema xmlns:ct="http://schemas.microsoft.com/office/2006/metadata/contentType" xmlns:ma="http://schemas.microsoft.com/office/2006/metadata/properties/metaAttributes" ct:_="" ma:_="" ma:contentTypeName="Document" ma:contentTypeID="0x01010044EBA828D669A945A665683A6A0700C6" ma:contentTypeVersion="16" ma:contentTypeDescription="Create a new document." ma:contentTypeScope="" ma:versionID="3689712686b1536c59bae695a2aec147">
   <xsd:schema xmlns:xsd="http://www.w3.org/2001/XMLSchema" xmlns:xs="http://www.w3.org/2001/XMLSchema" xmlns:p="http://schemas.microsoft.com/office/2006/metadata/properties" xmlns:ns2="6dd700bd-da09-4649-9444-0dda6d878ea0" xmlns:ns3="864686ff-c528-4121-8c14-dfe2dfe54fd3" targetNamespace="http://schemas.microsoft.com/office/2006/metadata/properties" ma:root="true" ma:fieldsID="b09bedee47c1608be4bb72120d99801d" ns2:_="" ns3:_="">
     <xsd:import namespace="6dd700bd-da09-4649-9444-0dda6d878ea0"/>
@@ -7218,24 +7274,18 @@
 </ct:contentTypeSchema>
 </file>
 
-<file path=customXml/itemProps1.xml><?xml version="1.0" encoding="utf-8"?>
-<ds:datastoreItem xmlns:ds="http://schemas.openxmlformats.org/officeDocument/2006/customXml" ds:itemID="{D3B317A9-6803-48C9-9473-817C969622FE}">
-  <ds:schemaRefs>
-    <ds:schemaRef ds:uri="http://schemas.microsoft.com/office/2006/documentManagement/types"/>
-    <ds:schemaRef ds:uri="http://purl.org/dc/elements/1.1/"/>
-    <ds:schemaRef ds:uri="http://purl.org/dc/dcmitype/"/>
-    <ds:schemaRef ds:uri="6dd700bd-da09-4649-9444-0dda6d878ea0"/>
-    <ds:schemaRef ds:uri="http://www.w3.org/XML/1998/namespace"/>
-    <ds:schemaRef ds:uri="http://purl.org/dc/terms/"/>
-    <ds:schemaRef ds:uri="http://schemas.microsoft.com/office/2006/metadata/properties"/>
-    <ds:schemaRef ds:uri="http://schemas.microsoft.com/office/infopath/2007/PartnerControls"/>
-    <ds:schemaRef ds:uri="http://schemas.openxmlformats.org/package/2006/metadata/core-properties"/>
-    <ds:schemaRef ds:uri="864686ff-c528-4121-8c14-dfe2dfe54fd3"/>
-  </ds:schemaRefs>
-</ds:datastoreItem>
+<file path=customXml/item2.xml><?xml version="1.0" encoding="utf-8"?>
+<p:properties xmlns:p="http://schemas.microsoft.com/office/2006/metadata/properties" xmlns:xsi="http://www.w3.org/2001/XMLSchema-instance" xmlns:pc="http://schemas.microsoft.com/office/infopath/2007/PartnerControls">
+  <documentManagement>
+    <lcf76f155ced4ddcb4097134ff3c332f xmlns="6dd700bd-da09-4649-9444-0dda6d878ea0">
+      <Terms xmlns="http://schemas.microsoft.com/office/infopath/2007/PartnerControls"/>
+    </lcf76f155ced4ddcb4097134ff3c332f>
+    <TaxCatchAll xmlns="864686ff-c528-4121-8c14-dfe2dfe54fd3" xsi:nil="true"/>
+  </documentManagement>
+</p:properties>
 </file>
 
-<file path=customXml/itemProps2.xml><?xml version="1.0" encoding="utf-8"?>
+<file path=customXml/itemProps1.xml><?xml version="1.0" encoding="utf-8"?>
 <ds:datastoreItem xmlns:ds="http://schemas.openxmlformats.org/officeDocument/2006/customXml" ds:itemID="{343A29A7-6CC8-4547-B6F1-D3AFCBF90A13}">
   <ds:schemaRefs>
     <ds:schemaRef ds:uri="6dd700bd-da09-4649-9444-0dda6d878ea0"/>
@@ -7252,4 +7302,21 @@
     <ds:schemaRef ds:uri="http://www.w3.org/2001/XMLSchema"/>
   </ds:schemaRefs>
 </ds:datastoreItem>
+</file>
+
+<file path=customXml/itemProps2.xml><?xml version="1.0" encoding="utf-8"?>
+<ds:datastoreItem xmlns:ds="http://schemas.openxmlformats.org/officeDocument/2006/customXml" ds:itemID="{D3B317A9-6803-48C9-9473-817C969622FE}">
+  <ds:schemaRefs>
+    <ds:schemaRef ds:uri="http://schemas.microsoft.com/office/2006/documentManagement/types"/>
+    <ds:schemaRef ds:uri="http://purl.org/dc/elements/1.1/"/>
+    <ds:schemaRef ds:uri="http://purl.org/dc/dcmitype/"/>
+    <ds:schemaRef ds:uri="6dd700bd-da09-4649-9444-0dda6d878ea0"/>
+    <ds:schemaRef ds:uri="http://www.w3.org/XML/1998/namespace"/>
+    <ds:schemaRef ds:uri="http://purl.org/dc/terms/"/>
+    <ds:schemaRef ds:uri="http://schemas.microsoft.com/office/2006/metadata/properties"/>
+    <ds:schemaRef ds:uri="http://schemas.microsoft.com/office/infopath/2007/PartnerControls"/>
+    <ds:schemaRef ds:uri="http://schemas.openxmlformats.org/package/2006/metadata/core-properties"/>
+    <ds:schemaRef ds:uri="864686ff-c528-4121-8c14-dfe2dfe54fd3"/>
+  </ds:schemaRefs>
+</ds:datastoreItem>
 </file>